--- a/Progress Presentation/team48progressreport.pptx
+++ b/Progress Presentation/team48progressreport.pptx
@@ -2,7 +2,7 @@
 <file path=ppt/presentation.xml><?xml version="1.0" encoding="utf-8"?>
 <p:presentation xmlns:a="http://schemas.openxmlformats.org/drawingml/2006/main" xmlns:r="http://schemas.openxmlformats.org/officeDocument/2006/relationships" xmlns:p="http://schemas.openxmlformats.org/presentationml/2006/main" saveSubsetFonts="1" autoCompressPictures="0">
   <p:sldMasterIdLst>
-    <p:sldMasterId id="2147483648" r:id="rId1"/>
+    <p:sldMasterId id="2147483684" r:id="rId1"/>
   </p:sldMasterIdLst>
   <p:sldIdLst>
     <p:sldId id="256" r:id="rId2"/>
@@ -151,7 +151,7 @@
           <p:cNvPr id="2" name="Title 1">
             <a:extLst>
               <a:ext uri="{FF2B5EF4-FFF2-40B4-BE49-F238E27FC236}">
-                <a16:creationId xmlns:a16="http://schemas.microsoft.com/office/drawing/2014/main" id="{FA7EA172-3FD0-57FD-C167-2D6B1F00E810}"/>
+                <a16:creationId xmlns:a16="http://schemas.microsoft.com/office/drawing/2014/main" id="{5628A2FB-CF29-F35B-FDD3-76974F0165DB}"/>
               </a:ext>
             </a:extLst>
           </p:cNvPr>
@@ -188,7 +188,7 @@
           <p:cNvPr id="3" name="Subtitle 2">
             <a:extLst>
               <a:ext uri="{FF2B5EF4-FFF2-40B4-BE49-F238E27FC236}">
-                <a16:creationId xmlns:a16="http://schemas.microsoft.com/office/drawing/2014/main" id="{F3C9EB9E-29B7-5D3D-0CCF-9E7A06F2D3DD}"/>
+                <a16:creationId xmlns:a16="http://schemas.microsoft.com/office/drawing/2014/main" id="{5CF19DE3-ED5E-A672-65C2-52299ABBCB78}"/>
               </a:ext>
             </a:extLst>
           </p:cNvPr>
@@ -258,7 +258,7 @@
           <p:cNvPr id="4" name="Date Placeholder 3">
             <a:extLst>
               <a:ext uri="{FF2B5EF4-FFF2-40B4-BE49-F238E27FC236}">
-                <a16:creationId xmlns:a16="http://schemas.microsoft.com/office/drawing/2014/main" id="{6DDFD66E-D413-AAA7-D31F-899CC8C15EDD}"/>
+                <a16:creationId xmlns:a16="http://schemas.microsoft.com/office/drawing/2014/main" id="{FE3EE63B-61CE-A222-3214-05DB37CDA613}"/>
               </a:ext>
             </a:extLst>
           </p:cNvPr>
@@ -287,7 +287,7 @@
           <p:cNvPr id="5" name="Footer Placeholder 4">
             <a:extLst>
               <a:ext uri="{FF2B5EF4-FFF2-40B4-BE49-F238E27FC236}">
-                <a16:creationId xmlns:a16="http://schemas.microsoft.com/office/drawing/2014/main" id="{BAB1F1AB-B53A-F3A8-D305-26A74F0A1566}"/>
+                <a16:creationId xmlns:a16="http://schemas.microsoft.com/office/drawing/2014/main" id="{644CE9E3-D8BB-7C34-A088-DBCD87ECB26C}"/>
               </a:ext>
             </a:extLst>
           </p:cNvPr>
@@ -312,7 +312,7 @@
           <p:cNvPr id="6" name="Slide Number Placeholder 5">
             <a:extLst>
               <a:ext uri="{FF2B5EF4-FFF2-40B4-BE49-F238E27FC236}">
-                <a16:creationId xmlns:a16="http://schemas.microsoft.com/office/drawing/2014/main" id="{8ADB473F-F31E-098A-8FA9-E94A772C178D}"/>
+                <a16:creationId xmlns:a16="http://schemas.microsoft.com/office/drawing/2014/main" id="{65D2C766-D08F-9B2F-18ED-E2BB3A77D83D}"/>
               </a:ext>
             </a:extLst>
           </p:cNvPr>
@@ -339,7 +339,7 @@
     </p:spTree>
     <p:extLst>
       <p:ext uri="{BB962C8B-B14F-4D97-AF65-F5344CB8AC3E}">
-        <p14:creationId xmlns:p14="http://schemas.microsoft.com/office/powerpoint/2010/main" val="1363971422"/>
+        <p14:creationId xmlns:p14="http://schemas.microsoft.com/office/powerpoint/2010/main" val="2746658748"/>
       </p:ext>
     </p:extLst>
   </p:cSld>
@@ -371,7 +371,7 @@
           <p:cNvPr id="2" name="Title 1">
             <a:extLst>
               <a:ext uri="{FF2B5EF4-FFF2-40B4-BE49-F238E27FC236}">
-                <a16:creationId xmlns:a16="http://schemas.microsoft.com/office/drawing/2014/main" id="{7F11A7EE-7600-07C3-149D-2C9F0E12A33B}"/>
+                <a16:creationId xmlns:a16="http://schemas.microsoft.com/office/drawing/2014/main" id="{5FDE6044-FB56-D40F-A307-B312240A5B2F}"/>
               </a:ext>
             </a:extLst>
           </p:cNvPr>
@@ -399,7 +399,7 @@
           <p:cNvPr id="3" name="Vertical Text Placeholder 2">
             <a:extLst>
               <a:ext uri="{FF2B5EF4-FFF2-40B4-BE49-F238E27FC236}">
-                <a16:creationId xmlns:a16="http://schemas.microsoft.com/office/drawing/2014/main" id="{6D9F2B74-405E-F06E-FD7E-9BDD1C443233}"/>
+                <a16:creationId xmlns:a16="http://schemas.microsoft.com/office/drawing/2014/main" id="{0331BF92-C28E-B993-F555-C6ADB079E9E2}"/>
               </a:ext>
             </a:extLst>
           </p:cNvPr>
@@ -456,7 +456,7 @@
           <p:cNvPr id="4" name="Date Placeholder 3">
             <a:extLst>
               <a:ext uri="{FF2B5EF4-FFF2-40B4-BE49-F238E27FC236}">
-                <a16:creationId xmlns:a16="http://schemas.microsoft.com/office/drawing/2014/main" id="{F519EFAF-B557-BCD8-34FA-0174BA2F3AED}"/>
+                <a16:creationId xmlns:a16="http://schemas.microsoft.com/office/drawing/2014/main" id="{557E1F4C-A887-B3C3-8554-9FC4D8C31293}"/>
               </a:ext>
             </a:extLst>
           </p:cNvPr>
@@ -485,7 +485,7 @@
           <p:cNvPr id="5" name="Footer Placeholder 4">
             <a:extLst>
               <a:ext uri="{FF2B5EF4-FFF2-40B4-BE49-F238E27FC236}">
-                <a16:creationId xmlns:a16="http://schemas.microsoft.com/office/drawing/2014/main" id="{24BA40CA-6AC1-B1F4-074C-297AD571CE35}"/>
+                <a16:creationId xmlns:a16="http://schemas.microsoft.com/office/drawing/2014/main" id="{85032C0F-87F1-691D-234A-02A6AC406D94}"/>
               </a:ext>
             </a:extLst>
           </p:cNvPr>
@@ -510,7 +510,7 @@
           <p:cNvPr id="6" name="Slide Number Placeholder 5">
             <a:extLst>
               <a:ext uri="{FF2B5EF4-FFF2-40B4-BE49-F238E27FC236}">
-                <a16:creationId xmlns:a16="http://schemas.microsoft.com/office/drawing/2014/main" id="{17DD7B60-87EB-BE1D-F6E3-7492EEC7DF38}"/>
+                <a16:creationId xmlns:a16="http://schemas.microsoft.com/office/drawing/2014/main" id="{D96A07AE-BCFE-B91F-0F85-557A74302843}"/>
               </a:ext>
             </a:extLst>
           </p:cNvPr>
@@ -537,7 +537,7 @@
     </p:spTree>
     <p:extLst>
       <p:ext uri="{BB962C8B-B14F-4D97-AF65-F5344CB8AC3E}">
-        <p14:creationId xmlns:p14="http://schemas.microsoft.com/office/powerpoint/2010/main" val="3930156705"/>
+        <p14:creationId xmlns:p14="http://schemas.microsoft.com/office/powerpoint/2010/main" val="466864411"/>
       </p:ext>
     </p:extLst>
   </p:cSld>
@@ -569,7 +569,7 @@
           <p:cNvPr id="2" name="Vertical Title 1">
             <a:extLst>
               <a:ext uri="{FF2B5EF4-FFF2-40B4-BE49-F238E27FC236}">
-                <a16:creationId xmlns:a16="http://schemas.microsoft.com/office/drawing/2014/main" id="{E61960C2-600B-8591-0728-B18BBCB131D1}"/>
+                <a16:creationId xmlns:a16="http://schemas.microsoft.com/office/drawing/2014/main" id="{8CFB023F-DD3E-C429-FA4F-D73C0D2213EA}"/>
               </a:ext>
             </a:extLst>
           </p:cNvPr>
@@ -602,7 +602,7 @@
           <p:cNvPr id="3" name="Vertical Text Placeholder 2">
             <a:extLst>
               <a:ext uri="{FF2B5EF4-FFF2-40B4-BE49-F238E27FC236}">
-                <a16:creationId xmlns:a16="http://schemas.microsoft.com/office/drawing/2014/main" id="{7292B336-78E4-3A2F-4963-6D59CB4300CD}"/>
+                <a16:creationId xmlns:a16="http://schemas.microsoft.com/office/drawing/2014/main" id="{FF426273-846F-32B2-402F-B73E29A54A6A}"/>
               </a:ext>
             </a:extLst>
           </p:cNvPr>
@@ -664,7 +664,7 @@
           <p:cNvPr id="4" name="Date Placeholder 3">
             <a:extLst>
               <a:ext uri="{FF2B5EF4-FFF2-40B4-BE49-F238E27FC236}">
-                <a16:creationId xmlns:a16="http://schemas.microsoft.com/office/drawing/2014/main" id="{A4E4D316-CFAB-A8DC-7EB7-FCFCDF09B99F}"/>
+                <a16:creationId xmlns:a16="http://schemas.microsoft.com/office/drawing/2014/main" id="{8470DF49-9C65-FF05-8939-71FE1E9DEAFF}"/>
               </a:ext>
             </a:extLst>
           </p:cNvPr>
@@ -693,7 +693,7 @@
           <p:cNvPr id="5" name="Footer Placeholder 4">
             <a:extLst>
               <a:ext uri="{FF2B5EF4-FFF2-40B4-BE49-F238E27FC236}">
-                <a16:creationId xmlns:a16="http://schemas.microsoft.com/office/drawing/2014/main" id="{73410E33-3A20-38BF-4E71-5839C6783220}"/>
+                <a16:creationId xmlns:a16="http://schemas.microsoft.com/office/drawing/2014/main" id="{38CF38EE-D44B-7FE3-902A-F371C198431F}"/>
               </a:ext>
             </a:extLst>
           </p:cNvPr>
@@ -718,7 +718,7 @@
           <p:cNvPr id="6" name="Slide Number Placeholder 5">
             <a:extLst>
               <a:ext uri="{FF2B5EF4-FFF2-40B4-BE49-F238E27FC236}">
-                <a16:creationId xmlns:a16="http://schemas.microsoft.com/office/drawing/2014/main" id="{EB2D6035-4023-30A8-798C-49A279A15114}"/>
+                <a16:creationId xmlns:a16="http://schemas.microsoft.com/office/drawing/2014/main" id="{43F4C7B4-9147-5A15-A4D7-1D3ED7DD3472}"/>
               </a:ext>
             </a:extLst>
           </p:cNvPr>
@@ -745,7 +745,7 @@
     </p:spTree>
     <p:extLst>
       <p:ext uri="{BB962C8B-B14F-4D97-AF65-F5344CB8AC3E}">
-        <p14:creationId xmlns:p14="http://schemas.microsoft.com/office/powerpoint/2010/main" val="2984783445"/>
+        <p14:creationId xmlns:p14="http://schemas.microsoft.com/office/powerpoint/2010/main" val="3632742916"/>
       </p:ext>
     </p:extLst>
   </p:cSld>
@@ -774,10 +774,65 @@
       </p:grpSpPr>
       <p:sp>
         <p:nvSpPr>
+          <p:cNvPr id="7" name="Rectangle 6">
+            <a:extLst>
+              <a:ext uri="{FF2B5EF4-FFF2-40B4-BE49-F238E27FC236}">
+                <a16:creationId xmlns:a16="http://schemas.microsoft.com/office/drawing/2014/main" id="{FCE99348-6230-AEFA-7928-B700009FCB28}"/>
+              </a:ext>
+            </a:extLst>
+          </p:cNvPr>
+          <p:cNvSpPr/>
+          <p:nvPr userDrawn="1"/>
+        </p:nvSpPr>
+        <p:spPr>
+          <a:xfrm>
+            <a:off x="0" y="0"/>
+            <a:ext cx="12192000" cy="1242391"/>
+          </a:xfrm>
+          <a:prstGeom prst="rect">
+            <a:avLst/>
+          </a:prstGeom>
+          <a:solidFill>
+            <a:schemeClr val="accent1">
+              <a:lumMod val="20000"/>
+              <a:lumOff val="80000"/>
+            </a:schemeClr>
+          </a:solidFill>
+          <a:ln>
+            <a:noFill/>
+          </a:ln>
+        </p:spPr>
+        <p:style>
+          <a:lnRef idx="2">
+            <a:schemeClr val="accent1">
+              <a:shade val="50000"/>
+            </a:schemeClr>
+          </a:lnRef>
+          <a:fillRef idx="1">
+            <a:schemeClr val="accent1"/>
+          </a:fillRef>
+          <a:effectRef idx="0">
+            <a:schemeClr val="accent1"/>
+          </a:effectRef>
+          <a:fontRef idx="minor">
+            <a:schemeClr val="lt1"/>
+          </a:fontRef>
+        </p:style>
+        <p:txBody>
+          <a:bodyPr rtlCol="0" anchor="ctr"/>
+          <a:lstStyle/>
+          <a:p>
+            <a:pPr algn="ctr"/>
+            <a:endParaRPr lang="en-US"/>
+          </a:p>
+        </p:txBody>
+      </p:sp>
+      <p:sp>
+        <p:nvSpPr>
           <p:cNvPr id="2" name="Title 1">
             <a:extLst>
               <a:ext uri="{FF2B5EF4-FFF2-40B4-BE49-F238E27FC236}">
-                <a16:creationId xmlns:a16="http://schemas.microsoft.com/office/drawing/2014/main" id="{163572A8-80F8-134C-EBE4-48F3C617A4C6}"/>
+                <a16:creationId xmlns:a16="http://schemas.microsoft.com/office/drawing/2014/main" id="{B3FB9197-2C4F-1E6D-00CD-FC998193D297}"/>
               </a:ext>
             </a:extLst>
           </p:cNvPr>
@@ -805,7 +860,7 @@
           <p:cNvPr id="3" name="Content Placeholder 2">
             <a:extLst>
               <a:ext uri="{FF2B5EF4-FFF2-40B4-BE49-F238E27FC236}">
-                <a16:creationId xmlns:a16="http://schemas.microsoft.com/office/drawing/2014/main" id="{B04F493C-D8BD-771B-E300-6BC22C0ED6DD}"/>
+                <a16:creationId xmlns:a16="http://schemas.microsoft.com/office/drawing/2014/main" id="{F310911C-5CB9-386E-0D43-A3B9C8585B01}"/>
               </a:ext>
             </a:extLst>
           </p:cNvPr>
@@ -862,7 +917,7 @@
           <p:cNvPr id="4" name="Date Placeholder 3">
             <a:extLst>
               <a:ext uri="{FF2B5EF4-FFF2-40B4-BE49-F238E27FC236}">
-                <a16:creationId xmlns:a16="http://schemas.microsoft.com/office/drawing/2014/main" id="{6AF9DE5F-A390-1927-FCF7-9E7BA8B31D1D}"/>
+                <a16:creationId xmlns:a16="http://schemas.microsoft.com/office/drawing/2014/main" id="{20973A7A-E581-C0A5-3987-F1F1A7DBD43D}"/>
               </a:ext>
             </a:extLst>
           </p:cNvPr>
@@ -891,7 +946,7 @@
           <p:cNvPr id="5" name="Footer Placeholder 4">
             <a:extLst>
               <a:ext uri="{FF2B5EF4-FFF2-40B4-BE49-F238E27FC236}">
-                <a16:creationId xmlns:a16="http://schemas.microsoft.com/office/drawing/2014/main" id="{5B1C1FD3-423D-E1A9-B83E-09989E3840C4}"/>
+                <a16:creationId xmlns:a16="http://schemas.microsoft.com/office/drawing/2014/main" id="{D4587843-E6C6-1777-DA0E-958BC7CC285F}"/>
               </a:ext>
             </a:extLst>
           </p:cNvPr>
@@ -916,7 +971,7 @@
           <p:cNvPr id="6" name="Slide Number Placeholder 5">
             <a:extLst>
               <a:ext uri="{FF2B5EF4-FFF2-40B4-BE49-F238E27FC236}">
-                <a16:creationId xmlns:a16="http://schemas.microsoft.com/office/drawing/2014/main" id="{5AA83C46-F573-F0F5-B984-3DFE355FE7AA}"/>
+                <a16:creationId xmlns:a16="http://schemas.microsoft.com/office/drawing/2014/main" id="{6CB41EAC-5254-4D15-E21E-0A6297A1F0B4}"/>
               </a:ext>
             </a:extLst>
           </p:cNvPr>
@@ -943,7 +998,7 @@
     </p:spTree>
     <p:extLst>
       <p:ext uri="{BB962C8B-B14F-4D97-AF65-F5344CB8AC3E}">
-        <p14:creationId xmlns:p14="http://schemas.microsoft.com/office/powerpoint/2010/main" val="954862854"/>
+        <p14:creationId xmlns:p14="http://schemas.microsoft.com/office/powerpoint/2010/main" val="3552604647"/>
       </p:ext>
     </p:extLst>
   </p:cSld>
@@ -975,7 +1030,7 @@
           <p:cNvPr id="2" name="Title 1">
             <a:extLst>
               <a:ext uri="{FF2B5EF4-FFF2-40B4-BE49-F238E27FC236}">
-                <a16:creationId xmlns:a16="http://schemas.microsoft.com/office/drawing/2014/main" id="{ACF95597-A578-CEA4-A463-A0D15FC3AD39}"/>
+                <a16:creationId xmlns:a16="http://schemas.microsoft.com/office/drawing/2014/main" id="{432DAB69-C9E7-78E7-B173-E12929B4F952}"/>
               </a:ext>
             </a:extLst>
           </p:cNvPr>
@@ -1012,7 +1067,7 @@
           <p:cNvPr id="3" name="Text Placeholder 2">
             <a:extLst>
               <a:ext uri="{FF2B5EF4-FFF2-40B4-BE49-F238E27FC236}">
-                <a16:creationId xmlns:a16="http://schemas.microsoft.com/office/drawing/2014/main" id="{45BC66D6-3E61-C8FE-BD49-80CF98F124C3}"/>
+                <a16:creationId xmlns:a16="http://schemas.microsoft.com/office/drawing/2014/main" id="{8CA3FA67-F84C-905A-2191-DCB420CFB378}"/>
               </a:ext>
             </a:extLst>
           </p:cNvPr>
@@ -1137,7 +1192,7 @@
           <p:cNvPr id="4" name="Date Placeholder 3">
             <a:extLst>
               <a:ext uri="{FF2B5EF4-FFF2-40B4-BE49-F238E27FC236}">
-                <a16:creationId xmlns:a16="http://schemas.microsoft.com/office/drawing/2014/main" id="{B93B3859-FE16-668D-EF09-64DF4F008606}"/>
+                <a16:creationId xmlns:a16="http://schemas.microsoft.com/office/drawing/2014/main" id="{D52B0BD1-7A31-7F1E-8AAF-605323C02FAA}"/>
               </a:ext>
             </a:extLst>
           </p:cNvPr>
@@ -1166,7 +1221,7 @@
           <p:cNvPr id="5" name="Footer Placeholder 4">
             <a:extLst>
               <a:ext uri="{FF2B5EF4-FFF2-40B4-BE49-F238E27FC236}">
-                <a16:creationId xmlns:a16="http://schemas.microsoft.com/office/drawing/2014/main" id="{C0162F62-F819-53AC-1430-2C3A0871F859}"/>
+                <a16:creationId xmlns:a16="http://schemas.microsoft.com/office/drawing/2014/main" id="{33BCA6F2-3050-E007-6CF9-5DD4BB7D1C42}"/>
               </a:ext>
             </a:extLst>
           </p:cNvPr>
@@ -1191,7 +1246,7 @@
           <p:cNvPr id="6" name="Slide Number Placeholder 5">
             <a:extLst>
               <a:ext uri="{FF2B5EF4-FFF2-40B4-BE49-F238E27FC236}">
-                <a16:creationId xmlns:a16="http://schemas.microsoft.com/office/drawing/2014/main" id="{8E7B6916-297B-4399-BC84-1DBA4F94DC23}"/>
+                <a16:creationId xmlns:a16="http://schemas.microsoft.com/office/drawing/2014/main" id="{B4122642-79E5-4007-CD86-7A416F9131D4}"/>
               </a:ext>
             </a:extLst>
           </p:cNvPr>
@@ -1218,7 +1273,7 @@
     </p:spTree>
     <p:extLst>
       <p:ext uri="{BB962C8B-B14F-4D97-AF65-F5344CB8AC3E}">
-        <p14:creationId xmlns:p14="http://schemas.microsoft.com/office/powerpoint/2010/main" val="4181924047"/>
+        <p14:creationId xmlns:p14="http://schemas.microsoft.com/office/powerpoint/2010/main" val="2578232133"/>
       </p:ext>
     </p:extLst>
   </p:cSld>
@@ -1247,10 +1302,65 @@
       </p:grpSpPr>
       <p:sp>
         <p:nvSpPr>
+          <p:cNvPr id="8" name="Rectangle 7">
+            <a:extLst>
+              <a:ext uri="{FF2B5EF4-FFF2-40B4-BE49-F238E27FC236}">
+                <a16:creationId xmlns:a16="http://schemas.microsoft.com/office/drawing/2014/main" id="{2ABC2FDD-28C7-C213-8FB8-3351C1E21258}"/>
+              </a:ext>
+            </a:extLst>
+          </p:cNvPr>
+          <p:cNvSpPr/>
+          <p:nvPr userDrawn="1"/>
+        </p:nvSpPr>
+        <p:spPr>
+          <a:xfrm>
+            <a:off x="0" y="0"/>
+            <a:ext cx="12192000" cy="1242391"/>
+          </a:xfrm>
+          <a:prstGeom prst="rect">
+            <a:avLst/>
+          </a:prstGeom>
+          <a:solidFill>
+            <a:schemeClr val="accent1">
+              <a:lumMod val="20000"/>
+              <a:lumOff val="80000"/>
+            </a:schemeClr>
+          </a:solidFill>
+          <a:ln>
+            <a:noFill/>
+          </a:ln>
+        </p:spPr>
+        <p:style>
+          <a:lnRef idx="2">
+            <a:schemeClr val="accent1">
+              <a:shade val="50000"/>
+            </a:schemeClr>
+          </a:lnRef>
+          <a:fillRef idx="1">
+            <a:schemeClr val="accent1"/>
+          </a:fillRef>
+          <a:effectRef idx="0">
+            <a:schemeClr val="accent1"/>
+          </a:effectRef>
+          <a:fontRef idx="minor">
+            <a:schemeClr val="lt1"/>
+          </a:fontRef>
+        </p:style>
+        <p:txBody>
+          <a:bodyPr rtlCol="0" anchor="ctr"/>
+          <a:lstStyle/>
+          <a:p>
+            <a:pPr algn="ctr"/>
+            <a:endParaRPr lang="en-US"/>
+          </a:p>
+        </p:txBody>
+      </p:sp>
+      <p:sp>
+        <p:nvSpPr>
           <p:cNvPr id="2" name="Title 1">
             <a:extLst>
               <a:ext uri="{FF2B5EF4-FFF2-40B4-BE49-F238E27FC236}">
-                <a16:creationId xmlns:a16="http://schemas.microsoft.com/office/drawing/2014/main" id="{7BF7FF84-AE7B-132F-A1BD-11F8B22B596B}"/>
+                <a16:creationId xmlns:a16="http://schemas.microsoft.com/office/drawing/2014/main" id="{E55F3FAA-CC48-A631-FD32-DCDC8B62400C}"/>
               </a:ext>
             </a:extLst>
           </p:cNvPr>
@@ -1278,7 +1388,7 @@
           <p:cNvPr id="3" name="Content Placeholder 2">
             <a:extLst>
               <a:ext uri="{FF2B5EF4-FFF2-40B4-BE49-F238E27FC236}">
-                <a16:creationId xmlns:a16="http://schemas.microsoft.com/office/drawing/2014/main" id="{57139391-26CC-1DE9-D10D-EB122A751709}"/>
+                <a16:creationId xmlns:a16="http://schemas.microsoft.com/office/drawing/2014/main" id="{8484029A-6D2F-4CC8-AE0B-3E0AD27B4D6C}"/>
               </a:ext>
             </a:extLst>
           </p:cNvPr>
@@ -1340,7 +1450,7 @@
           <p:cNvPr id="4" name="Content Placeholder 3">
             <a:extLst>
               <a:ext uri="{FF2B5EF4-FFF2-40B4-BE49-F238E27FC236}">
-                <a16:creationId xmlns:a16="http://schemas.microsoft.com/office/drawing/2014/main" id="{0022648E-28B8-6E34-D988-CC8951ACF16D}"/>
+                <a16:creationId xmlns:a16="http://schemas.microsoft.com/office/drawing/2014/main" id="{2B885EA7-13FD-DB4A-8AE5-2D1A981B0885}"/>
               </a:ext>
             </a:extLst>
           </p:cNvPr>
@@ -1402,7 +1512,7 @@
           <p:cNvPr id="5" name="Date Placeholder 4">
             <a:extLst>
               <a:ext uri="{FF2B5EF4-FFF2-40B4-BE49-F238E27FC236}">
-                <a16:creationId xmlns:a16="http://schemas.microsoft.com/office/drawing/2014/main" id="{D964720A-4748-D2C5-EB18-8FFBC4EFB723}"/>
+                <a16:creationId xmlns:a16="http://schemas.microsoft.com/office/drawing/2014/main" id="{DD06C500-38B1-E80B-1EF3-4AAB703FB14A}"/>
               </a:ext>
             </a:extLst>
           </p:cNvPr>
@@ -1431,7 +1541,7 @@
           <p:cNvPr id="6" name="Footer Placeholder 5">
             <a:extLst>
               <a:ext uri="{FF2B5EF4-FFF2-40B4-BE49-F238E27FC236}">
-                <a16:creationId xmlns:a16="http://schemas.microsoft.com/office/drawing/2014/main" id="{3F7DECDF-EA30-51D2-E4E5-3C4D79A55247}"/>
+                <a16:creationId xmlns:a16="http://schemas.microsoft.com/office/drawing/2014/main" id="{BC15322C-05C1-AE81-3B67-C0F05910DFBE}"/>
               </a:ext>
             </a:extLst>
           </p:cNvPr>
@@ -1456,7 +1566,7 @@
           <p:cNvPr id="7" name="Slide Number Placeholder 6">
             <a:extLst>
               <a:ext uri="{FF2B5EF4-FFF2-40B4-BE49-F238E27FC236}">
-                <a16:creationId xmlns:a16="http://schemas.microsoft.com/office/drawing/2014/main" id="{99CFC28B-B20A-B18B-2104-E4DE516C8B4E}"/>
+                <a16:creationId xmlns:a16="http://schemas.microsoft.com/office/drawing/2014/main" id="{D6ACDC02-4278-50D0-6BFE-6B2452545D30}"/>
               </a:ext>
             </a:extLst>
           </p:cNvPr>
@@ -1483,7 +1593,7 @@
     </p:spTree>
     <p:extLst>
       <p:ext uri="{BB962C8B-B14F-4D97-AF65-F5344CB8AC3E}">
-        <p14:creationId xmlns:p14="http://schemas.microsoft.com/office/powerpoint/2010/main" val="1100319556"/>
+        <p14:creationId xmlns:p14="http://schemas.microsoft.com/office/powerpoint/2010/main" val="1241011800"/>
       </p:ext>
     </p:extLst>
   </p:cSld>
@@ -1515,7 +1625,7 @@
           <p:cNvPr id="2" name="Title 1">
             <a:extLst>
               <a:ext uri="{FF2B5EF4-FFF2-40B4-BE49-F238E27FC236}">
-                <a16:creationId xmlns:a16="http://schemas.microsoft.com/office/drawing/2014/main" id="{36A3F679-1CA1-92F1-B9C1-38C4C013DC15}"/>
+                <a16:creationId xmlns:a16="http://schemas.microsoft.com/office/drawing/2014/main" id="{659D4B84-0268-C831-CDA5-48FFC57EADD5}"/>
               </a:ext>
             </a:extLst>
           </p:cNvPr>
@@ -1548,7 +1658,7 @@
           <p:cNvPr id="3" name="Text Placeholder 2">
             <a:extLst>
               <a:ext uri="{FF2B5EF4-FFF2-40B4-BE49-F238E27FC236}">
-                <a16:creationId xmlns:a16="http://schemas.microsoft.com/office/drawing/2014/main" id="{FF04394E-D113-A5A2-A306-4BCF22002D59}"/>
+                <a16:creationId xmlns:a16="http://schemas.microsoft.com/office/drawing/2014/main" id="{EA8946A1-C14F-B52E-0435-EB4979F6C0D2}"/>
               </a:ext>
             </a:extLst>
           </p:cNvPr>
@@ -1619,7 +1729,7 @@
           <p:cNvPr id="4" name="Content Placeholder 3">
             <a:extLst>
               <a:ext uri="{FF2B5EF4-FFF2-40B4-BE49-F238E27FC236}">
-                <a16:creationId xmlns:a16="http://schemas.microsoft.com/office/drawing/2014/main" id="{3CC3667B-8E01-C02E-8A21-201C97025CCF}"/>
+                <a16:creationId xmlns:a16="http://schemas.microsoft.com/office/drawing/2014/main" id="{CA99CF03-2995-EBE8-34F1-7F169AF9A297}"/>
               </a:ext>
             </a:extLst>
           </p:cNvPr>
@@ -1681,7 +1791,7 @@
           <p:cNvPr id="5" name="Text Placeholder 4">
             <a:extLst>
               <a:ext uri="{FF2B5EF4-FFF2-40B4-BE49-F238E27FC236}">
-                <a16:creationId xmlns:a16="http://schemas.microsoft.com/office/drawing/2014/main" id="{BF0CA948-0BA2-1B84-23CC-FC1CD84F46F8}"/>
+                <a16:creationId xmlns:a16="http://schemas.microsoft.com/office/drawing/2014/main" id="{13EAC5A4-FCE5-5632-4399-659A755E3DBC}"/>
               </a:ext>
             </a:extLst>
           </p:cNvPr>
@@ -1752,7 +1862,7 @@
           <p:cNvPr id="6" name="Content Placeholder 5">
             <a:extLst>
               <a:ext uri="{FF2B5EF4-FFF2-40B4-BE49-F238E27FC236}">
-                <a16:creationId xmlns:a16="http://schemas.microsoft.com/office/drawing/2014/main" id="{21DC2454-CE79-B0E0-B6C7-551F8393B8E8}"/>
+                <a16:creationId xmlns:a16="http://schemas.microsoft.com/office/drawing/2014/main" id="{05EEA530-44B3-A3D6-11C2-945BC2DA9ACE}"/>
               </a:ext>
             </a:extLst>
           </p:cNvPr>
@@ -1814,7 +1924,7 @@
           <p:cNvPr id="7" name="Date Placeholder 6">
             <a:extLst>
               <a:ext uri="{FF2B5EF4-FFF2-40B4-BE49-F238E27FC236}">
-                <a16:creationId xmlns:a16="http://schemas.microsoft.com/office/drawing/2014/main" id="{E8846889-70FC-56C3-E350-A01313E92AD4}"/>
+                <a16:creationId xmlns:a16="http://schemas.microsoft.com/office/drawing/2014/main" id="{81F6ED5D-B231-D2A2-32DF-AEC3131BA693}"/>
               </a:ext>
             </a:extLst>
           </p:cNvPr>
@@ -1843,7 +1953,7 @@
           <p:cNvPr id="8" name="Footer Placeholder 7">
             <a:extLst>
               <a:ext uri="{FF2B5EF4-FFF2-40B4-BE49-F238E27FC236}">
-                <a16:creationId xmlns:a16="http://schemas.microsoft.com/office/drawing/2014/main" id="{0763E14C-508C-C971-3113-7B10E73EED61}"/>
+                <a16:creationId xmlns:a16="http://schemas.microsoft.com/office/drawing/2014/main" id="{FAB52898-2716-CBB0-53D0-04A3AB35E68B}"/>
               </a:ext>
             </a:extLst>
           </p:cNvPr>
@@ -1868,7 +1978,7 @@
           <p:cNvPr id="9" name="Slide Number Placeholder 8">
             <a:extLst>
               <a:ext uri="{FF2B5EF4-FFF2-40B4-BE49-F238E27FC236}">
-                <a16:creationId xmlns:a16="http://schemas.microsoft.com/office/drawing/2014/main" id="{0339F986-6C03-559B-D352-2D448647AE0D}"/>
+                <a16:creationId xmlns:a16="http://schemas.microsoft.com/office/drawing/2014/main" id="{B4D45355-E9C3-A30A-6101-250B4BF49575}"/>
               </a:ext>
             </a:extLst>
           </p:cNvPr>
@@ -1895,7 +2005,7 @@
     </p:spTree>
     <p:extLst>
       <p:ext uri="{BB962C8B-B14F-4D97-AF65-F5344CB8AC3E}">
-        <p14:creationId xmlns:p14="http://schemas.microsoft.com/office/powerpoint/2010/main" val="3075550056"/>
+        <p14:creationId xmlns:p14="http://schemas.microsoft.com/office/powerpoint/2010/main" val="1083866160"/>
       </p:ext>
     </p:extLst>
   </p:cSld>
@@ -1927,7 +2037,7 @@
           <p:cNvPr id="2" name="Title 1">
             <a:extLst>
               <a:ext uri="{FF2B5EF4-FFF2-40B4-BE49-F238E27FC236}">
-                <a16:creationId xmlns:a16="http://schemas.microsoft.com/office/drawing/2014/main" id="{E9456520-9958-3F52-6650-7F0C8EA36400}"/>
+                <a16:creationId xmlns:a16="http://schemas.microsoft.com/office/drawing/2014/main" id="{740FC9BC-6F24-434C-9466-D861204CDF5A}"/>
               </a:ext>
             </a:extLst>
           </p:cNvPr>
@@ -1955,7 +2065,7 @@
           <p:cNvPr id="3" name="Date Placeholder 2">
             <a:extLst>
               <a:ext uri="{FF2B5EF4-FFF2-40B4-BE49-F238E27FC236}">
-                <a16:creationId xmlns:a16="http://schemas.microsoft.com/office/drawing/2014/main" id="{7A8543AD-588D-61AD-3C29-9BF0BCCF5FBD}"/>
+                <a16:creationId xmlns:a16="http://schemas.microsoft.com/office/drawing/2014/main" id="{D3006701-57D4-30BE-CC8B-9013D99449D5}"/>
               </a:ext>
             </a:extLst>
           </p:cNvPr>
@@ -1984,7 +2094,7 @@
           <p:cNvPr id="4" name="Footer Placeholder 3">
             <a:extLst>
               <a:ext uri="{FF2B5EF4-FFF2-40B4-BE49-F238E27FC236}">
-                <a16:creationId xmlns:a16="http://schemas.microsoft.com/office/drawing/2014/main" id="{52EDEBDA-DC79-47BE-A5D5-04BE5101CD9F}"/>
+                <a16:creationId xmlns:a16="http://schemas.microsoft.com/office/drawing/2014/main" id="{8629169F-6C06-DC6A-FB63-A9ADE51B4B2F}"/>
               </a:ext>
             </a:extLst>
           </p:cNvPr>
@@ -2009,7 +2119,7 @@
           <p:cNvPr id="5" name="Slide Number Placeholder 4">
             <a:extLst>
               <a:ext uri="{FF2B5EF4-FFF2-40B4-BE49-F238E27FC236}">
-                <a16:creationId xmlns:a16="http://schemas.microsoft.com/office/drawing/2014/main" id="{54A8D472-38FE-0D3B-03A0-2F2A3989EFED}"/>
+                <a16:creationId xmlns:a16="http://schemas.microsoft.com/office/drawing/2014/main" id="{A8B5AE9C-D343-9832-9CCA-A9BD562F1951}"/>
               </a:ext>
             </a:extLst>
           </p:cNvPr>
@@ -2036,7 +2146,7 @@
     </p:spTree>
     <p:extLst>
       <p:ext uri="{BB962C8B-B14F-4D97-AF65-F5344CB8AC3E}">
-        <p14:creationId xmlns:p14="http://schemas.microsoft.com/office/powerpoint/2010/main" val="588420194"/>
+        <p14:creationId xmlns:p14="http://schemas.microsoft.com/office/powerpoint/2010/main" val="141060677"/>
       </p:ext>
     </p:extLst>
   </p:cSld>
@@ -2068,7 +2178,7 @@
           <p:cNvPr id="2" name="Date Placeholder 1">
             <a:extLst>
               <a:ext uri="{FF2B5EF4-FFF2-40B4-BE49-F238E27FC236}">
-                <a16:creationId xmlns:a16="http://schemas.microsoft.com/office/drawing/2014/main" id="{7933083C-642C-57DE-004B-BC40705703E8}"/>
+                <a16:creationId xmlns:a16="http://schemas.microsoft.com/office/drawing/2014/main" id="{7C5DCD00-7340-C13B-0D7B-1C03A21A2502}"/>
               </a:ext>
             </a:extLst>
           </p:cNvPr>
@@ -2097,7 +2207,7 @@
           <p:cNvPr id="3" name="Footer Placeholder 2">
             <a:extLst>
               <a:ext uri="{FF2B5EF4-FFF2-40B4-BE49-F238E27FC236}">
-                <a16:creationId xmlns:a16="http://schemas.microsoft.com/office/drawing/2014/main" id="{665A17D3-CF35-CC9E-08E5-75968340C716}"/>
+                <a16:creationId xmlns:a16="http://schemas.microsoft.com/office/drawing/2014/main" id="{91291A14-A1EA-9E73-76C4-04C5ABD441F1}"/>
               </a:ext>
             </a:extLst>
           </p:cNvPr>
@@ -2122,7 +2232,7 @@
           <p:cNvPr id="4" name="Slide Number Placeholder 3">
             <a:extLst>
               <a:ext uri="{FF2B5EF4-FFF2-40B4-BE49-F238E27FC236}">
-                <a16:creationId xmlns:a16="http://schemas.microsoft.com/office/drawing/2014/main" id="{92DA630A-0409-7E75-AB93-80AB2F333081}"/>
+                <a16:creationId xmlns:a16="http://schemas.microsoft.com/office/drawing/2014/main" id="{ACF24BFE-6C56-60DD-CE1A-66B0672A8E88}"/>
               </a:ext>
             </a:extLst>
           </p:cNvPr>
@@ -2149,7 +2259,7 @@
     </p:spTree>
     <p:extLst>
       <p:ext uri="{BB962C8B-B14F-4D97-AF65-F5344CB8AC3E}">
-        <p14:creationId xmlns:p14="http://schemas.microsoft.com/office/powerpoint/2010/main" val="2381852496"/>
+        <p14:creationId xmlns:p14="http://schemas.microsoft.com/office/powerpoint/2010/main" val="102480191"/>
       </p:ext>
     </p:extLst>
   </p:cSld>
@@ -2181,7 +2291,7 @@
           <p:cNvPr id="2" name="Title 1">
             <a:extLst>
               <a:ext uri="{FF2B5EF4-FFF2-40B4-BE49-F238E27FC236}">
-                <a16:creationId xmlns:a16="http://schemas.microsoft.com/office/drawing/2014/main" id="{32E9B30C-78F3-69B7-CDB7-C813C1F2D5CD}"/>
+                <a16:creationId xmlns:a16="http://schemas.microsoft.com/office/drawing/2014/main" id="{C23EF8B8-1AC3-0C7C-5364-76B8403E1DFD}"/>
               </a:ext>
             </a:extLst>
           </p:cNvPr>
@@ -2218,7 +2328,7 @@
           <p:cNvPr id="3" name="Content Placeholder 2">
             <a:extLst>
               <a:ext uri="{FF2B5EF4-FFF2-40B4-BE49-F238E27FC236}">
-                <a16:creationId xmlns:a16="http://schemas.microsoft.com/office/drawing/2014/main" id="{F8256CB4-F3C6-7FA2-EFCD-5AE7708859D5}"/>
+                <a16:creationId xmlns:a16="http://schemas.microsoft.com/office/drawing/2014/main" id="{44671FB9-9AD2-01CB-A215-CE70F10288A5}"/>
               </a:ext>
             </a:extLst>
           </p:cNvPr>
@@ -2308,7 +2418,7 @@
           <p:cNvPr id="4" name="Text Placeholder 3">
             <a:extLst>
               <a:ext uri="{FF2B5EF4-FFF2-40B4-BE49-F238E27FC236}">
-                <a16:creationId xmlns:a16="http://schemas.microsoft.com/office/drawing/2014/main" id="{C43FDFF3-B1CA-558F-D867-50307C66F6C5}"/>
+                <a16:creationId xmlns:a16="http://schemas.microsoft.com/office/drawing/2014/main" id="{CBA28FCD-AA07-22D5-4389-F145BD206276}"/>
               </a:ext>
             </a:extLst>
           </p:cNvPr>
@@ -2379,7 +2489,7 @@
           <p:cNvPr id="5" name="Date Placeholder 4">
             <a:extLst>
               <a:ext uri="{FF2B5EF4-FFF2-40B4-BE49-F238E27FC236}">
-                <a16:creationId xmlns:a16="http://schemas.microsoft.com/office/drawing/2014/main" id="{D401603C-EE97-66E6-6B18-23867CBC30AA}"/>
+                <a16:creationId xmlns:a16="http://schemas.microsoft.com/office/drawing/2014/main" id="{FF420B08-69DE-A419-D1EA-4DCD087D49F9}"/>
               </a:ext>
             </a:extLst>
           </p:cNvPr>
@@ -2408,7 +2518,7 @@
           <p:cNvPr id="6" name="Footer Placeholder 5">
             <a:extLst>
               <a:ext uri="{FF2B5EF4-FFF2-40B4-BE49-F238E27FC236}">
-                <a16:creationId xmlns:a16="http://schemas.microsoft.com/office/drawing/2014/main" id="{9AA6CAFF-8A8D-57AD-BD63-353F9409CEF9}"/>
+                <a16:creationId xmlns:a16="http://schemas.microsoft.com/office/drawing/2014/main" id="{8752331E-9C70-CCED-C5A6-EBDFDF92EA23}"/>
               </a:ext>
             </a:extLst>
           </p:cNvPr>
@@ -2433,7 +2543,7 @@
           <p:cNvPr id="7" name="Slide Number Placeholder 6">
             <a:extLst>
               <a:ext uri="{FF2B5EF4-FFF2-40B4-BE49-F238E27FC236}">
-                <a16:creationId xmlns:a16="http://schemas.microsoft.com/office/drawing/2014/main" id="{6857FB18-0E06-F94E-5CFE-FEF15BAF3AFA}"/>
+                <a16:creationId xmlns:a16="http://schemas.microsoft.com/office/drawing/2014/main" id="{D9C4597E-6C8F-CBF4-37A8-28C85B5BFA0D}"/>
               </a:ext>
             </a:extLst>
           </p:cNvPr>
@@ -2460,7 +2570,7 @@
     </p:spTree>
     <p:extLst>
       <p:ext uri="{BB962C8B-B14F-4D97-AF65-F5344CB8AC3E}">
-        <p14:creationId xmlns:p14="http://schemas.microsoft.com/office/powerpoint/2010/main" val="4225272407"/>
+        <p14:creationId xmlns:p14="http://schemas.microsoft.com/office/powerpoint/2010/main" val="3589515344"/>
       </p:ext>
     </p:extLst>
   </p:cSld>
@@ -2492,7 +2602,7 @@
           <p:cNvPr id="2" name="Title 1">
             <a:extLst>
               <a:ext uri="{FF2B5EF4-FFF2-40B4-BE49-F238E27FC236}">
-                <a16:creationId xmlns:a16="http://schemas.microsoft.com/office/drawing/2014/main" id="{27CFF3EE-E3B1-2730-C463-BBDF98D6DEDD}"/>
+                <a16:creationId xmlns:a16="http://schemas.microsoft.com/office/drawing/2014/main" id="{FA1598D0-FEC6-1FD4-1DDB-53A70839CDC4}"/>
               </a:ext>
             </a:extLst>
           </p:cNvPr>
@@ -2529,7 +2639,7 @@
           <p:cNvPr id="3" name="Picture Placeholder 2">
             <a:extLst>
               <a:ext uri="{FF2B5EF4-FFF2-40B4-BE49-F238E27FC236}">
-                <a16:creationId xmlns:a16="http://schemas.microsoft.com/office/drawing/2014/main" id="{785BF5D2-B5BF-234B-86D2-7C090B4CAC37}"/>
+                <a16:creationId xmlns:a16="http://schemas.microsoft.com/office/drawing/2014/main" id="{08B251A4-5999-6E40-0B7F-99E462D54A92}"/>
               </a:ext>
             </a:extLst>
           </p:cNvPr>
@@ -2596,7 +2706,7 @@
           <p:cNvPr id="4" name="Text Placeholder 3">
             <a:extLst>
               <a:ext uri="{FF2B5EF4-FFF2-40B4-BE49-F238E27FC236}">
-                <a16:creationId xmlns:a16="http://schemas.microsoft.com/office/drawing/2014/main" id="{DFAA6AA7-1B92-9848-23D0-B1C454292ED3}"/>
+                <a16:creationId xmlns:a16="http://schemas.microsoft.com/office/drawing/2014/main" id="{12DB5A98-932E-6B50-B1C2-9CD29FEDB876}"/>
               </a:ext>
             </a:extLst>
           </p:cNvPr>
@@ -2667,7 +2777,7 @@
           <p:cNvPr id="5" name="Date Placeholder 4">
             <a:extLst>
               <a:ext uri="{FF2B5EF4-FFF2-40B4-BE49-F238E27FC236}">
-                <a16:creationId xmlns:a16="http://schemas.microsoft.com/office/drawing/2014/main" id="{8E1A97D5-421F-65E7-238C-7F8DDA899879}"/>
+                <a16:creationId xmlns:a16="http://schemas.microsoft.com/office/drawing/2014/main" id="{2CB31C75-C352-793F-0D29-73B7EA897FCE}"/>
               </a:ext>
             </a:extLst>
           </p:cNvPr>
@@ -2696,7 +2806,7 @@
           <p:cNvPr id="6" name="Footer Placeholder 5">
             <a:extLst>
               <a:ext uri="{FF2B5EF4-FFF2-40B4-BE49-F238E27FC236}">
-                <a16:creationId xmlns:a16="http://schemas.microsoft.com/office/drawing/2014/main" id="{8CEB613C-D6AB-C46C-D3A7-C409EE34DF98}"/>
+                <a16:creationId xmlns:a16="http://schemas.microsoft.com/office/drawing/2014/main" id="{4FFBD7A0-2A48-8999-4C42-752739B059C2}"/>
               </a:ext>
             </a:extLst>
           </p:cNvPr>
@@ -2721,7 +2831,7 @@
           <p:cNvPr id="7" name="Slide Number Placeholder 6">
             <a:extLst>
               <a:ext uri="{FF2B5EF4-FFF2-40B4-BE49-F238E27FC236}">
-                <a16:creationId xmlns:a16="http://schemas.microsoft.com/office/drawing/2014/main" id="{C1CDDB39-A92E-BF7F-1D0E-7E6E5E0A1FE1}"/>
+                <a16:creationId xmlns:a16="http://schemas.microsoft.com/office/drawing/2014/main" id="{6541DACC-28DA-A923-31FD-9D06719AB09D}"/>
               </a:ext>
             </a:extLst>
           </p:cNvPr>
@@ -2748,7 +2858,7 @@
     </p:spTree>
     <p:extLst>
       <p:ext uri="{BB962C8B-B14F-4D97-AF65-F5344CB8AC3E}">
-        <p14:creationId xmlns:p14="http://schemas.microsoft.com/office/powerpoint/2010/main" val="2146424493"/>
+        <p14:creationId xmlns:p14="http://schemas.microsoft.com/office/powerpoint/2010/main" val="232275483"/>
       </p:ext>
     </p:extLst>
   </p:cSld>
@@ -2785,7 +2895,7 @@
           <p:cNvPr id="2" name="Title Placeholder 1">
             <a:extLst>
               <a:ext uri="{FF2B5EF4-FFF2-40B4-BE49-F238E27FC236}">
-                <a16:creationId xmlns:a16="http://schemas.microsoft.com/office/drawing/2014/main" id="{8BF2FD9F-B059-4DB5-4E6F-2600D4B5169B}"/>
+                <a16:creationId xmlns:a16="http://schemas.microsoft.com/office/drawing/2014/main" id="{5769A709-9525-E09B-74A7-60FCD284329D}"/>
               </a:ext>
             </a:extLst>
           </p:cNvPr>
@@ -2798,8 +2908,8 @@
         </p:nvSpPr>
         <p:spPr>
           <a:xfrm>
-            <a:off x="838200" y="365125"/>
-            <a:ext cx="10515600" cy="1325563"/>
+            <a:off x="838200" y="291892"/>
+            <a:ext cx="10515600" cy="658605"/>
           </a:xfrm>
           <a:prstGeom prst="rect">
             <a:avLst/>
@@ -2812,7 +2922,7 @@
           <a:lstStyle/>
           <a:p>
             <a:r>
-              <a:rPr lang="en-US"/>
+              <a:rPr lang="en-US" dirty="0"/>
               <a:t>Click to edit Master title style</a:t>
             </a:r>
           </a:p>
@@ -2823,7 +2933,7 @@
           <p:cNvPr id="3" name="Text Placeholder 2">
             <a:extLst>
               <a:ext uri="{FF2B5EF4-FFF2-40B4-BE49-F238E27FC236}">
-                <a16:creationId xmlns:a16="http://schemas.microsoft.com/office/drawing/2014/main" id="{F6A93C93-5EFE-A47A-C7D3-2EE914C0C4D3}"/>
+                <a16:creationId xmlns:a16="http://schemas.microsoft.com/office/drawing/2014/main" id="{8662C90B-3434-09E8-79A7-25E3D1E941E5}"/>
               </a:ext>
             </a:extLst>
           </p:cNvPr>
@@ -2890,7 +3000,7 @@
           <p:cNvPr id="4" name="Date Placeholder 3">
             <a:extLst>
               <a:ext uri="{FF2B5EF4-FFF2-40B4-BE49-F238E27FC236}">
-                <a16:creationId xmlns:a16="http://schemas.microsoft.com/office/drawing/2014/main" id="{1FB2C70D-6344-772D-6934-ECA06CA697A3}"/>
+                <a16:creationId xmlns:a16="http://schemas.microsoft.com/office/drawing/2014/main" id="{E6197530-F1A8-9FE2-EFC4-B80DB5D3EF13}"/>
               </a:ext>
             </a:extLst>
           </p:cNvPr>
@@ -2937,7 +3047,7 @@
           <p:cNvPr id="5" name="Footer Placeholder 4">
             <a:extLst>
               <a:ext uri="{FF2B5EF4-FFF2-40B4-BE49-F238E27FC236}">
-                <a16:creationId xmlns:a16="http://schemas.microsoft.com/office/drawing/2014/main" id="{5B6F07A8-453A-D917-D89F-01D042D6B988}"/>
+                <a16:creationId xmlns:a16="http://schemas.microsoft.com/office/drawing/2014/main" id="{19B8C497-6927-4DA2-0A8E-9F839BB5C9A9}"/>
               </a:ext>
             </a:extLst>
           </p:cNvPr>
@@ -2980,7 +3090,7 @@
           <p:cNvPr id="6" name="Slide Number Placeholder 5">
             <a:extLst>
               <a:ext uri="{FF2B5EF4-FFF2-40B4-BE49-F238E27FC236}">
-                <a16:creationId xmlns:a16="http://schemas.microsoft.com/office/drawing/2014/main" id="{4D5C32D9-2E9F-4A3B-813D-99F1C742137B}"/>
+                <a16:creationId xmlns:a16="http://schemas.microsoft.com/office/drawing/2014/main" id="{A953467D-94F6-C716-C22B-D3A66F8BEF29}"/>
               </a:ext>
             </a:extLst>
           </p:cNvPr>
@@ -3025,23 +3135,23 @@
     </p:spTree>
     <p:extLst>
       <p:ext uri="{BB962C8B-B14F-4D97-AF65-F5344CB8AC3E}">
-        <p14:creationId xmlns:p14="http://schemas.microsoft.com/office/powerpoint/2010/main" val="2669958976"/>
+        <p14:creationId xmlns:p14="http://schemas.microsoft.com/office/powerpoint/2010/main" val="3451044427"/>
       </p:ext>
     </p:extLst>
   </p:cSld>
   <p:clrMap bg1="lt1" tx1="dk1" bg2="lt2" tx2="dk2" accent1="accent1" accent2="accent2" accent3="accent3" accent4="accent4" accent5="accent5" accent6="accent6" hlink="hlink" folHlink="folHlink"/>
   <p:sldLayoutIdLst>
-    <p:sldLayoutId id="2147483649" r:id="rId1"/>
-    <p:sldLayoutId id="2147483650" r:id="rId2"/>
-    <p:sldLayoutId id="2147483651" r:id="rId3"/>
-    <p:sldLayoutId id="2147483652" r:id="rId4"/>
-    <p:sldLayoutId id="2147483653" r:id="rId5"/>
-    <p:sldLayoutId id="2147483654" r:id="rId6"/>
-    <p:sldLayoutId id="2147483655" r:id="rId7"/>
-    <p:sldLayoutId id="2147483656" r:id="rId8"/>
-    <p:sldLayoutId id="2147483657" r:id="rId9"/>
-    <p:sldLayoutId id="2147483658" r:id="rId10"/>
-    <p:sldLayoutId id="2147483659" r:id="rId11"/>
+    <p:sldLayoutId id="2147483685" r:id="rId1"/>
+    <p:sldLayoutId id="2147483686" r:id="rId2"/>
+    <p:sldLayoutId id="2147483687" r:id="rId3"/>
+    <p:sldLayoutId id="2147483688" r:id="rId4"/>
+    <p:sldLayoutId id="2147483689" r:id="rId5"/>
+    <p:sldLayoutId id="2147483690" r:id="rId6"/>
+    <p:sldLayoutId id="2147483691" r:id="rId7"/>
+    <p:sldLayoutId id="2147483692" r:id="rId8"/>
+    <p:sldLayoutId id="2147483693" r:id="rId9"/>
+    <p:sldLayoutId id="2147483694" r:id="rId10"/>
+    <p:sldLayoutId id="2147483695" r:id="rId11"/>
   </p:sldLayoutIdLst>
   <p:txStyles>
     <p:titleStyle>
@@ -3447,7 +3557,9 @@
         </p:nvSpPr>
         <p:spPr/>
         <p:txBody>
-          <a:bodyPr/>
+          <a:bodyPr>
+            <a:normAutofit fontScale="90000"/>
+          </a:bodyPr>
           <a:lstStyle/>
           <a:p>
             <a:r>
@@ -3478,7 +3590,7 @@
         </p:blipFill>
         <p:spPr>
           <a:xfrm>
-            <a:off x="1110927" y="1543998"/>
+            <a:off x="1110927" y="2178175"/>
             <a:ext cx="9970145" cy="3547578"/>
           </a:xfrm>
           <a:prstGeom prst="rect">
@@ -3500,7 +3612,7 @@
         </p:nvCxnSpPr>
         <p:spPr>
           <a:xfrm>
-            <a:off x="8255192" y="1617140"/>
+            <a:off x="8255192" y="2251317"/>
             <a:ext cx="0" cy="3449723"/>
           </a:xfrm>
           <a:prstGeom prst="line">
@@ -3543,19 +3655,27 @@
         </p:nvSpPr>
         <p:spPr>
           <a:xfrm>
-            <a:off x="838200" y="5158705"/>
-            <a:ext cx="10515600" cy="1325563"/>
+            <a:off x="838200" y="5737121"/>
+            <a:ext cx="10515600" cy="924126"/>
           </a:xfrm>
           <a:prstGeom prst="rect">
             <a:avLst/>
           </a:prstGeom>
+          <a:solidFill>
+            <a:schemeClr val="bg1">
+              <a:lumMod val="95000"/>
+            </a:schemeClr>
+          </a:solidFill>
         </p:spPr>
         <p:txBody>
           <a:bodyPr vert="horz" lIns="91440" tIns="45720" rIns="91440" bIns="45720" rtlCol="0" anchor="ctr">
-            <a:normAutofit fontScale="92500" lnSpcReduction="10000"/>
+            <a:normAutofit/>
           </a:bodyPr>
           <a:lstStyle>
-            <a:lvl1pPr marL="228600" indent="-228600" algn="l" defTabSz="914400" rtl="0" eaLnBrk="1" latinLnBrk="0" hangingPunct="1">
+            <a:defPPr>
+              <a:defRPr lang="en-US"/>
+            </a:defPPr>
+            <a:lvl1pPr indent="0" algn="ctr">
               <a:lnSpc>
                 <a:spcPct val="90000"/>
               </a:lnSpc>
@@ -3563,17 +3683,15 @@
                 <a:spcPts val="1000"/>
               </a:spcBef>
               <a:buFont typeface="Arial" panose="020B0604020202020204" pitchFamily="34" charset="0"/>
-              <a:buChar char="•"/>
-              <a:defRPr sz="2800" kern="1200">
-                <a:solidFill>
-                  <a:schemeClr val="tx1"/>
-                </a:solidFill>
-                <a:latin typeface="+mn-lt"/>
-                <a:ea typeface="+mn-ea"/>
-                <a:cs typeface="+mn-cs"/>
+              <a:buNone/>
+              <a:defRPr sz="2000" b="1">
+                <a:effectLst/>
+                <a:latin typeface="Calibri" panose="020F0502020204030204" pitchFamily="34" charset="0"/>
+                <a:ea typeface="MS Mincho" panose="02020609040205080304" pitchFamily="49" charset="-128"/>
+                <a:cs typeface="Times New Roman" panose="02020603050405020304" pitchFamily="18" charset="0"/>
               </a:defRPr>
             </a:lvl1pPr>
-            <a:lvl2pPr marL="685800" indent="-228600" algn="l" defTabSz="914400" rtl="0" eaLnBrk="1" latinLnBrk="0" hangingPunct="1">
+            <a:lvl2pPr marL="685800" indent="-228600">
               <a:lnSpc>
                 <a:spcPct val="90000"/>
               </a:lnSpc>
@@ -3582,16 +3700,9 @@
               </a:spcBef>
               <a:buFont typeface="Arial" panose="020B0604020202020204" pitchFamily="34" charset="0"/>
               <a:buChar char="•"/>
-              <a:defRPr sz="2400" kern="1200">
-                <a:solidFill>
-                  <a:schemeClr val="tx1"/>
-                </a:solidFill>
-                <a:latin typeface="+mn-lt"/>
-                <a:ea typeface="+mn-ea"/>
-                <a:cs typeface="+mn-cs"/>
-              </a:defRPr>
+              <a:defRPr sz="2400"/>
             </a:lvl2pPr>
-            <a:lvl3pPr marL="1143000" indent="-228600" algn="l" defTabSz="914400" rtl="0" eaLnBrk="1" latinLnBrk="0" hangingPunct="1">
+            <a:lvl3pPr marL="1143000" indent="-228600">
               <a:lnSpc>
                 <a:spcPct val="90000"/>
               </a:lnSpc>
@@ -3600,16 +3711,9 @@
               </a:spcBef>
               <a:buFont typeface="Arial" panose="020B0604020202020204" pitchFamily="34" charset="0"/>
               <a:buChar char="•"/>
-              <a:defRPr sz="2000" kern="1200">
-                <a:solidFill>
-                  <a:schemeClr val="tx1"/>
-                </a:solidFill>
-                <a:latin typeface="+mn-lt"/>
-                <a:ea typeface="+mn-ea"/>
-                <a:cs typeface="+mn-cs"/>
-              </a:defRPr>
+              <a:defRPr sz="2000"/>
             </a:lvl3pPr>
-            <a:lvl4pPr marL="1600200" indent="-228600" algn="l" defTabSz="914400" rtl="0" eaLnBrk="1" latinLnBrk="0" hangingPunct="1">
+            <a:lvl4pPr marL="1600200" indent="-228600">
               <a:lnSpc>
                 <a:spcPct val="90000"/>
               </a:lnSpc>
@@ -3618,16 +3722,8 @@
               </a:spcBef>
               <a:buFont typeface="Arial" panose="020B0604020202020204" pitchFamily="34" charset="0"/>
               <a:buChar char="•"/>
-              <a:defRPr sz="1800" kern="1200">
-                <a:solidFill>
-                  <a:schemeClr val="tx1"/>
-                </a:solidFill>
-                <a:latin typeface="+mn-lt"/>
-                <a:ea typeface="+mn-ea"/>
-                <a:cs typeface="+mn-cs"/>
-              </a:defRPr>
             </a:lvl4pPr>
-            <a:lvl5pPr marL="2057400" indent="-228600" algn="l" defTabSz="914400" rtl="0" eaLnBrk="1" latinLnBrk="0" hangingPunct="1">
+            <a:lvl5pPr marL="2057400" indent="-228600">
               <a:lnSpc>
                 <a:spcPct val="90000"/>
               </a:lnSpc>
@@ -3636,16 +3732,8 @@
               </a:spcBef>
               <a:buFont typeface="Arial" panose="020B0604020202020204" pitchFamily="34" charset="0"/>
               <a:buChar char="•"/>
-              <a:defRPr sz="1800" kern="1200">
-                <a:solidFill>
-                  <a:schemeClr val="tx1"/>
-                </a:solidFill>
-                <a:latin typeface="+mn-lt"/>
-                <a:ea typeface="+mn-ea"/>
-                <a:cs typeface="+mn-cs"/>
-              </a:defRPr>
             </a:lvl5pPr>
-            <a:lvl6pPr marL="2514600" indent="-228600" algn="l" defTabSz="914400" rtl="0" eaLnBrk="1" latinLnBrk="0" hangingPunct="1">
+            <a:lvl6pPr marL="2514600" indent="-228600">
               <a:lnSpc>
                 <a:spcPct val="90000"/>
               </a:lnSpc>
@@ -3654,16 +3742,8 @@
               </a:spcBef>
               <a:buFont typeface="Arial" panose="020B0604020202020204" pitchFamily="34" charset="0"/>
               <a:buChar char="•"/>
-              <a:defRPr sz="1800" kern="1200">
-                <a:solidFill>
-                  <a:schemeClr val="tx1"/>
-                </a:solidFill>
-                <a:latin typeface="+mn-lt"/>
-                <a:ea typeface="+mn-ea"/>
-                <a:cs typeface="+mn-cs"/>
-              </a:defRPr>
             </a:lvl6pPr>
-            <a:lvl7pPr marL="2971800" indent="-228600" algn="l" defTabSz="914400" rtl="0" eaLnBrk="1" latinLnBrk="0" hangingPunct="1">
+            <a:lvl7pPr marL="2971800" indent="-228600">
               <a:lnSpc>
                 <a:spcPct val="90000"/>
               </a:lnSpc>
@@ -3672,16 +3752,8 @@
               </a:spcBef>
               <a:buFont typeface="Arial" panose="020B0604020202020204" pitchFamily="34" charset="0"/>
               <a:buChar char="•"/>
-              <a:defRPr sz="1800" kern="1200">
-                <a:solidFill>
-                  <a:schemeClr val="tx1"/>
-                </a:solidFill>
-                <a:latin typeface="+mn-lt"/>
-                <a:ea typeface="+mn-ea"/>
-                <a:cs typeface="+mn-cs"/>
-              </a:defRPr>
             </a:lvl7pPr>
-            <a:lvl8pPr marL="3429000" indent="-228600" algn="l" defTabSz="914400" rtl="0" eaLnBrk="1" latinLnBrk="0" hangingPunct="1">
+            <a:lvl8pPr marL="3429000" indent="-228600">
               <a:lnSpc>
                 <a:spcPct val="90000"/>
               </a:lnSpc>
@@ -3690,16 +3762,8 @@
               </a:spcBef>
               <a:buFont typeface="Arial" panose="020B0604020202020204" pitchFamily="34" charset="0"/>
               <a:buChar char="•"/>
-              <a:defRPr sz="1800" kern="1200">
-                <a:solidFill>
-                  <a:schemeClr val="tx1"/>
-                </a:solidFill>
-                <a:latin typeface="+mn-lt"/>
-                <a:ea typeface="+mn-ea"/>
-                <a:cs typeface="+mn-cs"/>
-              </a:defRPr>
             </a:lvl8pPr>
-            <a:lvl9pPr marL="3886200" indent="-228600" algn="l" defTabSz="914400" rtl="0" eaLnBrk="1" latinLnBrk="0" hangingPunct="1">
+            <a:lvl9pPr marL="3886200" indent="-228600">
               <a:lnSpc>
                 <a:spcPct val="90000"/>
               </a:lnSpc>
@@ -3708,52 +3772,56 @@
               </a:spcBef>
               <a:buFont typeface="Arial" panose="020B0604020202020204" pitchFamily="34" charset="0"/>
               <a:buChar char="•"/>
-              <a:defRPr sz="1800" kern="1200">
-                <a:solidFill>
-                  <a:schemeClr val="tx1"/>
-                </a:solidFill>
-                <a:latin typeface="+mn-lt"/>
-                <a:ea typeface="+mn-ea"/>
-                <a:cs typeface="+mn-cs"/>
-              </a:defRPr>
             </a:lvl9pPr>
           </a:lstStyle>
+          <a:p>
+            <a:r>
+              <a:rPr lang="en-US" dirty="0"/>
+              <a:t>We’re on track to have modeling complete in two weeks, allowing an additional 10 days to iterate as-needed and develop our final report.</a:t>
+            </a:r>
+          </a:p>
+        </p:txBody>
+      </p:sp>
+      <p:sp>
+        <p:nvSpPr>
+          <p:cNvPr id="4" name="TextBox 3">
+            <a:extLst>
+              <a:ext uri="{FF2B5EF4-FFF2-40B4-BE49-F238E27FC236}">
+                <a16:creationId xmlns:a16="http://schemas.microsoft.com/office/drawing/2014/main" id="{0E6E0A27-3197-6408-EE3D-65CF7571AA08}"/>
+              </a:ext>
+            </a:extLst>
+          </p:cNvPr>
+          <p:cNvSpPr txBox="1"/>
+          <p:nvPr/>
+        </p:nvSpPr>
+        <p:spPr>
+          <a:xfrm>
+            <a:off x="838198" y="1350780"/>
+            <a:ext cx="10515587" cy="707886"/>
+          </a:xfrm>
+          <a:prstGeom prst="rect">
+            <a:avLst/>
+          </a:prstGeom>
+          <a:noFill/>
+        </p:spPr>
+        <p:txBody>
+          <a:bodyPr wrap="square">
+            <a:spAutoFit/>
+          </a:bodyPr>
+          <a:lstStyle/>
           <a:p>
             <a:pPr marL="0" indent="0" algn="ctr">
               <a:buNone/>
             </a:pPr>
             <a:r>
-              <a:rPr lang="en-US" sz="2400" b="1" dirty="0">
+              <a:rPr lang="en-US" sz="2000" dirty="0">
                 <a:effectLst/>
                 <a:latin typeface="Calibri" panose="020F0502020204030204" pitchFamily="34" charset="0"/>
                 <a:ea typeface="MS Mincho" panose="02020609040205080304" pitchFamily="49" charset="-128"/>
                 <a:cs typeface="Times New Roman" panose="02020603050405020304" pitchFamily="18" charset="0"/>
               </a:rPr>
-              <a:t>The team has completed data cleansing &amp; transformation, an initial pass at EDA&lt; and begun model development &amp; selection. </a:t>
-            </a:r>
-          </a:p>
-          <a:p>
-            <a:pPr marL="0" indent="0" algn="ctr">
-              <a:buNone/>
-            </a:pPr>
-            <a:r>
-              <a:rPr lang="en-US" sz="2400" b="1" dirty="0">
-                <a:effectLst/>
-                <a:latin typeface="Calibri" panose="020F0502020204030204" pitchFamily="34" charset="0"/>
-                <a:ea typeface="MS Mincho" panose="02020609040205080304" pitchFamily="49" charset="-128"/>
-                <a:cs typeface="Times New Roman" panose="02020603050405020304" pitchFamily="18" charset="0"/>
-              </a:rPr>
-              <a:t>We’re on track to have modelin</a:t>
-            </a:r>
-            <a:r>
-              <a:rPr lang="en-US" sz="2400" b="1" dirty="0">
-                <a:latin typeface="Calibri" panose="020F0502020204030204" pitchFamily="34" charset="0"/>
-                <a:ea typeface="MS Mincho" panose="02020609040205080304" pitchFamily="49" charset="-128"/>
-                <a:cs typeface="Times New Roman" panose="02020603050405020304" pitchFamily="18" charset="0"/>
-              </a:rPr>
-              <a:t>g complete in two weeks, allowing an additional 10 days to iterate as-needed and develop our final report.</a:t>
-            </a:r>
-            <a:endParaRPr lang="en-US" sz="3200" b="1" dirty="0"/>
+              <a:t>The team has completed data cleansing &amp; transformation, an initial pass at EDA, and begun model development &amp; selection. </a:t>
+            </a:r>
           </a:p>
         </p:txBody>
       </p:sp>
@@ -3805,7 +3873,9 @@
         </p:nvSpPr>
         <p:spPr/>
         <p:txBody>
-          <a:bodyPr/>
+          <a:bodyPr>
+            <a:normAutofit fontScale="90000"/>
+          </a:bodyPr>
           <a:lstStyle/>
           <a:p>
             <a:r>
@@ -3838,7 +3908,9 @@
           </a:xfrm>
         </p:spPr>
         <p:txBody>
-          <a:bodyPr/>
+          <a:bodyPr>
+            <a:normAutofit/>
+          </a:bodyPr>
           <a:lstStyle/>
           <a:p>
             <a:pPr marL="0" indent="0">
@@ -3877,11 +3949,24 @@
         <p:spPr>
           <a:xfrm>
             <a:off x="967946" y="2483707"/>
-            <a:ext cx="3484606" cy="531341"/>
+            <a:ext cx="3484606" cy="310896"/>
           </a:xfrm>
           <a:prstGeom prst="rect">
             <a:avLst/>
           </a:prstGeom>
+          <a:solidFill>
+            <a:schemeClr val="bg1">
+              <a:lumMod val="95000"/>
+            </a:schemeClr>
+          </a:solidFill>
+          <a:ln w="6350">
+            <a:solidFill>
+              <a:schemeClr val="tx1">
+                <a:lumMod val="50000"/>
+                <a:lumOff val="50000"/>
+              </a:schemeClr>
+            </a:solidFill>
+          </a:ln>
         </p:spPr>
         <p:style>
           <a:lnRef idx="2">
@@ -3905,7 +3990,11 @@
           <a:p>
             <a:pPr algn="ctr"/>
             <a:r>
-              <a:rPr lang="en-US" dirty="0"/>
+              <a:rPr lang="en-US" b="1" dirty="0">
+                <a:solidFill>
+                  <a:schemeClr val="tx1"/>
+                </a:solidFill>
+              </a:rPr>
               <a:t>Steps Taken</a:t>
             </a:r>
           </a:p>
@@ -3925,7 +4014,7 @@
         </p:nvSpPr>
         <p:spPr>
           <a:xfrm>
-            <a:off x="967946" y="3113903"/>
+            <a:off x="967946" y="2807170"/>
             <a:ext cx="3484606" cy="3046988"/>
           </a:xfrm>
           <a:prstGeom prst="rect">
@@ -4046,7 +4135,7 @@
           <p:nvPr>
             <p:extLst>
               <p:ext uri="{D42A27DB-BD31-4B8C-83A1-F6EECF244321}">
-                <p14:modId xmlns:p14="http://schemas.microsoft.com/office/powerpoint/2010/main" val="4156311307"/>
+                <p14:modId xmlns:p14="http://schemas.microsoft.com/office/powerpoint/2010/main" val="483984532"/>
               </p:ext>
             </p:extLst>
           </p:nvPr>
@@ -4096,11 +4185,17 @@
                       </a:pPr>
                       <a:r>
                         <a:rPr lang="en-US" sz="1400" dirty="0">
+                          <a:solidFill>
+                            <a:schemeClr val="tx1"/>
+                          </a:solidFill>
                           <a:effectLst/>
                         </a:rPr>
                         <a:t>Feature</a:t>
                       </a:r>
                       <a:endParaRPr lang="en-US" sz="1400" dirty="0">
+                        <a:solidFill>
+                          <a:schemeClr val="tx1"/>
+                        </a:solidFill>
                         <a:effectLst/>
                         <a:latin typeface="Calibri" panose="020F0502020204030204" pitchFamily="34" charset="0"/>
                         <a:ea typeface="Calibri" panose="020F0502020204030204" pitchFamily="34" charset="0"/>
@@ -4108,7 +4203,58 @@
                       </a:endParaRPr>
                     </a:p>
                   </a:txBody>
-                  <a:tcPr marL="68580" marR="68580" marT="0" marB="0" anchor="ctr"/>
+                  <a:tcPr marL="68580" marR="68580" marT="0" marB="0" anchor="ctr">
+                    <a:lnL w="12700" cap="flat" cmpd="sng" algn="ctr">
+                      <a:solidFill>
+                        <a:schemeClr val="tx1"/>
+                      </a:solidFill>
+                      <a:prstDash val="solid"/>
+                      <a:round/>
+                      <a:headEnd type="none" w="med" len="med"/>
+                      <a:tailEnd type="none" w="med" len="med"/>
+                    </a:lnL>
+                    <a:lnR w="12700" cap="flat" cmpd="sng" algn="ctr">
+                      <a:solidFill>
+                        <a:schemeClr val="tx1"/>
+                      </a:solidFill>
+                      <a:prstDash val="solid"/>
+                      <a:round/>
+                      <a:headEnd type="none" w="med" len="med"/>
+                      <a:tailEnd type="none" w="med" len="med"/>
+                    </a:lnR>
+                    <a:lnT w="12700" cap="flat" cmpd="sng" algn="ctr">
+                      <a:solidFill>
+                        <a:schemeClr val="tx1"/>
+                      </a:solidFill>
+                      <a:prstDash val="solid"/>
+                      <a:round/>
+                      <a:headEnd type="none" w="med" len="med"/>
+                      <a:tailEnd type="none" w="med" len="med"/>
+                    </a:lnT>
+                    <a:lnB w="12700" cap="flat" cmpd="sng" algn="ctr">
+                      <a:solidFill>
+                        <a:schemeClr val="tx1"/>
+                      </a:solidFill>
+                      <a:prstDash val="solid"/>
+                      <a:round/>
+                      <a:headEnd type="none" w="med" len="med"/>
+                      <a:tailEnd type="none" w="med" len="med"/>
+                    </a:lnB>
+                    <a:lnTlToBr w="12700" cmpd="sng">
+                      <a:noFill/>
+                      <a:prstDash val="solid"/>
+                    </a:lnTlToBr>
+                    <a:lnBlToTr w="12700" cmpd="sng">
+                      <a:noFill/>
+                      <a:prstDash val="solid"/>
+                    </a:lnBlToTr>
+                    <a:solidFill>
+                      <a:schemeClr val="accent1">
+                        <a:lumMod val="20000"/>
+                        <a:lumOff val="80000"/>
+                      </a:schemeClr>
+                    </a:solidFill>
+                  </a:tcPr>
                 </a:tc>
                 <a:tc>
                   <a:txBody>
@@ -4127,12 +4273,18 @@
                         </a:spcAft>
                       </a:pPr>
                       <a:r>
-                        <a:rPr lang="en-US" sz="1400">
+                        <a:rPr lang="en-US" sz="1400" dirty="0">
+                          <a:solidFill>
+                            <a:schemeClr val="tx1"/>
+                          </a:solidFill>
                           <a:effectLst/>
                         </a:rPr>
                         <a:t>Description</a:t>
                       </a:r>
-                      <a:endParaRPr lang="en-US" sz="1400">
+                      <a:endParaRPr lang="en-US" sz="1400" dirty="0">
+                        <a:solidFill>
+                          <a:schemeClr val="tx1"/>
+                        </a:solidFill>
                         <a:effectLst/>
                         <a:latin typeface="Calibri" panose="020F0502020204030204" pitchFamily="34" charset="0"/>
                         <a:ea typeface="Calibri" panose="020F0502020204030204" pitchFamily="34" charset="0"/>
@@ -4140,7 +4292,58 @@
                       </a:endParaRPr>
                     </a:p>
                   </a:txBody>
-                  <a:tcPr marL="68580" marR="68580" marT="0" marB="0" anchor="ctr"/>
+                  <a:tcPr marL="68580" marR="68580" marT="0" marB="0" anchor="ctr">
+                    <a:lnL w="12700" cap="flat" cmpd="sng" algn="ctr">
+                      <a:solidFill>
+                        <a:schemeClr val="tx1"/>
+                      </a:solidFill>
+                      <a:prstDash val="solid"/>
+                      <a:round/>
+                      <a:headEnd type="none" w="med" len="med"/>
+                      <a:tailEnd type="none" w="med" len="med"/>
+                    </a:lnL>
+                    <a:lnR w="12700" cap="flat" cmpd="sng" algn="ctr">
+                      <a:solidFill>
+                        <a:schemeClr val="tx1"/>
+                      </a:solidFill>
+                      <a:prstDash val="solid"/>
+                      <a:round/>
+                      <a:headEnd type="none" w="med" len="med"/>
+                      <a:tailEnd type="none" w="med" len="med"/>
+                    </a:lnR>
+                    <a:lnT w="12700" cap="flat" cmpd="sng" algn="ctr">
+                      <a:solidFill>
+                        <a:schemeClr val="tx1"/>
+                      </a:solidFill>
+                      <a:prstDash val="solid"/>
+                      <a:round/>
+                      <a:headEnd type="none" w="med" len="med"/>
+                      <a:tailEnd type="none" w="med" len="med"/>
+                    </a:lnT>
+                    <a:lnB w="12700" cap="flat" cmpd="sng" algn="ctr">
+                      <a:solidFill>
+                        <a:schemeClr val="tx1"/>
+                      </a:solidFill>
+                      <a:prstDash val="solid"/>
+                      <a:round/>
+                      <a:headEnd type="none" w="med" len="med"/>
+                      <a:tailEnd type="none" w="med" len="med"/>
+                    </a:lnB>
+                    <a:lnTlToBr w="12700" cmpd="sng">
+                      <a:noFill/>
+                      <a:prstDash val="solid"/>
+                    </a:lnTlToBr>
+                    <a:lnBlToTr w="12700" cmpd="sng">
+                      <a:noFill/>
+                      <a:prstDash val="solid"/>
+                    </a:lnBlToTr>
+                    <a:solidFill>
+                      <a:schemeClr val="accent1">
+                        <a:lumMod val="20000"/>
+                        <a:lumOff val="80000"/>
+                      </a:schemeClr>
+                    </a:solidFill>
+                  </a:tcPr>
                 </a:tc>
                 <a:extLst>
                   <a:ext uri="{0D108BD9-81ED-4DB2-BD59-A6C34878D82A}">
@@ -4166,12 +4369,18 @@
                         </a:spcAft>
                       </a:pPr>
                       <a:r>
-                        <a:rPr lang="en-US" sz="1400">
+                        <a:rPr lang="en-US" sz="1400" dirty="0">
+                          <a:solidFill>
+                            <a:schemeClr val="tx1"/>
+                          </a:solidFill>
                           <a:effectLst/>
                         </a:rPr>
                         <a:t>bed</a:t>
                       </a:r>
-                      <a:endParaRPr lang="en-US" sz="1400">
+                      <a:endParaRPr lang="en-US" sz="1400" dirty="0">
+                        <a:solidFill>
+                          <a:schemeClr val="tx1"/>
+                        </a:solidFill>
                         <a:effectLst/>
                         <a:latin typeface="Calibri" panose="020F0502020204030204" pitchFamily="34" charset="0"/>
                         <a:ea typeface="Calibri" panose="020F0502020204030204" pitchFamily="34" charset="0"/>
@@ -4179,7 +4388,53 @@
                       </a:endParaRPr>
                     </a:p>
                   </a:txBody>
-                  <a:tcPr marL="68580" marR="68580" marT="0" marB="0" anchor="ctr"/>
+                  <a:tcPr marL="68580" marR="68580" marT="0" marB="0" anchor="ctr">
+                    <a:lnL w="12700" cap="flat" cmpd="sng" algn="ctr">
+                      <a:solidFill>
+                        <a:schemeClr val="tx1"/>
+                      </a:solidFill>
+                      <a:prstDash val="solid"/>
+                      <a:round/>
+                      <a:headEnd type="none" w="med" len="med"/>
+                      <a:tailEnd type="none" w="med" len="med"/>
+                    </a:lnL>
+                    <a:lnR w="12700" cap="flat" cmpd="sng" algn="ctr">
+                      <a:solidFill>
+                        <a:schemeClr val="tx1"/>
+                      </a:solidFill>
+                      <a:prstDash val="solid"/>
+                      <a:round/>
+                      <a:headEnd type="none" w="med" len="med"/>
+                      <a:tailEnd type="none" w="med" len="med"/>
+                    </a:lnR>
+                    <a:lnT w="12700" cap="flat" cmpd="sng" algn="ctr">
+                      <a:solidFill>
+                        <a:schemeClr val="tx1"/>
+                      </a:solidFill>
+                      <a:prstDash val="solid"/>
+                      <a:round/>
+                      <a:headEnd type="none" w="med" len="med"/>
+                      <a:tailEnd type="none" w="med" len="med"/>
+                    </a:lnT>
+                    <a:lnB w="12700" cap="flat" cmpd="sng" algn="ctr">
+                      <a:solidFill>
+                        <a:schemeClr val="tx1"/>
+                      </a:solidFill>
+                      <a:prstDash val="sysDot"/>
+                      <a:round/>
+                      <a:headEnd type="none" w="med" len="med"/>
+                      <a:tailEnd type="none" w="med" len="med"/>
+                    </a:lnB>
+                    <a:lnTlToBr w="12700" cmpd="sng">
+                      <a:noFill/>
+                      <a:prstDash val="solid"/>
+                    </a:lnTlToBr>
+                    <a:lnBlToTr w="12700" cmpd="sng">
+                      <a:noFill/>
+                      <a:prstDash val="solid"/>
+                    </a:lnBlToTr>
+                    <a:noFill/>
+                  </a:tcPr>
                 </a:tc>
                 <a:tc>
                   <a:txBody>
@@ -4198,12 +4453,18 @@
                         </a:spcAft>
                       </a:pPr>
                       <a:r>
-                        <a:rPr lang="en-US" sz="1400">
+                        <a:rPr lang="en-US" sz="1400" dirty="0">
+                          <a:solidFill>
+                            <a:schemeClr val="tx1"/>
+                          </a:solidFill>
                           <a:effectLst/>
                         </a:rPr>
                         <a:t>Number of bedrooms on the listing</a:t>
                       </a:r>
-                      <a:endParaRPr lang="en-US" sz="1400">
+                      <a:endParaRPr lang="en-US" sz="1400" dirty="0">
+                        <a:solidFill>
+                          <a:schemeClr val="tx1"/>
+                        </a:solidFill>
                         <a:effectLst/>
                         <a:latin typeface="Calibri" panose="020F0502020204030204" pitchFamily="34" charset="0"/>
                         <a:ea typeface="Calibri" panose="020F0502020204030204" pitchFamily="34" charset="0"/>
@@ -4211,7 +4472,53 @@
                       </a:endParaRPr>
                     </a:p>
                   </a:txBody>
-                  <a:tcPr marL="68580" marR="68580" marT="0" marB="0" anchor="ctr"/>
+                  <a:tcPr marL="68580" marR="68580" marT="0" marB="0" anchor="ctr">
+                    <a:lnL w="12700" cap="flat" cmpd="sng" algn="ctr">
+                      <a:solidFill>
+                        <a:schemeClr val="tx1"/>
+                      </a:solidFill>
+                      <a:prstDash val="solid"/>
+                      <a:round/>
+                      <a:headEnd type="none" w="med" len="med"/>
+                      <a:tailEnd type="none" w="med" len="med"/>
+                    </a:lnL>
+                    <a:lnR w="12700" cap="flat" cmpd="sng" algn="ctr">
+                      <a:solidFill>
+                        <a:schemeClr val="tx1"/>
+                      </a:solidFill>
+                      <a:prstDash val="solid"/>
+                      <a:round/>
+                      <a:headEnd type="none" w="med" len="med"/>
+                      <a:tailEnd type="none" w="med" len="med"/>
+                    </a:lnR>
+                    <a:lnT w="12700" cap="flat" cmpd="sng" algn="ctr">
+                      <a:solidFill>
+                        <a:schemeClr val="tx1"/>
+                      </a:solidFill>
+                      <a:prstDash val="solid"/>
+                      <a:round/>
+                      <a:headEnd type="none" w="med" len="med"/>
+                      <a:tailEnd type="none" w="med" len="med"/>
+                    </a:lnT>
+                    <a:lnB w="12700" cap="flat" cmpd="sng" algn="ctr">
+                      <a:solidFill>
+                        <a:schemeClr val="tx1"/>
+                      </a:solidFill>
+                      <a:prstDash val="sysDot"/>
+                      <a:round/>
+                      <a:headEnd type="none" w="med" len="med"/>
+                      <a:tailEnd type="none" w="med" len="med"/>
+                    </a:lnB>
+                    <a:lnTlToBr w="12700" cmpd="sng">
+                      <a:noFill/>
+                      <a:prstDash val="solid"/>
+                    </a:lnTlToBr>
+                    <a:lnBlToTr w="12700" cmpd="sng">
+                      <a:noFill/>
+                      <a:prstDash val="solid"/>
+                    </a:lnBlToTr>
+                    <a:noFill/>
+                  </a:tcPr>
                 </a:tc>
                 <a:extLst>
                   <a:ext uri="{0D108BD9-81ED-4DB2-BD59-A6C34878D82A}">
@@ -4237,12 +4544,18 @@
                         </a:spcAft>
                       </a:pPr>
                       <a:r>
-                        <a:rPr lang="en-US" sz="1400">
+                        <a:rPr lang="en-US" sz="1400" dirty="0">
+                          <a:solidFill>
+                            <a:schemeClr val="tx1"/>
+                          </a:solidFill>
                           <a:effectLst/>
                         </a:rPr>
                         <a:t>bath</a:t>
                       </a:r>
-                      <a:endParaRPr lang="en-US" sz="1400">
+                      <a:endParaRPr lang="en-US" sz="1400" dirty="0">
+                        <a:solidFill>
+                          <a:schemeClr val="tx1"/>
+                        </a:solidFill>
                         <a:effectLst/>
                         <a:latin typeface="Calibri" panose="020F0502020204030204" pitchFamily="34" charset="0"/>
                         <a:ea typeface="Calibri" panose="020F0502020204030204" pitchFamily="34" charset="0"/>
@@ -4250,7 +4563,53 @@
                       </a:endParaRPr>
                     </a:p>
                   </a:txBody>
-                  <a:tcPr marL="68580" marR="68580" marT="0" marB="0" anchor="ctr"/>
+                  <a:tcPr marL="68580" marR="68580" marT="0" marB="0" anchor="ctr">
+                    <a:lnL w="12700" cap="flat" cmpd="sng" algn="ctr">
+                      <a:solidFill>
+                        <a:schemeClr val="tx1"/>
+                      </a:solidFill>
+                      <a:prstDash val="solid"/>
+                      <a:round/>
+                      <a:headEnd type="none" w="med" len="med"/>
+                      <a:tailEnd type="none" w="med" len="med"/>
+                    </a:lnL>
+                    <a:lnR w="12700" cap="flat" cmpd="sng" algn="ctr">
+                      <a:solidFill>
+                        <a:schemeClr val="tx1"/>
+                      </a:solidFill>
+                      <a:prstDash val="solid"/>
+                      <a:round/>
+                      <a:headEnd type="none" w="med" len="med"/>
+                      <a:tailEnd type="none" w="med" len="med"/>
+                    </a:lnR>
+                    <a:lnT w="12700" cap="flat" cmpd="sng" algn="ctr">
+                      <a:solidFill>
+                        <a:schemeClr val="tx1"/>
+                      </a:solidFill>
+                      <a:prstDash val="sysDot"/>
+                      <a:round/>
+                      <a:headEnd type="none" w="med" len="med"/>
+                      <a:tailEnd type="none" w="med" len="med"/>
+                    </a:lnT>
+                    <a:lnB w="12700" cap="flat" cmpd="sng" algn="ctr">
+                      <a:solidFill>
+                        <a:schemeClr val="tx1"/>
+                      </a:solidFill>
+                      <a:prstDash val="sysDot"/>
+                      <a:round/>
+                      <a:headEnd type="none" w="med" len="med"/>
+                      <a:tailEnd type="none" w="med" len="med"/>
+                    </a:lnB>
+                    <a:lnTlToBr w="12700" cmpd="sng">
+                      <a:noFill/>
+                      <a:prstDash val="solid"/>
+                    </a:lnTlToBr>
+                    <a:lnBlToTr w="12700" cmpd="sng">
+                      <a:noFill/>
+                      <a:prstDash val="solid"/>
+                    </a:lnBlToTr>
+                    <a:noFill/>
+                  </a:tcPr>
                 </a:tc>
                 <a:tc>
                   <a:txBody>
@@ -4270,11 +4629,17 @@
                       </a:pPr>
                       <a:r>
                         <a:rPr lang="en-US" sz="1400">
+                          <a:solidFill>
+                            <a:schemeClr val="tx1"/>
+                          </a:solidFill>
                           <a:effectLst/>
                         </a:rPr>
                         <a:t>Number of bathrooms on the listing</a:t>
                       </a:r>
                       <a:endParaRPr lang="en-US" sz="1400">
+                        <a:solidFill>
+                          <a:schemeClr val="tx1"/>
+                        </a:solidFill>
                         <a:effectLst/>
                         <a:latin typeface="Calibri" panose="020F0502020204030204" pitchFamily="34" charset="0"/>
                         <a:ea typeface="Calibri" panose="020F0502020204030204" pitchFamily="34" charset="0"/>
@@ -4282,7 +4647,53 @@
                       </a:endParaRPr>
                     </a:p>
                   </a:txBody>
-                  <a:tcPr marL="68580" marR="68580" marT="0" marB="0" anchor="ctr"/>
+                  <a:tcPr marL="68580" marR="68580" marT="0" marB="0" anchor="ctr">
+                    <a:lnL w="12700" cap="flat" cmpd="sng" algn="ctr">
+                      <a:solidFill>
+                        <a:schemeClr val="tx1"/>
+                      </a:solidFill>
+                      <a:prstDash val="solid"/>
+                      <a:round/>
+                      <a:headEnd type="none" w="med" len="med"/>
+                      <a:tailEnd type="none" w="med" len="med"/>
+                    </a:lnL>
+                    <a:lnR w="12700" cap="flat" cmpd="sng" algn="ctr">
+                      <a:solidFill>
+                        <a:schemeClr val="tx1"/>
+                      </a:solidFill>
+                      <a:prstDash val="solid"/>
+                      <a:round/>
+                      <a:headEnd type="none" w="med" len="med"/>
+                      <a:tailEnd type="none" w="med" len="med"/>
+                    </a:lnR>
+                    <a:lnT w="12700" cap="flat" cmpd="sng" algn="ctr">
+                      <a:solidFill>
+                        <a:schemeClr val="tx1"/>
+                      </a:solidFill>
+                      <a:prstDash val="sysDot"/>
+                      <a:round/>
+                      <a:headEnd type="none" w="med" len="med"/>
+                      <a:tailEnd type="none" w="med" len="med"/>
+                    </a:lnT>
+                    <a:lnB w="12700" cap="flat" cmpd="sng" algn="ctr">
+                      <a:solidFill>
+                        <a:schemeClr val="tx1"/>
+                      </a:solidFill>
+                      <a:prstDash val="sysDot"/>
+                      <a:round/>
+                      <a:headEnd type="none" w="med" len="med"/>
+                      <a:tailEnd type="none" w="med" len="med"/>
+                    </a:lnB>
+                    <a:lnTlToBr w="12700" cmpd="sng">
+                      <a:noFill/>
+                      <a:prstDash val="solid"/>
+                    </a:lnTlToBr>
+                    <a:lnBlToTr w="12700" cmpd="sng">
+                      <a:noFill/>
+                      <a:prstDash val="solid"/>
+                    </a:lnBlToTr>
+                    <a:noFill/>
+                  </a:tcPr>
                 </a:tc>
                 <a:extLst>
                   <a:ext uri="{0D108BD9-81ED-4DB2-BD59-A6C34878D82A}">
@@ -4308,12 +4719,18 @@
                         </a:spcAft>
                       </a:pPr>
                       <a:r>
-                        <a:rPr lang="en-US" sz="1400">
+                        <a:rPr lang="en-US" sz="1400" dirty="0" err="1">
+                          <a:solidFill>
+                            <a:schemeClr val="tx1"/>
+                          </a:solidFill>
                           <a:effectLst/>
                         </a:rPr>
                         <a:t>acre_lot</a:t>
                       </a:r>
-                      <a:endParaRPr lang="en-US" sz="1400">
+                      <a:endParaRPr lang="en-US" sz="1400" dirty="0">
+                        <a:solidFill>
+                          <a:schemeClr val="tx1"/>
+                        </a:solidFill>
                         <a:effectLst/>
                         <a:latin typeface="Calibri" panose="020F0502020204030204" pitchFamily="34" charset="0"/>
                         <a:ea typeface="Calibri" panose="020F0502020204030204" pitchFamily="34" charset="0"/>
@@ -4321,7 +4738,53 @@
                       </a:endParaRPr>
                     </a:p>
                   </a:txBody>
-                  <a:tcPr marL="68580" marR="68580" marT="0" marB="0" anchor="ctr"/>
+                  <a:tcPr marL="68580" marR="68580" marT="0" marB="0" anchor="ctr">
+                    <a:lnL w="12700" cap="flat" cmpd="sng" algn="ctr">
+                      <a:solidFill>
+                        <a:schemeClr val="tx1"/>
+                      </a:solidFill>
+                      <a:prstDash val="solid"/>
+                      <a:round/>
+                      <a:headEnd type="none" w="med" len="med"/>
+                      <a:tailEnd type="none" w="med" len="med"/>
+                    </a:lnL>
+                    <a:lnR w="12700" cap="flat" cmpd="sng" algn="ctr">
+                      <a:solidFill>
+                        <a:schemeClr val="tx1"/>
+                      </a:solidFill>
+                      <a:prstDash val="solid"/>
+                      <a:round/>
+                      <a:headEnd type="none" w="med" len="med"/>
+                      <a:tailEnd type="none" w="med" len="med"/>
+                    </a:lnR>
+                    <a:lnT w="12700" cap="flat" cmpd="sng" algn="ctr">
+                      <a:solidFill>
+                        <a:schemeClr val="tx1"/>
+                      </a:solidFill>
+                      <a:prstDash val="sysDot"/>
+                      <a:round/>
+                      <a:headEnd type="none" w="med" len="med"/>
+                      <a:tailEnd type="none" w="med" len="med"/>
+                    </a:lnT>
+                    <a:lnB w="12700" cap="flat" cmpd="sng" algn="ctr">
+                      <a:solidFill>
+                        <a:schemeClr val="tx1"/>
+                      </a:solidFill>
+                      <a:prstDash val="sysDot"/>
+                      <a:round/>
+                      <a:headEnd type="none" w="med" len="med"/>
+                      <a:tailEnd type="none" w="med" len="med"/>
+                    </a:lnB>
+                    <a:lnTlToBr w="12700" cmpd="sng">
+                      <a:noFill/>
+                      <a:prstDash val="solid"/>
+                    </a:lnTlToBr>
+                    <a:lnBlToTr w="12700" cmpd="sng">
+                      <a:noFill/>
+                      <a:prstDash val="solid"/>
+                    </a:lnBlToTr>
+                    <a:noFill/>
+                  </a:tcPr>
                 </a:tc>
                 <a:tc>
                   <a:txBody>
@@ -4341,11 +4804,17 @@
                       </a:pPr>
                       <a:r>
                         <a:rPr lang="en-US" sz="1400">
+                          <a:solidFill>
+                            <a:schemeClr val="tx1"/>
+                          </a:solidFill>
                           <a:effectLst/>
                         </a:rPr>
                         <a:t>Size of the lot, in acres</a:t>
                       </a:r>
                       <a:endParaRPr lang="en-US" sz="1400">
+                        <a:solidFill>
+                          <a:schemeClr val="tx1"/>
+                        </a:solidFill>
                         <a:effectLst/>
                         <a:latin typeface="Calibri" panose="020F0502020204030204" pitchFamily="34" charset="0"/>
                         <a:ea typeface="Calibri" panose="020F0502020204030204" pitchFamily="34" charset="0"/>
@@ -4353,7 +4822,53 @@
                       </a:endParaRPr>
                     </a:p>
                   </a:txBody>
-                  <a:tcPr marL="68580" marR="68580" marT="0" marB="0" anchor="ctr"/>
+                  <a:tcPr marL="68580" marR="68580" marT="0" marB="0" anchor="ctr">
+                    <a:lnL w="12700" cap="flat" cmpd="sng" algn="ctr">
+                      <a:solidFill>
+                        <a:schemeClr val="tx1"/>
+                      </a:solidFill>
+                      <a:prstDash val="solid"/>
+                      <a:round/>
+                      <a:headEnd type="none" w="med" len="med"/>
+                      <a:tailEnd type="none" w="med" len="med"/>
+                    </a:lnL>
+                    <a:lnR w="12700" cap="flat" cmpd="sng" algn="ctr">
+                      <a:solidFill>
+                        <a:schemeClr val="tx1"/>
+                      </a:solidFill>
+                      <a:prstDash val="solid"/>
+                      <a:round/>
+                      <a:headEnd type="none" w="med" len="med"/>
+                      <a:tailEnd type="none" w="med" len="med"/>
+                    </a:lnR>
+                    <a:lnT w="12700" cap="flat" cmpd="sng" algn="ctr">
+                      <a:solidFill>
+                        <a:schemeClr val="tx1"/>
+                      </a:solidFill>
+                      <a:prstDash val="sysDot"/>
+                      <a:round/>
+                      <a:headEnd type="none" w="med" len="med"/>
+                      <a:tailEnd type="none" w="med" len="med"/>
+                    </a:lnT>
+                    <a:lnB w="12700" cap="flat" cmpd="sng" algn="ctr">
+                      <a:solidFill>
+                        <a:schemeClr val="tx1"/>
+                      </a:solidFill>
+                      <a:prstDash val="sysDot"/>
+                      <a:round/>
+                      <a:headEnd type="none" w="med" len="med"/>
+                      <a:tailEnd type="none" w="med" len="med"/>
+                    </a:lnB>
+                    <a:lnTlToBr w="12700" cmpd="sng">
+                      <a:noFill/>
+                      <a:prstDash val="solid"/>
+                    </a:lnTlToBr>
+                    <a:lnBlToTr w="12700" cmpd="sng">
+                      <a:noFill/>
+                      <a:prstDash val="solid"/>
+                    </a:lnBlToTr>
+                    <a:noFill/>
+                  </a:tcPr>
                 </a:tc>
                 <a:extLst>
                   <a:ext uri="{0D108BD9-81ED-4DB2-BD59-A6C34878D82A}">
@@ -4380,11 +4895,17 @@
                       </a:pPr>
                       <a:r>
                         <a:rPr lang="en-US" sz="1400">
+                          <a:solidFill>
+                            <a:schemeClr val="tx1"/>
+                          </a:solidFill>
                           <a:effectLst/>
                         </a:rPr>
                         <a:t>house_size</a:t>
                       </a:r>
                       <a:endParaRPr lang="en-US" sz="1400">
+                        <a:solidFill>
+                          <a:schemeClr val="tx1"/>
+                        </a:solidFill>
                         <a:effectLst/>
                         <a:latin typeface="Calibri" panose="020F0502020204030204" pitchFamily="34" charset="0"/>
                         <a:ea typeface="Calibri" panose="020F0502020204030204" pitchFamily="34" charset="0"/>
@@ -4392,7 +4913,53 @@
                       </a:endParaRPr>
                     </a:p>
                   </a:txBody>
-                  <a:tcPr marL="68580" marR="68580" marT="0" marB="0" anchor="ctr"/>
+                  <a:tcPr marL="68580" marR="68580" marT="0" marB="0" anchor="ctr">
+                    <a:lnL w="12700" cap="flat" cmpd="sng" algn="ctr">
+                      <a:solidFill>
+                        <a:schemeClr val="tx1"/>
+                      </a:solidFill>
+                      <a:prstDash val="solid"/>
+                      <a:round/>
+                      <a:headEnd type="none" w="med" len="med"/>
+                      <a:tailEnd type="none" w="med" len="med"/>
+                    </a:lnL>
+                    <a:lnR w="12700" cap="flat" cmpd="sng" algn="ctr">
+                      <a:solidFill>
+                        <a:schemeClr val="tx1"/>
+                      </a:solidFill>
+                      <a:prstDash val="solid"/>
+                      <a:round/>
+                      <a:headEnd type="none" w="med" len="med"/>
+                      <a:tailEnd type="none" w="med" len="med"/>
+                    </a:lnR>
+                    <a:lnT w="12700" cap="flat" cmpd="sng" algn="ctr">
+                      <a:solidFill>
+                        <a:schemeClr val="tx1"/>
+                      </a:solidFill>
+                      <a:prstDash val="sysDot"/>
+                      <a:round/>
+                      <a:headEnd type="none" w="med" len="med"/>
+                      <a:tailEnd type="none" w="med" len="med"/>
+                    </a:lnT>
+                    <a:lnB w="12700" cap="flat" cmpd="sng" algn="ctr">
+                      <a:solidFill>
+                        <a:schemeClr val="tx1"/>
+                      </a:solidFill>
+                      <a:prstDash val="sysDot"/>
+                      <a:round/>
+                      <a:headEnd type="none" w="med" len="med"/>
+                      <a:tailEnd type="none" w="med" len="med"/>
+                    </a:lnB>
+                    <a:lnTlToBr w="12700" cmpd="sng">
+                      <a:noFill/>
+                      <a:prstDash val="solid"/>
+                    </a:lnTlToBr>
+                    <a:lnBlToTr w="12700" cmpd="sng">
+                      <a:noFill/>
+                      <a:prstDash val="solid"/>
+                    </a:lnBlToTr>
+                    <a:noFill/>
+                  </a:tcPr>
                 </a:tc>
                 <a:tc>
                   <a:txBody>
@@ -4412,11 +4979,17 @@
                       </a:pPr>
                       <a:r>
                         <a:rPr lang="en-US" sz="1400">
+                          <a:solidFill>
+                            <a:schemeClr val="tx1"/>
+                          </a:solidFill>
                           <a:effectLst/>
                         </a:rPr>
                         <a:t>Size of the house, in sq ft</a:t>
                       </a:r>
                       <a:endParaRPr lang="en-US" sz="1400">
+                        <a:solidFill>
+                          <a:schemeClr val="tx1"/>
+                        </a:solidFill>
                         <a:effectLst/>
                         <a:latin typeface="Calibri" panose="020F0502020204030204" pitchFamily="34" charset="0"/>
                         <a:ea typeface="Calibri" panose="020F0502020204030204" pitchFamily="34" charset="0"/>
@@ -4424,7 +4997,53 @@
                       </a:endParaRPr>
                     </a:p>
                   </a:txBody>
-                  <a:tcPr marL="68580" marR="68580" marT="0" marB="0" anchor="ctr"/>
+                  <a:tcPr marL="68580" marR="68580" marT="0" marB="0" anchor="ctr">
+                    <a:lnL w="12700" cap="flat" cmpd="sng" algn="ctr">
+                      <a:solidFill>
+                        <a:schemeClr val="tx1"/>
+                      </a:solidFill>
+                      <a:prstDash val="solid"/>
+                      <a:round/>
+                      <a:headEnd type="none" w="med" len="med"/>
+                      <a:tailEnd type="none" w="med" len="med"/>
+                    </a:lnL>
+                    <a:lnR w="12700" cap="flat" cmpd="sng" algn="ctr">
+                      <a:solidFill>
+                        <a:schemeClr val="tx1"/>
+                      </a:solidFill>
+                      <a:prstDash val="solid"/>
+                      <a:round/>
+                      <a:headEnd type="none" w="med" len="med"/>
+                      <a:tailEnd type="none" w="med" len="med"/>
+                    </a:lnR>
+                    <a:lnT w="12700" cap="flat" cmpd="sng" algn="ctr">
+                      <a:solidFill>
+                        <a:schemeClr val="tx1"/>
+                      </a:solidFill>
+                      <a:prstDash val="sysDot"/>
+                      <a:round/>
+                      <a:headEnd type="none" w="med" len="med"/>
+                      <a:tailEnd type="none" w="med" len="med"/>
+                    </a:lnT>
+                    <a:lnB w="12700" cap="flat" cmpd="sng" algn="ctr">
+                      <a:solidFill>
+                        <a:schemeClr val="tx1"/>
+                      </a:solidFill>
+                      <a:prstDash val="sysDot"/>
+                      <a:round/>
+                      <a:headEnd type="none" w="med" len="med"/>
+                      <a:tailEnd type="none" w="med" len="med"/>
+                    </a:lnB>
+                    <a:lnTlToBr w="12700" cmpd="sng">
+                      <a:noFill/>
+                      <a:prstDash val="solid"/>
+                    </a:lnTlToBr>
+                    <a:lnBlToTr w="12700" cmpd="sng">
+                      <a:noFill/>
+                      <a:prstDash val="solid"/>
+                    </a:lnBlToTr>
+                    <a:noFill/>
+                  </a:tcPr>
                 </a:tc>
                 <a:extLst>
                   <a:ext uri="{0D108BD9-81ED-4DB2-BD59-A6C34878D82A}">
@@ -4450,12 +5069,18 @@
                         </a:spcAft>
                       </a:pPr>
                       <a:r>
-                        <a:rPr lang="en-US" sz="1400">
+                        <a:rPr lang="en-US" sz="1400" dirty="0">
+                          <a:solidFill>
+                            <a:schemeClr val="tx1"/>
+                          </a:solidFill>
                           <a:effectLst/>
                         </a:rPr>
                         <a:t>state</a:t>
                       </a:r>
-                      <a:endParaRPr lang="en-US" sz="1400">
+                      <a:endParaRPr lang="en-US" sz="1400" dirty="0">
+                        <a:solidFill>
+                          <a:schemeClr val="tx1"/>
+                        </a:solidFill>
                         <a:effectLst/>
                         <a:latin typeface="Calibri" panose="020F0502020204030204" pitchFamily="34" charset="0"/>
                         <a:ea typeface="Calibri" panose="020F0502020204030204" pitchFamily="34" charset="0"/>
@@ -4463,7 +5088,53 @@
                       </a:endParaRPr>
                     </a:p>
                   </a:txBody>
-                  <a:tcPr marL="68580" marR="68580" marT="0" marB="0" anchor="ctr"/>
+                  <a:tcPr marL="68580" marR="68580" marT="0" marB="0" anchor="ctr">
+                    <a:lnL w="12700" cap="flat" cmpd="sng" algn="ctr">
+                      <a:solidFill>
+                        <a:schemeClr val="tx1"/>
+                      </a:solidFill>
+                      <a:prstDash val="solid"/>
+                      <a:round/>
+                      <a:headEnd type="none" w="med" len="med"/>
+                      <a:tailEnd type="none" w="med" len="med"/>
+                    </a:lnL>
+                    <a:lnR w="12700" cap="flat" cmpd="sng" algn="ctr">
+                      <a:solidFill>
+                        <a:schemeClr val="tx1"/>
+                      </a:solidFill>
+                      <a:prstDash val="solid"/>
+                      <a:round/>
+                      <a:headEnd type="none" w="med" len="med"/>
+                      <a:tailEnd type="none" w="med" len="med"/>
+                    </a:lnR>
+                    <a:lnT w="12700" cap="flat" cmpd="sng" algn="ctr">
+                      <a:solidFill>
+                        <a:schemeClr val="tx1"/>
+                      </a:solidFill>
+                      <a:prstDash val="sysDot"/>
+                      <a:round/>
+                      <a:headEnd type="none" w="med" len="med"/>
+                      <a:tailEnd type="none" w="med" len="med"/>
+                    </a:lnT>
+                    <a:lnB w="12700" cap="flat" cmpd="sng" algn="ctr">
+                      <a:solidFill>
+                        <a:schemeClr val="tx1"/>
+                      </a:solidFill>
+                      <a:prstDash val="sysDot"/>
+                      <a:round/>
+                      <a:headEnd type="none" w="med" len="med"/>
+                      <a:tailEnd type="none" w="med" len="med"/>
+                    </a:lnB>
+                    <a:lnTlToBr w="12700" cmpd="sng">
+                      <a:noFill/>
+                      <a:prstDash val="solid"/>
+                    </a:lnTlToBr>
+                    <a:lnBlToTr w="12700" cmpd="sng">
+                      <a:noFill/>
+                      <a:prstDash val="solid"/>
+                    </a:lnBlToTr>
+                    <a:noFill/>
+                  </a:tcPr>
                 </a:tc>
                 <a:tc>
                   <a:txBody>
@@ -4482,12 +5153,18 @@
                         </a:spcAft>
                       </a:pPr>
                       <a:r>
-                        <a:rPr lang="en-US" sz="1400">
+                        <a:rPr lang="en-US" sz="1400" dirty="0">
+                          <a:solidFill>
+                            <a:schemeClr val="tx1"/>
+                          </a:solidFill>
                           <a:effectLst/>
                         </a:rPr>
                         <a:t>State</a:t>
                       </a:r>
-                      <a:endParaRPr lang="en-US" sz="1400">
+                      <a:endParaRPr lang="en-US" sz="1400" dirty="0">
+                        <a:solidFill>
+                          <a:schemeClr val="tx1"/>
+                        </a:solidFill>
                         <a:effectLst/>
                         <a:latin typeface="Calibri" panose="020F0502020204030204" pitchFamily="34" charset="0"/>
                         <a:ea typeface="Calibri" panose="020F0502020204030204" pitchFamily="34" charset="0"/>
@@ -4495,7 +5172,53 @@
                       </a:endParaRPr>
                     </a:p>
                   </a:txBody>
-                  <a:tcPr marL="68580" marR="68580" marT="0" marB="0" anchor="ctr"/>
+                  <a:tcPr marL="68580" marR="68580" marT="0" marB="0" anchor="ctr">
+                    <a:lnL w="12700" cap="flat" cmpd="sng" algn="ctr">
+                      <a:solidFill>
+                        <a:schemeClr val="tx1"/>
+                      </a:solidFill>
+                      <a:prstDash val="solid"/>
+                      <a:round/>
+                      <a:headEnd type="none" w="med" len="med"/>
+                      <a:tailEnd type="none" w="med" len="med"/>
+                    </a:lnL>
+                    <a:lnR w="12700" cap="flat" cmpd="sng" algn="ctr">
+                      <a:solidFill>
+                        <a:schemeClr val="tx1"/>
+                      </a:solidFill>
+                      <a:prstDash val="solid"/>
+                      <a:round/>
+                      <a:headEnd type="none" w="med" len="med"/>
+                      <a:tailEnd type="none" w="med" len="med"/>
+                    </a:lnR>
+                    <a:lnT w="12700" cap="flat" cmpd="sng" algn="ctr">
+                      <a:solidFill>
+                        <a:schemeClr val="tx1"/>
+                      </a:solidFill>
+                      <a:prstDash val="sysDot"/>
+                      <a:round/>
+                      <a:headEnd type="none" w="med" len="med"/>
+                      <a:tailEnd type="none" w="med" len="med"/>
+                    </a:lnT>
+                    <a:lnB w="12700" cap="flat" cmpd="sng" algn="ctr">
+                      <a:solidFill>
+                        <a:schemeClr val="tx1"/>
+                      </a:solidFill>
+                      <a:prstDash val="sysDot"/>
+                      <a:round/>
+                      <a:headEnd type="none" w="med" len="med"/>
+                      <a:tailEnd type="none" w="med" len="med"/>
+                    </a:lnB>
+                    <a:lnTlToBr w="12700" cmpd="sng">
+                      <a:noFill/>
+                      <a:prstDash val="solid"/>
+                    </a:lnTlToBr>
+                    <a:lnBlToTr w="12700" cmpd="sng">
+                      <a:noFill/>
+                      <a:prstDash val="solid"/>
+                    </a:lnBlToTr>
+                    <a:noFill/>
+                  </a:tcPr>
                 </a:tc>
                 <a:extLst>
                   <a:ext uri="{0D108BD9-81ED-4DB2-BD59-A6C34878D82A}">
@@ -4522,11 +5245,17 @@
                       </a:pPr>
                       <a:r>
                         <a:rPr lang="en-US" sz="1400">
+                          <a:solidFill>
+                            <a:schemeClr val="tx1"/>
+                          </a:solidFill>
                           <a:effectLst/>
                         </a:rPr>
                         <a:t>total_credit_amt</a:t>
                       </a:r>
                       <a:endParaRPr lang="en-US" sz="1400">
+                        <a:solidFill>
+                          <a:schemeClr val="tx1"/>
+                        </a:solidFill>
                         <a:effectLst/>
                         <a:latin typeface="Calibri" panose="020F0502020204030204" pitchFamily="34" charset="0"/>
                         <a:ea typeface="Calibri" panose="020F0502020204030204" pitchFamily="34" charset="0"/>
@@ -4534,7 +5263,53 @@
                       </a:endParaRPr>
                     </a:p>
                   </a:txBody>
-                  <a:tcPr marL="68580" marR="68580" marT="0" marB="0" anchor="ctr"/>
+                  <a:tcPr marL="68580" marR="68580" marT="0" marB="0" anchor="ctr">
+                    <a:lnL w="12700" cap="flat" cmpd="sng" algn="ctr">
+                      <a:solidFill>
+                        <a:schemeClr val="tx1"/>
+                      </a:solidFill>
+                      <a:prstDash val="solid"/>
+                      <a:round/>
+                      <a:headEnd type="none" w="med" len="med"/>
+                      <a:tailEnd type="none" w="med" len="med"/>
+                    </a:lnL>
+                    <a:lnR w="12700" cap="flat" cmpd="sng" algn="ctr">
+                      <a:solidFill>
+                        <a:schemeClr val="tx1"/>
+                      </a:solidFill>
+                      <a:prstDash val="solid"/>
+                      <a:round/>
+                      <a:headEnd type="none" w="med" len="med"/>
+                      <a:tailEnd type="none" w="med" len="med"/>
+                    </a:lnR>
+                    <a:lnT w="12700" cap="flat" cmpd="sng" algn="ctr">
+                      <a:solidFill>
+                        <a:schemeClr val="tx1"/>
+                      </a:solidFill>
+                      <a:prstDash val="sysDot"/>
+                      <a:round/>
+                      <a:headEnd type="none" w="med" len="med"/>
+                      <a:tailEnd type="none" w="med" len="med"/>
+                    </a:lnT>
+                    <a:lnB w="12700" cap="flat" cmpd="sng" algn="ctr">
+                      <a:solidFill>
+                        <a:schemeClr val="tx1"/>
+                      </a:solidFill>
+                      <a:prstDash val="sysDot"/>
+                      <a:round/>
+                      <a:headEnd type="none" w="med" len="med"/>
+                      <a:tailEnd type="none" w="med" len="med"/>
+                    </a:lnB>
+                    <a:lnTlToBr w="12700" cmpd="sng">
+                      <a:noFill/>
+                      <a:prstDash val="solid"/>
+                    </a:lnTlToBr>
+                    <a:lnBlToTr w="12700" cmpd="sng">
+                      <a:noFill/>
+                      <a:prstDash val="solid"/>
+                    </a:lnBlToTr>
+                    <a:noFill/>
+                  </a:tcPr>
                 </a:tc>
                 <a:tc>
                   <a:txBody>
@@ -4553,12 +5328,18 @@
                         </a:spcAft>
                       </a:pPr>
                       <a:r>
-                        <a:rPr lang="en-US" sz="1400">
+                        <a:rPr lang="en-US" sz="1400" dirty="0">
+                          <a:solidFill>
+                            <a:schemeClr val="tx1"/>
+                          </a:solidFill>
                           <a:effectLst/>
                         </a:rPr>
                         <a:t>Total tax credits amount per return</a:t>
                       </a:r>
-                      <a:endParaRPr lang="en-US" sz="1400">
+                      <a:endParaRPr lang="en-US" sz="1400" dirty="0">
+                        <a:solidFill>
+                          <a:schemeClr val="tx1"/>
+                        </a:solidFill>
                         <a:effectLst/>
                         <a:latin typeface="Calibri" panose="020F0502020204030204" pitchFamily="34" charset="0"/>
                         <a:ea typeface="Calibri" panose="020F0502020204030204" pitchFamily="34" charset="0"/>
@@ -4566,7 +5347,53 @@
                       </a:endParaRPr>
                     </a:p>
                   </a:txBody>
-                  <a:tcPr marL="68580" marR="68580" marT="0" marB="0" anchor="ctr"/>
+                  <a:tcPr marL="68580" marR="68580" marT="0" marB="0" anchor="ctr">
+                    <a:lnL w="12700" cap="flat" cmpd="sng" algn="ctr">
+                      <a:solidFill>
+                        <a:schemeClr val="tx1"/>
+                      </a:solidFill>
+                      <a:prstDash val="solid"/>
+                      <a:round/>
+                      <a:headEnd type="none" w="med" len="med"/>
+                      <a:tailEnd type="none" w="med" len="med"/>
+                    </a:lnL>
+                    <a:lnR w="12700" cap="flat" cmpd="sng" algn="ctr">
+                      <a:solidFill>
+                        <a:schemeClr val="tx1"/>
+                      </a:solidFill>
+                      <a:prstDash val="solid"/>
+                      <a:round/>
+                      <a:headEnd type="none" w="med" len="med"/>
+                      <a:tailEnd type="none" w="med" len="med"/>
+                    </a:lnR>
+                    <a:lnT w="12700" cap="flat" cmpd="sng" algn="ctr">
+                      <a:solidFill>
+                        <a:schemeClr val="tx1"/>
+                      </a:solidFill>
+                      <a:prstDash val="sysDot"/>
+                      <a:round/>
+                      <a:headEnd type="none" w="med" len="med"/>
+                      <a:tailEnd type="none" w="med" len="med"/>
+                    </a:lnT>
+                    <a:lnB w="12700" cap="flat" cmpd="sng" algn="ctr">
+                      <a:solidFill>
+                        <a:schemeClr val="tx1"/>
+                      </a:solidFill>
+                      <a:prstDash val="sysDot"/>
+                      <a:round/>
+                      <a:headEnd type="none" w="med" len="med"/>
+                      <a:tailEnd type="none" w="med" len="med"/>
+                    </a:lnB>
+                    <a:lnTlToBr w="12700" cmpd="sng">
+                      <a:noFill/>
+                      <a:prstDash val="solid"/>
+                    </a:lnTlToBr>
+                    <a:lnBlToTr w="12700" cmpd="sng">
+                      <a:noFill/>
+                      <a:prstDash val="solid"/>
+                    </a:lnBlToTr>
+                    <a:noFill/>
+                  </a:tcPr>
                 </a:tc>
                 <a:extLst>
                   <a:ext uri="{0D108BD9-81ED-4DB2-BD59-A6C34878D82A}">
@@ -4593,11 +5420,17 @@
                       </a:pPr>
                       <a:r>
                         <a:rPr lang="en-US" sz="1400">
+                          <a:solidFill>
+                            <a:schemeClr val="tx1"/>
+                          </a:solidFill>
                           <a:effectLst/>
                         </a:rPr>
                         <a:t>taxable_income_amt</a:t>
                       </a:r>
                       <a:endParaRPr lang="en-US" sz="1400">
+                        <a:solidFill>
+                          <a:schemeClr val="tx1"/>
+                        </a:solidFill>
                         <a:effectLst/>
                         <a:latin typeface="Calibri" panose="020F0502020204030204" pitchFamily="34" charset="0"/>
                         <a:ea typeface="Calibri" panose="020F0502020204030204" pitchFamily="34" charset="0"/>
@@ -4605,7 +5438,53 @@
                       </a:endParaRPr>
                     </a:p>
                   </a:txBody>
-                  <a:tcPr marL="68580" marR="68580" marT="0" marB="0" anchor="ctr"/>
+                  <a:tcPr marL="68580" marR="68580" marT="0" marB="0" anchor="ctr">
+                    <a:lnL w="12700" cap="flat" cmpd="sng" algn="ctr">
+                      <a:solidFill>
+                        <a:schemeClr val="tx1"/>
+                      </a:solidFill>
+                      <a:prstDash val="solid"/>
+                      <a:round/>
+                      <a:headEnd type="none" w="med" len="med"/>
+                      <a:tailEnd type="none" w="med" len="med"/>
+                    </a:lnL>
+                    <a:lnR w="12700" cap="flat" cmpd="sng" algn="ctr">
+                      <a:solidFill>
+                        <a:schemeClr val="tx1"/>
+                      </a:solidFill>
+                      <a:prstDash val="solid"/>
+                      <a:round/>
+                      <a:headEnd type="none" w="med" len="med"/>
+                      <a:tailEnd type="none" w="med" len="med"/>
+                    </a:lnR>
+                    <a:lnT w="12700" cap="flat" cmpd="sng" algn="ctr">
+                      <a:solidFill>
+                        <a:schemeClr val="tx1"/>
+                      </a:solidFill>
+                      <a:prstDash val="sysDot"/>
+                      <a:round/>
+                      <a:headEnd type="none" w="med" len="med"/>
+                      <a:tailEnd type="none" w="med" len="med"/>
+                    </a:lnT>
+                    <a:lnB w="12700" cap="flat" cmpd="sng" algn="ctr">
+                      <a:solidFill>
+                        <a:schemeClr val="tx1"/>
+                      </a:solidFill>
+                      <a:prstDash val="sysDot"/>
+                      <a:round/>
+                      <a:headEnd type="none" w="med" len="med"/>
+                      <a:tailEnd type="none" w="med" len="med"/>
+                    </a:lnB>
+                    <a:lnTlToBr w="12700" cmpd="sng">
+                      <a:noFill/>
+                      <a:prstDash val="solid"/>
+                    </a:lnTlToBr>
+                    <a:lnBlToTr w="12700" cmpd="sng">
+                      <a:noFill/>
+                      <a:prstDash val="solid"/>
+                    </a:lnBlToTr>
+                    <a:noFill/>
+                  </a:tcPr>
                 </a:tc>
                 <a:tc>
                   <a:txBody>
@@ -4624,12 +5503,18 @@
                         </a:spcAft>
                       </a:pPr>
                       <a:r>
-                        <a:rPr lang="en-US" sz="1400">
+                        <a:rPr lang="en-US" sz="1400" dirty="0">
+                          <a:solidFill>
+                            <a:schemeClr val="tx1"/>
+                          </a:solidFill>
                           <a:effectLst/>
                         </a:rPr>
                         <a:t>Taxable income amount per return</a:t>
                       </a:r>
-                      <a:endParaRPr lang="en-US" sz="1400">
+                      <a:endParaRPr lang="en-US" sz="1400" dirty="0">
+                        <a:solidFill>
+                          <a:schemeClr val="tx1"/>
+                        </a:solidFill>
                         <a:effectLst/>
                         <a:latin typeface="Calibri" panose="020F0502020204030204" pitchFamily="34" charset="0"/>
                         <a:ea typeface="Calibri" panose="020F0502020204030204" pitchFamily="34" charset="0"/>
@@ -4637,7 +5522,53 @@
                       </a:endParaRPr>
                     </a:p>
                   </a:txBody>
-                  <a:tcPr marL="68580" marR="68580" marT="0" marB="0" anchor="ctr"/>
+                  <a:tcPr marL="68580" marR="68580" marT="0" marB="0" anchor="ctr">
+                    <a:lnL w="12700" cap="flat" cmpd="sng" algn="ctr">
+                      <a:solidFill>
+                        <a:schemeClr val="tx1"/>
+                      </a:solidFill>
+                      <a:prstDash val="solid"/>
+                      <a:round/>
+                      <a:headEnd type="none" w="med" len="med"/>
+                      <a:tailEnd type="none" w="med" len="med"/>
+                    </a:lnL>
+                    <a:lnR w="12700" cap="flat" cmpd="sng" algn="ctr">
+                      <a:solidFill>
+                        <a:schemeClr val="tx1"/>
+                      </a:solidFill>
+                      <a:prstDash val="solid"/>
+                      <a:round/>
+                      <a:headEnd type="none" w="med" len="med"/>
+                      <a:tailEnd type="none" w="med" len="med"/>
+                    </a:lnR>
+                    <a:lnT w="12700" cap="flat" cmpd="sng" algn="ctr">
+                      <a:solidFill>
+                        <a:schemeClr val="tx1"/>
+                      </a:solidFill>
+                      <a:prstDash val="sysDot"/>
+                      <a:round/>
+                      <a:headEnd type="none" w="med" len="med"/>
+                      <a:tailEnd type="none" w="med" len="med"/>
+                    </a:lnT>
+                    <a:lnB w="12700" cap="flat" cmpd="sng" algn="ctr">
+                      <a:solidFill>
+                        <a:schemeClr val="tx1"/>
+                      </a:solidFill>
+                      <a:prstDash val="sysDot"/>
+                      <a:round/>
+                      <a:headEnd type="none" w="med" len="med"/>
+                      <a:tailEnd type="none" w="med" len="med"/>
+                    </a:lnB>
+                    <a:lnTlToBr w="12700" cmpd="sng">
+                      <a:noFill/>
+                      <a:prstDash val="solid"/>
+                    </a:lnTlToBr>
+                    <a:lnBlToTr w="12700" cmpd="sng">
+                      <a:noFill/>
+                      <a:prstDash val="solid"/>
+                    </a:lnBlToTr>
+                    <a:noFill/>
+                  </a:tcPr>
                 </a:tc>
                 <a:extLst>
                   <a:ext uri="{0D108BD9-81ED-4DB2-BD59-A6C34878D82A}">
@@ -4664,11 +5595,17 @@
                       </a:pPr>
                       <a:r>
                         <a:rPr lang="en-US" sz="1400">
+                          <a:solidFill>
+                            <a:schemeClr val="tx1"/>
+                          </a:solidFill>
                           <a:effectLst/>
                         </a:rPr>
                         <a:t>mortgageint_amt</a:t>
                       </a:r>
                       <a:endParaRPr lang="en-US" sz="1400">
+                        <a:solidFill>
+                          <a:schemeClr val="tx1"/>
+                        </a:solidFill>
                         <a:effectLst/>
                         <a:latin typeface="Calibri" panose="020F0502020204030204" pitchFamily="34" charset="0"/>
                         <a:ea typeface="Calibri" panose="020F0502020204030204" pitchFamily="34" charset="0"/>
@@ -4676,7 +5613,53 @@
                       </a:endParaRPr>
                     </a:p>
                   </a:txBody>
-                  <a:tcPr marL="68580" marR="68580" marT="0" marB="0" anchor="ctr"/>
+                  <a:tcPr marL="68580" marR="68580" marT="0" marB="0" anchor="ctr">
+                    <a:lnL w="12700" cap="flat" cmpd="sng" algn="ctr">
+                      <a:solidFill>
+                        <a:schemeClr val="tx1"/>
+                      </a:solidFill>
+                      <a:prstDash val="solid"/>
+                      <a:round/>
+                      <a:headEnd type="none" w="med" len="med"/>
+                      <a:tailEnd type="none" w="med" len="med"/>
+                    </a:lnL>
+                    <a:lnR w="12700" cap="flat" cmpd="sng" algn="ctr">
+                      <a:solidFill>
+                        <a:schemeClr val="tx1"/>
+                      </a:solidFill>
+                      <a:prstDash val="solid"/>
+                      <a:round/>
+                      <a:headEnd type="none" w="med" len="med"/>
+                      <a:tailEnd type="none" w="med" len="med"/>
+                    </a:lnR>
+                    <a:lnT w="12700" cap="flat" cmpd="sng" algn="ctr">
+                      <a:solidFill>
+                        <a:schemeClr val="tx1"/>
+                      </a:solidFill>
+                      <a:prstDash val="sysDot"/>
+                      <a:round/>
+                      <a:headEnd type="none" w="med" len="med"/>
+                      <a:tailEnd type="none" w="med" len="med"/>
+                    </a:lnT>
+                    <a:lnB w="12700" cap="flat" cmpd="sng" algn="ctr">
+                      <a:solidFill>
+                        <a:schemeClr val="tx1"/>
+                      </a:solidFill>
+                      <a:prstDash val="sysDot"/>
+                      <a:round/>
+                      <a:headEnd type="none" w="med" len="med"/>
+                      <a:tailEnd type="none" w="med" len="med"/>
+                    </a:lnB>
+                    <a:lnTlToBr w="12700" cmpd="sng">
+                      <a:noFill/>
+                      <a:prstDash val="solid"/>
+                    </a:lnTlToBr>
+                    <a:lnBlToTr w="12700" cmpd="sng">
+                      <a:noFill/>
+                      <a:prstDash val="solid"/>
+                    </a:lnBlToTr>
+                    <a:noFill/>
+                  </a:tcPr>
                 </a:tc>
                 <a:tc>
                   <a:txBody>
@@ -4695,12 +5678,18 @@
                         </a:spcAft>
                       </a:pPr>
                       <a:r>
-                        <a:rPr lang="en-US" sz="1400">
+                        <a:rPr lang="en-US" sz="1400" dirty="0">
+                          <a:solidFill>
+                            <a:schemeClr val="tx1"/>
+                          </a:solidFill>
                           <a:effectLst/>
                         </a:rPr>
                         <a:t>Mortgage interest paid amount per return</a:t>
                       </a:r>
-                      <a:endParaRPr lang="en-US" sz="1400">
+                      <a:endParaRPr lang="en-US" sz="1400" dirty="0">
+                        <a:solidFill>
+                          <a:schemeClr val="tx1"/>
+                        </a:solidFill>
                         <a:effectLst/>
                         <a:latin typeface="Calibri" panose="020F0502020204030204" pitchFamily="34" charset="0"/>
                         <a:ea typeface="Calibri" panose="020F0502020204030204" pitchFamily="34" charset="0"/>
@@ -4708,7 +5697,53 @@
                       </a:endParaRPr>
                     </a:p>
                   </a:txBody>
-                  <a:tcPr marL="68580" marR="68580" marT="0" marB="0" anchor="ctr"/>
+                  <a:tcPr marL="68580" marR="68580" marT="0" marB="0" anchor="ctr">
+                    <a:lnL w="12700" cap="flat" cmpd="sng" algn="ctr">
+                      <a:solidFill>
+                        <a:schemeClr val="tx1"/>
+                      </a:solidFill>
+                      <a:prstDash val="solid"/>
+                      <a:round/>
+                      <a:headEnd type="none" w="med" len="med"/>
+                      <a:tailEnd type="none" w="med" len="med"/>
+                    </a:lnL>
+                    <a:lnR w="12700" cap="flat" cmpd="sng" algn="ctr">
+                      <a:solidFill>
+                        <a:schemeClr val="tx1"/>
+                      </a:solidFill>
+                      <a:prstDash val="solid"/>
+                      <a:round/>
+                      <a:headEnd type="none" w="med" len="med"/>
+                      <a:tailEnd type="none" w="med" len="med"/>
+                    </a:lnR>
+                    <a:lnT w="12700" cap="flat" cmpd="sng" algn="ctr">
+                      <a:solidFill>
+                        <a:schemeClr val="tx1"/>
+                      </a:solidFill>
+                      <a:prstDash val="sysDot"/>
+                      <a:round/>
+                      <a:headEnd type="none" w="med" len="med"/>
+                      <a:tailEnd type="none" w="med" len="med"/>
+                    </a:lnT>
+                    <a:lnB w="12700" cap="flat" cmpd="sng" algn="ctr">
+                      <a:solidFill>
+                        <a:schemeClr val="tx1"/>
+                      </a:solidFill>
+                      <a:prstDash val="sysDot"/>
+                      <a:round/>
+                      <a:headEnd type="none" w="med" len="med"/>
+                      <a:tailEnd type="none" w="med" len="med"/>
+                    </a:lnB>
+                    <a:lnTlToBr w="12700" cmpd="sng">
+                      <a:noFill/>
+                      <a:prstDash val="solid"/>
+                    </a:lnTlToBr>
+                    <a:lnBlToTr w="12700" cmpd="sng">
+                      <a:noFill/>
+                      <a:prstDash val="solid"/>
+                    </a:lnBlToTr>
+                    <a:noFill/>
+                  </a:tcPr>
                 </a:tc>
                 <a:extLst>
                   <a:ext uri="{0D108BD9-81ED-4DB2-BD59-A6C34878D82A}">
@@ -4735,11 +5770,17 @@
                       </a:pPr>
                       <a:r>
                         <a:rPr lang="en-US" sz="1400">
+                          <a:solidFill>
+                            <a:schemeClr val="tx1"/>
+                          </a:solidFill>
                           <a:effectLst/>
                         </a:rPr>
                         <a:t>p_mortgageint_nr</a:t>
                       </a:r>
                       <a:endParaRPr lang="en-US" sz="1400">
+                        <a:solidFill>
+                          <a:schemeClr val="tx1"/>
+                        </a:solidFill>
                         <a:effectLst/>
                         <a:latin typeface="Calibri" panose="020F0502020204030204" pitchFamily="34" charset="0"/>
                         <a:ea typeface="Calibri" panose="020F0502020204030204" pitchFamily="34" charset="0"/>
@@ -4747,7 +5788,53 @@
                       </a:endParaRPr>
                     </a:p>
                   </a:txBody>
-                  <a:tcPr marL="68580" marR="68580" marT="0" marB="0" anchor="ctr"/>
+                  <a:tcPr marL="68580" marR="68580" marT="0" marB="0" anchor="ctr">
+                    <a:lnL w="12700" cap="flat" cmpd="sng" algn="ctr">
+                      <a:solidFill>
+                        <a:schemeClr val="tx1"/>
+                      </a:solidFill>
+                      <a:prstDash val="solid"/>
+                      <a:round/>
+                      <a:headEnd type="none" w="med" len="med"/>
+                      <a:tailEnd type="none" w="med" len="med"/>
+                    </a:lnL>
+                    <a:lnR w="12700" cap="flat" cmpd="sng" algn="ctr">
+                      <a:solidFill>
+                        <a:schemeClr val="tx1"/>
+                      </a:solidFill>
+                      <a:prstDash val="solid"/>
+                      <a:round/>
+                      <a:headEnd type="none" w="med" len="med"/>
+                      <a:tailEnd type="none" w="med" len="med"/>
+                    </a:lnR>
+                    <a:lnT w="12700" cap="flat" cmpd="sng" algn="ctr">
+                      <a:solidFill>
+                        <a:schemeClr val="tx1"/>
+                      </a:solidFill>
+                      <a:prstDash val="sysDot"/>
+                      <a:round/>
+                      <a:headEnd type="none" w="med" len="med"/>
+                      <a:tailEnd type="none" w="med" len="med"/>
+                    </a:lnT>
+                    <a:lnB w="12700" cap="flat" cmpd="sng" algn="ctr">
+                      <a:solidFill>
+                        <a:schemeClr val="tx1"/>
+                      </a:solidFill>
+                      <a:prstDash val="sysDot"/>
+                      <a:round/>
+                      <a:headEnd type="none" w="med" len="med"/>
+                      <a:tailEnd type="none" w="med" len="med"/>
+                    </a:lnB>
+                    <a:lnTlToBr w="12700" cmpd="sng">
+                      <a:noFill/>
+                      <a:prstDash val="solid"/>
+                    </a:lnTlToBr>
+                    <a:lnBlToTr w="12700" cmpd="sng">
+                      <a:noFill/>
+                      <a:prstDash val="solid"/>
+                    </a:lnBlToTr>
+                    <a:noFill/>
+                  </a:tcPr>
                 </a:tc>
                 <a:tc>
                   <a:txBody>
@@ -4767,11 +5854,17 @@
                       </a:pPr>
                       <a:r>
                         <a:rPr lang="en-US" sz="1400">
+                          <a:solidFill>
+                            <a:schemeClr val="tx1"/>
+                          </a:solidFill>
                           <a:effectLst/>
                         </a:rPr>
                         <a:t>Proportion of returns with mortgage interest paid</a:t>
                       </a:r>
                       <a:endParaRPr lang="en-US" sz="1400">
+                        <a:solidFill>
+                          <a:schemeClr val="tx1"/>
+                        </a:solidFill>
                         <a:effectLst/>
                         <a:latin typeface="Calibri" panose="020F0502020204030204" pitchFamily="34" charset="0"/>
                         <a:ea typeface="Calibri" panose="020F0502020204030204" pitchFamily="34" charset="0"/>
@@ -4779,7 +5872,53 @@
                       </a:endParaRPr>
                     </a:p>
                   </a:txBody>
-                  <a:tcPr marL="68580" marR="68580" marT="0" marB="0" anchor="ctr"/>
+                  <a:tcPr marL="68580" marR="68580" marT="0" marB="0" anchor="ctr">
+                    <a:lnL w="12700" cap="flat" cmpd="sng" algn="ctr">
+                      <a:solidFill>
+                        <a:schemeClr val="tx1"/>
+                      </a:solidFill>
+                      <a:prstDash val="solid"/>
+                      <a:round/>
+                      <a:headEnd type="none" w="med" len="med"/>
+                      <a:tailEnd type="none" w="med" len="med"/>
+                    </a:lnL>
+                    <a:lnR w="12700" cap="flat" cmpd="sng" algn="ctr">
+                      <a:solidFill>
+                        <a:schemeClr val="tx1"/>
+                      </a:solidFill>
+                      <a:prstDash val="solid"/>
+                      <a:round/>
+                      <a:headEnd type="none" w="med" len="med"/>
+                      <a:tailEnd type="none" w="med" len="med"/>
+                    </a:lnR>
+                    <a:lnT w="12700" cap="flat" cmpd="sng" algn="ctr">
+                      <a:solidFill>
+                        <a:schemeClr val="tx1"/>
+                      </a:solidFill>
+                      <a:prstDash val="sysDot"/>
+                      <a:round/>
+                      <a:headEnd type="none" w="med" len="med"/>
+                      <a:tailEnd type="none" w="med" len="med"/>
+                    </a:lnT>
+                    <a:lnB w="12700" cap="flat" cmpd="sng" algn="ctr">
+                      <a:solidFill>
+                        <a:schemeClr val="tx1"/>
+                      </a:solidFill>
+                      <a:prstDash val="sysDot"/>
+                      <a:round/>
+                      <a:headEnd type="none" w="med" len="med"/>
+                      <a:tailEnd type="none" w="med" len="med"/>
+                    </a:lnB>
+                    <a:lnTlToBr w="12700" cmpd="sng">
+                      <a:noFill/>
+                      <a:prstDash val="solid"/>
+                    </a:lnTlToBr>
+                    <a:lnBlToTr w="12700" cmpd="sng">
+                      <a:noFill/>
+                      <a:prstDash val="solid"/>
+                    </a:lnBlToTr>
+                    <a:noFill/>
+                  </a:tcPr>
                 </a:tc>
                 <a:extLst>
                   <a:ext uri="{0D108BD9-81ED-4DB2-BD59-A6C34878D82A}">
@@ -4806,11 +5945,17 @@
                       </a:pPr>
                       <a:r>
                         <a:rPr lang="en-US" sz="1400">
+                          <a:solidFill>
+                            <a:schemeClr val="tx1"/>
+                          </a:solidFill>
                           <a:effectLst/>
                         </a:rPr>
                         <a:t>inctax_amt</a:t>
                       </a:r>
                       <a:endParaRPr lang="en-US" sz="1400">
+                        <a:solidFill>
+                          <a:schemeClr val="tx1"/>
+                        </a:solidFill>
                         <a:effectLst/>
                         <a:latin typeface="Calibri" panose="020F0502020204030204" pitchFamily="34" charset="0"/>
                         <a:ea typeface="Calibri" panose="020F0502020204030204" pitchFamily="34" charset="0"/>
@@ -4818,7 +5963,53 @@
                       </a:endParaRPr>
                     </a:p>
                   </a:txBody>
-                  <a:tcPr marL="68580" marR="68580" marT="0" marB="0" anchor="ctr"/>
+                  <a:tcPr marL="68580" marR="68580" marT="0" marB="0" anchor="ctr">
+                    <a:lnL w="12700" cap="flat" cmpd="sng" algn="ctr">
+                      <a:solidFill>
+                        <a:schemeClr val="tx1"/>
+                      </a:solidFill>
+                      <a:prstDash val="solid"/>
+                      <a:round/>
+                      <a:headEnd type="none" w="med" len="med"/>
+                      <a:tailEnd type="none" w="med" len="med"/>
+                    </a:lnL>
+                    <a:lnR w="12700" cap="flat" cmpd="sng" algn="ctr">
+                      <a:solidFill>
+                        <a:schemeClr val="tx1"/>
+                      </a:solidFill>
+                      <a:prstDash val="solid"/>
+                      <a:round/>
+                      <a:headEnd type="none" w="med" len="med"/>
+                      <a:tailEnd type="none" w="med" len="med"/>
+                    </a:lnR>
+                    <a:lnT w="12700" cap="flat" cmpd="sng" algn="ctr">
+                      <a:solidFill>
+                        <a:schemeClr val="tx1"/>
+                      </a:solidFill>
+                      <a:prstDash val="sysDot"/>
+                      <a:round/>
+                      <a:headEnd type="none" w="med" len="med"/>
+                      <a:tailEnd type="none" w="med" len="med"/>
+                    </a:lnT>
+                    <a:lnB w="12700" cap="flat" cmpd="sng" algn="ctr">
+                      <a:solidFill>
+                        <a:schemeClr val="tx1"/>
+                      </a:solidFill>
+                      <a:prstDash val="sysDot"/>
+                      <a:round/>
+                      <a:headEnd type="none" w="med" len="med"/>
+                      <a:tailEnd type="none" w="med" len="med"/>
+                    </a:lnB>
+                    <a:lnTlToBr w="12700" cmpd="sng">
+                      <a:noFill/>
+                      <a:prstDash val="solid"/>
+                    </a:lnTlToBr>
+                    <a:lnBlToTr w="12700" cmpd="sng">
+                      <a:noFill/>
+                      <a:prstDash val="solid"/>
+                    </a:lnBlToTr>
+                    <a:noFill/>
+                  </a:tcPr>
                 </a:tc>
                 <a:tc>
                   <a:txBody>
@@ -4837,12 +6028,18 @@
                         </a:spcAft>
                       </a:pPr>
                       <a:r>
-                        <a:rPr lang="en-US" sz="1400">
+                        <a:rPr lang="en-US" sz="1400" dirty="0">
+                          <a:solidFill>
+                            <a:schemeClr val="tx1"/>
+                          </a:solidFill>
                           <a:effectLst/>
                         </a:rPr>
                         <a:t>Income tax amount per return</a:t>
                       </a:r>
-                      <a:endParaRPr lang="en-US" sz="1400">
+                      <a:endParaRPr lang="en-US" sz="1400" dirty="0">
+                        <a:solidFill>
+                          <a:schemeClr val="tx1"/>
+                        </a:solidFill>
                         <a:effectLst/>
                         <a:latin typeface="Calibri" panose="020F0502020204030204" pitchFamily="34" charset="0"/>
                         <a:ea typeface="Calibri" panose="020F0502020204030204" pitchFamily="34" charset="0"/>
@@ -4850,7 +6047,53 @@
                       </a:endParaRPr>
                     </a:p>
                   </a:txBody>
-                  <a:tcPr marL="68580" marR="68580" marT="0" marB="0" anchor="ctr"/>
+                  <a:tcPr marL="68580" marR="68580" marT="0" marB="0" anchor="ctr">
+                    <a:lnL w="12700" cap="flat" cmpd="sng" algn="ctr">
+                      <a:solidFill>
+                        <a:schemeClr val="tx1"/>
+                      </a:solidFill>
+                      <a:prstDash val="solid"/>
+                      <a:round/>
+                      <a:headEnd type="none" w="med" len="med"/>
+                      <a:tailEnd type="none" w="med" len="med"/>
+                    </a:lnL>
+                    <a:lnR w="12700" cap="flat" cmpd="sng" algn="ctr">
+                      <a:solidFill>
+                        <a:schemeClr val="tx1"/>
+                      </a:solidFill>
+                      <a:prstDash val="solid"/>
+                      <a:round/>
+                      <a:headEnd type="none" w="med" len="med"/>
+                      <a:tailEnd type="none" w="med" len="med"/>
+                    </a:lnR>
+                    <a:lnT w="12700" cap="flat" cmpd="sng" algn="ctr">
+                      <a:solidFill>
+                        <a:schemeClr val="tx1"/>
+                      </a:solidFill>
+                      <a:prstDash val="sysDot"/>
+                      <a:round/>
+                      <a:headEnd type="none" w="med" len="med"/>
+                      <a:tailEnd type="none" w="med" len="med"/>
+                    </a:lnT>
+                    <a:lnB w="12700" cap="flat" cmpd="sng" algn="ctr">
+                      <a:solidFill>
+                        <a:schemeClr val="tx1"/>
+                      </a:solidFill>
+                      <a:prstDash val="sysDot"/>
+                      <a:round/>
+                      <a:headEnd type="none" w="med" len="med"/>
+                      <a:tailEnd type="none" w="med" len="med"/>
+                    </a:lnB>
+                    <a:lnTlToBr w="12700" cmpd="sng">
+                      <a:noFill/>
+                      <a:prstDash val="solid"/>
+                    </a:lnTlToBr>
+                    <a:lnBlToTr w="12700" cmpd="sng">
+                      <a:noFill/>
+                      <a:prstDash val="solid"/>
+                    </a:lnBlToTr>
+                    <a:noFill/>
+                  </a:tcPr>
                 </a:tc>
                 <a:extLst>
                   <a:ext uri="{0D108BD9-81ED-4DB2-BD59-A6C34878D82A}">
@@ -4876,12 +6119,18 @@
                         </a:spcAft>
                       </a:pPr>
                       <a:r>
-                        <a:rPr lang="en-US" sz="1400">
+                        <a:rPr lang="en-US" sz="1400" dirty="0" err="1">
+                          <a:solidFill>
+                            <a:schemeClr val="tx1"/>
+                          </a:solidFill>
                           <a:effectLst/>
                         </a:rPr>
                         <a:t>p_unemploy_nr</a:t>
                       </a:r>
-                      <a:endParaRPr lang="en-US" sz="1400">
+                      <a:endParaRPr lang="en-US" sz="1400" dirty="0">
+                        <a:solidFill>
+                          <a:schemeClr val="tx1"/>
+                        </a:solidFill>
                         <a:effectLst/>
                         <a:latin typeface="Calibri" panose="020F0502020204030204" pitchFamily="34" charset="0"/>
                         <a:ea typeface="Calibri" panose="020F0502020204030204" pitchFamily="34" charset="0"/>
@@ -4889,7 +6138,53 @@
                       </a:endParaRPr>
                     </a:p>
                   </a:txBody>
-                  <a:tcPr marL="68580" marR="68580" marT="0" marB="0" anchor="ctr"/>
+                  <a:tcPr marL="68580" marR="68580" marT="0" marB="0" anchor="ctr">
+                    <a:lnL w="12700" cap="flat" cmpd="sng" algn="ctr">
+                      <a:solidFill>
+                        <a:schemeClr val="tx1"/>
+                      </a:solidFill>
+                      <a:prstDash val="solid"/>
+                      <a:round/>
+                      <a:headEnd type="none" w="med" len="med"/>
+                      <a:tailEnd type="none" w="med" len="med"/>
+                    </a:lnL>
+                    <a:lnR w="12700" cap="flat" cmpd="sng" algn="ctr">
+                      <a:solidFill>
+                        <a:schemeClr val="tx1"/>
+                      </a:solidFill>
+                      <a:prstDash val="solid"/>
+                      <a:round/>
+                      <a:headEnd type="none" w="med" len="med"/>
+                      <a:tailEnd type="none" w="med" len="med"/>
+                    </a:lnR>
+                    <a:lnT w="12700" cap="flat" cmpd="sng" algn="ctr">
+                      <a:solidFill>
+                        <a:schemeClr val="tx1"/>
+                      </a:solidFill>
+                      <a:prstDash val="sysDot"/>
+                      <a:round/>
+                      <a:headEnd type="none" w="med" len="med"/>
+                      <a:tailEnd type="none" w="med" len="med"/>
+                    </a:lnT>
+                    <a:lnB w="12700" cap="flat" cmpd="sng" algn="ctr">
+                      <a:solidFill>
+                        <a:schemeClr val="tx1"/>
+                      </a:solidFill>
+                      <a:prstDash val="sysDot"/>
+                      <a:round/>
+                      <a:headEnd type="none" w="med" len="med"/>
+                      <a:tailEnd type="none" w="med" len="med"/>
+                    </a:lnB>
+                    <a:lnTlToBr w="12700" cmpd="sng">
+                      <a:noFill/>
+                      <a:prstDash val="solid"/>
+                    </a:lnTlToBr>
+                    <a:lnBlToTr w="12700" cmpd="sng">
+                      <a:noFill/>
+                      <a:prstDash val="solid"/>
+                    </a:lnBlToTr>
+                    <a:noFill/>
+                  </a:tcPr>
                 </a:tc>
                 <a:tc>
                   <a:txBody>
@@ -4908,12 +6203,18 @@
                         </a:spcAft>
                       </a:pPr>
                       <a:r>
-                        <a:rPr lang="en-US" sz="1400">
+                        <a:rPr lang="en-US" sz="1400" dirty="0">
+                          <a:solidFill>
+                            <a:schemeClr val="tx1"/>
+                          </a:solidFill>
                           <a:effectLst/>
                         </a:rPr>
                         <a:t>Proportion of returns with unemployment</a:t>
                       </a:r>
-                      <a:endParaRPr lang="en-US" sz="1400">
+                      <a:endParaRPr lang="en-US" sz="1400" dirty="0">
+                        <a:solidFill>
+                          <a:schemeClr val="tx1"/>
+                        </a:solidFill>
                         <a:effectLst/>
                         <a:latin typeface="Calibri" panose="020F0502020204030204" pitchFamily="34" charset="0"/>
                         <a:ea typeface="Calibri" panose="020F0502020204030204" pitchFamily="34" charset="0"/>
@@ -4921,7 +6222,53 @@
                       </a:endParaRPr>
                     </a:p>
                   </a:txBody>
-                  <a:tcPr marL="68580" marR="68580" marT="0" marB="0" anchor="ctr"/>
+                  <a:tcPr marL="68580" marR="68580" marT="0" marB="0" anchor="ctr">
+                    <a:lnL w="12700" cap="flat" cmpd="sng" algn="ctr">
+                      <a:solidFill>
+                        <a:schemeClr val="tx1"/>
+                      </a:solidFill>
+                      <a:prstDash val="solid"/>
+                      <a:round/>
+                      <a:headEnd type="none" w="med" len="med"/>
+                      <a:tailEnd type="none" w="med" len="med"/>
+                    </a:lnL>
+                    <a:lnR w="12700" cap="flat" cmpd="sng" algn="ctr">
+                      <a:solidFill>
+                        <a:schemeClr val="tx1"/>
+                      </a:solidFill>
+                      <a:prstDash val="solid"/>
+                      <a:round/>
+                      <a:headEnd type="none" w="med" len="med"/>
+                      <a:tailEnd type="none" w="med" len="med"/>
+                    </a:lnR>
+                    <a:lnT w="12700" cap="flat" cmpd="sng" algn="ctr">
+                      <a:solidFill>
+                        <a:schemeClr val="tx1"/>
+                      </a:solidFill>
+                      <a:prstDash val="sysDot"/>
+                      <a:round/>
+                      <a:headEnd type="none" w="med" len="med"/>
+                      <a:tailEnd type="none" w="med" len="med"/>
+                    </a:lnT>
+                    <a:lnB w="12700" cap="flat" cmpd="sng" algn="ctr">
+                      <a:solidFill>
+                        <a:schemeClr val="tx1"/>
+                      </a:solidFill>
+                      <a:prstDash val="sysDot"/>
+                      <a:round/>
+                      <a:headEnd type="none" w="med" len="med"/>
+                      <a:tailEnd type="none" w="med" len="med"/>
+                    </a:lnB>
+                    <a:lnTlToBr w="12700" cmpd="sng">
+                      <a:noFill/>
+                      <a:prstDash val="solid"/>
+                    </a:lnTlToBr>
+                    <a:lnBlToTr w="12700" cmpd="sng">
+                      <a:noFill/>
+                      <a:prstDash val="solid"/>
+                    </a:lnBlToTr>
+                    <a:noFill/>
+                  </a:tcPr>
                 </a:tc>
                 <a:extLst>
                   <a:ext uri="{0D108BD9-81ED-4DB2-BD59-A6C34878D82A}">
@@ -4947,12 +6294,18 @@
                         </a:spcAft>
                       </a:pPr>
                       <a:r>
-                        <a:rPr lang="en-US" sz="1400">
+                        <a:rPr lang="en-US" sz="1400" dirty="0" err="1">
+                          <a:solidFill>
+                            <a:schemeClr val="tx1"/>
+                          </a:solidFill>
                           <a:effectLst/>
                         </a:rPr>
                         <a:t>agi_amt</a:t>
                       </a:r>
-                      <a:endParaRPr lang="en-US" sz="1400">
+                      <a:endParaRPr lang="en-US" sz="1400" dirty="0">
+                        <a:solidFill>
+                          <a:schemeClr val="tx1"/>
+                        </a:solidFill>
                         <a:effectLst/>
                         <a:latin typeface="Calibri" panose="020F0502020204030204" pitchFamily="34" charset="0"/>
                         <a:ea typeface="Calibri" panose="020F0502020204030204" pitchFamily="34" charset="0"/>
@@ -4960,7 +6313,53 @@
                       </a:endParaRPr>
                     </a:p>
                   </a:txBody>
-                  <a:tcPr marL="68580" marR="68580" marT="0" marB="0" anchor="ctr"/>
+                  <a:tcPr marL="68580" marR="68580" marT="0" marB="0" anchor="ctr">
+                    <a:lnL w="12700" cap="flat" cmpd="sng" algn="ctr">
+                      <a:solidFill>
+                        <a:schemeClr val="tx1"/>
+                      </a:solidFill>
+                      <a:prstDash val="solid"/>
+                      <a:round/>
+                      <a:headEnd type="none" w="med" len="med"/>
+                      <a:tailEnd type="none" w="med" len="med"/>
+                    </a:lnL>
+                    <a:lnR w="12700" cap="flat" cmpd="sng" algn="ctr">
+                      <a:solidFill>
+                        <a:schemeClr val="tx1"/>
+                      </a:solidFill>
+                      <a:prstDash val="solid"/>
+                      <a:round/>
+                      <a:headEnd type="none" w="med" len="med"/>
+                      <a:tailEnd type="none" w="med" len="med"/>
+                    </a:lnR>
+                    <a:lnT w="12700" cap="flat" cmpd="sng" algn="ctr">
+                      <a:solidFill>
+                        <a:schemeClr val="tx1"/>
+                      </a:solidFill>
+                      <a:prstDash val="sysDot"/>
+                      <a:round/>
+                      <a:headEnd type="none" w="med" len="med"/>
+                      <a:tailEnd type="none" w="med" len="med"/>
+                    </a:lnT>
+                    <a:lnB w="12700" cap="flat" cmpd="sng" algn="ctr">
+                      <a:solidFill>
+                        <a:schemeClr val="tx1"/>
+                      </a:solidFill>
+                      <a:prstDash val="sysDot"/>
+                      <a:round/>
+                      <a:headEnd type="none" w="med" len="med"/>
+                      <a:tailEnd type="none" w="med" len="med"/>
+                    </a:lnB>
+                    <a:lnTlToBr w="12700" cmpd="sng">
+                      <a:noFill/>
+                      <a:prstDash val="solid"/>
+                    </a:lnTlToBr>
+                    <a:lnBlToTr w="12700" cmpd="sng">
+                      <a:noFill/>
+                      <a:prstDash val="solid"/>
+                    </a:lnBlToTr>
+                    <a:noFill/>
+                  </a:tcPr>
                 </a:tc>
                 <a:tc>
                   <a:txBody>
@@ -4979,12 +6378,18 @@
                         </a:spcAft>
                       </a:pPr>
                       <a:r>
-                        <a:rPr lang="en-US" sz="1400">
+                        <a:rPr lang="en-US" sz="1400" dirty="0">
+                          <a:solidFill>
+                            <a:schemeClr val="tx1"/>
+                          </a:solidFill>
                           <a:effectLst/>
                         </a:rPr>
                         <a:t>Adjust gross income (AGI) [2]</a:t>
                       </a:r>
-                      <a:endParaRPr lang="en-US" sz="1400">
+                      <a:endParaRPr lang="en-US" sz="1400" dirty="0">
+                        <a:solidFill>
+                          <a:schemeClr val="tx1"/>
+                        </a:solidFill>
                         <a:effectLst/>
                         <a:latin typeface="Calibri" panose="020F0502020204030204" pitchFamily="34" charset="0"/>
                         <a:ea typeface="Calibri" panose="020F0502020204030204" pitchFamily="34" charset="0"/>
@@ -4992,7 +6397,53 @@
                       </a:endParaRPr>
                     </a:p>
                   </a:txBody>
-                  <a:tcPr marL="68580" marR="68580" marT="0" marB="0" anchor="ctr"/>
+                  <a:tcPr marL="68580" marR="68580" marT="0" marB="0" anchor="ctr">
+                    <a:lnL w="12700" cap="flat" cmpd="sng" algn="ctr">
+                      <a:solidFill>
+                        <a:schemeClr val="tx1"/>
+                      </a:solidFill>
+                      <a:prstDash val="solid"/>
+                      <a:round/>
+                      <a:headEnd type="none" w="med" len="med"/>
+                      <a:tailEnd type="none" w="med" len="med"/>
+                    </a:lnL>
+                    <a:lnR w="12700" cap="flat" cmpd="sng" algn="ctr">
+                      <a:solidFill>
+                        <a:schemeClr val="tx1"/>
+                      </a:solidFill>
+                      <a:prstDash val="solid"/>
+                      <a:round/>
+                      <a:headEnd type="none" w="med" len="med"/>
+                      <a:tailEnd type="none" w="med" len="med"/>
+                    </a:lnR>
+                    <a:lnT w="12700" cap="flat" cmpd="sng" algn="ctr">
+                      <a:solidFill>
+                        <a:schemeClr val="tx1"/>
+                      </a:solidFill>
+                      <a:prstDash val="sysDot"/>
+                      <a:round/>
+                      <a:headEnd type="none" w="med" len="med"/>
+                      <a:tailEnd type="none" w="med" len="med"/>
+                    </a:lnT>
+                    <a:lnB w="12700" cap="flat" cmpd="sng" algn="ctr">
+                      <a:solidFill>
+                        <a:schemeClr val="tx1"/>
+                      </a:solidFill>
+                      <a:prstDash val="sysDot"/>
+                      <a:round/>
+                      <a:headEnd type="none" w="med" len="med"/>
+                      <a:tailEnd type="none" w="med" len="med"/>
+                    </a:lnB>
+                    <a:lnTlToBr w="12700" cmpd="sng">
+                      <a:noFill/>
+                      <a:prstDash val="solid"/>
+                    </a:lnTlToBr>
+                    <a:lnBlToTr w="12700" cmpd="sng">
+                      <a:noFill/>
+                      <a:prstDash val="solid"/>
+                    </a:lnBlToTr>
+                    <a:noFill/>
+                  </a:tcPr>
                 </a:tc>
                 <a:extLst>
                   <a:ext uri="{0D108BD9-81ED-4DB2-BD59-A6C34878D82A}">
@@ -5018,12 +6469,18 @@
                         </a:spcAft>
                       </a:pPr>
                       <a:r>
-                        <a:rPr lang="en-US" sz="1400">
+                        <a:rPr lang="en-US" sz="1400" dirty="0" err="1">
+                          <a:solidFill>
+                            <a:schemeClr val="tx1"/>
+                          </a:solidFill>
                           <a:effectLst/>
                         </a:rPr>
                         <a:t>num_dependents</a:t>
                       </a:r>
-                      <a:endParaRPr lang="en-US" sz="1400">
+                      <a:endParaRPr lang="en-US" sz="1400" dirty="0">
+                        <a:solidFill>
+                          <a:schemeClr val="tx1"/>
+                        </a:solidFill>
                         <a:effectLst/>
                         <a:latin typeface="Calibri" panose="020F0502020204030204" pitchFamily="34" charset="0"/>
                         <a:ea typeface="Calibri" panose="020F0502020204030204" pitchFamily="34" charset="0"/>
@@ -5031,7 +6488,53 @@
                       </a:endParaRPr>
                     </a:p>
                   </a:txBody>
-                  <a:tcPr marL="68580" marR="68580" marT="0" marB="0" anchor="ctr"/>
+                  <a:tcPr marL="68580" marR="68580" marT="0" marB="0" anchor="ctr">
+                    <a:lnL w="12700" cap="flat" cmpd="sng" algn="ctr">
+                      <a:solidFill>
+                        <a:schemeClr val="tx1"/>
+                      </a:solidFill>
+                      <a:prstDash val="solid"/>
+                      <a:round/>
+                      <a:headEnd type="none" w="med" len="med"/>
+                      <a:tailEnd type="none" w="med" len="med"/>
+                    </a:lnL>
+                    <a:lnR w="12700" cap="flat" cmpd="sng" algn="ctr">
+                      <a:solidFill>
+                        <a:schemeClr val="tx1"/>
+                      </a:solidFill>
+                      <a:prstDash val="solid"/>
+                      <a:round/>
+                      <a:headEnd type="none" w="med" len="med"/>
+                      <a:tailEnd type="none" w="med" len="med"/>
+                    </a:lnR>
+                    <a:lnT w="12700" cap="flat" cmpd="sng" algn="ctr">
+                      <a:solidFill>
+                        <a:schemeClr val="tx1"/>
+                      </a:solidFill>
+                      <a:prstDash val="sysDot"/>
+                      <a:round/>
+                      <a:headEnd type="none" w="med" len="med"/>
+                      <a:tailEnd type="none" w="med" len="med"/>
+                    </a:lnT>
+                    <a:lnB w="12700" cap="flat" cmpd="sng" algn="ctr">
+                      <a:solidFill>
+                        <a:schemeClr val="tx1"/>
+                      </a:solidFill>
+                      <a:prstDash val="sysDot"/>
+                      <a:round/>
+                      <a:headEnd type="none" w="med" len="med"/>
+                      <a:tailEnd type="none" w="med" len="med"/>
+                    </a:lnB>
+                    <a:lnTlToBr w="12700" cmpd="sng">
+                      <a:noFill/>
+                      <a:prstDash val="solid"/>
+                    </a:lnTlToBr>
+                    <a:lnBlToTr w="12700" cmpd="sng">
+                      <a:noFill/>
+                      <a:prstDash val="solid"/>
+                    </a:lnBlToTr>
+                    <a:noFill/>
+                  </a:tcPr>
                 </a:tc>
                 <a:tc>
                   <a:txBody>
@@ -5050,12 +6553,18 @@
                         </a:spcAft>
                       </a:pPr>
                       <a:r>
-                        <a:rPr lang="en-US" sz="1400">
+                        <a:rPr lang="en-US" sz="1400" dirty="0">
+                          <a:solidFill>
+                            <a:schemeClr val="tx1"/>
+                          </a:solidFill>
                           <a:effectLst/>
                         </a:rPr>
                         <a:t>Number of dependents per return</a:t>
                       </a:r>
-                      <a:endParaRPr lang="en-US" sz="1400">
+                      <a:endParaRPr lang="en-US" sz="1400" dirty="0">
+                        <a:solidFill>
+                          <a:schemeClr val="tx1"/>
+                        </a:solidFill>
                         <a:effectLst/>
                         <a:latin typeface="Calibri" panose="020F0502020204030204" pitchFamily="34" charset="0"/>
                         <a:ea typeface="Calibri" panose="020F0502020204030204" pitchFamily="34" charset="0"/>
@@ -5063,7 +6572,53 @@
                       </a:endParaRPr>
                     </a:p>
                   </a:txBody>
-                  <a:tcPr marL="68580" marR="68580" marT="0" marB="0" anchor="ctr"/>
+                  <a:tcPr marL="68580" marR="68580" marT="0" marB="0" anchor="ctr">
+                    <a:lnL w="12700" cap="flat" cmpd="sng" algn="ctr">
+                      <a:solidFill>
+                        <a:schemeClr val="tx1"/>
+                      </a:solidFill>
+                      <a:prstDash val="solid"/>
+                      <a:round/>
+                      <a:headEnd type="none" w="med" len="med"/>
+                      <a:tailEnd type="none" w="med" len="med"/>
+                    </a:lnL>
+                    <a:lnR w="12700" cap="flat" cmpd="sng" algn="ctr">
+                      <a:solidFill>
+                        <a:schemeClr val="tx1"/>
+                      </a:solidFill>
+                      <a:prstDash val="solid"/>
+                      <a:round/>
+                      <a:headEnd type="none" w="med" len="med"/>
+                      <a:tailEnd type="none" w="med" len="med"/>
+                    </a:lnR>
+                    <a:lnT w="12700" cap="flat" cmpd="sng" algn="ctr">
+                      <a:solidFill>
+                        <a:schemeClr val="tx1"/>
+                      </a:solidFill>
+                      <a:prstDash val="sysDot"/>
+                      <a:round/>
+                      <a:headEnd type="none" w="med" len="med"/>
+                      <a:tailEnd type="none" w="med" len="med"/>
+                    </a:lnT>
+                    <a:lnB w="12700" cap="flat" cmpd="sng" algn="ctr">
+                      <a:solidFill>
+                        <a:schemeClr val="tx1"/>
+                      </a:solidFill>
+                      <a:prstDash val="sysDot"/>
+                      <a:round/>
+                      <a:headEnd type="none" w="med" len="med"/>
+                      <a:tailEnd type="none" w="med" len="med"/>
+                    </a:lnB>
+                    <a:lnTlToBr w="12700" cmpd="sng">
+                      <a:noFill/>
+                      <a:prstDash val="solid"/>
+                    </a:lnTlToBr>
+                    <a:lnBlToTr w="12700" cmpd="sng">
+                      <a:noFill/>
+                      <a:prstDash val="solid"/>
+                    </a:lnBlToTr>
+                    <a:noFill/>
+                  </a:tcPr>
                 </a:tc>
                 <a:extLst>
                   <a:ext uri="{0D108BD9-81ED-4DB2-BD59-A6C34878D82A}">
@@ -5089,12 +6644,18 @@
                         </a:spcAft>
                       </a:pPr>
                       <a:r>
-                        <a:rPr lang="en-US" sz="1400">
+                        <a:rPr lang="en-US" sz="1400" dirty="0" err="1">
+                          <a:solidFill>
+                            <a:schemeClr val="tx1"/>
+                          </a:solidFill>
                           <a:effectLst/>
                         </a:rPr>
                         <a:t>p_re_taxes_nr</a:t>
                       </a:r>
-                      <a:endParaRPr lang="en-US" sz="1400">
+                      <a:endParaRPr lang="en-US" sz="1400" dirty="0">
+                        <a:solidFill>
+                          <a:schemeClr val="tx1"/>
+                        </a:solidFill>
                         <a:effectLst/>
                         <a:latin typeface="Calibri" panose="020F0502020204030204" pitchFamily="34" charset="0"/>
                         <a:ea typeface="Calibri" panose="020F0502020204030204" pitchFamily="34" charset="0"/>
@@ -5102,7 +6663,53 @@
                       </a:endParaRPr>
                     </a:p>
                   </a:txBody>
-                  <a:tcPr marL="68580" marR="68580" marT="0" marB="0" anchor="ctr"/>
+                  <a:tcPr marL="68580" marR="68580" marT="0" marB="0" anchor="ctr">
+                    <a:lnL w="12700" cap="flat" cmpd="sng" algn="ctr">
+                      <a:solidFill>
+                        <a:schemeClr val="tx1"/>
+                      </a:solidFill>
+                      <a:prstDash val="solid"/>
+                      <a:round/>
+                      <a:headEnd type="none" w="med" len="med"/>
+                      <a:tailEnd type="none" w="med" len="med"/>
+                    </a:lnL>
+                    <a:lnR w="12700" cap="flat" cmpd="sng" algn="ctr">
+                      <a:solidFill>
+                        <a:schemeClr val="tx1"/>
+                      </a:solidFill>
+                      <a:prstDash val="solid"/>
+                      <a:round/>
+                      <a:headEnd type="none" w="med" len="med"/>
+                      <a:tailEnd type="none" w="med" len="med"/>
+                    </a:lnR>
+                    <a:lnT w="12700" cap="flat" cmpd="sng" algn="ctr">
+                      <a:solidFill>
+                        <a:schemeClr val="tx1"/>
+                      </a:solidFill>
+                      <a:prstDash val="sysDot"/>
+                      <a:round/>
+                      <a:headEnd type="none" w="med" len="med"/>
+                      <a:tailEnd type="none" w="med" len="med"/>
+                    </a:lnT>
+                    <a:lnB w="12700" cap="flat" cmpd="sng" algn="ctr">
+                      <a:solidFill>
+                        <a:schemeClr val="tx1"/>
+                      </a:solidFill>
+                      <a:prstDash val="solid"/>
+                      <a:round/>
+                      <a:headEnd type="none" w="med" len="med"/>
+                      <a:tailEnd type="none" w="med" len="med"/>
+                    </a:lnB>
+                    <a:lnTlToBr w="12700" cmpd="sng">
+                      <a:noFill/>
+                      <a:prstDash val="solid"/>
+                    </a:lnTlToBr>
+                    <a:lnBlToTr w="12700" cmpd="sng">
+                      <a:noFill/>
+                      <a:prstDash val="solid"/>
+                    </a:lnBlToTr>
+                    <a:noFill/>
+                  </a:tcPr>
                 </a:tc>
                 <a:tc>
                   <a:txBody>
@@ -5122,11 +6729,17 @@
                       </a:pPr>
                       <a:r>
                         <a:rPr lang="en-US" sz="1400" dirty="0">
+                          <a:solidFill>
+                            <a:schemeClr val="tx1"/>
+                          </a:solidFill>
                           <a:effectLst/>
                         </a:rPr>
                         <a:t>Number of returns with real estate taxes</a:t>
                       </a:r>
                       <a:endParaRPr lang="en-US" sz="1400" dirty="0">
+                        <a:solidFill>
+                          <a:schemeClr val="tx1"/>
+                        </a:solidFill>
                         <a:effectLst/>
                         <a:latin typeface="Calibri" panose="020F0502020204030204" pitchFamily="34" charset="0"/>
                         <a:ea typeface="Calibri" panose="020F0502020204030204" pitchFamily="34" charset="0"/>
@@ -5134,7 +6747,53 @@
                       </a:endParaRPr>
                     </a:p>
                   </a:txBody>
-                  <a:tcPr marL="68580" marR="68580" marT="0" marB="0" anchor="ctr"/>
+                  <a:tcPr marL="68580" marR="68580" marT="0" marB="0" anchor="ctr">
+                    <a:lnL w="12700" cap="flat" cmpd="sng" algn="ctr">
+                      <a:solidFill>
+                        <a:schemeClr val="tx1"/>
+                      </a:solidFill>
+                      <a:prstDash val="solid"/>
+                      <a:round/>
+                      <a:headEnd type="none" w="med" len="med"/>
+                      <a:tailEnd type="none" w="med" len="med"/>
+                    </a:lnL>
+                    <a:lnR w="12700" cap="flat" cmpd="sng" algn="ctr">
+                      <a:solidFill>
+                        <a:schemeClr val="tx1"/>
+                      </a:solidFill>
+                      <a:prstDash val="solid"/>
+                      <a:round/>
+                      <a:headEnd type="none" w="med" len="med"/>
+                      <a:tailEnd type="none" w="med" len="med"/>
+                    </a:lnR>
+                    <a:lnT w="12700" cap="flat" cmpd="sng" algn="ctr">
+                      <a:solidFill>
+                        <a:schemeClr val="tx1"/>
+                      </a:solidFill>
+                      <a:prstDash val="sysDot"/>
+                      <a:round/>
+                      <a:headEnd type="none" w="med" len="med"/>
+                      <a:tailEnd type="none" w="med" len="med"/>
+                    </a:lnT>
+                    <a:lnB w="12700" cap="flat" cmpd="sng" algn="ctr">
+                      <a:solidFill>
+                        <a:schemeClr val="tx1"/>
+                      </a:solidFill>
+                      <a:prstDash val="solid"/>
+                      <a:round/>
+                      <a:headEnd type="none" w="med" len="med"/>
+                      <a:tailEnd type="none" w="med" len="med"/>
+                    </a:lnB>
+                    <a:lnTlToBr w="12700" cmpd="sng">
+                      <a:noFill/>
+                      <a:prstDash val="solid"/>
+                    </a:lnTlToBr>
+                    <a:lnBlToTr w="12700" cmpd="sng">
+                      <a:noFill/>
+                      <a:prstDash val="solid"/>
+                    </a:lnBlToTr>
+                    <a:noFill/>
+                  </a:tcPr>
                 </a:tc>
                 <a:extLst>
                   <a:ext uri="{0D108BD9-81ED-4DB2-BD59-A6C34878D82A}">
@@ -5194,7 +6853,9 @@
         </p:nvSpPr>
         <p:spPr/>
         <p:txBody>
-          <a:bodyPr/>
+          <a:bodyPr>
+            <a:normAutofit fontScale="90000"/>
+          </a:bodyPr>
           <a:lstStyle/>
           <a:p>
             <a:r>
@@ -5227,7 +6888,9 @@
           </a:xfrm>
         </p:spPr>
         <p:txBody>
-          <a:bodyPr/>
+          <a:bodyPr>
+            <a:normAutofit/>
+          </a:bodyPr>
           <a:lstStyle/>
           <a:p>
             <a:pPr marL="0" indent="0">
@@ -5315,6 +6978,19 @@
           <a:prstGeom prst="rect">
             <a:avLst/>
           </a:prstGeom>
+          <a:solidFill>
+            <a:schemeClr val="bg1">
+              <a:lumMod val="95000"/>
+            </a:schemeClr>
+          </a:solidFill>
+          <a:ln w="6350">
+            <a:solidFill>
+              <a:schemeClr val="tx1">
+                <a:lumMod val="50000"/>
+                <a:lumOff val="50000"/>
+              </a:schemeClr>
+            </a:solidFill>
+          </a:ln>
         </p:spPr>
         <p:style>
           <a:lnRef idx="2">
@@ -5338,7 +7014,11 @@
           <a:p>
             <a:pPr algn="ctr"/>
             <a:r>
-              <a:rPr lang="en-US" dirty="0"/>
+              <a:rPr lang="en-US" b="1" dirty="0">
+                <a:solidFill>
+                  <a:schemeClr val="tx1"/>
+                </a:solidFill>
+              </a:rPr>
               <a:t>Steps Taken</a:t>
             </a:r>
           </a:p>
@@ -5358,7 +7038,7 @@
         </p:nvSpPr>
         <p:spPr>
           <a:xfrm>
-            <a:off x="967946" y="3113903"/>
+            <a:off x="967946" y="2792628"/>
             <a:ext cx="3484606" cy="3016210"/>
           </a:xfrm>
           <a:prstGeom prst="rect">
@@ -5483,6 +7163,19 @@
           <a:prstGeom prst="rect">
             <a:avLst/>
           </a:prstGeom>
+          <a:solidFill>
+            <a:schemeClr val="bg1">
+              <a:lumMod val="95000"/>
+            </a:schemeClr>
+          </a:solidFill>
+          <a:ln w="6350">
+            <a:solidFill>
+              <a:schemeClr val="tx1">
+                <a:lumMod val="50000"/>
+                <a:lumOff val="50000"/>
+              </a:schemeClr>
+            </a:solidFill>
+          </a:ln>
         </p:spPr>
         <p:style>
           <a:lnRef idx="2">
@@ -5506,7 +7199,11 @@
           <a:p>
             <a:pPr algn="ctr"/>
             <a:r>
-              <a:rPr lang="en-US" dirty="0"/>
+              <a:rPr lang="en-US" b="1" dirty="0">
+                <a:solidFill>
+                  <a:schemeClr val="tx1"/>
+                </a:solidFill>
+              </a:rPr>
               <a:t>Observations</a:t>
             </a:r>
           </a:p>
@@ -5639,7 +7336,9 @@
         </p:nvSpPr>
         <p:spPr/>
         <p:txBody>
-          <a:bodyPr/>
+          <a:bodyPr>
+            <a:normAutofit fontScale="90000"/>
+          </a:bodyPr>
           <a:lstStyle/>
           <a:p>
             <a:r>
@@ -5668,40 +7367,41 @@
         </p:nvSpPr>
         <p:spPr>
           <a:xfrm>
-            <a:off x="967946" y="5101164"/>
-            <a:ext cx="3159211" cy="1101940"/>
+            <a:off x="634182" y="5101164"/>
+            <a:ext cx="3492976" cy="1101940"/>
           </a:xfrm>
           <a:prstGeom prst="rect">
             <a:avLst/>
           </a:prstGeom>
+          <a:solidFill>
+            <a:schemeClr val="bg1">
+              <a:lumMod val="95000"/>
+            </a:schemeClr>
+          </a:solidFill>
         </p:spPr>
-        <p:style>
-          <a:lnRef idx="2">
-            <a:schemeClr val="accent1">
-              <a:shade val="50000"/>
-            </a:schemeClr>
-          </a:lnRef>
-          <a:fillRef idx="1">
-            <a:schemeClr val="accent1"/>
-          </a:fillRef>
-          <a:effectRef idx="0">
-            <a:schemeClr val="accent1"/>
-          </a:effectRef>
-          <a:fontRef idx="minor">
-            <a:schemeClr val="lt1"/>
-          </a:fontRef>
-        </p:style>
-        <p:txBody>
-          <a:bodyPr rtlCol="0" anchor="ctr"/>
+        <p:txBody>
+          <a:bodyPr vert="horz" lIns="91440" tIns="45720" rIns="91440" bIns="45720" rtlCol="0" anchor="ctr">
+            <a:normAutofit/>
+          </a:bodyPr>
           <a:lstStyle/>
           <a:p>
             <a:pPr algn="ctr">
-              <a:spcAft>
-                <a:spcPts val="600"/>
-              </a:spcAft>
+              <a:lnSpc>
+                <a:spcPct val="90000"/>
+              </a:lnSpc>
+              <a:spcBef>
+                <a:spcPts val="1000"/>
+              </a:spcBef>
             </a:pPr>
             <a:r>
-              <a:rPr lang="en-US" b="1" dirty="0"/>
+              <a:rPr lang="en-US" sz="2000" b="1" dirty="0">
+                <a:solidFill>
+                  <a:schemeClr val="tx1"/>
+                </a:solidFill>
+                <a:latin typeface="Calibri" panose="020F0502020204030204" pitchFamily="34" charset="0"/>
+                <a:ea typeface="MS Mincho" panose="02020609040205080304" pitchFamily="49" charset="-128"/>
+                <a:cs typeface="Times New Roman" panose="02020603050405020304" pitchFamily="18" charset="0"/>
+              </a:rPr>
               <a:t>Univariate analysis revealed outliers in the price field which we will further investigate</a:t>
             </a:r>
           </a:p>
@@ -5721,40 +7421,41 @@
         </p:nvSpPr>
         <p:spPr>
           <a:xfrm>
-            <a:off x="4634814" y="5101164"/>
-            <a:ext cx="3159211" cy="1101940"/>
+            <a:off x="4374791" y="5101164"/>
+            <a:ext cx="3492976" cy="1101940"/>
           </a:xfrm>
           <a:prstGeom prst="rect">
             <a:avLst/>
           </a:prstGeom>
+          <a:solidFill>
+            <a:schemeClr val="bg1">
+              <a:lumMod val="95000"/>
+            </a:schemeClr>
+          </a:solidFill>
         </p:spPr>
-        <p:style>
-          <a:lnRef idx="2">
-            <a:schemeClr val="accent1">
-              <a:shade val="50000"/>
-            </a:schemeClr>
-          </a:lnRef>
-          <a:fillRef idx="1">
-            <a:schemeClr val="accent1"/>
-          </a:fillRef>
-          <a:effectRef idx="0">
-            <a:schemeClr val="accent1"/>
-          </a:effectRef>
-          <a:fontRef idx="minor">
-            <a:schemeClr val="lt1"/>
-          </a:fontRef>
-        </p:style>
-        <p:txBody>
-          <a:bodyPr rtlCol="0" anchor="ctr"/>
+        <p:txBody>
+          <a:bodyPr vert="horz" lIns="91440" tIns="45720" rIns="91440" bIns="45720" rtlCol="0" anchor="ctr">
+            <a:normAutofit lnSpcReduction="10000"/>
+          </a:bodyPr>
           <a:lstStyle/>
           <a:p>
             <a:pPr algn="ctr">
-              <a:spcAft>
-                <a:spcPts val="600"/>
-              </a:spcAft>
+              <a:lnSpc>
+                <a:spcPct val="90000"/>
+              </a:lnSpc>
+              <a:spcBef>
+                <a:spcPts val="1000"/>
+              </a:spcBef>
             </a:pPr>
             <a:r>
-              <a:rPr lang="en-US" b="1" dirty="0"/>
+              <a:rPr lang="en-US" sz="2000" b="1" dirty="0">
+                <a:solidFill>
+                  <a:schemeClr val="tx1"/>
+                </a:solidFill>
+                <a:latin typeface="Calibri" panose="020F0502020204030204" pitchFamily="34" charset="0"/>
+                <a:ea typeface="MS Mincho" panose="02020609040205080304" pitchFamily="49" charset="-128"/>
+                <a:cs typeface="Times New Roman" panose="02020603050405020304" pitchFamily="18" charset="0"/>
+              </a:rPr>
               <a:t>Investigate of correlation between price and income tax features reveals limited linear signal</a:t>
             </a:r>
           </a:p>
@@ -5774,53 +7475,43 @@
         </p:nvSpPr>
         <p:spPr>
           <a:xfrm>
-            <a:off x="8301682" y="5101164"/>
-            <a:ext cx="3159211" cy="1101940"/>
+            <a:off x="8134798" y="5101164"/>
+            <a:ext cx="3492976" cy="1101940"/>
           </a:xfrm>
           <a:prstGeom prst="rect">
             <a:avLst/>
           </a:prstGeom>
+          <a:solidFill>
+            <a:schemeClr val="bg1">
+              <a:lumMod val="95000"/>
+            </a:schemeClr>
+          </a:solidFill>
         </p:spPr>
-        <p:style>
-          <a:lnRef idx="2">
-            <a:schemeClr val="accent1">
-              <a:shade val="50000"/>
-            </a:schemeClr>
-          </a:lnRef>
-          <a:fillRef idx="1">
-            <a:schemeClr val="accent1"/>
-          </a:fillRef>
-          <a:effectRef idx="0">
-            <a:schemeClr val="accent1"/>
-          </a:effectRef>
-          <a:fontRef idx="minor">
-            <a:schemeClr val="lt1"/>
-          </a:fontRef>
-        </p:style>
-        <p:txBody>
-          <a:bodyPr rtlCol="0" anchor="ctr"/>
+        <p:txBody>
+          <a:bodyPr vert="horz" lIns="91440" tIns="45720" rIns="91440" bIns="45720" rtlCol="0" anchor="ctr">
+            <a:normAutofit lnSpcReduction="10000"/>
+          </a:bodyPr>
           <a:lstStyle/>
           <a:p>
             <a:pPr algn="ctr">
-              <a:spcAft>
-                <a:spcPts val="600"/>
-              </a:spcAft>
+              <a:lnSpc>
+                <a:spcPct val="90000"/>
+              </a:lnSpc>
+              <a:spcBef>
+                <a:spcPts val="1000"/>
+              </a:spcBef>
             </a:pPr>
             <a:r>
-              <a:rPr lang="en-US" sz="1800" b="1" dirty="0">
-                <a:effectLst/>
+              <a:rPr lang="en-US" sz="2000" b="1" dirty="0">
+                <a:solidFill>
+                  <a:schemeClr val="tx1"/>
+                </a:solidFill>
                 <a:latin typeface="Calibri" panose="020F0502020204030204" pitchFamily="34" charset="0"/>
                 <a:ea typeface="MS Mincho" panose="02020609040205080304" pitchFamily="49" charset="-128"/>
                 <a:cs typeface="Times New Roman" panose="02020603050405020304" pitchFamily="18" charset="0"/>
               </a:rPr>
               <a:t>Evaluation of multicollinearity showed correlation between predictors, particularly in the income tax dataset</a:t>
             </a:r>
-            <a:endParaRPr lang="en-US" sz="1800" b="1" dirty="0">
-              <a:effectLst/>
-              <a:latin typeface="Calibri" panose="020F0502020204030204" pitchFamily="34" charset="0"/>
-              <a:ea typeface="Calibri" panose="020F0502020204030204" pitchFamily="34" charset="0"/>
-              <a:cs typeface="Times New Roman" panose="02020603050405020304" pitchFamily="18" charset="0"/>
-            </a:endParaRPr>
           </a:p>
         </p:txBody>
       </p:sp>
@@ -5839,13 +7530,13 @@
           <p:nvPr>
             <p:extLst>
               <p:ext uri="{D42A27DB-BD31-4B8C-83A1-F6EECF244321}">
-                <p14:modId xmlns:p14="http://schemas.microsoft.com/office/powerpoint/2010/main" val="2366247459"/>
+                <p14:modId xmlns:p14="http://schemas.microsoft.com/office/powerpoint/2010/main" val="1280621257"/>
               </p:ext>
             </p:extLst>
           </p:nvPr>
         </p:nvGraphicFramePr>
         <p:xfrm>
-          <a:off x="4767254" y="2278326"/>
+          <a:off x="4674114" y="2278326"/>
           <a:ext cx="2894330" cy="2235200"/>
         </p:xfrm>
         <a:graphic>
@@ -6683,7 +8374,7 @@
         </p:blipFill>
         <p:spPr>
           <a:xfrm>
-            <a:off x="1386444" y="2417560"/>
+            <a:off x="1112917" y="2417560"/>
             <a:ext cx="2535507" cy="2095966"/>
           </a:xfrm>
           <a:prstGeom prst="rect">
@@ -6769,13 +8460,62 @@
         </p:nvSpPr>
         <p:spPr/>
         <p:txBody>
+          <a:bodyPr>
+            <a:normAutofit fontScale="90000"/>
+          </a:bodyPr>
+          <a:lstStyle/>
+          <a:p>
+            <a:r>
+              <a:rPr lang="en-US" dirty="0"/>
+              <a:t>Model Development &amp; Selection</a:t>
+            </a:r>
+          </a:p>
+        </p:txBody>
+      </p:sp>
+      <p:sp>
+        <p:nvSpPr>
+          <p:cNvPr id="8" name="Content Placeholder 2">
+            <a:extLst>
+              <a:ext uri="{FF2B5EF4-FFF2-40B4-BE49-F238E27FC236}">
+                <a16:creationId xmlns:a16="http://schemas.microsoft.com/office/drawing/2014/main" id="{B9F7CDCC-5417-C0D6-64E8-60A13F3F91C9}"/>
+              </a:ext>
+            </a:extLst>
+          </p:cNvPr>
+          <p:cNvSpPr>
+            <a:spLocks noGrp="1"/>
+          </p:cNvSpPr>
+          <p:nvPr>
+            <p:ph idx="1"/>
+          </p:nvPr>
+        </p:nvSpPr>
+        <p:spPr>
+          <a:xfrm>
+            <a:off x="838200" y="1825625"/>
+            <a:ext cx="10515600" cy="658083"/>
+          </a:xfrm>
+        </p:spPr>
+        <p:txBody>
           <a:bodyPr/>
           <a:lstStyle/>
           <a:p>
-            <a:r>
-              <a:rPr lang="en-US" dirty="0"/>
-              <a:t>Model Development &amp; Selection</a:t>
-            </a:r>
+            <a:pPr marL="0" indent="0">
+              <a:buNone/>
+            </a:pPr>
+            <a:r>
+              <a:rPr lang="en-US" sz="1800" dirty="0">
+                <a:effectLst/>
+                <a:latin typeface="Calibri" panose="020F0502020204030204" pitchFamily="34" charset="0"/>
+                <a:ea typeface="MS Mincho" panose="02020609040205080304" pitchFamily="49" charset="-128"/>
+                <a:cs typeface="Times New Roman" panose="02020603050405020304" pitchFamily="18" charset="0"/>
+              </a:rPr>
+              <a:t>We have built out a skeleton of the model development and selection </a:t>
+            </a:r>
+            <a:endParaRPr lang="en-US" sz="1800" dirty="0">
+              <a:effectLst/>
+              <a:latin typeface="Calibri" panose="020F0502020204030204" pitchFamily="34" charset="0"/>
+              <a:ea typeface="Calibri" panose="020F0502020204030204" pitchFamily="34" charset="0"/>
+              <a:cs typeface="Times New Roman" panose="02020603050405020304" pitchFamily="18" charset="0"/>
+            </a:endParaRPr>
           </a:p>
         </p:txBody>
       </p:sp>
@@ -6799,6 +8539,19 @@
           <a:prstGeom prst="rect">
             <a:avLst/>
           </a:prstGeom>
+          <a:solidFill>
+            <a:schemeClr val="bg1">
+              <a:lumMod val="95000"/>
+            </a:schemeClr>
+          </a:solidFill>
+          <a:ln w="6350">
+            <a:solidFill>
+              <a:schemeClr val="tx1">
+                <a:lumMod val="50000"/>
+                <a:lumOff val="50000"/>
+              </a:schemeClr>
+            </a:solidFill>
+          </a:ln>
         </p:spPr>
         <p:style>
           <a:lnRef idx="2">
@@ -6822,7 +8575,11 @@
           <a:p>
             <a:pPr algn="ctr"/>
             <a:r>
-              <a:rPr lang="en-US" dirty="0"/>
+              <a:rPr lang="en-US" b="1" dirty="0">
+                <a:solidFill>
+                  <a:schemeClr val="tx1"/>
+                </a:solidFill>
+              </a:rPr>
               <a:t>Steps Taken</a:t>
             </a:r>
           </a:p>
@@ -6944,53 +8701,6 @@
       </p:sp>
       <p:sp>
         <p:nvSpPr>
-          <p:cNvPr id="8" name="Content Placeholder 2">
-            <a:extLst>
-              <a:ext uri="{FF2B5EF4-FFF2-40B4-BE49-F238E27FC236}">
-                <a16:creationId xmlns:a16="http://schemas.microsoft.com/office/drawing/2014/main" id="{B9F7CDCC-5417-C0D6-64E8-60A13F3F91C9}"/>
-              </a:ext>
-            </a:extLst>
-          </p:cNvPr>
-          <p:cNvSpPr>
-            <a:spLocks noGrp="1"/>
-          </p:cNvSpPr>
-          <p:nvPr>
-            <p:ph idx="1"/>
-          </p:nvPr>
-        </p:nvSpPr>
-        <p:spPr>
-          <a:xfrm>
-            <a:off x="838200" y="1825625"/>
-            <a:ext cx="10515600" cy="658083"/>
-          </a:xfrm>
-        </p:spPr>
-        <p:txBody>
-          <a:bodyPr/>
-          <a:lstStyle/>
-          <a:p>
-            <a:pPr marL="0" indent="0">
-              <a:buNone/>
-            </a:pPr>
-            <a:r>
-              <a:rPr lang="en-US" sz="1800" dirty="0">
-                <a:effectLst/>
-                <a:latin typeface="Calibri" panose="020F0502020204030204" pitchFamily="34" charset="0"/>
-                <a:ea typeface="MS Mincho" panose="02020609040205080304" pitchFamily="49" charset="-128"/>
-                <a:cs typeface="Times New Roman" panose="02020603050405020304" pitchFamily="18" charset="0"/>
-              </a:rPr>
-              <a:t>We have built out a skeleton of the model development and selection </a:t>
-            </a:r>
-            <a:endParaRPr lang="en-US" sz="1800" dirty="0">
-              <a:effectLst/>
-              <a:latin typeface="Calibri" panose="020F0502020204030204" pitchFamily="34" charset="0"/>
-              <a:ea typeface="Calibri" panose="020F0502020204030204" pitchFamily="34" charset="0"/>
-              <a:cs typeface="Times New Roman" panose="02020603050405020304" pitchFamily="18" charset="0"/>
-            </a:endParaRPr>
-          </a:p>
-        </p:txBody>
-      </p:sp>
-      <p:sp>
-        <p:nvSpPr>
           <p:cNvPr id="12" name="TextBox 11">
             <a:extLst>
               <a:ext uri="{FF2B5EF4-FFF2-40B4-BE49-F238E27FC236}">
@@ -7150,6 +8860,19 @@
           <a:prstGeom prst="rect">
             <a:avLst/>
           </a:prstGeom>
+          <a:solidFill>
+            <a:schemeClr val="bg1">
+              <a:lumMod val="95000"/>
+            </a:schemeClr>
+          </a:solidFill>
+          <a:ln w="6350">
+            <a:solidFill>
+              <a:schemeClr val="tx1">
+                <a:lumMod val="50000"/>
+                <a:lumOff val="50000"/>
+              </a:schemeClr>
+            </a:solidFill>
+          </a:ln>
         </p:spPr>
         <p:style>
           <a:lnRef idx="2">
@@ -7173,7 +8896,11 @@
           <a:p>
             <a:pPr algn="ctr"/>
             <a:r>
-              <a:rPr lang="en-US" dirty="0"/>
+              <a:rPr lang="en-US" b="1" dirty="0">
+                <a:solidFill>
+                  <a:schemeClr val="tx1"/>
+                </a:solidFill>
+              </a:rPr>
               <a:t>Evaluation Framework</a:t>
             </a:r>
           </a:p>
@@ -7193,12 +8920,21 @@
         </p:nvSpPr>
         <p:spPr>
           <a:xfrm>
-            <a:off x="9724768" y="3015049"/>
-            <a:ext cx="2100648" cy="2792627"/>
+            <a:off x="9724768" y="3450711"/>
+            <a:ext cx="2100648" cy="2338616"/>
           </a:xfrm>
           <a:prstGeom prst="rect">
             <a:avLst/>
           </a:prstGeom>
+          <a:solidFill>
+            <a:schemeClr val="accent1">
+              <a:lumMod val="20000"/>
+              <a:lumOff val="80000"/>
+            </a:schemeClr>
+          </a:solidFill>
+          <a:ln>
+            <a:noFill/>
+          </a:ln>
         </p:spPr>
         <p:style>
           <a:lnRef idx="2">
@@ -7222,13 +8958,21 @@
           <a:p>
             <a:pPr algn="ctr"/>
             <a:r>
-              <a:rPr lang="en-US" dirty="0"/>
+              <a:rPr lang="en-US" b="1" dirty="0">
+                <a:solidFill>
+                  <a:sysClr val="windowText" lastClr="000000"/>
+                </a:solidFill>
+              </a:rPr>
               <a:t>Model Types</a:t>
             </a:r>
           </a:p>
           <a:p>
             <a:pPr algn="ctr"/>
-            <a:endParaRPr lang="en-US" dirty="0"/>
+            <a:endParaRPr lang="en-US" dirty="0">
+              <a:solidFill>
+                <a:sysClr val="windowText" lastClr="000000"/>
+              </a:solidFill>
+            </a:endParaRPr>
           </a:p>
           <a:p>
             <a:pPr marL="285750" indent="-285750">
@@ -7236,7 +8980,11 @@
               <a:buChar char="•"/>
             </a:pPr>
             <a:r>
-              <a:rPr lang="en-US" dirty="0"/>
+              <a:rPr lang="en-US" dirty="0">
+                <a:solidFill>
+                  <a:sysClr val="windowText" lastClr="000000"/>
+                </a:solidFill>
+              </a:rPr>
               <a:t>Multiple linear regression</a:t>
             </a:r>
           </a:p>
@@ -7246,7 +8994,11 @@
               <a:buChar char="•"/>
             </a:pPr>
             <a:r>
-              <a:rPr lang="en-US" dirty="0"/>
+              <a:rPr lang="en-US" dirty="0">
+                <a:solidFill>
+                  <a:sysClr val="windowText" lastClr="000000"/>
+                </a:solidFill>
+              </a:rPr>
               <a:t>LASSO regression</a:t>
             </a:r>
           </a:p>
@@ -7256,7 +9008,11 @@
               <a:buChar char="•"/>
             </a:pPr>
             <a:r>
-              <a:rPr lang="en-US" dirty="0"/>
+              <a:rPr lang="en-US" dirty="0">
+                <a:solidFill>
+                  <a:sysClr val="windowText" lastClr="000000"/>
+                </a:solidFill>
+              </a:rPr>
               <a:t>Random Forest</a:t>
             </a:r>
           </a:p>
@@ -7266,7 +9022,11 @@
               <a:buChar char="•"/>
             </a:pPr>
             <a:r>
-              <a:rPr lang="en-US" dirty="0"/>
+              <a:rPr lang="en-US" dirty="0">
+                <a:solidFill>
+                  <a:sysClr val="windowText" lastClr="000000"/>
+                </a:solidFill>
+              </a:rPr>
               <a:t>Boosting</a:t>
             </a:r>
           </a:p>
@@ -7320,7 +9080,9 @@
         </p:nvSpPr>
         <p:spPr/>
         <p:txBody>
-          <a:bodyPr/>
+          <a:bodyPr>
+            <a:normAutofit fontScale="90000"/>
+          </a:bodyPr>
           <a:lstStyle/>
           <a:p>
             <a:r>
@@ -7346,11 +9108,89 @@
             <p:ph idx="1"/>
           </p:nvPr>
         </p:nvSpPr>
-        <p:spPr/>
-        <p:txBody>
-          <a:bodyPr/>
+        <p:spPr>
+          <a:xfrm>
+            <a:off x="1622323" y="1651818"/>
+            <a:ext cx="10309122" cy="4914289"/>
+          </a:xfrm>
+        </p:spPr>
+        <p:txBody>
+          <a:bodyPr>
+            <a:normAutofit/>
+          </a:bodyPr>
           <a:lstStyle/>
           <a:p>
+            <a:pPr marL="0" indent="0">
+              <a:buNone/>
+            </a:pPr>
+            <a:r>
+              <a:rPr lang="en-US" sz="2400" dirty="0">
+                <a:effectLst/>
+                <a:latin typeface="Calibri" panose="020F0502020204030204" pitchFamily="34" charset="0"/>
+                <a:ea typeface="MS Mincho" panose="02020609040205080304" pitchFamily="49" charset="-128"/>
+                <a:cs typeface="Times New Roman" panose="02020603050405020304" pitchFamily="18" charset="0"/>
+              </a:rPr>
+              <a:t>Understanding the meaning of different columns can be challenging</a:t>
+            </a:r>
+          </a:p>
+          <a:p>
+            <a:pPr marL="0" indent="0">
+              <a:buNone/>
+            </a:pPr>
+            <a:r>
+              <a:rPr lang="en-US" sz="1800" dirty="0">
+                <a:latin typeface="Calibri" panose="020F0502020204030204" pitchFamily="34" charset="0"/>
+                <a:ea typeface="MS Mincho" panose="02020609040205080304" pitchFamily="49" charset="-128"/>
+                <a:cs typeface="Times New Roman" panose="02020603050405020304" pitchFamily="18" charset="0"/>
+              </a:rPr>
+              <a:t>Digging through Kaggle comments, finding true sources of data from the government, and looking up citations were critical in appropriately interpreting fields</a:t>
+            </a:r>
+          </a:p>
+          <a:p>
+            <a:pPr marL="0" indent="0">
+              <a:buNone/>
+            </a:pPr>
+            <a:endParaRPr lang="en-US" sz="1800" dirty="0">
+              <a:effectLst/>
+              <a:latin typeface="Calibri" panose="020F0502020204030204" pitchFamily="34" charset="0"/>
+              <a:ea typeface="MS Mincho" panose="02020609040205080304" pitchFamily="49" charset="-128"/>
+              <a:cs typeface="Times New Roman" panose="02020603050405020304" pitchFamily="18" charset="0"/>
+            </a:endParaRPr>
+          </a:p>
+          <a:p>
+            <a:pPr marL="0" indent="0">
+              <a:buNone/>
+            </a:pPr>
+            <a:r>
+              <a:rPr lang="en-US" sz="2400" dirty="0">
+                <a:latin typeface="Calibri" panose="020F0502020204030204" pitchFamily="34" charset="0"/>
+                <a:ea typeface="MS Mincho" panose="02020609040205080304" pitchFamily="49" charset="-128"/>
+                <a:cs typeface="Times New Roman" panose="02020603050405020304" pitchFamily="18" charset="0"/>
+              </a:rPr>
+              <a:t>W</a:t>
+            </a:r>
+            <a:r>
+              <a:rPr lang="en-US" sz="2400" dirty="0">
+                <a:effectLst/>
+                <a:latin typeface="Calibri" panose="020F0502020204030204" pitchFamily="34" charset="0"/>
+                <a:ea typeface="MS Mincho" panose="02020609040205080304" pitchFamily="49" charset="-128"/>
+                <a:cs typeface="Times New Roman" panose="02020603050405020304" pitchFamily="18" charset="0"/>
+              </a:rPr>
+              <a:t>orking with the varying levels of detail in the data </a:t>
+            </a:r>
+            <a:r>
+              <a:rPr lang="en-US" sz="2400" dirty="0">
+                <a:latin typeface="Calibri" panose="020F0502020204030204" pitchFamily="34" charset="0"/>
+                <a:ea typeface="MS Mincho" panose="02020609040205080304" pitchFamily="49" charset="-128"/>
+                <a:cs typeface="Times New Roman" panose="02020603050405020304" pitchFamily="18" charset="0"/>
+              </a:rPr>
+              <a:t>can lead to calculation errors</a:t>
+            </a:r>
+          </a:p>
+          <a:p>
+            <a:pPr marL="0" indent="0">
+              <a:buNone/>
+            </a:pPr>
             <a:r>
               <a:rPr lang="en-US" sz="1800" dirty="0">
                 <a:effectLst/>
@@ -7358,76 +9198,33 @@
                 <a:ea typeface="MS Mincho" panose="02020609040205080304" pitchFamily="49" charset="-128"/>
                 <a:cs typeface="Times New Roman" panose="02020603050405020304" pitchFamily="18" charset="0"/>
               </a:rPr>
-              <a:t>Understanding the meaning of different columns can be challenging</a:t>
-            </a:r>
-          </a:p>
-          <a:p>
-            <a:pPr lvl="1"/>
-            <a:r>
-              <a:rPr lang="en-US" sz="1400" dirty="0">
-                <a:latin typeface="Calibri" panose="020F0502020204030204" pitchFamily="34" charset="0"/>
-                <a:ea typeface="MS Mincho" panose="02020609040205080304" pitchFamily="49" charset="-128"/>
-                <a:cs typeface="Times New Roman" panose="02020603050405020304" pitchFamily="18" charset="0"/>
-              </a:rPr>
-              <a:t>Digging through Kaggle comments, finding true sources of data from the government, and looking up citations were critical in appropriately interpreting fields</a:t>
-            </a:r>
-            <a:endParaRPr lang="en-US" sz="1400" dirty="0">
-              <a:effectLst/>
-              <a:latin typeface="Calibri" panose="020F0502020204030204" pitchFamily="34" charset="0"/>
-              <a:ea typeface="MS Mincho" panose="02020609040205080304" pitchFamily="49" charset="-128"/>
-              <a:cs typeface="Times New Roman" panose="02020603050405020304" pitchFamily="18" charset="0"/>
-            </a:endParaRPr>
-          </a:p>
-          <a:p>
+              <a:t>Rolling up the income tax data from the zip code-AGI bucket </a:t>
+            </a:r>
             <a:r>
               <a:rPr lang="en-US" sz="1800" dirty="0">
                 <a:latin typeface="Calibri" panose="020F0502020204030204" pitchFamily="34" charset="0"/>
                 <a:ea typeface="MS Mincho" panose="02020609040205080304" pitchFamily="49" charset="-128"/>
                 <a:cs typeface="Times New Roman" panose="02020603050405020304" pitchFamily="18" charset="0"/>
               </a:rPr>
-              <a:t>W</a:t>
-            </a:r>
-            <a:r>
-              <a:rPr lang="en-US" sz="1800" dirty="0">
-                <a:effectLst/>
-                <a:latin typeface="Calibri" panose="020F0502020204030204" pitchFamily="34" charset="0"/>
-                <a:ea typeface="MS Mincho" panose="02020609040205080304" pitchFamily="49" charset="-128"/>
-                <a:cs typeface="Times New Roman" panose="02020603050405020304" pitchFamily="18" charset="0"/>
-              </a:rPr>
-              <a:t>orking with the varying levels of detail in the data </a:t>
-            </a:r>
-            <a:r>
-              <a:rPr lang="en-US" sz="1800" dirty="0">
-                <a:latin typeface="Calibri" panose="020F0502020204030204" pitchFamily="34" charset="0"/>
-                <a:ea typeface="MS Mincho" panose="02020609040205080304" pitchFamily="49" charset="-128"/>
-                <a:cs typeface="Times New Roman" panose="02020603050405020304" pitchFamily="18" charset="0"/>
-              </a:rPr>
-              <a:t>can lead to calculation errors</a:t>
-            </a:r>
-          </a:p>
-          <a:p>
-            <a:pPr lvl="1"/>
-            <a:r>
-              <a:rPr lang="en-US" sz="1400" dirty="0">
-                <a:effectLst/>
-                <a:latin typeface="Calibri" panose="020F0502020204030204" pitchFamily="34" charset="0"/>
-                <a:ea typeface="MS Mincho" panose="02020609040205080304" pitchFamily="49" charset="-128"/>
-                <a:cs typeface="Times New Roman" panose="02020603050405020304" pitchFamily="18" charset="0"/>
-              </a:rPr>
-              <a:t>Rolling up the income tax data from the zip code-AGI bucket </a:t>
-            </a:r>
-            <a:r>
-              <a:rPr lang="en-US" sz="1400" dirty="0">
-                <a:latin typeface="Calibri" panose="020F0502020204030204" pitchFamily="34" charset="0"/>
-                <a:ea typeface="MS Mincho" panose="02020609040205080304" pitchFamily="49" charset="-128"/>
-                <a:cs typeface="Times New Roman" panose="02020603050405020304" pitchFamily="18" charset="0"/>
-              </a:rPr>
               <a:t>made our selection of aggregation math very important – after evaluating median, arithmetic mean, total, and weighted average, we settled on using the total amounts</a:t>
             </a:r>
           </a:p>
           <a:p>
-            <a:r>
-              <a:rPr lang="en-US" sz="1800" dirty="0">
+            <a:pPr marL="0" indent="0">
+              <a:buNone/>
+            </a:pPr>
+            <a:endParaRPr lang="en-US" sz="1800" dirty="0">
+              <a:latin typeface="Calibri" panose="020F0502020204030204" pitchFamily="34" charset="0"/>
+              <a:ea typeface="MS Mincho" panose="02020609040205080304" pitchFamily="49" charset="-128"/>
+              <a:cs typeface="Times New Roman" panose="02020603050405020304" pitchFamily="18" charset="0"/>
+            </a:endParaRPr>
+          </a:p>
+          <a:p>
+            <a:pPr marL="0" indent="0">
+              <a:buNone/>
+            </a:pPr>
+            <a:r>
+              <a:rPr lang="en-US" sz="2400" dirty="0">
                 <a:latin typeface="Calibri" panose="020F0502020204030204" pitchFamily="34" charset="0"/>
                 <a:ea typeface="MS Mincho" panose="02020609040205080304" pitchFamily="49" charset="-128"/>
                 <a:cs typeface="Times New Roman" panose="02020603050405020304" pitchFamily="18" charset="0"/>
@@ -7435,7 +9232,7 @@
               <a:t>C</a:t>
             </a:r>
             <a:r>
-              <a:rPr lang="en-US" sz="1800" dirty="0">
+              <a:rPr lang="en-US" sz="2400" dirty="0">
                 <a:effectLst/>
                 <a:latin typeface="Calibri" panose="020F0502020204030204" pitchFamily="34" charset="0"/>
                 <a:ea typeface="MS Mincho" panose="02020609040205080304" pitchFamily="49" charset="-128"/>
@@ -7444,41 +9241,136 @@
               <a:t>leansing null values all presented their own unique challenges</a:t>
             </a:r>
             <a:r>
-              <a:rPr lang="en-US" dirty="0">
+              <a:rPr lang="en-US" sz="3600" dirty="0">
                 <a:effectLst/>
               </a:rPr>
               <a:t> </a:t>
             </a:r>
-          </a:p>
-          <a:p>
-            <a:pPr lvl="1"/>
-            <a:r>
-              <a:rPr lang="en-US" sz="1400" dirty="0">
+            <a:endParaRPr lang="en-US" sz="3600" dirty="0"/>
+          </a:p>
+          <a:p>
+            <a:pPr marL="0" indent="0">
+              <a:buNone/>
+            </a:pPr>
+            <a:r>
+              <a:rPr lang="en-US" sz="1800" dirty="0">
                 <a:latin typeface="Calibri" panose="020F0502020204030204" pitchFamily="34" charset="0"/>
                 <a:ea typeface="MS Mincho" panose="02020609040205080304" pitchFamily="49" charset="-128"/>
                 <a:cs typeface="Times New Roman" panose="02020603050405020304" pitchFamily="18" charset="0"/>
               </a:rPr>
-              <a:t>Sporadic </a:t>
-            </a:r>
-            <a:r>
-              <a:rPr lang="en-US" sz="1400" dirty="0" err="1">
-                <a:latin typeface="Calibri" panose="020F0502020204030204" pitchFamily="34" charset="0"/>
-                <a:ea typeface="MS Mincho" panose="02020609040205080304" pitchFamily="49" charset="-128"/>
-                <a:cs typeface="Times New Roman" panose="02020603050405020304" pitchFamily="18" charset="0"/>
-              </a:rPr>
-              <a:t>ull</a:t>
-            </a:r>
-            <a:r>
-              <a:rPr lang="en-US" sz="1400" dirty="0">
-                <a:latin typeface="Calibri" panose="020F0502020204030204" pitchFamily="34" charset="0"/>
-                <a:ea typeface="MS Mincho" panose="02020609040205080304" pitchFamily="49" charset="-128"/>
-                <a:cs typeface="Times New Roman" panose="02020603050405020304" pitchFamily="18" charset="0"/>
-              </a:rPr>
-              <a:t> values in the data has forced us to make decisions (some ongoing) about whether to impute or remove – as of now, we’ve removed 30 records with nulls in all income tax fields and are determining the best path forward for the nulls in the real estate features</a:t>
-            </a:r>
-          </a:p>
-        </p:txBody>
-      </p:sp>
+              <a:t>Sporadic null values in the data has forced us to make decisions (some ongoing) about whether to impute or remove – as of now, we’ve removed 30 records with nulls in all income tax fields and are determining the best path forward for the nulls in the real estate features</a:t>
+            </a:r>
+          </a:p>
+        </p:txBody>
+      </p:sp>
+      <p:pic>
+        <p:nvPicPr>
+          <p:cNvPr id="5" name="Graphic 4" descr="Open book outline">
+            <a:extLst>
+              <a:ext uri="{FF2B5EF4-FFF2-40B4-BE49-F238E27FC236}">
+                <a16:creationId xmlns:a16="http://schemas.microsoft.com/office/drawing/2014/main" id="{FAA47895-CA2C-A099-EE46-79D2E5D69F10}"/>
+              </a:ext>
+            </a:extLst>
+          </p:cNvPr>
+          <p:cNvPicPr>
+            <a:picLocks noChangeAspect="1"/>
+          </p:cNvPicPr>
+          <p:nvPr/>
+        </p:nvPicPr>
+        <p:blipFill>
+          <a:blip r:embed="rId2">
+            <a:extLst>
+              <a:ext uri="{96DAC541-7B7A-43D3-8B79-37D633B846F1}">
+                <asvg:svgBlip xmlns:asvg="http://schemas.microsoft.com/office/drawing/2016/SVG/main" r:embed="rId3"/>
+              </a:ext>
+            </a:extLst>
+          </a:blip>
+          <a:stretch>
+            <a:fillRect/>
+          </a:stretch>
+        </p:blipFill>
+        <p:spPr>
+          <a:xfrm>
+            <a:off x="381000" y="1651818"/>
+            <a:ext cx="914400" cy="914400"/>
+          </a:xfrm>
+          <a:prstGeom prst="rect">
+            <a:avLst/>
+          </a:prstGeom>
+        </p:spPr>
+      </p:pic>
+      <p:pic>
+        <p:nvPicPr>
+          <p:cNvPr id="7" name="Graphic 6" descr="Folder Search outline">
+            <a:extLst>
+              <a:ext uri="{FF2B5EF4-FFF2-40B4-BE49-F238E27FC236}">
+                <a16:creationId xmlns:a16="http://schemas.microsoft.com/office/drawing/2014/main" id="{49C2623D-A40A-A7C0-A6B8-5812718E1CED}"/>
+              </a:ext>
+            </a:extLst>
+          </p:cNvPr>
+          <p:cNvPicPr>
+            <a:picLocks noChangeAspect="1"/>
+          </p:cNvPicPr>
+          <p:nvPr/>
+        </p:nvPicPr>
+        <p:blipFill>
+          <a:blip r:embed="rId4">
+            <a:extLst>
+              <a:ext uri="{96DAC541-7B7A-43D3-8B79-37D633B846F1}">
+                <asvg:svgBlip xmlns:asvg="http://schemas.microsoft.com/office/drawing/2016/SVG/main" r:embed="rId5"/>
+              </a:ext>
+            </a:extLst>
+          </a:blip>
+          <a:stretch>
+            <a:fillRect/>
+          </a:stretch>
+        </p:blipFill>
+        <p:spPr>
+          <a:xfrm>
+            <a:off x="444910" y="3267539"/>
+            <a:ext cx="914400" cy="914400"/>
+          </a:xfrm>
+          <a:prstGeom prst="rect">
+            <a:avLst/>
+          </a:prstGeom>
+        </p:spPr>
+      </p:pic>
+      <p:pic>
+        <p:nvPicPr>
+          <p:cNvPr id="9" name="Graphic 8" descr="Filter outline">
+            <a:extLst>
+              <a:ext uri="{FF2B5EF4-FFF2-40B4-BE49-F238E27FC236}">
+                <a16:creationId xmlns:a16="http://schemas.microsoft.com/office/drawing/2014/main" id="{E06B4F43-C19A-5E1D-35E1-A0B16A25A831}"/>
+              </a:ext>
+            </a:extLst>
+          </p:cNvPr>
+          <p:cNvPicPr>
+            <a:picLocks noChangeAspect="1"/>
+          </p:cNvPicPr>
+          <p:nvPr/>
+        </p:nvPicPr>
+        <p:blipFill>
+          <a:blip r:embed="rId6">
+            <a:extLst>
+              <a:ext uri="{96DAC541-7B7A-43D3-8B79-37D633B846F1}">
+                <asvg:svgBlip xmlns:asvg="http://schemas.microsoft.com/office/drawing/2016/SVG/main" r:embed="rId7"/>
+              </a:ext>
+            </a:extLst>
+          </a:blip>
+          <a:stretch>
+            <a:fillRect/>
+          </a:stretch>
+        </p:blipFill>
+        <p:spPr>
+          <a:xfrm>
+            <a:off x="381000" y="5110317"/>
+            <a:ext cx="914400" cy="914400"/>
+          </a:xfrm>
+          <a:prstGeom prst="rect">
+            <a:avLst/>
+          </a:prstGeom>
+        </p:spPr>
+      </p:pic>
     </p:spTree>
     <p:extLst>
       <p:ext uri="{BB962C8B-B14F-4D97-AF65-F5344CB8AC3E}">
@@ -7527,7 +9419,9 @@
         </p:nvSpPr>
         <p:spPr/>
         <p:txBody>
-          <a:bodyPr/>
+          <a:bodyPr>
+            <a:normAutofit fontScale="90000"/>
+          </a:bodyPr>
           <a:lstStyle/>
           <a:p>
             <a:r>
@@ -7555,42 +9449,96 @@
         </p:nvSpPr>
         <p:spPr/>
         <p:txBody>
-          <a:bodyPr/>
+          <a:bodyPr>
+            <a:normAutofit/>
+          </a:bodyPr>
           <a:lstStyle/>
           <a:p>
-            <a:r>
-              <a:rPr lang="en-US" dirty="0"/>
+            <a:pPr marL="0" indent="0">
+              <a:buNone/>
+            </a:pPr>
+            <a:r>
+              <a:rPr lang="en-US" sz="2000" dirty="0"/>
+              <a:t>The team has a few hypotheses that we plan to test as we develop and evaluate our models.</a:t>
+            </a:r>
+          </a:p>
+          <a:p>
+            <a:pPr marL="0" indent="0">
+              <a:buNone/>
+            </a:pPr>
+            <a:endParaRPr lang="en-US" sz="2000" dirty="0"/>
+          </a:p>
+          <a:p>
+            <a:pPr marL="0" indent="0">
+              <a:buNone/>
+            </a:pPr>
+            <a:endParaRPr lang="en-US" sz="2000" dirty="0"/>
+          </a:p>
+          <a:p>
+            <a:pPr marL="466725" indent="-466725">
+              <a:spcAft>
+                <a:spcPts val="1800"/>
+              </a:spcAft>
+            </a:pPr>
+            <a:r>
+              <a:rPr lang="en-US" sz="2000" dirty="0"/>
               <a:t>Real estate features are expected to provide the most signal to the model</a:t>
             </a:r>
           </a:p>
           <a:p>
-            <a:r>
-              <a:rPr lang="en-US" sz="1800" dirty="0">
+            <a:pPr marL="466725" indent="-466725">
+              <a:spcAft>
+                <a:spcPts val="1800"/>
+              </a:spcAft>
+            </a:pPr>
+            <a:r>
+              <a:rPr lang="en-US" sz="2000" dirty="0">
+                <a:latin typeface="Calibri" panose="020F0502020204030204" pitchFamily="34" charset="0"/>
+                <a:ea typeface="MS Mincho" panose="02020609040205080304" pitchFamily="49" charset="-128"/>
+                <a:cs typeface="Times New Roman" panose="02020603050405020304" pitchFamily="18" charset="0"/>
+              </a:rPr>
+              <a:t>T</a:t>
+            </a:r>
+            <a:r>
+              <a:rPr lang="en-US" sz="2000" dirty="0">
                 <a:effectLst/>
                 <a:latin typeface="Calibri" panose="020F0502020204030204" pitchFamily="34" charset="0"/>
                 <a:ea typeface="MS Mincho" panose="02020609040205080304" pitchFamily="49" charset="-128"/>
                 <a:cs typeface="Times New Roman" panose="02020603050405020304" pitchFamily="18" charset="0"/>
               </a:rPr>
-              <a:t>tax features related to affluency (AGI, taxable income amounts) have the most potential to provide signal to the model</a:t>
-            </a:r>
-          </a:p>
-          <a:p>
-            <a:r>
-              <a:rPr lang="en-US" sz="1800" dirty="0">
+              <a:t>ax features related to affluency (AGI, taxable income amounts) have the most potential to provide signal to the model</a:t>
+            </a:r>
+          </a:p>
+          <a:p>
+            <a:pPr marL="466725" indent="-466725">
+              <a:spcAft>
+                <a:spcPts val="1800"/>
+              </a:spcAft>
+            </a:pPr>
+            <a:r>
+              <a:rPr lang="en-US" sz="2000" dirty="0">
+                <a:latin typeface="Calibri" panose="020F0502020204030204" pitchFamily="34" charset="0"/>
+                <a:ea typeface="MS Mincho" panose="02020609040205080304" pitchFamily="49" charset="-128"/>
+                <a:cs typeface="Times New Roman" panose="02020603050405020304" pitchFamily="18" charset="0"/>
+              </a:rPr>
+              <a:t>T</a:t>
+            </a:r>
+            <a:r>
+              <a:rPr lang="en-US" sz="2000" dirty="0">
                 <a:effectLst/>
                 <a:latin typeface="Calibri" panose="020F0502020204030204" pitchFamily="34" charset="0"/>
                 <a:ea typeface="MS Mincho" panose="02020609040205080304" pitchFamily="49" charset="-128"/>
                 <a:cs typeface="Times New Roman" panose="02020603050405020304" pitchFamily="18" charset="0"/>
               </a:rPr>
-              <a:t>tree-based models will likely far outperform linear models due to their ability to pick up nonlinear signal and predictor interactions without explicit interaction terms</a:t>
-            </a:r>
-            <a:r>
-              <a:rPr lang="en-US" dirty="0">
+              <a:t>ree-based models will likely far outperform linear models due to their ability to pick up nonlinear signal and predictor interactions without explicit interaction terms</a:t>
+            </a:r>
+            <a:r>
+              <a:rPr lang="en-US" sz="2000" dirty="0">
                 <a:effectLst/>
               </a:rPr>
               <a:t> </a:t>
             </a:r>
-            <a:endParaRPr lang="en-US" dirty="0"/>
+            <a:endParaRPr lang="en-US" sz="2000" dirty="0"/>
           </a:p>
         </p:txBody>
       </p:sp>
@@ -7623,6 +9571,177 @@
           <a:lstStyle/>
           <a:p>
             <a:endParaRPr lang="en-US" dirty="0"/>
+          </a:p>
+        </p:txBody>
+      </p:sp>
+      <p:sp>
+        <p:nvSpPr>
+          <p:cNvPr id="5" name="Oval 4">
+            <a:extLst>
+              <a:ext uri="{FF2B5EF4-FFF2-40B4-BE49-F238E27FC236}">
+                <a16:creationId xmlns:a16="http://schemas.microsoft.com/office/drawing/2014/main" id="{73EB8225-46FA-84EA-B27F-59AE8283BD4C}"/>
+              </a:ext>
+            </a:extLst>
+          </p:cNvPr>
+          <p:cNvSpPr/>
+          <p:nvPr/>
+        </p:nvSpPr>
+        <p:spPr>
+          <a:xfrm>
+            <a:off x="838200" y="3067664"/>
+            <a:ext cx="280219" cy="280219"/>
+          </a:xfrm>
+          <a:prstGeom prst="ellipse">
+            <a:avLst/>
+          </a:prstGeom>
+          <a:solidFill>
+            <a:schemeClr val="accent1">
+              <a:lumMod val="50000"/>
+            </a:schemeClr>
+          </a:solidFill>
+          <a:ln>
+            <a:noFill/>
+          </a:ln>
+        </p:spPr>
+        <p:style>
+          <a:lnRef idx="2">
+            <a:schemeClr val="accent1">
+              <a:shade val="50000"/>
+            </a:schemeClr>
+          </a:lnRef>
+          <a:fillRef idx="1">
+            <a:schemeClr val="accent1"/>
+          </a:fillRef>
+          <a:effectRef idx="0">
+            <a:schemeClr val="accent1"/>
+          </a:effectRef>
+          <a:fontRef idx="minor">
+            <a:schemeClr val="lt1"/>
+          </a:fontRef>
+        </p:style>
+        <p:txBody>
+          <a:bodyPr rtlCol="0" anchor="ctr"/>
+          <a:lstStyle/>
+          <a:p>
+            <a:pPr algn="ctr"/>
+            <a:r>
+              <a:rPr lang="en-US" sz="1600" dirty="0"/>
+              <a:t>1</a:t>
+            </a:r>
+          </a:p>
+        </p:txBody>
+      </p:sp>
+      <p:sp>
+        <p:nvSpPr>
+          <p:cNvPr id="8" name="Oval 7">
+            <a:extLst>
+              <a:ext uri="{FF2B5EF4-FFF2-40B4-BE49-F238E27FC236}">
+                <a16:creationId xmlns:a16="http://schemas.microsoft.com/office/drawing/2014/main" id="{AEA5EC39-95E8-DFB2-8DC5-04B563AA89AA}"/>
+              </a:ext>
+            </a:extLst>
+          </p:cNvPr>
+          <p:cNvSpPr/>
+          <p:nvPr/>
+        </p:nvSpPr>
+        <p:spPr>
+          <a:xfrm>
+            <a:off x="838200" y="3677264"/>
+            <a:ext cx="280219" cy="280219"/>
+          </a:xfrm>
+          <a:prstGeom prst="ellipse">
+            <a:avLst/>
+          </a:prstGeom>
+          <a:solidFill>
+            <a:schemeClr val="accent1">
+              <a:lumMod val="50000"/>
+            </a:schemeClr>
+          </a:solidFill>
+          <a:ln>
+            <a:noFill/>
+          </a:ln>
+        </p:spPr>
+        <p:style>
+          <a:lnRef idx="2">
+            <a:schemeClr val="accent1">
+              <a:shade val="50000"/>
+            </a:schemeClr>
+          </a:lnRef>
+          <a:fillRef idx="1">
+            <a:schemeClr val="accent1"/>
+          </a:fillRef>
+          <a:effectRef idx="0">
+            <a:schemeClr val="accent1"/>
+          </a:effectRef>
+          <a:fontRef idx="minor">
+            <a:schemeClr val="lt1"/>
+          </a:fontRef>
+        </p:style>
+        <p:txBody>
+          <a:bodyPr rtlCol="0" anchor="ctr"/>
+          <a:lstStyle/>
+          <a:p>
+            <a:pPr algn="ctr"/>
+            <a:r>
+              <a:rPr lang="en-US" sz="1600" dirty="0"/>
+              <a:t>2</a:t>
+            </a:r>
+          </a:p>
+        </p:txBody>
+      </p:sp>
+      <p:sp>
+        <p:nvSpPr>
+          <p:cNvPr id="9" name="Oval 8">
+            <a:extLst>
+              <a:ext uri="{FF2B5EF4-FFF2-40B4-BE49-F238E27FC236}">
+                <a16:creationId xmlns:a16="http://schemas.microsoft.com/office/drawing/2014/main" id="{34B65964-ED33-8DFB-04BA-22B5C69C4670}"/>
+              </a:ext>
+            </a:extLst>
+          </p:cNvPr>
+          <p:cNvSpPr/>
+          <p:nvPr/>
+        </p:nvSpPr>
+        <p:spPr>
+          <a:xfrm>
+            <a:off x="838200" y="4606415"/>
+            <a:ext cx="280219" cy="280219"/>
+          </a:xfrm>
+          <a:prstGeom prst="ellipse">
+            <a:avLst/>
+          </a:prstGeom>
+          <a:solidFill>
+            <a:schemeClr val="accent1">
+              <a:lumMod val="50000"/>
+            </a:schemeClr>
+          </a:solidFill>
+          <a:ln>
+            <a:noFill/>
+          </a:ln>
+        </p:spPr>
+        <p:style>
+          <a:lnRef idx="2">
+            <a:schemeClr val="accent1">
+              <a:shade val="50000"/>
+            </a:schemeClr>
+          </a:lnRef>
+          <a:fillRef idx="1">
+            <a:schemeClr val="accent1"/>
+          </a:fillRef>
+          <a:effectRef idx="0">
+            <a:schemeClr val="accent1"/>
+          </a:effectRef>
+          <a:fontRef idx="minor">
+            <a:schemeClr val="lt1"/>
+          </a:fontRef>
+        </p:style>
+        <p:txBody>
+          <a:bodyPr rtlCol="0" anchor="ctr"/>
+          <a:lstStyle/>
+          <a:p>
+            <a:pPr algn="ctr"/>
+            <a:r>
+              <a:rPr lang="en-US" sz="1600" dirty="0"/>
+              <a:t>3</a:t>
+            </a:r>
           </a:p>
         </p:txBody>
       </p:sp>
@@ -7757,7 +9876,9 @@
         </p:nvSpPr>
         <p:spPr/>
         <p:txBody>
-          <a:bodyPr/>
+          <a:bodyPr>
+            <a:normAutofit fontScale="90000"/>
+          </a:bodyPr>
           <a:lstStyle/>
           <a:p>
             <a:r>
@@ -7796,68 +9917,77 @@
           <a:lstStyle/>
           <a:p>
             <a:r>
-              <a:rPr lang="en-US" dirty="0"/>
+              <a:rPr lang="en-US" sz="2400" dirty="0"/>
               <a:t>Finish EDA</a:t>
             </a:r>
           </a:p>
           <a:p>
             <a:pPr lvl="1"/>
             <a:r>
-              <a:rPr lang="en-US" dirty="0"/>
+              <a:rPr lang="en-US" sz="2000" dirty="0"/>
               <a:t>Make final decision on null values</a:t>
             </a:r>
           </a:p>
           <a:p>
+            <a:pPr lvl="1">
+              <a:spcAft>
+                <a:spcPts val="1200"/>
+              </a:spcAft>
+            </a:pPr>
+            <a:r>
+              <a:rPr lang="en-US" sz="2000" dirty="0"/>
+              <a:t>Rerun analysis with real estate features</a:t>
+            </a:r>
+            <a:endParaRPr lang="en-US" sz="2400" dirty="0"/>
+          </a:p>
+          <a:p>
+            <a:r>
+              <a:rPr lang="en-US" sz="2400" dirty="0"/>
+              <a:t>Complete model development and selection</a:t>
+            </a:r>
+          </a:p>
+          <a:p>
             <a:pPr lvl="1"/>
             <a:r>
-              <a:rPr lang="en-US" dirty="0"/>
-              <a:t>Rerun analysis with real estate features</a:t>
-            </a:r>
-          </a:p>
-          <a:p>
-            <a:r>
-              <a:rPr lang="en-US" dirty="0"/>
-              <a:t>Complete model development and selection</a:t>
+              <a:rPr lang="en-US" sz="2000" dirty="0"/>
+              <a:t>Build out PCA and tree-based model code</a:t>
             </a:r>
           </a:p>
           <a:p>
             <a:pPr lvl="1"/>
             <a:r>
-              <a:rPr lang="en-US" dirty="0"/>
-              <a:t>Build out PCA and tree-based model code</a:t>
+              <a:rPr lang="en-US" sz="2000" dirty="0"/>
+              <a:t>Run models, compare performance, and select the best</a:t>
+            </a:r>
+          </a:p>
+          <a:p>
+            <a:pPr lvl="1">
+              <a:spcAft>
+                <a:spcPts val="1200"/>
+              </a:spcAft>
+            </a:pPr>
+            <a:r>
+              <a:rPr lang="en-US" sz="2000" dirty="0"/>
+              <a:t>Run a final version of the best model type without income tax features</a:t>
+            </a:r>
+          </a:p>
+          <a:p>
+            <a:r>
+              <a:rPr lang="en-US" sz="2400" dirty="0"/>
+              <a:t>Evaluate outputs</a:t>
             </a:r>
           </a:p>
           <a:p>
             <a:pPr lvl="1"/>
             <a:r>
-              <a:rPr lang="en-US" dirty="0"/>
-              <a:t>Run models, compare performance, and select the best</a:t>
+              <a:rPr lang="en-US" sz="2000" dirty="0"/>
+              <a:t>Examine performance of all models to understand overall predictive power</a:t>
             </a:r>
           </a:p>
           <a:p>
             <a:pPr lvl="1"/>
             <a:r>
-              <a:rPr lang="en-US" dirty="0"/>
-              <a:t>Run a final version of the best model type without income tax features</a:t>
-            </a:r>
-          </a:p>
-          <a:p>
-            <a:r>
-              <a:rPr lang="en-US" dirty="0"/>
-              <a:t>Evaluate outputs</a:t>
-            </a:r>
-          </a:p>
-          <a:p>
-            <a:pPr lvl="1"/>
-            <a:r>
-              <a:rPr lang="en-US" dirty="0"/>
-              <a:t>Examine performance of all models to understand overall predictive power</a:t>
-            </a:r>
-          </a:p>
-          <a:p>
-            <a:pPr lvl="1"/>
-            <a:r>
-              <a:rPr lang="en-US" dirty="0"/>
+              <a:rPr lang="en-US" sz="2000" dirty="0"/>
               <a:t>Compare performance of model with and without income tax features to understand their additive predictive power</a:t>
             </a:r>
           </a:p>
@@ -7943,7 +10073,9 @@
         </p:nvSpPr>
         <p:spPr/>
         <p:txBody>
-          <a:bodyPr/>
+          <a:bodyPr>
+            <a:normAutofit fontScale="90000"/>
+          </a:bodyPr>
           <a:lstStyle/>
           <a:p>
             <a:r>
@@ -8068,33 +10200,8 @@
           <a:p>
             <a:r>
               <a:rPr lang="en-US" dirty="0"/>
-              <a:t>Problem Overview</a:t>
-            </a:r>
-          </a:p>
-        </p:txBody>
-      </p:sp>
-      <p:sp>
-        <p:nvSpPr>
-          <p:cNvPr id="3" name="Text Placeholder 2">
-            <a:extLst>
-              <a:ext uri="{FF2B5EF4-FFF2-40B4-BE49-F238E27FC236}">
-                <a16:creationId xmlns:a16="http://schemas.microsoft.com/office/drawing/2014/main" id="{D6F34192-6511-BC66-707F-DCB93BB09424}"/>
-              </a:ext>
-            </a:extLst>
-          </p:cNvPr>
-          <p:cNvSpPr>
-            <a:spLocks noGrp="1"/>
-          </p:cNvSpPr>
-          <p:nvPr>
-            <p:ph type="body" idx="1"/>
-          </p:nvPr>
-        </p:nvSpPr>
-        <p:spPr/>
-        <p:txBody>
-          <a:bodyPr/>
-          <a:lstStyle/>
-          <a:p>
-            <a:endParaRPr lang="en-US"/>
+              <a:t>1 - Problem Overview</a:t>
+            </a:r>
           </a:p>
         </p:txBody>
       </p:sp>
@@ -8146,7 +10253,9 @@
         </p:nvSpPr>
         <p:spPr/>
         <p:txBody>
-          <a:bodyPr/>
+          <a:bodyPr>
+            <a:normAutofit fontScale="90000"/>
+          </a:bodyPr>
           <a:lstStyle/>
           <a:p>
             <a:r>
@@ -8174,8 +10283,8 @@
         </p:nvSpPr>
         <p:spPr>
           <a:xfrm>
-            <a:off x="838200" y="1690688"/>
-            <a:ext cx="10515600" cy="1881353"/>
+            <a:off x="838200" y="2184675"/>
+            <a:ext cx="10515600" cy="1483435"/>
           </a:xfrm>
         </p:spPr>
         <p:txBody>
@@ -8185,13 +10294,13 @@
           <a:lstStyle/>
           <a:p>
             <a:r>
-              <a:rPr lang="en-US" sz="2400" dirty="0"/>
+              <a:rPr lang="en-US" sz="2000" dirty="0"/>
               <a:t>Predicting house price information is not a new problem, but current approaches often don’t consider the affluency of the location of the house</a:t>
             </a:r>
           </a:p>
           <a:p>
             <a:r>
-              <a:rPr lang="en-US" sz="2400" dirty="0"/>
+              <a:rPr lang="en-US" sz="2000" dirty="0"/>
               <a:t>How might knowing various tax return fields by zip code, such as adjusted gross income, help predict the prices of homes for a given time period? </a:t>
             </a:r>
           </a:p>
@@ -8213,12 +10322,17 @@
         </p:nvSpPr>
         <p:spPr>
           <a:xfrm>
-            <a:off x="838200" y="4226635"/>
-            <a:ext cx="10515600" cy="1881353"/>
+            <a:off x="838200" y="4599016"/>
+            <a:ext cx="10515600" cy="1375379"/>
           </a:xfrm>
           <a:prstGeom prst="rect">
             <a:avLst/>
           </a:prstGeom>
+          <a:solidFill>
+            <a:schemeClr val="bg1">
+              <a:lumMod val="95000"/>
+            </a:schemeClr>
+          </a:solidFill>
         </p:spPr>
         <p:txBody>
           <a:bodyPr vert="horz" lIns="91440" tIns="45720" rIns="91440" bIns="45720" rtlCol="0" anchor="ctr">
@@ -8393,7 +10507,7 @@
               <a:buNone/>
             </a:pPr>
             <a:r>
-              <a:rPr lang="en-US" sz="2400" b="1" dirty="0">
+              <a:rPr lang="en-US" sz="2000" b="1" dirty="0">
                 <a:effectLst/>
                 <a:latin typeface="Calibri" panose="020F0502020204030204" pitchFamily="34" charset="0"/>
                 <a:ea typeface="MS Mincho" panose="02020609040205080304" pitchFamily="49" charset="-128"/>
@@ -8402,7 +10516,7 @@
               <a:t>We aim to improve list price prediction models that use traditional features about the home (house size, number of bedrooms, number of bathrooms, etc.) by exploring and testing the addition of income-tax related zip code features</a:t>
             </a:r>
             <a:r>
-              <a:rPr lang="en-CA" sz="2400" b="1" dirty="0">
+              <a:rPr lang="en-CA" sz="2000" b="1" dirty="0">
                 <a:effectLst/>
                 <a:latin typeface="Segoe UI" panose="020B0502040204020203" pitchFamily="34" charset="0"/>
                 <a:ea typeface="Times New Roman" panose="02020603050405020304" pitchFamily="18" charset="0"/>
@@ -8415,7 +10529,121 @@
               </a:rPr>
               <a:t> </a:t>
             </a:r>
-            <a:endParaRPr lang="en-US" sz="3200" b="1" dirty="0"/>
+            <a:endParaRPr lang="en-US" sz="2000" b="1" dirty="0"/>
+          </a:p>
+        </p:txBody>
+      </p:sp>
+      <p:sp>
+        <p:nvSpPr>
+          <p:cNvPr id="4" name="Rectangle 3">
+            <a:extLst>
+              <a:ext uri="{FF2B5EF4-FFF2-40B4-BE49-F238E27FC236}">
+                <a16:creationId xmlns:a16="http://schemas.microsoft.com/office/drawing/2014/main" id="{CB44A635-A759-7943-1445-2BF0EA78E20B}"/>
+              </a:ext>
+            </a:extLst>
+          </p:cNvPr>
+          <p:cNvSpPr/>
+          <p:nvPr/>
+        </p:nvSpPr>
+        <p:spPr>
+          <a:xfrm>
+            <a:off x="0" y="1744717"/>
+            <a:ext cx="12192000" cy="304800"/>
+          </a:xfrm>
+          <a:prstGeom prst="rect">
+            <a:avLst/>
+          </a:prstGeom>
+          <a:solidFill>
+            <a:schemeClr val="tx2">
+              <a:lumMod val="60000"/>
+              <a:lumOff val="40000"/>
+            </a:schemeClr>
+          </a:solidFill>
+          <a:ln>
+            <a:noFill/>
+          </a:ln>
+        </p:spPr>
+        <p:style>
+          <a:lnRef idx="2">
+            <a:schemeClr val="accent1">
+              <a:shade val="50000"/>
+            </a:schemeClr>
+          </a:lnRef>
+          <a:fillRef idx="1">
+            <a:schemeClr val="accent1"/>
+          </a:fillRef>
+          <a:effectRef idx="0">
+            <a:schemeClr val="accent1"/>
+          </a:effectRef>
+          <a:fontRef idx="minor">
+            <a:schemeClr val="lt1"/>
+          </a:fontRef>
+        </p:style>
+        <p:txBody>
+          <a:bodyPr rtlCol="0" anchor="ctr"/>
+          <a:lstStyle/>
+          <a:p>
+            <a:r>
+              <a:rPr lang="en-US" dirty="0"/>
+              <a:t>CONTEXT</a:t>
+            </a:r>
+          </a:p>
+        </p:txBody>
+      </p:sp>
+      <p:sp>
+        <p:nvSpPr>
+          <p:cNvPr id="5" name="Rectangle 4">
+            <a:extLst>
+              <a:ext uri="{FF2B5EF4-FFF2-40B4-BE49-F238E27FC236}">
+                <a16:creationId xmlns:a16="http://schemas.microsoft.com/office/drawing/2014/main" id="{79A7BF69-629F-7C63-9413-E54AD5AC019A}"/>
+              </a:ext>
+            </a:extLst>
+          </p:cNvPr>
+          <p:cNvSpPr/>
+          <p:nvPr/>
+        </p:nvSpPr>
+        <p:spPr>
+          <a:xfrm>
+            <a:off x="0" y="4172609"/>
+            <a:ext cx="12192000" cy="304800"/>
+          </a:xfrm>
+          <a:prstGeom prst="rect">
+            <a:avLst/>
+          </a:prstGeom>
+          <a:solidFill>
+            <a:schemeClr val="tx2">
+              <a:lumMod val="60000"/>
+              <a:lumOff val="40000"/>
+            </a:schemeClr>
+          </a:solidFill>
+          <a:ln>
+            <a:noFill/>
+          </a:ln>
+        </p:spPr>
+        <p:style>
+          <a:lnRef idx="2">
+            <a:schemeClr val="accent1">
+              <a:shade val="50000"/>
+            </a:schemeClr>
+          </a:lnRef>
+          <a:fillRef idx="1">
+            <a:schemeClr val="accent1"/>
+          </a:fillRef>
+          <a:effectRef idx="0">
+            <a:schemeClr val="accent1"/>
+          </a:effectRef>
+          <a:fontRef idx="minor">
+            <a:schemeClr val="lt1"/>
+          </a:fontRef>
+        </p:style>
+        <p:txBody>
+          <a:bodyPr rtlCol="0" anchor="ctr"/>
+          <a:lstStyle/>
+          <a:p>
+            <a:r>
+              <a:rPr lang="en-US" dirty="0"/>
+              <a:t>PROBLEM STATEMENT</a:t>
+            </a:r>
           </a:p>
         </p:txBody>
       </p:sp>
@@ -8467,7 +10695,9 @@
         </p:nvSpPr>
         <p:spPr/>
         <p:txBody>
-          <a:bodyPr/>
+          <a:bodyPr>
+            <a:normAutofit fontScale="90000"/>
+          </a:bodyPr>
           <a:lstStyle/>
           <a:p>
             <a:r>
@@ -8495,125 +10725,15 @@
         </p:nvSpPr>
         <p:spPr>
           <a:xfrm>
-            <a:off x="838200" y="1825625"/>
-            <a:ext cx="10515600" cy="4312416"/>
+            <a:off x="2795751" y="3622893"/>
+            <a:ext cx="8229600" cy="2743200"/>
           </a:xfrm>
         </p:spPr>
         <p:txBody>
-          <a:bodyPr>
+          <a:bodyPr anchor="ctr">
             <a:normAutofit/>
           </a:bodyPr>
           <a:lstStyle/>
-          <a:p>
-            <a:pPr marL="0" indent="0">
-              <a:buNone/>
-            </a:pPr>
-            <a:r>
-              <a:rPr lang="en-US" sz="1800" b="1" dirty="0"/>
-              <a:t>Primary Research Question</a:t>
-            </a:r>
-            <a:r>
-              <a:rPr lang="en-US" sz="1800" dirty="0"/>
-              <a:t>: </a:t>
-            </a:r>
-          </a:p>
-          <a:p>
-            <a:pPr marL="0" indent="0">
-              <a:buNone/>
-            </a:pPr>
-            <a:r>
-              <a:rPr lang="en-US" sz="1800" dirty="0">
-                <a:effectLst/>
-                <a:latin typeface="Calibri" panose="020F0502020204030204" pitchFamily="34" charset="0"/>
-                <a:ea typeface="MS Mincho" panose="02020609040205080304" pitchFamily="49" charset="-128"/>
-                <a:cs typeface="Times New Roman" panose="02020603050405020304" pitchFamily="18" charset="0"/>
-              </a:rPr>
-              <a:t>How well can we predict</a:t>
-            </a:r>
-            <a:r>
-              <a:rPr lang="en-US" sz="1800" b="1" dirty="0">
-                <a:effectLst/>
-                <a:latin typeface="Calibri" panose="020F0502020204030204" pitchFamily="34" charset="0"/>
-                <a:ea typeface="MS Mincho" panose="02020609040205080304" pitchFamily="49" charset="-128"/>
-                <a:cs typeface="Times New Roman" panose="02020603050405020304" pitchFamily="18" charset="0"/>
-              </a:rPr>
-              <a:t> </a:t>
-            </a:r>
-            <a:r>
-              <a:rPr lang="en-US" sz="1800" dirty="0">
-                <a:effectLst/>
-                <a:latin typeface="Calibri" panose="020F0502020204030204" pitchFamily="34" charset="0"/>
-                <a:ea typeface="MS Mincho" panose="02020609040205080304" pitchFamily="49" charset="-128"/>
-                <a:cs typeface="Times New Roman" panose="02020603050405020304" pitchFamily="18" charset="0"/>
-              </a:rPr>
-              <a:t>house prices using </a:t>
-            </a:r>
-            <a:r>
-              <a:rPr lang="en-US" sz="1800" b="1" dirty="0">
-                <a:effectLst/>
-                <a:latin typeface="Calibri" panose="020F0502020204030204" pitchFamily="34" charset="0"/>
-                <a:ea typeface="MS Mincho" panose="02020609040205080304" pitchFamily="49" charset="-128"/>
-                <a:cs typeface="Times New Roman" panose="02020603050405020304" pitchFamily="18" charset="0"/>
-              </a:rPr>
-              <a:t>both</a:t>
-            </a:r>
-            <a:r>
-              <a:rPr lang="en-US" sz="1800" dirty="0">
-                <a:effectLst/>
-                <a:latin typeface="Calibri" panose="020F0502020204030204" pitchFamily="34" charset="0"/>
-                <a:ea typeface="MS Mincho" panose="02020609040205080304" pitchFamily="49" charset="-128"/>
-                <a:cs typeface="Times New Roman" panose="02020603050405020304" pitchFamily="18" charset="0"/>
-              </a:rPr>
-              <a:t> standard “listing” information about the house and income tax information about the residents of a zip code?</a:t>
-            </a:r>
-            <a:r>
-              <a:rPr lang="en-US" sz="1800" dirty="0">
-                <a:effectLst/>
-              </a:rPr>
-              <a:t> </a:t>
-            </a:r>
-          </a:p>
-          <a:p>
-            <a:pPr marL="0" indent="0">
-              <a:buNone/>
-            </a:pPr>
-            <a:endParaRPr lang="en-US" sz="1800" b="1" dirty="0"/>
-          </a:p>
-          <a:p>
-            <a:pPr marL="0" indent="0">
-              <a:buNone/>
-            </a:pPr>
-            <a:endParaRPr lang="en-US" sz="1800" b="1" dirty="0"/>
-          </a:p>
-          <a:p>
-            <a:pPr marL="0" marR="0" indent="0">
-              <a:lnSpc>
-                <a:spcPct val="107000"/>
-              </a:lnSpc>
-              <a:spcBef>
-                <a:spcPts val="0"/>
-              </a:spcBef>
-              <a:spcAft>
-                <a:spcPts val="800"/>
-              </a:spcAft>
-              <a:buNone/>
-            </a:pPr>
-            <a:r>
-              <a:rPr lang="en-US" sz="1800" b="1" dirty="0">
-                <a:effectLst/>
-                <a:latin typeface="Calibri" panose="020F0502020204030204" pitchFamily="34" charset="0"/>
-                <a:ea typeface="MS Mincho" panose="02020609040205080304" pitchFamily="49" charset="-128"/>
-                <a:cs typeface="Times New Roman" panose="02020603050405020304" pitchFamily="18" charset="0"/>
-              </a:rPr>
-              <a:t>Supporting Research Questions: </a:t>
-            </a:r>
-            <a:endParaRPr lang="en-US" sz="1800" dirty="0">
-              <a:effectLst/>
-              <a:latin typeface="Calibri" panose="020F0502020204030204" pitchFamily="34" charset="0"/>
-              <a:ea typeface="Calibri" panose="020F0502020204030204" pitchFamily="34" charset="0"/>
-              <a:cs typeface="Times New Roman" panose="02020603050405020304" pitchFamily="18" charset="0"/>
-            </a:endParaRPr>
-          </a:p>
           <a:p>
             <a:pPr marL="342900" marR="0" lvl="0" indent="-342900">
               <a:lnSpc>
@@ -8623,7 +10743,7 @@
                 <a:spcPts val="0"/>
               </a:spcBef>
               <a:spcAft>
-                <a:spcPts val="0"/>
+                <a:spcPts val="600"/>
               </a:spcAft>
               <a:buFont typeface="+mj-lt"/>
               <a:buAutoNum type="arabicPeriod"/>
@@ -8653,7 +10773,7 @@
                 <a:spcPts val="0"/>
               </a:spcBef>
               <a:spcAft>
-                <a:spcPts val="0"/>
+                <a:spcPts val="600"/>
               </a:spcAft>
               <a:buFont typeface="+mj-lt"/>
               <a:buAutoNum type="arabicPeriod"/>
@@ -8683,7 +10803,7 @@
                 <a:spcPts val="0"/>
               </a:spcBef>
               <a:spcAft>
-                <a:spcPts val="800"/>
+                <a:spcPts val="600"/>
               </a:spcAft>
               <a:buFont typeface="+mj-lt"/>
               <a:buAutoNum type="arabicPeriod"/>
@@ -8703,6 +10823,382 @@
               <a:ea typeface="Calibri" panose="020F0502020204030204" pitchFamily="34" charset="0"/>
               <a:cs typeface="Times New Roman" panose="02020603050405020304" pitchFamily="18" charset="0"/>
             </a:endParaRPr>
+          </a:p>
+        </p:txBody>
+      </p:sp>
+      <p:sp>
+        <p:nvSpPr>
+          <p:cNvPr id="4" name="Content Placeholder 2">
+            <a:extLst>
+              <a:ext uri="{FF2B5EF4-FFF2-40B4-BE49-F238E27FC236}">
+                <a16:creationId xmlns:a16="http://schemas.microsoft.com/office/drawing/2014/main" id="{4C6AD5BD-2A83-E57A-B0DB-46B6EBC6C3C4}"/>
+              </a:ext>
+            </a:extLst>
+          </p:cNvPr>
+          <p:cNvSpPr txBox="1">
+            <a:spLocks/>
+          </p:cNvSpPr>
+          <p:nvPr/>
+        </p:nvSpPr>
+        <p:spPr>
+          <a:xfrm>
+            <a:off x="2795751" y="2259725"/>
+            <a:ext cx="8229600" cy="975382"/>
+          </a:xfrm>
+          <a:prstGeom prst="rect">
+            <a:avLst/>
+          </a:prstGeom>
+        </p:spPr>
+        <p:txBody>
+          <a:bodyPr vert="horz" lIns="91440" tIns="45720" rIns="91440" bIns="45720" rtlCol="0" anchor="ctr">
+            <a:normAutofit/>
+          </a:bodyPr>
+          <a:lstStyle>
+            <a:lvl1pPr marL="228600" indent="-228600" algn="l" defTabSz="914400" rtl="0" eaLnBrk="1" latinLnBrk="0" hangingPunct="1">
+              <a:lnSpc>
+                <a:spcPct val="90000"/>
+              </a:lnSpc>
+              <a:spcBef>
+                <a:spcPts val="1000"/>
+              </a:spcBef>
+              <a:buFont typeface="Arial" panose="020B0604020202020204" pitchFamily="34" charset="0"/>
+              <a:buChar char="•"/>
+              <a:defRPr sz="2800" kern="1200">
+                <a:solidFill>
+                  <a:schemeClr val="tx1"/>
+                </a:solidFill>
+                <a:latin typeface="+mn-lt"/>
+                <a:ea typeface="+mn-ea"/>
+                <a:cs typeface="+mn-cs"/>
+              </a:defRPr>
+            </a:lvl1pPr>
+            <a:lvl2pPr marL="685800" indent="-228600" algn="l" defTabSz="914400" rtl="0" eaLnBrk="1" latinLnBrk="0" hangingPunct="1">
+              <a:lnSpc>
+                <a:spcPct val="90000"/>
+              </a:lnSpc>
+              <a:spcBef>
+                <a:spcPts val="500"/>
+              </a:spcBef>
+              <a:buFont typeface="Arial" panose="020B0604020202020204" pitchFamily="34" charset="0"/>
+              <a:buChar char="•"/>
+              <a:defRPr sz="2400" kern="1200">
+                <a:solidFill>
+                  <a:schemeClr val="tx1"/>
+                </a:solidFill>
+                <a:latin typeface="+mn-lt"/>
+                <a:ea typeface="+mn-ea"/>
+                <a:cs typeface="+mn-cs"/>
+              </a:defRPr>
+            </a:lvl2pPr>
+            <a:lvl3pPr marL="1143000" indent="-228600" algn="l" defTabSz="914400" rtl="0" eaLnBrk="1" latinLnBrk="0" hangingPunct="1">
+              <a:lnSpc>
+                <a:spcPct val="90000"/>
+              </a:lnSpc>
+              <a:spcBef>
+                <a:spcPts val="500"/>
+              </a:spcBef>
+              <a:buFont typeface="Arial" panose="020B0604020202020204" pitchFamily="34" charset="0"/>
+              <a:buChar char="•"/>
+              <a:defRPr sz="2000" kern="1200">
+                <a:solidFill>
+                  <a:schemeClr val="tx1"/>
+                </a:solidFill>
+                <a:latin typeface="+mn-lt"/>
+                <a:ea typeface="+mn-ea"/>
+                <a:cs typeface="+mn-cs"/>
+              </a:defRPr>
+            </a:lvl3pPr>
+            <a:lvl4pPr marL="1600200" indent="-228600" algn="l" defTabSz="914400" rtl="0" eaLnBrk="1" latinLnBrk="0" hangingPunct="1">
+              <a:lnSpc>
+                <a:spcPct val="90000"/>
+              </a:lnSpc>
+              <a:spcBef>
+                <a:spcPts val="500"/>
+              </a:spcBef>
+              <a:buFont typeface="Arial" panose="020B0604020202020204" pitchFamily="34" charset="0"/>
+              <a:buChar char="•"/>
+              <a:defRPr sz="1800" kern="1200">
+                <a:solidFill>
+                  <a:schemeClr val="tx1"/>
+                </a:solidFill>
+                <a:latin typeface="+mn-lt"/>
+                <a:ea typeface="+mn-ea"/>
+                <a:cs typeface="+mn-cs"/>
+              </a:defRPr>
+            </a:lvl4pPr>
+            <a:lvl5pPr marL="2057400" indent="-228600" algn="l" defTabSz="914400" rtl="0" eaLnBrk="1" latinLnBrk="0" hangingPunct="1">
+              <a:lnSpc>
+                <a:spcPct val="90000"/>
+              </a:lnSpc>
+              <a:spcBef>
+                <a:spcPts val="500"/>
+              </a:spcBef>
+              <a:buFont typeface="Arial" panose="020B0604020202020204" pitchFamily="34" charset="0"/>
+              <a:buChar char="•"/>
+              <a:defRPr sz="1800" kern="1200">
+                <a:solidFill>
+                  <a:schemeClr val="tx1"/>
+                </a:solidFill>
+                <a:latin typeface="+mn-lt"/>
+                <a:ea typeface="+mn-ea"/>
+                <a:cs typeface="+mn-cs"/>
+              </a:defRPr>
+            </a:lvl5pPr>
+            <a:lvl6pPr marL="2514600" indent="-228600" algn="l" defTabSz="914400" rtl="0" eaLnBrk="1" latinLnBrk="0" hangingPunct="1">
+              <a:lnSpc>
+                <a:spcPct val="90000"/>
+              </a:lnSpc>
+              <a:spcBef>
+                <a:spcPts val="500"/>
+              </a:spcBef>
+              <a:buFont typeface="Arial" panose="020B0604020202020204" pitchFamily="34" charset="0"/>
+              <a:buChar char="•"/>
+              <a:defRPr sz="1800" kern="1200">
+                <a:solidFill>
+                  <a:schemeClr val="tx1"/>
+                </a:solidFill>
+                <a:latin typeface="+mn-lt"/>
+                <a:ea typeface="+mn-ea"/>
+                <a:cs typeface="+mn-cs"/>
+              </a:defRPr>
+            </a:lvl6pPr>
+            <a:lvl7pPr marL="2971800" indent="-228600" algn="l" defTabSz="914400" rtl="0" eaLnBrk="1" latinLnBrk="0" hangingPunct="1">
+              <a:lnSpc>
+                <a:spcPct val="90000"/>
+              </a:lnSpc>
+              <a:spcBef>
+                <a:spcPts val="500"/>
+              </a:spcBef>
+              <a:buFont typeface="Arial" panose="020B0604020202020204" pitchFamily="34" charset="0"/>
+              <a:buChar char="•"/>
+              <a:defRPr sz="1800" kern="1200">
+                <a:solidFill>
+                  <a:schemeClr val="tx1"/>
+                </a:solidFill>
+                <a:latin typeface="+mn-lt"/>
+                <a:ea typeface="+mn-ea"/>
+                <a:cs typeface="+mn-cs"/>
+              </a:defRPr>
+            </a:lvl7pPr>
+            <a:lvl8pPr marL="3429000" indent="-228600" algn="l" defTabSz="914400" rtl="0" eaLnBrk="1" latinLnBrk="0" hangingPunct="1">
+              <a:lnSpc>
+                <a:spcPct val="90000"/>
+              </a:lnSpc>
+              <a:spcBef>
+                <a:spcPts val="500"/>
+              </a:spcBef>
+              <a:buFont typeface="Arial" panose="020B0604020202020204" pitchFamily="34" charset="0"/>
+              <a:buChar char="•"/>
+              <a:defRPr sz="1800" kern="1200">
+                <a:solidFill>
+                  <a:schemeClr val="tx1"/>
+                </a:solidFill>
+                <a:latin typeface="+mn-lt"/>
+                <a:ea typeface="+mn-ea"/>
+                <a:cs typeface="+mn-cs"/>
+              </a:defRPr>
+            </a:lvl8pPr>
+            <a:lvl9pPr marL="3886200" indent="-228600" algn="l" defTabSz="914400" rtl="0" eaLnBrk="1" latinLnBrk="0" hangingPunct="1">
+              <a:lnSpc>
+                <a:spcPct val="90000"/>
+              </a:lnSpc>
+              <a:spcBef>
+                <a:spcPts val="500"/>
+              </a:spcBef>
+              <a:buFont typeface="Arial" panose="020B0604020202020204" pitchFamily="34" charset="0"/>
+              <a:buChar char="•"/>
+              <a:defRPr sz="1800" kern="1200">
+                <a:solidFill>
+                  <a:schemeClr val="tx1"/>
+                </a:solidFill>
+                <a:latin typeface="+mn-lt"/>
+                <a:ea typeface="+mn-ea"/>
+                <a:cs typeface="+mn-cs"/>
+              </a:defRPr>
+            </a:lvl9pPr>
+          </a:lstStyle>
+          <a:p>
+            <a:pPr marL="0" indent="0">
+              <a:buFont typeface="Arial" panose="020B0604020202020204" pitchFamily="34" charset="0"/>
+              <a:buNone/>
+            </a:pPr>
+            <a:r>
+              <a:rPr lang="en-US" sz="1800" dirty="0">
+                <a:latin typeface="Calibri" panose="020F0502020204030204" pitchFamily="34" charset="0"/>
+                <a:ea typeface="MS Mincho" panose="02020609040205080304" pitchFamily="49" charset="-128"/>
+                <a:cs typeface="Times New Roman" panose="02020603050405020304" pitchFamily="18" charset="0"/>
+              </a:rPr>
+              <a:t>How well can we predict</a:t>
+            </a:r>
+            <a:r>
+              <a:rPr lang="en-US" sz="1800" b="1" dirty="0">
+                <a:latin typeface="Calibri" panose="020F0502020204030204" pitchFamily="34" charset="0"/>
+                <a:ea typeface="MS Mincho" panose="02020609040205080304" pitchFamily="49" charset="-128"/>
+                <a:cs typeface="Times New Roman" panose="02020603050405020304" pitchFamily="18" charset="0"/>
+              </a:rPr>
+              <a:t> </a:t>
+            </a:r>
+            <a:r>
+              <a:rPr lang="en-US" sz="1800" dirty="0">
+                <a:latin typeface="Calibri" panose="020F0502020204030204" pitchFamily="34" charset="0"/>
+                <a:ea typeface="MS Mincho" panose="02020609040205080304" pitchFamily="49" charset="-128"/>
+                <a:cs typeface="Times New Roman" panose="02020603050405020304" pitchFamily="18" charset="0"/>
+              </a:rPr>
+              <a:t>house prices using </a:t>
+            </a:r>
+            <a:r>
+              <a:rPr lang="en-US" sz="1800" b="1" dirty="0">
+                <a:latin typeface="Calibri" panose="020F0502020204030204" pitchFamily="34" charset="0"/>
+                <a:ea typeface="MS Mincho" panose="02020609040205080304" pitchFamily="49" charset="-128"/>
+                <a:cs typeface="Times New Roman" panose="02020603050405020304" pitchFamily="18" charset="0"/>
+              </a:rPr>
+              <a:t>both</a:t>
+            </a:r>
+            <a:r>
+              <a:rPr lang="en-US" sz="1800" dirty="0">
+                <a:latin typeface="Calibri" panose="020F0502020204030204" pitchFamily="34" charset="0"/>
+                <a:ea typeface="MS Mincho" panose="02020609040205080304" pitchFamily="49" charset="-128"/>
+                <a:cs typeface="Times New Roman" panose="02020603050405020304" pitchFamily="18" charset="0"/>
+              </a:rPr>
+              <a:t> standard “listing” information about the house and income tax information about the residents of a zip code?</a:t>
+            </a:r>
+            <a:endParaRPr lang="en-US" sz="1800" dirty="0">
+              <a:latin typeface="Calibri" panose="020F0502020204030204" pitchFamily="34" charset="0"/>
+              <a:ea typeface="Calibri" panose="020F0502020204030204" pitchFamily="34" charset="0"/>
+              <a:cs typeface="Times New Roman" panose="02020603050405020304" pitchFamily="18" charset="0"/>
+            </a:endParaRPr>
+          </a:p>
+        </p:txBody>
+      </p:sp>
+      <p:sp>
+        <p:nvSpPr>
+          <p:cNvPr id="5" name="Rectangle 4">
+            <a:extLst>
+              <a:ext uri="{FF2B5EF4-FFF2-40B4-BE49-F238E27FC236}">
+                <a16:creationId xmlns:a16="http://schemas.microsoft.com/office/drawing/2014/main" id="{6378E2F2-F693-292C-17D7-B768937A66A1}"/>
+              </a:ext>
+            </a:extLst>
+          </p:cNvPr>
+          <p:cNvSpPr/>
+          <p:nvPr/>
+        </p:nvSpPr>
+        <p:spPr>
+          <a:xfrm>
+            <a:off x="733096" y="2194583"/>
+            <a:ext cx="1831428" cy="1040524"/>
+          </a:xfrm>
+          <a:prstGeom prst="rect">
+            <a:avLst/>
+          </a:prstGeom>
+          <a:solidFill>
+            <a:schemeClr val="bg1">
+              <a:lumMod val="95000"/>
+            </a:schemeClr>
+          </a:solidFill>
+          <a:ln w="6350">
+            <a:solidFill>
+              <a:schemeClr val="tx1">
+                <a:lumMod val="50000"/>
+                <a:lumOff val="50000"/>
+              </a:schemeClr>
+            </a:solidFill>
+          </a:ln>
+        </p:spPr>
+        <p:style>
+          <a:lnRef idx="2">
+            <a:schemeClr val="accent1">
+              <a:shade val="50000"/>
+            </a:schemeClr>
+          </a:lnRef>
+          <a:fillRef idx="1">
+            <a:schemeClr val="accent1"/>
+          </a:fillRef>
+          <a:effectRef idx="0">
+            <a:schemeClr val="accent1"/>
+          </a:effectRef>
+          <a:fontRef idx="minor">
+            <a:schemeClr val="lt1"/>
+          </a:fontRef>
+        </p:style>
+        <p:txBody>
+          <a:bodyPr rtlCol="0" anchor="ctr"/>
+          <a:lstStyle/>
+          <a:p>
+            <a:pPr algn="ctr"/>
+            <a:r>
+              <a:rPr lang="en-US" b="1" dirty="0">
+                <a:solidFill>
+                  <a:schemeClr val="tx1"/>
+                </a:solidFill>
+              </a:rPr>
+              <a:t>Primary Research Question</a:t>
+            </a:r>
+          </a:p>
+        </p:txBody>
+      </p:sp>
+      <p:sp>
+        <p:nvSpPr>
+          <p:cNvPr id="6" name="Rectangle 5">
+            <a:extLst>
+              <a:ext uri="{FF2B5EF4-FFF2-40B4-BE49-F238E27FC236}">
+                <a16:creationId xmlns:a16="http://schemas.microsoft.com/office/drawing/2014/main" id="{EC7575E1-3282-F63C-9C5C-E5B72AA755BF}"/>
+              </a:ext>
+            </a:extLst>
+          </p:cNvPr>
+          <p:cNvSpPr/>
+          <p:nvPr/>
+        </p:nvSpPr>
+        <p:spPr>
+          <a:xfrm>
+            <a:off x="733096" y="3622893"/>
+            <a:ext cx="1831428" cy="2743200"/>
+          </a:xfrm>
+          <a:prstGeom prst="rect">
+            <a:avLst/>
+          </a:prstGeom>
+          <a:solidFill>
+            <a:schemeClr val="bg1">
+              <a:lumMod val="95000"/>
+            </a:schemeClr>
+          </a:solidFill>
+          <a:ln w="6350">
+            <a:solidFill>
+              <a:schemeClr val="tx1">
+                <a:lumMod val="50000"/>
+                <a:lumOff val="50000"/>
+              </a:schemeClr>
+            </a:solidFill>
+          </a:ln>
+        </p:spPr>
+        <p:style>
+          <a:lnRef idx="2">
+            <a:schemeClr val="accent1">
+              <a:shade val="50000"/>
+            </a:schemeClr>
+          </a:lnRef>
+          <a:fillRef idx="1">
+            <a:schemeClr val="accent1"/>
+          </a:fillRef>
+          <a:effectRef idx="0">
+            <a:schemeClr val="accent1"/>
+          </a:effectRef>
+          <a:fontRef idx="minor">
+            <a:schemeClr val="lt1"/>
+          </a:fontRef>
+        </p:style>
+        <p:txBody>
+          <a:bodyPr rtlCol="0" anchor="ctr"/>
+          <a:lstStyle/>
+          <a:p>
+            <a:pPr algn="ctr"/>
+            <a:r>
+              <a:rPr lang="en-US" b="1" dirty="0">
+                <a:solidFill>
+                  <a:schemeClr val="tx1"/>
+                </a:solidFill>
+              </a:rPr>
+              <a:t>Secondary Research Questions</a:t>
+            </a:r>
           </a:p>
         </p:txBody>
       </p:sp>
@@ -8754,7 +11250,9 @@
         </p:nvSpPr>
         <p:spPr/>
         <p:txBody>
-          <a:bodyPr/>
+          <a:bodyPr>
+            <a:normAutofit fontScale="90000"/>
+          </a:bodyPr>
           <a:lstStyle/>
           <a:p>
             <a:r>
@@ -8783,7 +11281,7 @@
         <p:spPr>
           <a:xfrm>
             <a:off x="838200" y="1825626"/>
-            <a:ext cx="10515600" cy="833492"/>
+            <a:ext cx="10515600" cy="658605"/>
           </a:xfrm>
         </p:spPr>
         <p:txBody>
@@ -8796,14 +11294,9 @@
               <a:buNone/>
             </a:pPr>
             <a:r>
-              <a:rPr lang="en-US" sz="2400" dirty="0"/>
-              <a:t>Existing attempts to incorporate zip code or location primarily focus on directly encoding the spatial data, but don’t account for affluency or income tax </a:t>
-            </a:r>
-            <a:r>
-              <a:rPr lang="en-US" sz="2400" dirty="0" err="1"/>
-              <a:t>features.d</a:t>
-            </a:r>
-            <a:endParaRPr lang="en-US" sz="2400" dirty="0"/>
+              <a:rPr lang="en-US" sz="2000" dirty="0"/>
+              <a:t>Existing attempts to incorporate zip code or location primarily focus on directly encoding the spatial data, but don’t account for affluency or income tax features</a:t>
+            </a:r>
           </a:p>
         </p:txBody>
       </p:sp>
@@ -8902,7 +11395,7 @@
             </a:pPr>
             <a:r>
               <a:rPr lang="en-US" dirty="0"/>
-              <a:t>Difference to our approach:</a:t>
+              <a:t>Differences to our approach:</a:t>
             </a:r>
           </a:p>
           <a:p>
@@ -9012,7 +11505,7 @@
             </a:pPr>
             <a:r>
               <a:rPr lang="en-US" dirty="0"/>
-              <a:t>Difference to our approach:</a:t>
+              <a:t>Differences to our approach:</a:t>
             </a:r>
           </a:p>
           <a:p>
@@ -9039,6 +11532,377 @@
             <a:r>
               <a:rPr lang="en-US" dirty="0"/>
               <a:t>Directly encodes spatial data</a:t>
+            </a:r>
+          </a:p>
+        </p:txBody>
+      </p:sp>
+      <p:sp>
+        <p:nvSpPr>
+          <p:cNvPr id="7" name="TextBox 6">
+            <a:extLst>
+              <a:ext uri="{FF2B5EF4-FFF2-40B4-BE49-F238E27FC236}">
+                <a16:creationId xmlns:a16="http://schemas.microsoft.com/office/drawing/2014/main" id="{35A936BE-122C-058A-1F5F-075F1243A8CB}"/>
+              </a:ext>
+            </a:extLst>
+          </p:cNvPr>
+          <p:cNvSpPr txBox="1"/>
+          <p:nvPr/>
+        </p:nvSpPr>
+        <p:spPr>
+          <a:xfrm>
+            <a:off x="0" y="6430135"/>
+            <a:ext cx="12192000" cy="430374"/>
+          </a:xfrm>
+          <a:prstGeom prst="rect">
+            <a:avLst/>
+          </a:prstGeom>
+          <a:noFill/>
+        </p:spPr>
+        <p:txBody>
+          <a:bodyPr wrap="square">
+            <a:spAutoFit/>
+          </a:bodyPr>
+          <a:lstStyle/>
+          <a:p>
+            <a:pPr marL="0" marR="0">
+              <a:lnSpc>
+                <a:spcPct val="107000"/>
+              </a:lnSpc>
+              <a:spcBef>
+                <a:spcPts val="0"/>
+              </a:spcBef>
+            </a:pPr>
+            <a:r>
+              <a:rPr lang="en-US" sz="1050" dirty="0">
+                <a:effectLst/>
+                <a:latin typeface="Calibri" panose="020F0502020204030204" pitchFamily="34" charset="0"/>
+                <a:ea typeface="MS Mincho" panose="02020609040205080304" pitchFamily="49" charset="-128"/>
+                <a:cs typeface="Times New Roman" panose="02020603050405020304" pitchFamily="18" charset="0"/>
+              </a:rPr>
+              <a:t>[1] “Machine Learning based Predicting House Prices using Regression Techniques”; J </a:t>
+            </a:r>
+            <a:r>
+              <a:rPr lang="en-US" sz="1050" dirty="0" err="1">
+                <a:effectLst/>
+                <a:latin typeface="Calibri" panose="020F0502020204030204" pitchFamily="34" charset="0"/>
+                <a:ea typeface="MS Mincho" panose="02020609040205080304" pitchFamily="49" charset="-128"/>
+                <a:cs typeface="Times New Roman" panose="02020603050405020304" pitchFamily="18" charset="0"/>
+              </a:rPr>
+              <a:t>Manasa</a:t>
+            </a:r>
+            <a:r>
+              <a:rPr lang="en-US" sz="1050" dirty="0">
+                <a:effectLst/>
+                <a:latin typeface="Calibri" panose="020F0502020204030204" pitchFamily="34" charset="0"/>
+                <a:ea typeface="MS Mincho" panose="02020609040205080304" pitchFamily="49" charset="-128"/>
+                <a:cs typeface="Times New Roman" panose="02020603050405020304" pitchFamily="18" charset="0"/>
+              </a:rPr>
+              <a:t>, Radha </a:t>
+            </a:r>
+            <a:r>
+              <a:rPr lang="en-US" sz="1050" dirty="0" err="1">
+                <a:effectLst/>
+                <a:latin typeface="Calibri" panose="020F0502020204030204" pitchFamily="34" charset="0"/>
+                <a:ea typeface="MS Mincho" panose="02020609040205080304" pitchFamily="49" charset="-128"/>
+                <a:cs typeface="Times New Roman" panose="02020603050405020304" pitchFamily="18" charset="0"/>
+              </a:rPr>
+              <a:t>Guota</a:t>
+            </a:r>
+            <a:r>
+              <a:rPr lang="en-US" sz="1050" dirty="0">
+                <a:effectLst/>
+                <a:latin typeface="Calibri" panose="020F0502020204030204" pitchFamily="34" charset="0"/>
+                <a:ea typeface="MS Mincho" panose="02020609040205080304" pitchFamily="49" charset="-128"/>
+                <a:cs typeface="Times New Roman" panose="02020603050405020304" pitchFamily="18" charset="0"/>
+              </a:rPr>
+              <a:t>, N S </a:t>
+            </a:r>
+            <a:r>
+              <a:rPr lang="en-US" sz="1050" dirty="0" err="1">
+                <a:effectLst/>
+                <a:latin typeface="Calibri" panose="020F0502020204030204" pitchFamily="34" charset="0"/>
+                <a:ea typeface="MS Mincho" panose="02020609040205080304" pitchFamily="49" charset="-128"/>
+                <a:cs typeface="Times New Roman" panose="02020603050405020304" pitchFamily="18" charset="0"/>
+              </a:rPr>
+              <a:t>Narahari</a:t>
+            </a:r>
+            <a:r>
+              <a:rPr lang="en-US" sz="1050" dirty="0">
+                <a:effectLst/>
+                <a:latin typeface="Calibri" panose="020F0502020204030204" pitchFamily="34" charset="0"/>
+                <a:ea typeface="MS Mincho" panose="02020609040205080304" pitchFamily="49" charset="-128"/>
+                <a:cs typeface="Times New Roman" panose="02020603050405020304" pitchFamily="18" charset="0"/>
+              </a:rPr>
+              <a:t>; https://</a:t>
+            </a:r>
+            <a:r>
+              <a:rPr lang="en-US" sz="1050" dirty="0" err="1">
+                <a:effectLst/>
+                <a:latin typeface="Calibri" panose="020F0502020204030204" pitchFamily="34" charset="0"/>
+                <a:ea typeface="MS Mincho" panose="02020609040205080304" pitchFamily="49" charset="-128"/>
+                <a:cs typeface="Times New Roman" panose="02020603050405020304" pitchFamily="18" charset="0"/>
+              </a:rPr>
+              <a:t>ieeexplore.ieee.org</a:t>
+            </a:r>
+            <a:r>
+              <a:rPr lang="en-US" sz="1050" dirty="0">
+                <a:effectLst/>
+                <a:latin typeface="Calibri" panose="020F0502020204030204" pitchFamily="34" charset="0"/>
+                <a:ea typeface="MS Mincho" panose="02020609040205080304" pitchFamily="49" charset="-128"/>
+                <a:cs typeface="Times New Roman" panose="02020603050405020304" pitchFamily="18" charset="0"/>
+              </a:rPr>
+              <a:t>/abstract/document/9074952</a:t>
+            </a:r>
+            <a:endParaRPr lang="en-US" sz="1050" dirty="0">
+              <a:effectLst/>
+              <a:latin typeface="Calibri" panose="020F0502020204030204" pitchFamily="34" charset="0"/>
+              <a:ea typeface="Calibri" panose="020F0502020204030204" pitchFamily="34" charset="0"/>
+              <a:cs typeface="Times New Roman" panose="02020603050405020304" pitchFamily="18" charset="0"/>
+            </a:endParaRPr>
+          </a:p>
+          <a:p>
+            <a:pPr marL="0" marR="0">
+              <a:lnSpc>
+                <a:spcPct val="107000"/>
+              </a:lnSpc>
+              <a:spcBef>
+                <a:spcPts val="0"/>
+              </a:spcBef>
+            </a:pPr>
+            <a:r>
+              <a:rPr lang="en-US" sz="1050" dirty="0">
+                <a:effectLst/>
+                <a:latin typeface="Calibri" panose="020F0502020204030204" pitchFamily="34" charset="0"/>
+                <a:ea typeface="MS Mincho" panose="02020609040205080304" pitchFamily="49" charset="-128"/>
+                <a:cs typeface="Times New Roman" panose="02020603050405020304" pitchFamily="18" charset="0"/>
+              </a:rPr>
+              <a:t>[2] “Predicting House Prices with Spatial Dependence: A Comparison of Alternative Methods”; Steven Bourassa, Eva </a:t>
+            </a:r>
+            <a:r>
+              <a:rPr lang="en-US" sz="1050" dirty="0" err="1">
+                <a:effectLst/>
+                <a:latin typeface="Calibri" panose="020F0502020204030204" pitchFamily="34" charset="0"/>
+                <a:ea typeface="MS Mincho" panose="02020609040205080304" pitchFamily="49" charset="-128"/>
+                <a:cs typeface="Times New Roman" panose="02020603050405020304" pitchFamily="18" charset="0"/>
+              </a:rPr>
+              <a:t>Cantoni</a:t>
+            </a:r>
+            <a:r>
+              <a:rPr lang="en-US" sz="1050" dirty="0">
+                <a:effectLst/>
+                <a:latin typeface="Calibri" panose="020F0502020204030204" pitchFamily="34" charset="0"/>
+                <a:ea typeface="MS Mincho" panose="02020609040205080304" pitchFamily="49" charset="-128"/>
+                <a:cs typeface="Times New Roman" panose="02020603050405020304" pitchFamily="18" charset="0"/>
+              </a:rPr>
+              <a:t>, &amp; Martin </a:t>
+            </a:r>
+            <a:r>
+              <a:rPr lang="en-US" sz="1050" dirty="0" err="1">
+                <a:effectLst/>
+                <a:latin typeface="Calibri" panose="020F0502020204030204" pitchFamily="34" charset="0"/>
+                <a:ea typeface="MS Mincho" panose="02020609040205080304" pitchFamily="49" charset="-128"/>
+                <a:cs typeface="Times New Roman" panose="02020603050405020304" pitchFamily="18" charset="0"/>
+              </a:rPr>
+              <a:t>Hoesli</a:t>
+            </a:r>
+            <a:r>
+              <a:rPr lang="en-US" sz="1050" dirty="0">
+                <a:effectLst/>
+                <a:latin typeface="Calibri" panose="020F0502020204030204" pitchFamily="34" charset="0"/>
+                <a:ea typeface="MS Mincho" panose="02020609040205080304" pitchFamily="49" charset="-128"/>
+                <a:cs typeface="Times New Roman" panose="02020603050405020304" pitchFamily="18" charset="0"/>
+              </a:rPr>
+              <a:t>; https://</a:t>
+            </a:r>
+            <a:r>
+              <a:rPr lang="en-US" sz="1050" dirty="0" err="1">
+                <a:effectLst/>
+                <a:latin typeface="Calibri" panose="020F0502020204030204" pitchFamily="34" charset="0"/>
+                <a:ea typeface="MS Mincho" panose="02020609040205080304" pitchFamily="49" charset="-128"/>
+                <a:cs typeface="Times New Roman" panose="02020603050405020304" pitchFamily="18" charset="0"/>
+              </a:rPr>
+              <a:t>www.tandfonline.com</a:t>
+            </a:r>
+            <a:r>
+              <a:rPr lang="en-US" sz="1050" dirty="0">
+                <a:effectLst/>
+                <a:latin typeface="Calibri" panose="020F0502020204030204" pitchFamily="34" charset="0"/>
+                <a:ea typeface="MS Mincho" panose="02020609040205080304" pitchFamily="49" charset="-128"/>
+                <a:cs typeface="Times New Roman" panose="02020603050405020304" pitchFamily="18" charset="0"/>
+              </a:rPr>
+              <a:t>/</a:t>
+            </a:r>
+            <a:r>
+              <a:rPr lang="en-US" sz="1050" dirty="0" err="1">
+                <a:effectLst/>
+                <a:latin typeface="Calibri" panose="020F0502020204030204" pitchFamily="34" charset="0"/>
+                <a:ea typeface="MS Mincho" panose="02020609040205080304" pitchFamily="49" charset="-128"/>
+                <a:cs typeface="Times New Roman" panose="02020603050405020304" pitchFamily="18" charset="0"/>
+              </a:rPr>
+              <a:t>doi</a:t>
+            </a:r>
+            <a:r>
+              <a:rPr lang="en-US" sz="1050" dirty="0">
+                <a:effectLst/>
+                <a:latin typeface="Calibri" panose="020F0502020204030204" pitchFamily="34" charset="0"/>
+                <a:ea typeface="MS Mincho" panose="02020609040205080304" pitchFamily="49" charset="-128"/>
+                <a:cs typeface="Times New Roman" panose="02020603050405020304" pitchFamily="18" charset="0"/>
+              </a:rPr>
+              <a:t>/abs/10.1080/10835547.2010.12091276</a:t>
+            </a:r>
+            <a:endParaRPr lang="en-US" sz="1050" dirty="0">
+              <a:effectLst/>
+              <a:latin typeface="Calibri" panose="020F0502020204030204" pitchFamily="34" charset="0"/>
+              <a:ea typeface="Calibri" panose="020F0502020204030204" pitchFamily="34" charset="0"/>
+              <a:cs typeface="Times New Roman" panose="02020603050405020304" pitchFamily="18" charset="0"/>
+            </a:endParaRPr>
+          </a:p>
+        </p:txBody>
+      </p:sp>
+      <p:sp>
+        <p:nvSpPr>
+          <p:cNvPr id="8" name="Rectangle 7">
+            <a:extLst>
+              <a:ext uri="{FF2B5EF4-FFF2-40B4-BE49-F238E27FC236}">
+                <a16:creationId xmlns:a16="http://schemas.microsoft.com/office/drawing/2014/main" id="{D6B479E9-69DB-1151-E917-04F9B96D8B88}"/>
+              </a:ext>
+            </a:extLst>
+          </p:cNvPr>
+          <p:cNvSpPr/>
+          <p:nvPr/>
+        </p:nvSpPr>
+        <p:spPr>
+          <a:xfrm>
+            <a:off x="1049186" y="2807618"/>
+            <a:ext cx="4594869" cy="430373"/>
+          </a:xfrm>
+          <a:prstGeom prst="rect">
+            <a:avLst/>
+          </a:prstGeom>
+          <a:solidFill>
+            <a:schemeClr val="bg1">
+              <a:lumMod val="95000"/>
+            </a:schemeClr>
+          </a:solidFill>
+          <a:ln w="6350">
+            <a:solidFill>
+              <a:schemeClr val="tx1">
+                <a:lumMod val="50000"/>
+                <a:lumOff val="50000"/>
+              </a:schemeClr>
+            </a:solidFill>
+          </a:ln>
+        </p:spPr>
+        <p:style>
+          <a:lnRef idx="2">
+            <a:schemeClr val="accent1">
+              <a:shade val="50000"/>
+            </a:schemeClr>
+          </a:lnRef>
+          <a:fillRef idx="1">
+            <a:schemeClr val="accent1"/>
+          </a:fillRef>
+          <a:effectRef idx="0">
+            <a:schemeClr val="accent1"/>
+          </a:effectRef>
+          <a:fontRef idx="minor">
+            <a:schemeClr val="lt1"/>
+          </a:fontRef>
+        </p:style>
+        <p:txBody>
+          <a:bodyPr rtlCol="0" anchor="ctr"/>
+          <a:lstStyle/>
+          <a:p>
+            <a:pPr algn="ctr"/>
+            <a:r>
+              <a:rPr lang="en-US" b="1" dirty="0">
+                <a:solidFill>
+                  <a:schemeClr val="tx1"/>
+                </a:solidFill>
+              </a:rPr>
+              <a:t>Bengaluru House Price Prediction</a:t>
+            </a:r>
+            <a:r>
+              <a:rPr lang="en-US" baseline="30000" dirty="0">
+                <a:solidFill>
+                  <a:schemeClr val="tx1"/>
+                </a:solidFill>
+              </a:rPr>
+              <a:t>[1]</a:t>
+            </a:r>
+          </a:p>
+        </p:txBody>
+      </p:sp>
+      <p:sp>
+        <p:nvSpPr>
+          <p:cNvPr id="9" name="Rectangle 8">
+            <a:extLst>
+              <a:ext uri="{FF2B5EF4-FFF2-40B4-BE49-F238E27FC236}">
+                <a16:creationId xmlns:a16="http://schemas.microsoft.com/office/drawing/2014/main" id="{A62A9FC0-172D-C444-0400-048B45AC9F51}"/>
+              </a:ext>
+            </a:extLst>
+          </p:cNvPr>
+          <p:cNvSpPr/>
+          <p:nvPr/>
+        </p:nvSpPr>
+        <p:spPr>
+          <a:xfrm>
+            <a:off x="6483248" y="2800964"/>
+            <a:ext cx="4594869" cy="430373"/>
+          </a:xfrm>
+          <a:prstGeom prst="rect">
+            <a:avLst/>
+          </a:prstGeom>
+          <a:solidFill>
+            <a:schemeClr val="bg1">
+              <a:lumMod val="95000"/>
+            </a:schemeClr>
+          </a:solidFill>
+          <a:ln w="6350">
+            <a:solidFill>
+              <a:schemeClr val="tx1">
+                <a:lumMod val="50000"/>
+                <a:lumOff val="50000"/>
+              </a:schemeClr>
+            </a:solidFill>
+          </a:ln>
+        </p:spPr>
+        <p:style>
+          <a:lnRef idx="2">
+            <a:schemeClr val="accent1">
+              <a:shade val="50000"/>
+            </a:schemeClr>
+          </a:lnRef>
+          <a:fillRef idx="1">
+            <a:schemeClr val="accent1"/>
+          </a:fillRef>
+          <a:effectRef idx="0">
+            <a:schemeClr val="accent1"/>
+          </a:effectRef>
+          <a:fontRef idx="minor">
+            <a:schemeClr val="lt1"/>
+          </a:fontRef>
+        </p:style>
+        <p:txBody>
+          <a:bodyPr rtlCol="0" anchor="ctr"/>
+          <a:lstStyle/>
+          <a:p>
+            <a:pPr algn="ctr"/>
+            <a:r>
+              <a:rPr lang="en-US" b="1" dirty="0">
+                <a:solidFill>
+                  <a:schemeClr val="tx1"/>
+                </a:solidFill>
+              </a:rPr>
+              <a:t>Louisville House Price Prediction</a:t>
+            </a:r>
+            <a:r>
+              <a:rPr lang="en-US" baseline="30000" dirty="0">
+                <a:solidFill>
+                  <a:schemeClr val="tx1"/>
+                </a:solidFill>
+              </a:rPr>
+              <a:t>[2]</a:t>
             </a:r>
           </a:p>
         </p:txBody>
@@ -9096,7 +11960,7 @@
           <a:p>
             <a:r>
               <a:rPr lang="en-US" dirty="0"/>
-              <a:t>Approach</a:t>
+              <a:t>2 - Approach</a:t>
             </a:r>
           </a:p>
         </p:txBody>
@@ -9174,7 +12038,9 @@
         </p:nvSpPr>
         <p:spPr/>
         <p:txBody>
-          <a:bodyPr/>
+          <a:bodyPr>
+            <a:normAutofit fontScale="90000"/>
+          </a:bodyPr>
           <a:lstStyle/>
           <a:p>
             <a:r>

--- a/Progress Presentation/team48progressreport.pptx
+++ b/Progress Presentation/team48progressreport.pptx
@@ -3497,14 +3497,106 @@
             <p:ph type="subTitle" idx="1"/>
           </p:nvPr>
         </p:nvSpPr>
-        <p:spPr/>
+        <p:spPr>
+          <a:xfrm>
+            <a:off x="1524000" y="4241801"/>
+            <a:ext cx="9144000" cy="1655762"/>
+          </a:xfrm>
+        </p:spPr>
         <p:txBody>
           <a:bodyPr/>
           <a:lstStyle/>
           <a:p>
             <a:r>
               <a:rPr lang="en-US" dirty="0"/>
-              <a:t>Real Estate Listing Prediction Enhanced with Income Tax Data</a:t>
+              <a:t>Real Estate Listing Price Prediction Enhanced with Income Tax Data</a:t>
+            </a:r>
+          </a:p>
+        </p:txBody>
+      </p:sp>
+      <p:sp>
+        <p:nvSpPr>
+          <p:cNvPr id="5" name="TextBox 4">
+            <a:extLst>
+              <a:ext uri="{FF2B5EF4-FFF2-40B4-BE49-F238E27FC236}">
+                <a16:creationId xmlns:a16="http://schemas.microsoft.com/office/drawing/2014/main" id="{6F0AE076-F4DC-3FD6-5837-5FA807A36B42}"/>
+              </a:ext>
+            </a:extLst>
+          </p:cNvPr>
+          <p:cNvSpPr txBox="1"/>
+          <p:nvPr/>
+        </p:nvSpPr>
+        <p:spPr>
+          <a:xfrm>
+            <a:off x="3048000" y="3354845"/>
+            <a:ext cx="6096000" cy="375552"/>
+          </a:xfrm>
+          <a:prstGeom prst="rect">
+            <a:avLst/>
+          </a:prstGeom>
+          <a:noFill/>
+        </p:spPr>
+        <p:txBody>
+          <a:bodyPr wrap="square">
+            <a:spAutoFit/>
+          </a:bodyPr>
+          <a:lstStyle/>
+          <a:p>
+            <a:pPr marL="0" marR="0" algn="ctr">
+              <a:lnSpc>
+                <a:spcPct val="107000"/>
+              </a:lnSpc>
+              <a:spcBef>
+                <a:spcPts val="0"/>
+              </a:spcBef>
+              <a:spcAft>
+                <a:spcPts val="800"/>
+              </a:spcAft>
+            </a:pPr>
+            <a:r>
+              <a:rPr lang="en-US" sz="1800" dirty="0">
+                <a:effectLst/>
+                <a:latin typeface="Calibri" panose="020F0502020204030204" pitchFamily="34" charset="0"/>
+                <a:ea typeface="Calibri" panose="020F0502020204030204" pitchFamily="34" charset="0"/>
+                <a:cs typeface="Times New Roman" panose="02020603050405020304" pitchFamily="18" charset="0"/>
+              </a:rPr>
+              <a:t>David </a:t>
+            </a:r>
+            <a:r>
+              <a:rPr lang="en-US" sz="1800" dirty="0" err="1">
+                <a:effectLst/>
+                <a:latin typeface="Calibri" panose="020F0502020204030204" pitchFamily="34" charset="0"/>
+                <a:ea typeface="Calibri" panose="020F0502020204030204" pitchFamily="34" charset="0"/>
+                <a:cs typeface="Times New Roman" panose="02020603050405020304" pitchFamily="18" charset="0"/>
+              </a:rPr>
+              <a:t>Firrinicieli</a:t>
+            </a:r>
+            <a:r>
+              <a:rPr lang="en-US" sz="1800" dirty="0">
+                <a:effectLst/>
+                <a:latin typeface="Calibri" panose="020F0502020204030204" pitchFamily="34" charset="0"/>
+                <a:ea typeface="Calibri" panose="020F0502020204030204" pitchFamily="34" charset="0"/>
+                <a:cs typeface="Times New Roman" panose="02020603050405020304" pitchFamily="18" charset="0"/>
+              </a:rPr>
+              <a:t>, Eric </a:t>
+            </a:r>
+            <a:r>
+              <a:rPr lang="en-US" sz="1800" dirty="0" err="1">
+                <a:effectLst/>
+                <a:latin typeface="Calibri" panose="020F0502020204030204" pitchFamily="34" charset="0"/>
+                <a:ea typeface="Calibri" panose="020F0502020204030204" pitchFamily="34" charset="0"/>
+                <a:cs typeface="Times New Roman" panose="02020603050405020304" pitchFamily="18" charset="0"/>
+              </a:rPr>
+              <a:t>Limeback</a:t>
+            </a:r>
+            <a:r>
+              <a:rPr lang="en-US" sz="1800" dirty="0">
+                <a:effectLst/>
+                <a:latin typeface="Calibri" panose="020F0502020204030204" pitchFamily="34" charset="0"/>
+                <a:ea typeface="Calibri" panose="020F0502020204030204" pitchFamily="34" charset="0"/>
+                <a:cs typeface="Times New Roman" panose="02020603050405020304" pitchFamily="18" charset="0"/>
+              </a:rPr>
+              <a:t>, Ashwin Spencer, Andrew Taylor</a:t>
             </a:r>
           </a:p>
         </p:txBody>
@@ -3777,7 +3869,7 @@
           <a:p>
             <a:r>
               <a:rPr lang="en-US" dirty="0"/>
-              <a:t>We’re on track to have modeling complete in two weeks, allowing an additional 10 days to iterate as-needed and develop our final report.</a:t>
+              <a:t>We’re on track to have modeling complete in two weeks, allowing an additional week to iterate as-needed and develop our final report.</a:t>
             </a:r>
           </a:p>
         </p:txBody>
@@ -3871,7 +3963,12 @@
             <p:ph type="title"/>
           </p:nvPr>
         </p:nvSpPr>
-        <p:spPr/>
+        <p:spPr>
+          <a:xfrm>
+            <a:off x="838200" y="291892"/>
+            <a:ext cx="10515600" cy="658605"/>
+          </a:xfrm>
+        </p:spPr>
         <p:txBody>
           <a:bodyPr>
             <a:normAutofit fontScale="90000"/>
@@ -4135,7 +4232,7 @@
           <p:nvPr>
             <p:extLst>
               <p:ext uri="{D42A27DB-BD31-4B8C-83A1-F6EECF244321}">
-                <p14:modId xmlns:p14="http://schemas.microsoft.com/office/powerpoint/2010/main" val="483984532"/>
+                <p14:modId xmlns:p14="http://schemas.microsoft.com/office/powerpoint/2010/main" val="650692316"/>
               </p:ext>
             </p:extLst>
           </p:nvPr>
@@ -5244,7 +5341,7 @@
                         </a:spcAft>
                       </a:pPr>
                       <a:r>
-                        <a:rPr lang="en-US" sz="1400">
+                        <a:rPr lang="en-US" sz="1400" dirty="0" err="1">
                           <a:solidFill>
                             <a:schemeClr val="tx1"/>
                           </a:solidFill>
@@ -5252,7 +5349,7 @@
                         </a:rPr>
                         <a:t>total_credit_amt</a:t>
                       </a:r>
-                      <a:endParaRPr lang="en-US" sz="1400">
+                      <a:endParaRPr lang="en-US" sz="1400" dirty="0">
                         <a:solidFill>
                           <a:schemeClr val="tx1"/>
                         </a:solidFill>
@@ -5308,7 +5405,11 @@
                       <a:noFill/>
                       <a:prstDash val="solid"/>
                     </a:lnBlToTr>
-                    <a:noFill/>
+                    <a:solidFill>
+                      <a:schemeClr val="bg1">
+                        <a:lumMod val="95000"/>
+                      </a:schemeClr>
+                    </a:solidFill>
                   </a:tcPr>
                 </a:tc>
                 <a:tc>
@@ -5392,7 +5493,11 @@
                       <a:noFill/>
                       <a:prstDash val="solid"/>
                     </a:lnBlToTr>
-                    <a:noFill/>
+                    <a:solidFill>
+                      <a:schemeClr val="bg1">
+                        <a:lumMod val="95000"/>
+                      </a:schemeClr>
+                    </a:solidFill>
                   </a:tcPr>
                 </a:tc>
                 <a:extLst>
@@ -5483,7 +5588,11 @@
                       <a:noFill/>
                       <a:prstDash val="solid"/>
                     </a:lnBlToTr>
-                    <a:noFill/>
+                    <a:solidFill>
+                      <a:schemeClr val="bg1">
+                        <a:lumMod val="95000"/>
+                      </a:schemeClr>
+                    </a:solidFill>
                   </a:tcPr>
                 </a:tc>
                 <a:tc>
@@ -5567,7 +5676,11 @@
                       <a:noFill/>
                       <a:prstDash val="solid"/>
                     </a:lnBlToTr>
-                    <a:noFill/>
+                    <a:solidFill>
+                      <a:schemeClr val="bg1">
+                        <a:lumMod val="95000"/>
+                      </a:schemeClr>
+                    </a:solidFill>
                   </a:tcPr>
                 </a:tc>
                 <a:extLst>
@@ -5658,7 +5771,11 @@
                       <a:noFill/>
                       <a:prstDash val="solid"/>
                     </a:lnBlToTr>
-                    <a:noFill/>
+                    <a:solidFill>
+                      <a:schemeClr val="bg1">
+                        <a:lumMod val="95000"/>
+                      </a:schemeClr>
+                    </a:solidFill>
                   </a:tcPr>
                 </a:tc>
                 <a:tc>
@@ -5742,7 +5859,11 @@
                       <a:noFill/>
                       <a:prstDash val="solid"/>
                     </a:lnBlToTr>
-                    <a:noFill/>
+                    <a:solidFill>
+                      <a:schemeClr val="bg1">
+                        <a:lumMod val="95000"/>
+                      </a:schemeClr>
+                    </a:solidFill>
                   </a:tcPr>
                 </a:tc>
                 <a:extLst>
@@ -5833,7 +5954,11 @@
                       <a:noFill/>
                       <a:prstDash val="solid"/>
                     </a:lnBlToTr>
-                    <a:noFill/>
+                    <a:solidFill>
+                      <a:schemeClr val="bg1">
+                        <a:lumMod val="95000"/>
+                      </a:schemeClr>
+                    </a:solidFill>
                   </a:tcPr>
                 </a:tc>
                 <a:tc>
@@ -5853,7 +5978,7 @@
                         </a:spcAft>
                       </a:pPr>
                       <a:r>
-                        <a:rPr lang="en-US" sz="1400">
+                        <a:rPr lang="en-US" sz="1400" dirty="0">
                           <a:solidFill>
                             <a:schemeClr val="tx1"/>
                           </a:solidFill>
@@ -5861,7 +5986,7 @@
                         </a:rPr>
                         <a:t>Proportion of returns with mortgage interest paid</a:t>
                       </a:r>
-                      <a:endParaRPr lang="en-US" sz="1400">
+                      <a:endParaRPr lang="en-US" sz="1400" dirty="0">
                         <a:solidFill>
                           <a:schemeClr val="tx1"/>
                         </a:solidFill>
@@ -5917,7 +6042,11 @@
                       <a:noFill/>
                       <a:prstDash val="solid"/>
                     </a:lnBlToTr>
-                    <a:noFill/>
+                    <a:solidFill>
+                      <a:schemeClr val="bg1">
+                        <a:lumMod val="95000"/>
+                      </a:schemeClr>
+                    </a:solidFill>
                   </a:tcPr>
                 </a:tc>
                 <a:extLst>
@@ -6008,7 +6137,11 @@
                       <a:noFill/>
                       <a:prstDash val="solid"/>
                     </a:lnBlToTr>
-                    <a:noFill/>
+                    <a:solidFill>
+                      <a:schemeClr val="bg1">
+                        <a:lumMod val="95000"/>
+                      </a:schemeClr>
+                    </a:solidFill>
                   </a:tcPr>
                 </a:tc>
                 <a:tc>
@@ -6092,7 +6225,11 @@
                       <a:noFill/>
                       <a:prstDash val="solid"/>
                     </a:lnBlToTr>
-                    <a:noFill/>
+                    <a:solidFill>
+                      <a:schemeClr val="bg1">
+                        <a:lumMod val="95000"/>
+                      </a:schemeClr>
+                    </a:solidFill>
                   </a:tcPr>
                 </a:tc>
                 <a:extLst>
@@ -6183,7 +6320,11 @@
                       <a:noFill/>
                       <a:prstDash val="solid"/>
                     </a:lnBlToTr>
-                    <a:noFill/>
+                    <a:solidFill>
+                      <a:schemeClr val="bg1">
+                        <a:lumMod val="95000"/>
+                      </a:schemeClr>
+                    </a:solidFill>
                   </a:tcPr>
                 </a:tc>
                 <a:tc>
@@ -6267,7 +6408,11 @@
                       <a:noFill/>
                       <a:prstDash val="solid"/>
                     </a:lnBlToTr>
-                    <a:noFill/>
+                    <a:solidFill>
+                      <a:schemeClr val="bg1">
+                        <a:lumMod val="95000"/>
+                      </a:schemeClr>
+                    </a:solidFill>
                   </a:tcPr>
                 </a:tc>
                 <a:extLst>
@@ -6358,7 +6503,11 @@
                       <a:noFill/>
                       <a:prstDash val="solid"/>
                     </a:lnBlToTr>
-                    <a:noFill/>
+                    <a:solidFill>
+                      <a:schemeClr val="bg1">
+                        <a:lumMod val="95000"/>
+                      </a:schemeClr>
+                    </a:solidFill>
                   </a:tcPr>
                 </a:tc>
                 <a:tc>
@@ -6442,7 +6591,11 @@
                       <a:noFill/>
                       <a:prstDash val="solid"/>
                     </a:lnBlToTr>
-                    <a:noFill/>
+                    <a:solidFill>
+                      <a:schemeClr val="bg1">
+                        <a:lumMod val="95000"/>
+                      </a:schemeClr>
+                    </a:solidFill>
                   </a:tcPr>
                 </a:tc>
                 <a:extLst>
@@ -6533,7 +6686,11 @@
                       <a:noFill/>
                       <a:prstDash val="solid"/>
                     </a:lnBlToTr>
-                    <a:noFill/>
+                    <a:solidFill>
+                      <a:schemeClr val="bg1">
+                        <a:lumMod val="95000"/>
+                      </a:schemeClr>
+                    </a:solidFill>
                   </a:tcPr>
                 </a:tc>
                 <a:tc>
@@ -6617,7 +6774,11 @@
                       <a:noFill/>
                       <a:prstDash val="solid"/>
                     </a:lnBlToTr>
-                    <a:noFill/>
+                    <a:solidFill>
+                      <a:schemeClr val="bg1">
+                        <a:lumMod val="95000"/>
+                      </a:schemeClr>
+                    </a:solidFill>
                   </a:tcPr>
                 </a:tc>
                 <a:extLst>
@@ -6708,7 +6869,11 @@
                       <a:noFill/>
                       <a:prstDash val="solid"/>
                     </a:lnBlToTr>
-                    <a:noFill/>
+                    <a:solidFill>
+                      <a:schemeClr val="bg1">
+                        <a:lumMod val="95000"/>
+                      </a:schemeClr>
+                    </a:solidFill>
                   </a:tcPr>
                 </a:tc>
                 <a:tc>
@@ -6792,7 +6957,11 @@
                       <a:noFill/>
                       <a:prstDash val="solid"/>
                     </a:lnBlToTr>
-                    <a:noFill/>
+                    <a:solidFill>
+                      <a:schemeClr val="bg1">
+                        <a:lumMod val="95000"/>
+                      </a:schemeClr>
+                    </a:solidFill>
                   </a:tcPr>
                 </a:tc>
                 <a:extLst>
@@ -6805,6 +6974,665 @@
           </a:graphicData>
         </a:graphic>
       </p:graphicFrame>
+      <p:grpSp>
+        <p:nvGrpSpPr>
+          <p:cNvPr id="12" name="Group 11">
+            <a:extLst>
+              <a:ext uri="{FF2B5EF4-FFF2-40B4-BE49-F238E27FC236}">
+                <a16:creationId xmlns:a16="http://schemas.microsoft.com/office/drawing/2014/main" id="{C3ED6E60-232D-FDAF-5859-A1CDF5CD7E4C}"/>
+              </a:ext>
+            </a:extLst>
+          </p:cNvPr>
+          <p:cNvGrpSpPr/>
+          <p:nvPr/>
+        </p:nvGrpSpPr>
+        <p:grpSpPr>
+          <a:xfrm>
+            <a:off x="10172512" y="546035"/>
+            <a:ext cx="1627602" cy="150318"/>
+            <a:chOff x="462455" y="1486923"/>
+            <a:chExt cx="11098924" cy="1025050"/>
+          </a:xfrm>
+        </p:grpSpPr>
+        <p:sp>
+          <p:nvSpPr>
+            <p:cNvPr id="4" name="Rectangle 3">
+              <a:extLst>
+                <a:ext uri="{FF2B5EF4-FFF2-40B4-BE49-F238E27FC236}">
+                  <a16:creationId xmlns:a16="http://schemas.microsoft.com/office/drawing/2014/main" id="{2A76ABD5-6873-5BC0-F6FC-CF73F1E78D68}"/>
+                </a:ext>
+              </a:extLst>
+            </p:cNvPr>
+            <p:cNvSpPr/>
+            <p:nvPr/>
+          </p:nvSpPr>
+          <p:spPr>
+            <a:xfrm>
+              <a:off x="462455" y="1486923"/>
+              <a:ext cx="11098924" cy="1025050"/>
+            </a:xfrm>
+            <a:prstGeom prst="rect">
+              <a:avLst/>
+            </a:prstGeom>
+            <a:noFill/>
+          </p:spPr>
+        </p:sp>
+        <p:sp>
+          <p:nvSpPr>
+            <p:cNvPr id="7" name="Freeform 6">
+              <a:extLst>
+                <a:ext uri="{FF2B5EF4-FFF2-40B4-BE49-F238E27FC236}">
+                  <a16:creationId xmlns:a16="http://schemas.microsoft.com/office/drawing/2014/main" id="{AD28752D-7A61-C212-79AD-38708C58ED3B}"/>
+                </a:ext>
+              </a:extLst>
+            </p:cNvPr>
+            <p:cNvSpPr/>
+            <p:nvPr/>
+          </p:nvSpPr>
+          <p:spPr>
+            <a:xfrm>
+              <a:off x="467603" y="1486923"/>
+              <a:ext cx="2996926" cy="1025050"/>
+            </a:xfrm>
+            <a:custGeom>
+              <a:avLst/>
+              <a:gdLst>
+                <a:gd name="connsiteX0" fmla="*/ 0 w 2996926"/>
+                <a:gd name="connsiteY0" fmla="*/ 0 h 1025050"/>
+                <a:gd name="connsiteX1" fmla="*/ 2484401 w 2996926"/>
+                <a:gd name="connsiteY1" fmla="*/ 0 h 1025050"/>
+                <a:gd name="connsiteX2" fmla="*/ 2996926 w 2996926"/>
+                <a:gd name="connsiteY2" fmla="*/ 512525 h 1025050"/>
+                <a:gd name="connsiteX3" fmla="*/ 2484401 w 2996926"/>
+                <a:gd name="connsiteY3" fmla="*/ 1025050 h 1025050"/>
+                <a:gd name="connsiteX4" fmla="*/ 0 w 2996926"/>
+                <a:gd name="connsiteY4" fmla="*/ 1025050 h 1025050"/>
+                <a:gd name="connsiteX5" fmla="*/ 512525 w 2996926"/>
+                <a:gd name="connsiteY5" fmla="*/ 512525 h 1025050"/>
+                <a:gd name="connsiteX6" fmla="*/ 0 w 2996926"/>
+                <a:gd name="connsiteY6" fmla="*/ 0 h 1025050"/>
+              </a:gdLst>
+              <a:ahLst/>
+              <a:cxnLst>
+                <a:cxn ang="0">
+                  <a:pos x="connsiteX0" y="connsiteY0"/>
+                </a:cxn>
+                <a:cxn ang="0">
+                  <a:pos x="connsiteX1" y="connsiteY1"/>
+                </a:cxn>
+                <a:cxn ang="0">
+                  <a:pos x="connsiteX2" y="connsiteY2"/>
+                </a:cxn>
+                <a:cxn ang="0">
+                  <a:pos x="connsiteX3" y="connsiteY3"/>
+                </a:cxn>
+                <a:cxn ang="0">
+                  <a:pos x="connsiteX4" y="connsiteY4"/>
+                </a:cxn>
+                <a:cxn ang="0">
+                  <a:pos x="connsiteX5" y="connsiteY5"/>
+                </a:cxn>
+                <a:cxn ang="0">
+                  <a:pos x="connsiteX6" y="connsiteY6"/>
+                </a:cxn>
+              </a:cxnLst>
+              <a:rect l="l" t="t" r="r" b="b"/>
+              <a:pathLst>
+                <a:path w="2996926" h="1025050">
+                  <a:moveTo>
+                    <a:pt x="0" y="0"/>
+                  </a:moveTo>
+                  <a:lnTo>
+                    <a:pt x="2484401" y="0"/>
+                  </a:lnTo>
+                  <a:lnTo>
+                    <a:pt x="2996926" y="512525"/>
+                  </a:lnTo>
+                  <a:lnTo>
+                    <a:pt x="2484401" y="1025050"/>
+                  </a:lnTo>
+                  <a:lnTo>
+                    <a:pt x="0" y="1025050"/>
+                  </a:lnTo>
+                  <a:lnTo>
+                    <a:pt x="512525" y="512525"/>
+                  </a:lnTo>
+                  <a:lnTo>
+                    <a:pt x="0" y="0"/>
+                  </a:lnTo>
+                  <a:close/>
+                </a:path>
+              </a:pathLst>
+            </a:custGeom>
+            <a:solidFill>
+              <a:schemeClr val="accent1">
+                <a:lumMod val="50000"/>
+              </a:schemeClr>
+            </a:solidFill>
+            <a:ln>
+              <a:solidFill>
+                <a:schemeClr val="tx1"/>
+              </a:solidFill>
+            </a:ln>
+          </p:spPr>
+          <p:style>
+            <a:lnRef idx="2">
+              <a:schemeClr val="lt1">
+                <a:hueOff val="0"/>
+                <a:satOff val="0"/>
+                <a:lumOff val="0"/>
+                <a:alphaOff val="0"/>
+              </a:schemeClr>
+            </a:lnRef>
+            <a:fillRef idx="1">
+              <a:schemeClr val="accent1">
+                <a:hueOff val="0"/>
+                <a:satOff val="0"/>
+                <a:lumOff val="0"/>
+                <a:alphaOff val="0"/>
+              </a:schemeClr>
+            </a:fillRef>
+            <a:effectRef idx="0">
+              <a:schemeClr val="accent1">
+                <a:hueOff val="0"/>
+                <a:satOff val="0"/>
+                <a:lumOff val="0"/>
+                <a:alphaOff val="0"/>
+              </a:schemeClr>
+            </a:effectRef>
+            <a:fontRef idx="minor">
+              <a:schemeClr val="lt1"/>
+            </a:fontRef>
+          </p:style>
+          <p:txBody>
+            <a:bodyPr spcFirstLastPara="0" vert="horz" wrap="square" lIns="584534" tIns="24003" rIns="536528" bIns="24003" numCol="1" spcCol="1270" anchor="ctr" anchorCtr="0">
+              <a:noAutofit/>
+            </a:bodyPr>
+            <a:lstStyle/>
+            <a:p>
+              <a:pPr marL="0" lvl="0" indent="0" algn="ctr" defTabSz="800100">
+                <a:lnSpc>
+                  <a:spcPct val="90000"/>
+                </a:lnSpc>
+                <a:spcBef>
+                  <a:spcPct val="0"/>
+                </a:spcBef>
+                <a:spcAft>
+                  <a:spcPct val="35000"/>
+                </a:spcAft>
+                <a:buNone/>
+              </a:pPr>
+              <a:endParaRPr lang="en-US" sz="1800" kern="1200" dirty="0">
+                <a:solidFill>
+                  <a:sysClr val="windowText" lastClr="000000"/>
+                </a:solidFill>
+              </a:endParaRPr>
+            </a:p>
+          </p:txBody>
+        </p:sp>
+        <p:sp>
+          <p:nvSpPr>
+            <p:cNvPr id="9" name="Freeform 8">
+              <a:extLst>
+                <a:ext uri="{FF2B5EF4-FFF2-40B4-BE49-F238E27FC236}">
+                  <a16:creationId xmlns:a16="http://schemas.microsoft.com/office/drawing/2014/main" id="{9B1286D5-5C96-E5AE-7CD6-61DCC713FDAE}"/>
+                </a:ext>
+              </a:extLst>
+            </p:cNvPr>
+            <p:cNvSpPr/>
+            <p:nvPr/>
+          </p:nvSpPr>
+          <p:spPr>
+            <a:xfrm>
+              <a:off x="3164837" y="1486923"/>
+              <a:ext cx="2996926" cy="1025050"/>
+            </a:xfrm>
+            <a:custGeom>
+              <a:avLst/>
+              <a:gdLst>
+                <a:gd name="connsiteX0" fmla="*/ 0 w 2996926"/>
+                <a:gd name="connsiteY0" fmla="*/ 0 h 1025050"/>
+                <a:gd name="connsiteX1" fmla="*/ 2484401 w 2996926"/>
+                <a:gd name="connsiteY1" fmla="*/ 0 h 1025050"/>
+                <a:gd name="connsiteX2" fmla="*/ 2996926 w 2996926"/>
+                <a:gd name="connsiteY2" fmla="*/ 512525 h 1025050"/>
+                <a:gd name="connsiteX3" fmla="*/ 2484401 w 2996926"/>
+                <a:gd name="connsiteY3" fmla="*/ 1025050 h 1025050"/>
+                <a:gd name="connsiteX4" fmla="*/ 0 w 2996926"/>
+                <a:gd name="connsiteY4" fmla="*/ 1025050 h 1025050"/>
+                <a:gd name="connsiteX5" fmla="*/ 512525 w 2996926"/>
+                <a:gd name="connsiteY5" fmla="*/ 512525 h 1025050"/>
+                <a:gd name="connsiteX6" fmla="*/ 0 w 2996926"/>
+                <a:gd name="connsiteY6" fmla="*/ 0 h 1025050"/>
+              </a:gdLst>
+              <a:ahLst/>
+              <a:cxnLst>
+                <a:cxn ang="0">
+                  <a:pos x="connsiteX0" y="connsiteY0"/>
+                </a:cxn>
+                <a:cxn ang="0">
+                  <a:pos x="connsiteX1" y="connsiteY1"/>
+                </a:cxn>
+                <a:cxn ang="0">
+                  <a:pos x="connsiteX2" y="connsiteY2"/>
+                </a:cxn>
+                <a:cxn ang="0">
+                  <a:pos x="connsiteX3" y="connsiteY3"/>
+                </a:cxn>
+                <a:cxn ang="0">
+                  <a:pos x="connsiteX4" y="connsiteY4"/>
+                </a:cxn>
+                <a:cxn ang="0">
+                  <a:pos x="connsiteX5" y="connsiteY5"/>
+                </a:cxn>
+                <a:cxn ang="0">
+                  <a:pos x="connsiteX6" y="connsiteY6"/>
+                </a:cxn>
+              </a:cxnLst>
+              <a:rect l="l" t="t" r="r" b="b"/>
+              <a:pathLst>
+                <a:path w="2996926" h="1025050">
+                  <a:moveTo>
+                    <a:pt x="0" y="0"/>
+                  </a:moveTo>
+                  <a:lnTo>
+                    <a:pt x="2484401" y="0"/>
+                  </a:lnTo>
+                  <a:lnTo>
+                    <a:pt x="2996926" y="512525"/>
+                  </a:lnTo>
+                  <a:lnTo>
+                    <a:pt x="2484401" y="1025050"/>
+                  </a:lnTo>
+                  <a:lnTo>
+                    <a:pt x="0" y="1025050"/>
+                  </a:lnTo>
+                  <a:lnTo>
+                    <a:pt x="512525" y="512525"/>
+                  </a:lnTo>
+                  <a:lnTo>
+                    <a:pt x="0" y="0"/>
+                  </a:lnTo>
+                  <a:close/>
+                </a:path>
+              </a:pathLst>
+            </a:custGeom>
+            <a:solidFill>
+              <a:schemeClr val="accent1">
+                <a:lumMod val="20000"/>
+                <a:lumOff val="80000"/>
+              </a:schemeClr>
+            </a:solidFill>
+            <a:ln>
+              <a:solidFill>
+                <a:schemeClr val="tx1"/>
+              </a:solidFill>
+            </a:ln>
+          </p:spPr>
+          <p:style>
+            <a:lnRef idx="2">
+              <a:schemeClr val="lt1">
+                <a:hueOff val="0"/>
+                <a:satOff val="0"/>
+                <a:lumOff val="0"/>
+                <a:alphaOff val="0"/>
+              </a:schemeClr>
+            </a:lnRef>
+            <a:fillRef idx="1">
+              <a:schemeClr val="accent1">
+                <a:hueOff val="0"/>
+                <a:satOff val="0"/>
+                <a:lumOff val="0"/>
+                <a:alphaOff val="0"/>
+              </a:schemeClr>
+            </a:fillRef>
+            <a:effectRef idx="0">
+              <a:schemeClr val="accent1">
+                <a:hueOff val="0"/>
+                <a:satOff val="0"/>
+                <a:lumOff val="0"/>
+                <a:alphaOff val="0"/>
+              </a:schemeClr>
+            </a:effectRef>
+            <a:fontRef idx="minor">
+              <a:schemeClr val="lt1"/>
+            </a:fontRef>
+          </p:style>
+          <p:txBody>
+            <a:bodyPr spcFirstLastPara="0" vert="horz" wrap="square" lIns="584534" tIns="24003" rIns="536528" bIns="24003" numCol="1" spcCol="1270" anchor="ctr" anchorCtr="0">
+              <a:noAutofit/>
+            </a:bodyPr>
+            <a:lstStyle/>
+            <a:p>
+              <a:pPr marL="0" lvl="0" indent="0" algn="ctr" defTabSz="800100">
+                <a:lnSpc>
+                  <a:spcPct val="90000"/>
+                </a:lnSpc>
+                <a:spcBef>
+                  <a:spcPct val="0"/>
+                </a:spcBef>
+                <a:spcAft>
+                  <a:spcPct val="35000"/>
+                </a:spcAft>
+                <a:buNone/>
+              </a:pPr>
+              <a:endParaRPr lang="en-US" sz="1800" kern="1200" dirty="0">
+                <a:solidFill>
+                  <a:sysClr val="windowText" lastClr="000000"/>
+                </a:solidFill>
+              </a:endParaRPr>
+            </a:p>
+          </p:txBody>
+        </p:sp>
+        <p:sp>
+          <p:nvSpPr>
+            <p:cNvPr id="10" name="Freeform 9">
+              <a:extLst>
+                <a:ext uri="{FF2B5EF4-FFF2-40B4-BE49-F238E27FC236}">
+                  <a16:creationId xmlns:a16="http://schemas.microsoft.com/office/drawing/2014/main" id="{5584794A-B4CB-A8DE-6F64-ACCB1900E500}"/>
+                </a:ext>
+              </a:extLst>
+            </p:cNvPr>
+            <p:cNvSpPr/>
+            <p:nvPr/>
+          </p:nvSpPr>
+          <p:spPr>
+            <a:xfrm>
+              <a:off x="5862070" y="1486923"/>
+              <a:ext cx="2996926" cy="1025050"/>
+            </a:xfrm>
+            <a:custGeom>
+              <a:avLst/>
+              <a:gdLst>
+                <a:gd name="connsiteX0" fmla="*/ 0 w 2996926"/>
+                <a:gd name="connsiteY0" fmla="*/ 0 h 1025050"/>
+                <a:gd name="connsiteX1" fmla="*/ 2484401 w 2996926"/>
+                <a:gd name="connsiteY1" fmla="*/ 0 h 1025050"/>
+                <a:gd name="connsiteX2" fmla="*/ 2996926 w 2996926"/>
+                <a:gd name="connsiteY2" fmla="*/ 512525 h 1025050"/>
+                <a:gd name="connsiteX3" fmla="*/ 2484401 w 2996926"/>
+                <a:gd name="connsiteY3" fmla="*/ 1025050 h 1025050"/>
+                <a:gd name="connsiteX4" fmla="*/ 0 w 2996926"/>
+                <a:gd name="connsiteY4" fmla="*/ 1025050 h 1025050"/>
+                <a:gd name="connsiteX5" fmla="*/ 512525 w 2996926"/>
+                <a:gd name="connsiteY5" fmla="*/ 512525 h 1025050"/>
+                <a:gd name="connsiteX6" fmla="*/ 0 w 2996926"/>
+                <a:gd name="connsiteY6" fmla="*/ 0 h 1025050"/>
+              </a:gdLst>
+              <a:ahLst/>
+              <a:cxnLst>
+                <a:cxn ang="0">
+                  <a:pos x="connsiteX0" y="connsiteY0"/>
+                </a:cxn>
+                <a:cxn ang="0">
+                  <a:pos x="connsiteX1" y="connsiteY1"/>
+                </a:cxn>
+                <a:cxn ang="0">
+                  <a:pos x="connsiteX2" y="connsiteY2"/>
+                </a:cxn>
+                <a:cxn ang="0">
+                  <a:pos x="connsiteX3" y="connsiteY3"/>
+                </a:cxn>
+                <a:cxn ang="0">
+                  <a:pos x="connsiteX4" y="connsiteY4"/>
+                </a:cxn>
+                <a:cxn ang="0">
+                  <a:pos x="connsiteX5" y="connsiteY5"/>
+                </a:cxn>
+                <a:cxn ang="0">
+                  <a:pos x="connsiteX6" y="connsiteY6"/>
+                </a:cxn>
+              </a:cxnLst>
+              <a:rect l="l" t="t" r="r" b="b"/>
+              <a:pathLst>
+                <a:path w="2996926" h="1025050">
+                  <a:moveTo>
+                    <a:pt x="0" y="0"/>
+                  </a:moveTo>
+                  <a:lnTo>
+                    <a:pt x="2484401" y="0"/>
+                  </a:lnTo>
+                  <a:lnTo>
+                    <a:pt x="2996926" y="512525"/>
+                  </a:lnTo>
+                  <a:lnTo>
+                    <a:pt x="2484401" y="1025050"/>
+                  </a:lnTo>
+                  <a:lnTo>
+                    <a:pt x="0" y="1025050"/>
+                  </a:lnTo>
+                  <a:lnTo>
+                    <a:pt x="512525" y="512525"/>
+                  </a:lnTo>
+                  <a:lnTo>
+                    <a:pt x="0" y="0"/>
+                  </a:lnTo>
+                  <a:close/>
+                </a:path>
+              </a:pathLst>
+            </a:custGeom>
+            <a:solidFill>
+              <a:schemeClr val="accent1">
+                <a:lumMod val="20000"/>
+                <a:lumOff val="80000"/>
+              </a:schemeClr>
+            </a:solidFill>
+            <a:ln>
+              <a:solidFill>
+                <a:schemeClr val="tx1"/>
+              </a:solidFill>
+            </a:ln>
+          </p:spPr>
+          <p:style>
+            <a:lnRef idx="2">
+              <a:schemeClr val="lt1">
+                <a:hueOff val="0"/>
+                <a:satOff val="0"/>
+                <a:lumOff val="0"/>
+                <a:alphaOff val="0"/>
+              </a:schemeClr>
+            </a:lnRef>
+            <a:fillRef idx="1">
+              <a:schemeClr val="accent1">
+                <a:hueOff val="0"/>
+                <a:satOff val="0"/>
+                <a:lumOff val="0"/>
+                <a:alphaOff val="0"/>
+              </a:schemeClr>
+            </a:fillRef>
+            <a:effectRef idx="0">
+              <a:schemeClr val="accent1">
+                <a:hueOff val="0"/>
+                <a:satOff val="0"/>
+                <a:lumOff val="0"/>
+                <a:alphaOff val="0"/>
+              </a:schemeClr>
+            </a:effectRef>
+            <a:fontRef idx="minor">
+              <a:schemeClr val="lt1"/>
+            </a:fontRef>
+          </p:style>
+          <p:txBody>
+            <a:bodyPr spcFirstLastPara="0" vert="horz" wrap="square" lIns="584534" tIns="24003" rIns="536528" bIns="24003" numCol="1" spcCol="1270" anchor="ctr" anchorCtr="0">
+              <a:noAutofit/>
+            </a:bodyPr>
+            <a:lstStyle/>
+            <a:p>
+              <a:pPr marL="0" lvl="0" indent="0" algn="ctr" defTabSz="800100">
+                <a:lnSpc>
+                  <a:spcPct val="90000"/>
+                </a:lnSpc>
+                <a:spcBef>
+                  <a:spcPct val="0"/>
+                </a:spcBef>
+                <a:spcAft>
+                  <a:spcPct val="35000"/>
+                </a:spcAft>
+                <a:buNone/>
+              </a:pPr>
+              <a:endParaRPr lang="en-US" sz="1800" kern="1200" dirty="0">
+                <a:solidFill>
+                  <a:sysClr val="windowText" lastClr="000000"/>
+                </a:solidFill>
+              </a:endParaRPr>
+            </a:p>
+          </p:txBody>
+        </p:sp>
+        <p:sp>
+          <p:nvSpPr>
+            <p:cNvPr id="11" name="Freeform 10">
+              <a:extLst>
+                <a:ext uri="{FF2B5EF4-FFF2-40B4-BE49-F238E27FC236}">
+                  <a16:creationId xmlns:a16="http://schemas.microsoft.com/office/drawing/2014/main" id="{85C42B76-C7BC-3724-D7B6-A5A20AE17506}"/>
+                </a:ext>
+              </a:extLst>
+            </p:cNvPr>
+            <p:cNvSpPr/>
+            <p:nvPr/>
+          </p:nvSpPr>
+          <p:spPr>
+            <a:xfrm>
+              <a:off x="8559304" y="1486923"/>
+              <a:ext cx="2996926" cy="1025050"/>
+            </a:xfrm>
+            <a:custGeom>
+              <a:avLst/>
+              <a:gdLst>
+                <a:gd name="connsiteX0" fmla="*/ 0 w 2996926"/>
+                <a:gd name="connsiteY0" fmla="*/ 0 h 1025050"/>
+                <a:gd name="connsiteX1" fmla="*/ 2484401 w 2996926"/>
+                <a:gd name="connsiteY1" fmla="*/ 0 h 1025050"/>
+                <a:gd name="connsiteX2" fmla="*/ 2996926 w 2996926"/>
+                <a:gd name="connsiteY2" fmla="*/ 512525 h 1025050"/>
+                <a:gd name="connsiteX3" fmla="*/ 2484401 w 2996926"/>
+                <a:gd name="connsiteY3" fmla="*/ 1025050 h 1025050"/>
+                <a:gd name="connsiteX4" fmla="*/ 0 w 2996926"/>
+                <a:gd name="connsiteY4" fmla="*/ 1025050 h 1025050"/>
+                <a:gd name="connsiteX5" fmla="*/ 512525 w 2996926"/>
+                <a:gd name="connsiteY5" fmla="*/ 512525 h 1025050"/>
+                <a:gd name="connsiteX6" fmla="*/ 0 w 2996926"/>
+                <a:gd name="connsiteY6" fmla="*/ 0 h 1025050"/>
+              </a:gdLst>
+              <a:ahLst/>
+              <a:cxnLst>
+                <a:cxn ang="0">
+                  <a:pos x="connsiteX0" y="connsiteY0"/>
+                </a:cxn>
+                <a:cxn ang="0">
+                  <a:pos x="connsiteX1" y="connsiteY1"/>
+                </a:cxn>
+                <a:cxn ang="0">
+                  <a:pos x="connsiteX2" y="connsiteY2"/>
+                </a:cxn>
+                <a:cxn ang="0">
+                  <a:pos x="connsiteX3" y="connsiteY3"/>
+                </a:cxn>
+                <a:cxn ang="0">
+                  <a:pos x="connsiteX4" y="connsiteY4"/>
+                </a:cxn>
+                <a:cxn ang="0">
+                  <a:pos x="connsiteX5" y="connsiteY5"/>
+                </a:cxn>
+                <a:cxn ang="0">
+                  <a:pos x="connsiteX6" y="connsiteY6"/>
+                </a:cxn>
+              </a:cxnLst>
+              <a:rect l="l" t="t" r="r" b="b"/>
+              <a:pathLst>
+                <a:path w="2996926" h="1025050">
+                  <a:moveTo>
+                    <a:pt x="0" y="0"/>
+                  </a:moveTo>
+                  <a:lnTo>
+                    <a:pt x="2484401" y="0"/>
+                  </a:lnTo>
+                  <a:lnTo>
+                    <a:pt x="2996926" y="512525"/>
+                  </a:lnTo>
+                  <a:lnTo>
+                    <a:pt x="2484401" y="1025050"/>
+                  </a:lnTo>
+                  <a:lnTo>
+                    <a:pt x="0" y="1025050"/>
+                  </a:lnTo>
+                  <a:lnTo>
+                    <a:pt x="512525" y="512525"/>
+                  </a:lnTo>
+                  <a:lnTo>
+                    <a:pt x="0" y="0"/>
+                  </a:lnTo>
+                  <a:close/>
+                </a:path>
+              </a:pathLst>
+            </a:custGeom>
+            <a:solidFill>
+              <a:schemeClr val="accent1">
+                <a:lumMod val="20000"/>
+                <a:lumOff val="80000"/>
+              </a:schemeClr>
+            </a:solidFill>
+            <a:ln>
+              <a:solidFill>
+                <a:schemeClr val="tx1"/>
+              </a:solidFill>
+            </a:ln>
+          </p:spPr>
+          <p:style>
+            <a:lnRef idx="2">
+              <a:schemeClr val="lt1">
+                <a:hueOff val="0"/>
+                <a:satOff val="0"/>
+                <a:lumOff val="0"/>
+                <a:alphaOff val="0"/>
+              </a:schemeClr>
+            </a:lnRef>
+            <a:fillRef idx="1">
+              <a:schemeClr val="accent1">
+                <a:hueOff val="0"/>
+                <a:satOff val="0"/>
+                <a:lumOff val="0"/>
+                <a:alphaOff val="0"/>
+              </a:schemeClr>
+            </a:fillRef>
+            <a:effectRef idx="0">
+              <a:schemeClr val="accent1">
+                <a:hueOff val="0"/>
+                <a:satOff val="0"/>
+                <a:lumOff val="0"/>
+                <a:alphaOff val="0"/>
+              </a:schemeClr>
+            </a:effectRef>
+            <a:fontRef idx="minor">
+              <a:schemeClr val="lt1"/>
+            </a:fontRef>
+          </p:style>
+          <p:txBody>
+            <a:bodyPr spcFirstLastPara="0" vert="horz" wrap="square" lIns="584534" tIns="24003" rIns="536528" bIns="24003" numCol="1" spcCol="1270" anchor="ctr" anchorCtr="0">
+              <a:noAutofit/>
+            </a:bodyPr>
+            <a:lstStyle/>
+            <a:p>
+              <a:pPr marL="0" lvl="0" indent="0" algn="ctr" defTabSz="800100">
+                <a:lnSpc>
+                  <a:spcPct val="90000"/>
+                </a:lnSpc>
+                <a:spcBef>
+                  <a:spcPct val="0"/>
+                </a:spcBef>
+                <a:spcAft>
+                  <a:spcPct val="35000"/>
+                </a:spcAft>
+                <a:buNone/>
+              </a:pPr>
+              <a:endParaRPr lang="en-US" sz="1800" kern="1200" dirty="0">
+                <a:solidFill>
+                  <a:sysClr val="windowText" lastClr="000000"/>
+                </a:solidFill>
+              </a:endParaRPr>
+            </a:p>
+          </p:txBody>
+        </p:sp>
+      </p:grpSp>
     </p:spTree>
     <p:extLst>
       <p:ext uri="{BB962C8B-B14F-4D97-AF65-F5344CB8AC3E}">
@@ -7288,6 +8116,664 @@
           </a:p>
         </p:txBody>
       </p:sp>
+      <p:grpSp>
+        <p:nvGrpSpPr>
+          <p:cNvPr id="8" name="Group 7">
+            <a:extLst>
+              <a:ext uri="{FF2B5EF4-FFF2-40B4-BE49-F238E27FC236}">
+                <a16:creationId xmlns:a16="http://schemas.microsoft.com/office/drawing/2014/main" id="{55C04504-9520-A5AF-7A63-0A11BC49F4D4}"/>
+              </a:ext>
+            </a:extLst>
+          </p:cNvPr>
+          <p:cNvGrpSpPr/>
+          <p:nvPr/>
+        </p:nvGrpSpPr>
+        <p:grpSpPr>
+          <a:xfrm>
+            <a:off x="10172512" y="546035"/>
+            <a:ext cx="1627602" cy="150318"/>
+            <a:chOff x="462455" y="1486923"/>
+            <a:chExt cx="11098924" cy="1025050"/>
+          </a:xfrm>
+        </p:grpSpPr>
+        <p:sp>
+          <p:nvSpPr>
+            <p:cNvPr id="9" name="Rectangle 8">
+              <a:extLst>
+                <a:ext uri="{FF2B5EF4-FFF2-40B4-BE49-F238E27FC236}">
+                  <a16:creationId xmlns:a16="http://schemas.microsoft.com/office/drawing/2014/main" id="{3D8D43FC-CD25-9137-872C-33A1291B68A5}"/>
+                </a:ext>
+              </a:extLst>
+            </p:cNvPr>
+            <p:cNvSpPr/>
+            <p:nvPr/>
+          </p:nvSpPr>
+          <p:spPr>
+            <a:xfrm>
+              <a:off x="462455" y="1486923"/>
+              <a:ext cx="11098924" cy="1025050"/>
+            </a:xfrm>
+            <a:prstGeom prst="rect">
+              <a:avLst/>
+            </a:prstGeom>
+            <a:noFill/>
+          </p:spPr>
+        </p:sp>
+        <p:sp>
+          <p:nvSpPr>
+            <p:cNvPr id="10" name="Freeform 9">
+              <a:extLst>
+                <a:ext uri="{FF2B5EF4-FFF2-40B4-BE49-F238E27FC236}">
+                  <a16:creationId xmlns:a16="http://schemas.microsoft.com/office/drawing/2014/main" id="{435D4A74-D3A4-56DA-0CAD-8501671B1CFD}"/>
+                </a:ext>
+              </a:extLst>
+            </p:cNvPr>
+            <p:cNvSpPr/>
+            <p:nvPr/>
+          </p:nvSpPr>
+          <p:spPr>
+            <a:xfrm>
+              <a:off x="467603" y="1486923"/>
+              <a:ext cx="2996926" cy="1025050"/>
+            </a:xfrm>
+            <a:custGeom>
+              <a:avLst/>
+              <a:gdLst>
+                <a:gd name="connsiteX0" fmla="*/ 0 w 2996926"/>
+                <a:gd name="connsiteY0" fmla="*/ 0 h 1025050"/>
+                <a:gd name="connsiteX1" fmla="*/ 2484401 w 2996926"/>
+                <a:gd name="connsiteY1" fmla="*/ 0 h 1025050"/>
+                <a:gd name="connsiteX2" fmla="*/ 2996926 w 2996926"/>
+                <a:gd name="connsiteY2" fmla="*/ 512525 h 1025050"/>
+                <a:gd name="connsiteX3" fmla="*/ 2484401 w 2996926"/>
+                <a:gd name="connsiteY3" fmla="*/ 1025050 h 1025050"/>
+                <a:gd name="connsiteX4" fmla="*/ 0 w 2996926"/>
+                <a:gd name="connsiteY4" fmla="*/ 1025050 h 1025050"/>
+                <a:gd name="connsiteX5" fmla="*/ 512525 w 2996926"/>
+                <a:gd name="connsiteY5" fmla="*/ 512525 h 1025050"/>
+                <a:gd name="connsiteX6" fmla="*/ 0 w 2996926"/>
+                <a:gd name="connsiteY6" fmla="*/ 0 h 1025050"/>
+              </a:gdLst>
+              <a:ahLst/>
+              <a:cxnLst>
+                <a:cxn ang="0">
+                  <a:pos x="connsiteX0" y="connsiteY0"/>
+                </a:cxn>
+                <a:cxn ang="0">
+                  <a:pos x="connsiteX1" y="connsiteY1"/>
+                </a:cxn>
+                <a:cxn ang="0">
+                  <a:pos x="connsiteX2" y="connsiteY2"/>
+                </a:cxn>
+                <a:cxn ang="0">
+                  <a:pos x="connsiteX3" y="connsiteY3"/>
+                </a:cxn>
+                <a:cxn ang="0">
+                  <a:pos x="connsiteX4" y="connsiteY4"/>
+                </a:cxn>
+                <a:cxn ang="0">
+                  <a:pos x="connsiteX5" y="connsiteY5"/>
+                </a:cxn>
+                <a:cxn ang="0">
+                  <a:pos x="connsiteX6" y="connsiteY6"/>
+                </a:cxn>
+              </a:cxnLst>
+              <a:rect l="l" t="t" r="r" b="b"/>
+              <a:pathLst>
+                <a:path w="2996926" h="1025050">
+                  <a:moveTo>
+                    <a:pt x="0" y="0"/>
+                  </a:moveTo>
+                  <a:lnTo>
+                    <a:pt x="2484401" y="0"/>
+                  </a:lnTo>
+                  <a:lnTo>
+                    <a:pt x="2996926" y="512525"/>
+                  </a:lnTo>
+                  <a:lnTo>
+                    <a:pt x="2484401" y="1025050"/>
+                  </a:lnTo>
+                  <a:lnTo>
+                    <a:pt x="0" y="1025050"/>
+                  </a:lnTo>
+                  <a:lnTo>
+                    <a:pt x="512525" y="512525"/>
+                  </a:lnTo>
+                  <a:lnTo>
+                    <a:pt x="0" y="0"/>
+                  </a:lnTo>
+                  <a:close/>
+                </a:path>
+              </a:pathLst>
+            </a:custGeom>
+            <a:solidFill>
+              <a:schemeClr val="accent1">
+                <a:lumMod val="20000"/>
+                <a:lumOff val="80000"/>
+              </a:schemeClr>
+            </a:solidFill>
+            <a:ln>
+              <a:solidFill>
+                <a:schemeClr val="tx1"/>
+              </a:solidFill>
+            </a:ln>
+          </p:spPr>
+          <p:style>
+            <a:lnRef idx="2">
+              <a:schemeClr val="lt1">
+                <a:hueOff val="0"/>
+                <a:satOff val="0"/>
+                <a:lumOff val="0"/>
+                <a:alphaOff val="0"/>
+              </a:schemeClr>
+            </a:lnRef>
+            <a:fillRef idx="1">
+              <a:schemeClr val="accent1">
+                <a:hueOff val="0"/>
+                <a:satOff val="0"/>
+                <a:lumOff val="0"/>
+                <a:alphaOff val="0"/>
+              </a:schemeClr>
+            </a:fillRef>
+            <a:effectRef idx="0">
+              <a:schemeClr val="accent1">
+                <a:hueOff val="0"/>
+                <a:satOff val="0"/>
+                <a:lumOff val="0"/>
+                <a:alphaOff val="0"/>
+              </a:schemeClr>
+            </a:effectRef>
+            <a:fontRef idx="minor">
+              <a:schemeClr val="lt1"/>
+            </a:fontRef>
+          </p:style>
+          <p:txBody>
+            <a:bodyPr spcFirstLastPara="0" vert="horz" wrap="square" lIns="584534" tIns="24003" rIns="536528" bIns="24003" numCol="1" spcCol="1270" anchor="ctr" anchorCtr="0">
+              <a:noAutofit/>
+            </a:bodyPr>
+            <a:lstStyle/>
+            <a:p>
+              <a:pPr algn="ctr" defTabSz="800100">
+                <a:lnSpc>
+                  <a:spcPct val="90000"/>
+                </a:lnSpc>
+                <a:spcBef>
+                  <a:spcPct val="0"/>
+                </a:spcBef>
+                <a:spcAft>
+                  <a:spcPct val="35000"/>
+                </a:spcAft>
+              </a:pPr>
+              <a:endParaRPr lang="en-US" dirty="0">
+                <a:solidFill>
+                  <a:sysClr val="windowText" lastClr="000000"/>
+                </a:solidFill>
+              </a:endParaRPr>
+            </a:p>
+          </p:txBody>
+        </p:sp>
+        <p:sp>
+          <p:nvSpPr>
+            <p:cNvPr id="11" name="Freeform 10">
+              <a:extLst>
+                <a:ext uri="{FF2B5EF4-FFF2-40B4-BE49-F238E27FC236}">
+                  <a16:creationId xmlns:a16="http://schemas.microsoft.com/office/drawing/2014/main" id="{2F9F2F44-D1F6-36F3-9A56-3B982DD07847}"/>
+                </a:ext>
+              </a:extLst>
+            </p:cNvPr>
+            <p:cNvSpPr/>
+            <p:nvPr/>
+          </p:nvSpPr>
+          <p:spPr>
+            <a:xfrm>
+              <a:off x="3164837" y="1486923"/>
+              <a:ext cx="2996926" cy="1025050"/>
+            </a:xfrm>
+            <a:custGeom>
+              <a:avLst/>
+              <a:gdLst>
+                <a:gd name="connsiteX0" fmla="*/ 0 w 2996926"/>
+                <a:gd name="connsiteY0" fmla="*/ 0 h 1025050"/>
+                <a:gd name="connsiteX1" fmla="*/ 2484401 w 2996926"/>
+                <a:gd name="connsiteY1" fmla="*/ 0 h 1025050"/>
+                <a:gd name="connsiteX2" fmla="*/ 2996926 w 2996926"/>
+                <a:gd name="connsiteY2" fmla="*/ 512525 h 1025050"/>
+                <a:gd name="connsiteX3" fmla="*/ 2484401 w 2996926"/>
+                <a:gd name="connsiteY3" fmla="*/ 1025050 h 1025050"/>
+                <a:gd name="connsiteX4" fmla="*/ 0 w 2996926"/>
+                <a:gd name="connsiteY4" fmla="*/ 1025050 h 1025050"/>
+                <a:gd name="connsiteX5" fmla="*/ 512525 w 2996926"/>
+                <a:gd name="connsiteY5" fmla="*/ 512525 h 1025050"/>
+                <a:gd name="connsiteX6" fmla="*/ 0 w 2996926"/>
+                <a:gd name="connsiteY6" fmla="*/ 0 h 1025050"/>
+              </a:gdLst>
+              <a:ahLst/>
+              <a:cxnLst>
+                <a:cxn ang="0">
+                  <a:pos x="connsiteX0" y="connsiteY0"/>
+                </a:cxn>
+                <a:cxn ang="0">
+                  <a:pos x="connsiteX1" y="connsiteY1"/>
+                </a:cxn>
+                <a:cxn ang="0">
+                  <a:pos x="connsiteX2" y="connsiteY2"/>
+                </a:cxn>
+                <a:cxn ang="0">
+                  <a:pos x="connsiteX3" y="connsiteY3"/>
+                </a:cxn>
+                <a:cxn ang="0">
+                  <a:pos x="connsiteX4" y="connsiteY4"/>
+                </a:cxn>
+                <a:cxn ang="0">
+                  <a:pos x="connsiteX5" y="connsiteY5"/>
+                </a:cxn>
+                <a:cxn ang="0">
+                  <a:pos x="connsiteX6" y="connsiteY6"/>
+                </a:cxn>
+              </a:cxnLst>
+              <a:rect l="l" t="t" r="r" b="b"/>
+              <a:pathLst>
+                <a:path w="2996926" h="1025050">
+                  <a:moveTo>
+                    <a:pt x="0" y="0"/>
+                  </a:moveTo>
+                  <a:lnTo>
+                    <a:pt x="2484401" y="0"/>
+                  </a:lnTo>
+                  <a:lnTo>
+                    <a:pt x="2996926" y="512525"/>
+                  </a:lnTo>
+                  <a:lnTo>
+                    <a:pt x="2484401" y="1025050"/>
+                  </a:lnTo>
+                  <a:lnTo>
+                    <a:pt x="0" y="1025050"/>
+                  </a:lnTo>
+                  <a:lnTo>
+                    <a:pt x="512525" y="512525"/>
+                  </a:lnTo>
+                  <a:lnTo>
+                    <a:pt x="0" y="0"/>
+                  </a:lnTo>
+                  <a:close/>
+                </a:path>
+              </a:pathLst>
+            </a:custGeom>
+            <a:solidFill>
+              <a:schemeClr val="accent1">
+                <a:lumMod val="50000"/>
+              </a:schemeClr>
+            </a:solidFill>
+            <a:ln>
+              <a:solidFill>
+                <a:schemeClr val="tx1"/>
+              </a:solidFill>
+            </a:ln>
+          </p:spPr>
+          <p:style>
+            <a:lnRef idx="2">
+              <a:schemeClr val="lt1">
+                <a:hueOff val="0"/>
+                <a:satOff val="0"/>
+                <a:lumOff val="0"/>
+                <a:alphaOff val="0"/>
+              </a:schemeClr>
+            </a:lnRef>
+            <a:fillRef idx="1">
+              <a:schemeClr val="accent1">
+                <a:hueOff val="0"/>
+                <a:satOff val="0"/>
+                <a:lumOff val="0"/>
+                <a:alphaOff val="0"/>
+              </a:schemeClr>
+            </a:fillRef>
+            <a:effectRef idx="0">
+              <a:schemeClr val="accent1">
+                <a:hueOff val="0"/>
+                <a:satOff val="0"/>
+                <a:lumOff val="0"/>
+                <a:alphaOff val="0"/>
+              </a:schemeClr>
+            </a:effectRef>
+            <a:fontRef idx="minor">
+              <a:schemeClr val="lt1"/>
+            </a:fontRef>
+          </p:style>
+          <p:txBody>
+            <a:bodyPr spcFirstLastPara="0" vert="horz" wrap="square" lIns="584534" tIns="24003" rIns="536528" bIns="24003" numCol="1" spcCol="1270" anchor="ctr" anchorCtr="0">
+              <a:noAutofit/>
+            </a:bodyPr>
+            <a:lstStyle/>
+            <a:p>
+              <a:pPr marL="0" lvl="0" indent="0" algn="ctr" defTabSz="800100">
+                <a:lnSpc>
+                  <a:spcPct val="90000"/>
+                </a:lnSpc>
+                <a:spcBef>
+                  <a:spcPct val="0"/>
+                </a:spcBef>
+                <a:spcAft>
+                  <a:spcPct val="35000"/>
+                </a:spcAft>
+                <a:buNone/>
+              </a:pPr>
+              <a:endParaRPr lang="en-US" sz="1800" kern="1200" dirty="0">
+                <a:solidFill>
+                  <a:sysClr val="windowText" lastClr="000000"/>
+                </a:solidFill>
+              </a:endParaRPr>
+            </a:p>
+          </p:txBody>
+        </p:sp>
+        <p:sp>
+          <p:nvSpPr>
+            <p:cNvPr id="12" name="Freeform 11">
+              <a:extLst>
+                <a:ext uri="{FF2B5EF4-FFF2-40B4-BE49-F238E27FC236}">
+                  <a16:creationId xmlns:a16="http://schemas.microsoft.com/office/drawing/2014/main" id="{416BCFA1-D2B2-FED3-17FD-B8D60350AD5D}"/>
+                </a:ext>
+              </a:extLst>
+            </p:cNvPr>
+            <p:cNvSpPr/>
+            <p:nvPr/>
+          </p:nvSpPr>
+          <p:spPr>
+            <a:xfrm>
+              <a:off x="5862070" y="1486923"/>
+              <a:ext cx="2996926" cy="1025050"/>
+            </a:xfrm>
+            <a:custGeom>
+              <a:avLst/>
+              <a:gdLst>
+                <a:gd name="connsiteX0" fmla="*/ 0 w 2996926"/>
+                <a:gd name="connsiteY0" fmla="*/ 0 h 1025050"/>
+                <a:gd name="connsiteX1" fmla="*/ 2484401 w 2996926"/>
+                <a:gd name="connsiteY1" fmla="*/ 0 h 1025050"/>
+                <a:gd name="connsiteX2" fmla="*/ 2996926 w 2996926"/>
+                <a:gd name="connsiteY2" fmla="*/ 512525 h 1025050"/>
+                <a:gd name="connsiteX3" fmla="*/ 2484401 w 2996926"/>
+                <a:gd name="connsiteY3" fmla="*/ 1025050 h 1025050"/>
+                <a:gd name="connsiteX4" fmla="*/ 0 w 2996926"/>
+                <a:gd name="connsiteY4" fmla="*/ 1025050 h 1025050"/>
+                <a:gd name="connsiteX5" fmla="*/ 512525 w 2996926"/>
+                <a:gd name="connsiteY5" fmla="*/ 512525 h 1025050"/>
+                <a:gd name="connsiteX6" fmla="*/ 0 w 2996926"/>
+                <a:gd name="connsiteY6" fmla="*/ 0 h 1025050"/>
+              </a:gdLst>
+              <a:ahLst/>
+              <a:cxnLst>
+                <a:cxn ang="0">
+                  <a:pos x="connsiteX0" y="connsiteY0"/>
+                </a:cxn>
+                <a:cxn ang="0">
+                  <a:pos x="connsiteX1" y="connsiteY1"/>
+                </a:cxn>
+                <a:cxn ang="0">
+                  <a:pos x="connsiteX2" y="connsiteY2"/>
+                </a:cxn>
+                <a:cxn ang="0">
+                  <a:pos x="connsiteX3" y="connsiteY3"/>
+                </a:cxn>
+                <a:cxn ang="0">
+                  <a:pos x="connsiteX4" y="connsiteY4"/>
+                </a:cxn>
+                <a:cxn ang="0">
+                  <a:pos x="connsiteX5" y="connsiteY5"/>
+                </a:cxn>
+                <a:cxn ang="0">
+                  <a:pos x="connsiteX6" y="connsiteY6"/>
+                </a:cxn>
+              </a:cxnLst>
+              <a:rect l="l" t="t" r="r" b="b"/>
+              <a:pathLst>
+                <a:path w="2996926" h="1025050">
+                  <a:moveTo>
+                    <a:pt x="0" y="0"/>
+                  </a:moveTo>
+                  <a:lnTo>
+                    <a:pt x="2484401" y="0"/>
+                  </a:lnTo>
+                  <a:lnTo>
+                    <a:pt x="2996926" y="512525"/>
+                  </a:lnTo>
+                  <a:lnTo>
+                    <a:pt x="2484401" y="1025050"/>
+                  </a:lnTo>
+                  <a:lnTo>
+                    <a:pt x="0" y="1025050"/>
+                  </a:lnTo>
+                  <a:lnTo>
+                    <a:pt x="512525" y="512525"/>
+                  </a:lnTo>
+                  <a:lnTo>
+                    <a:pt x="0" y="0"/>
+                  </a:lnTo>
+                  <a:close/>
+                </a:path>
+              </a:pathLst>
+            </a:custGeom>
+            <a:solidFill>
+              <a:schemeClr val="accent1">
+                <a:lumMod val="20000"/>
+                <a:lumOff val="80000"/>
+              </a:schemeClr>
+            </a:solidFill>
+            <a:ln>
+              <a:solidFill>
+                <a:schemeClr val="tx1"/>
+              </a:solidFill>
+            </a:ln>
+          </p:spPr>
+          <p:style>
+            <a:lnRef idx="2">
+              <a:schemeClr val="lt1">
+                <a:hueOff val="0"/>
+                <a:satOff val="0"/>
+                <a:lumOff val="0"/>
+                <a:alphaOff val="0"/>
+              </a:schemeClr>
+            </a:lnRef>
+            <a:fillRef idx="1">
+              <a:schemeClr val="accent1">
+                <a:hueOff val="0"/>
+                <a:satOff val="0"/>
+                <a:lumOff val="0"/>
+                <a:alphaOff val="0"/>
+              </a:schemeClr>
+            </a:fillRef>
+            <a:effectRef idx="0">
+              <a:schemeClr val="accent1">
+                <a:hueOff val="0"/>
+                <a:satOff val="0"/>
+                <a:lumOff val="0"/>
+                <a:alphaOff val="0"/>
+              </a:schemeClr>
+            </a:effectRef>
+            <a:fontRef idx="minor">
+              <a:schemeClr val="lt1"/>
+            </a:fontRef>
+          </p:style>
+          <p:txBody>
+            <a:bodyPr spcFirstLastPara="0" vert="horz" wrap="square" lIns="584534" tIns="24003" rIns="536528" bIns="24003" numCol="1" spcCol="1270" anchor="ctr" anchorCtr="0">
+              <a:noAutofit/>
+            </a:bodyPr>
+            <a:lstStyle/>
+            <a:p>
+              <a:pPr marL="0" lvl="0" indent="0" algn="ctr" defTabSz="800100">
+                <a:lnSpc>
+                  <a:spcPct val="90000"/>
+                </a:lnSpc>
+                <a:spcBef>
+                  <a:spcPct val="0"/>
+                </a:spcBef>
+                <a:spcAft>
+                  <a:spcPct val="35000"/>
+                </a:spcAft>
+                <a:buNone/>
+              </a:pPr>
+              <a:endParaRPr lang="en-US" sz="1800" kern="1200" dirty="0">
+                <a:solidFill>
+                  <a:sysClr val="windowText" lastClr="000000"/>
+                </a:solidFill>
+              </a:endParaRPr>
+            </a:p>
+          </p:txBody>
+        </p:sp>
+        <p:sp>
+          <p:nvSpPr>
+            <p:cNvPr id="13" name="Freeform 12">
+              <a:extLst>
+                <a:ext uri="{FF2B5EF4-FFF2-40B4-BE49-F238E27FC236}">
+                  <a16:creationId xmlns:a16="http://schemas.microsoft.com/office/drawing/2014/main" id="{7626436E-C8B0-25E6-D041-8F6AD6D97A9C}"/>
+                </a:ext>
+              </a:extLst>
+            </p:cNvPr>
+            <p:cNvSpPr/>
+            <p:nvPr/>
+          </p:nvSpPr>
+          <p:spPr>
+            <a:xfrm>
+              <a:off x="8559304" y="1486923"/>
+              <a:ext cx="2996926" cy="1025050"/>
+            </a:xfrm>
+            <a:custGeom>
+              <a:avLst/>
+              <a:gdLst>
+                <a:gd name="connsiteX0" fmla="*/ 0 w 2996926"/>
+                <a:gd name="connsiteY0" fmla="*/ 0 h 1025050"/>
+                <a:gd name="connsiteX1" fmla="*/ 2484401 w 2996926"/>
+                <a:gd name="connsiteY1" fmla="*/ 0 h 1025050"/>
+                <a:gd name="connsiteX2" fmla="*/ 2996926 w 2996926"/>
+                <a:gd name="connsiteY2" fmla="*/ 512525 h 1025050"/>
+                <a:gd name="connsiteX3" fmla="*/ 2484401 w 2996926"/>
+                <a:gd name="connsiteY3" fmla="*/ 1025050 h 1025050"/>
+                <a:gd name="connsiteX4" fmla="*/ 0 w 2996926"/>
+                <a:gd name="connsiteY4" fmla="*/ 1025050 h 1025050"/>
+                <a:gd name="connsiteX5" fmla="*/ 512525 w 2996926"/>
+                <a:gd name="connsiteY5" fmla="*/ 512525 h 1025050"/>
+                <a:gd name="connsiteX6" fmla="*/ 0 w 2996926"/>
+                <a:gd name="connsiteY6" fmla="*/ 0 h 1025050"/>
+              </a:gdLst>
+              <a:ahLst/>
+              <a:cxnLst>
+                <a:cxn ang="0">
+                  <a:pos x="connsiteX0" y="connsiteY0"/>
+                </a:cxn>
+                <a:cxn ang="0">
+                  <a:pos x="connsiteX1" y="connsiteY1"/>
+                </a:cxn>
+                <a:cxn ang="0">
+                  <a:pos x="connsiteX2" y="connsiteY2"/>
+                </a:cxn>
+                <a:cxn ang="0">
+                  <a:pos x="connsiteX3" y="connsiteY3"/>
+                </a:cxn>
+                <a:cxn ang="0">
+                  <a:pos x="connsiteX4" y="connsiteY4"/>
+                </a:cxn>
+                <a:cxn ang="0">
+                  <a:pos x="connsiteX5" y="connsiteY5"/>
+                </a:cxn>
+                <a:cxn ang="0">
+                  <a:pos x="connsiteX6" y="connsiteY6"/>
+                </a:cxn>
+              </a:cxnLst>
+              <a:rect l="l" t="t" r="r" b="b"/>
+              <a:pathLst>
+                <a:path w="2996926" h="1025050">
+                  <a:moveTo>
+                    <a:pt x="0" y="0"/>
+                  </a:moveTo>
+                  <a:lnTo>
+                    <a:pt x="2484401" y="0"/>
+                  </a:lnTo>
+                  <a:lnTo>
+                    <a:pt x="2996926" y="512525"/>
+                  </a:lnTo>
+                  <a:lnTo>
+                    <a:pt x="2484401" y="1025050"/>
+                  </a:lnTo>
+                  <a:lnTo>
+                    <a:pt x="0" y="1025050"/>
+                  </a:lnTo>
+                  <a:lnTo>
+                    <a:pt x="512525" y="512525"/>
+                  </a:lnTo>
+                  <a:lnTo>
+                    <a:pt x="0" y="0"/>
+                  </a:lnTo>
+                  <a:close/>
+                </a:path>
+              </a:pathLst>
+            </a:custGeom>
+            <a:solidFill>
+              <a:schemeClr val="accent1">
+                <a:lumMod val="20000"/>
+                <a:lumOff val="80000"/>
+              </a:schemeClr>
+            </a:solidFill>
+            <a:ln>
+              <a:solidFill>
+                <a:schemeClr val="tx1"/>
+              </a:solidFill>
+            </a:ln>
+          </p:spPr>
+          <p:style>
+            <a:lnRef idx="2">
+              <a:schemeClr val="lt1">
+                <a:hueOff val="0"/>
+                <a:satOff val="0"/>
+                <a:lumOff val="0"/>
+                <a:alphaOff val="0"/>
+              </a:schemeClr>
+            </a:lnRef>
+            <a:fillRef idx="1">
+              <a:schemeClr val="accent1">
+                <a:hueOff val="0"/>
+                <a:satOff val="0"/>
+                <a:lumOff val="0"/>
+                <a:alphaOff val="0"/>
+              </a:schemeClr>
+            </a:fillRef>
+            <a:effectRef idx="0">
+              <a:schemeClr val="accent1">
+                <a:hueOff val="0"/>
+                <a:satOff val="0"/>
+                <a:lumOff val="0"/>
+                <a:alphaOff val="0"/>
+              </a:schemeClr>
+            </a:effectRef>
+            <a:fontRef idx="minor">
+              <a:schemeClr val="lt1"/>
+            </a:fontRef>
+          </p:style>
+          <p:txBody>
+            <a:bodyPr spcFirstLastPara="0" vert="horz" wrap="square" lIns="584534" tIns="24003" rIns="536528" bIns="24003" numCol="1" spcCol="1270" anchor="ctr" anchorCtr="0">
+              <a:noAutofit/>
+            </a:bodyPr>
+            <a:lstStyle/>
+            <a:p>
+              <a:pPr marL="0" lvl="0" indent="0" algn="ctr" defTabSz="800100">
+                <a:lnSpc>
+                  <a:spcPct val="90000"/>
+                </a:lnSpc>
+                <a:spcBef>
+                  <a:spcPct val="0"/>
+                </a:spcBef>
+                <a:spcAft>
+                  <a:spcPct val="35000"/>
+                </a:spcAft>
+                <a:buNone/>
+              </a:pPr>
+              <a:endParaRPr lang="en-US" sz="1800" kern="1200" dirty="0">
+                <a:solidFill>
+                  <a:sysClr val="windowText" lastClr="000000"/>
+                </a:solidFill>
+              </a:endParaRPr>
+            </a:p>
+          </p:txBody>
+        </p:sp>
+      </p:grpSp>
     </p:spTree>
     <p:extLst>
       <p:ext uri="{BB962C8B-B14F-4D97-AF65-F5344CB8AC3E}">
@@ -7530,7 +9016,7 @@
           <p:nvPr>
             <p:extLst>
               <p:ext uri="{D42A27DB-BD31-4B8C-83A1-F6EECF244321}">
-                <p14:modId xmlns:p14="http://schemas.microsoft.com/office/powerpoint/2010/main" val="1280621257"/>
+                <p14:modId xmlns:p14="http://schemas.microsoft.com/office/powerpoint/2010/main" val="3409525521"/>
               </p:ext>
             </p:extLst>
           </p:nvPr>
@@ -7579,12 +9065,18 @@
                         </a:spcAft>
                       </a:pPr>
                       <a:r>
-                        <a:rPr lang="en-US" sz="1100">
+                        <a:rPr lang="en-US" sz="1100" dirty="0">
+                          <a:solidFill>
+                            <a:schemeClr val="tx1"/>
+                          </a:solidFill>
                           <a:effectLst/>
                         </a:rPr>
                         <a:t>Feature</a:t>
                       </a:r>
-                      <a:endParaRPr lang="en-US" sz="1100">
+                      <a:endParaRPr lang="en-US" sz="1100" dirty="0">
+                        <a:solidFill>
+                          <a:schemeClr val="tx1"/>
+                        </a:solidFill>
                         <a:effectLst/>
                         <a:latin typeface="Calibri" panose="020F0502020204030204" pitchFamily="34" charset="0"/>
                         <a:ea typeface="Calibri" panose="020F0502020204030204" pitchFamily="34" charset="0"/>
@@ -7592,7 +9084,58 @@
                       </a:endParaRPr>
                     </a:p>
                   </a:txBody>
-                  <a:tcPr marL="68580" marR="68580" marT="0" marB="0" anchor="ctr"/>
+                  <a:tcPr marL="68580" marR="68580" marT="0" marB="0" anchor="ctr">
+                    <a:lnL w="12700" cap="flat" cmpd="sng" algn="ctr">
+                      <a:solidFill>
+                        <a:schemeClr val="tx1"/>
+                      </a:solidFill>
+                      <a:prstDash val="solid"/>
+                      <a:round/>
+                      <a:headEnd type="none" w="med" len="med"/>
+                      <a:tailEnd type="none" w="med" len="med"/>
+                    </a:lnL>
+                    <a:lnR w="12700" cap="flat" cmpd="sng" algn="ctr">
+                      <a:solidFill>
+                        <a:schemeClr val="tx1"/>
+                      </a:solidFill>
+                      <a:prstDash val="solid"/>
+                      <a:round/>
+                      <a:headEnd type="none" w="med" len="med"/>
+                      <a:tailEnd type="none" w="med" len="med"/>
+                    </a:lnR>
+                    <a:lnT w="12700" cap="flat" cmpd="sng" algn="ctr">
+                      <a:solidFill>
+                        <a:schemeClr val="tx1"/>
+                      </a:solidFill>
+                      <a:prstDash val="solid"/>
+                      <a:round/>
+                      <a:headEnd type="none" w="med" len="med"/>
+                      <a:tailEnd type="none" w="med" len="med"/>
+                    </a:lnT>
+                    <a:lnB w="12700" cap="flat" cmpd="sng" algn="ctr">
+                      <a:solidFill>
+                        <a:schemeClr val="tx1"/>
+                      </a:solidFill>
+                      <a:prstDash val="solid"/>
+                      <a:round/>
+                      <a:headEnd type="none" w="med" len="med"/>
+                      <a:tailEnd type="none" w="med" len="med"/>
+                    </a:lnB>
+                    <a:lnTlToBr w="12700" cmpd="sng">
+                      <a:noFill/>
+                      <a:prstDash val="solid"/>
+                    </a:lnTlToBr>
+                    <a:lnBlToTr w="12700" cmpd="sng">
+                      <a:noFill/>
+                      <a:prstDash val="solid"/>
+                    </a:lnBlToTr>
+                    <a:solidFill>
+                      <a:schemeClr val="accent1">
+                        <a:lumMod val="20000"/>
+                        <a:lumOff val="80000"/>
+                      </a:schemeClr>
+                    </a:solidFill>
+                  </a:tcPr>
                 </a:tc>
                 <a:tc>
                   <a:txBody>
@@ -7611,12 +9154,18 @@
                         </a:spcAft>
                       </a:pPr>
                       <a:r>
-                        <a:rPr lang="en-US" sz="1100">
+                        <a:rPr lang="en-US" sz="1100" dirty="0">
+                          <a:solidFill>
+                            <a:schemeClr val="tx1"/>
+                          </a:solidFill>
                           <a:effectLst/>
                         </a:rPr>
                         <a:t>Correlation with Price</a:t>
                       </a:r>
-                      <a:endParaRPr lang="en-US" sz="1100">
+                      <a:endParaRPr lang="en-US" sz="1100" dirty="0">
+                        <a:solidFill>
+                          <a:schemeClr val="tx1"/>
+                        </a:solidFill>
                         <a:effectLst/>
                         <a:latin typeface="Calibri" panose="020F0502020204030204" pitchFamily="34" charset="0"/>
                         <a:ea typeface="Calibri" panose="020F0502020204030204" pitchFamily="34" charset="0"/>
@@ -7624,7 +9173,58 @@
                       </a:endParaRPr>
                     </a:p>
                   </a:txBody>
-                  <a:tcPr marL="68580" marR="68580" marT="0" marB="0" anchor="ctr"/>
+                  <a:tcPr marL="68580" marR="68580" marT="0" marB="0" anchor="ctr">
+                    <a:lnL w="12700" cap="flat" cmpd="sng" algn="ctr">
+                      <a:solidFill>
+                        <a:schemeClr val="tx1"/>
+                      </a:solidFill>
+                      <a:prstDash val="solid"/>
+                      <a:round/>
+                      <a:headEnd type="none" w="med" len="med"/>
+                      <a:tailEnd type="none" w="med" len="med"/>
+                    </a:lnL>
+                    <a:lnR w="12700" cap="flat" cmpd="sng" algn="ctr">
+                      <a:solidFill>
+                        <a:schemeClr val="tx1"/>
+                      </a:solidFill>
+                      <a:prstDash val="solid"/>
+                      <a:round/>
+                      <a:headEnd type="none" w="med" len="med"/>
+                      <a:tailEnd type="none" w="med" len="med"/>
+                    </a:lnR>
+                    <a:lnT w="12700" cap="flat" cmpd="sng" algn="ctr">
+                      <a:solidFill>
+                        <a:schemeClr val="tx1"/>
+                      </a:solidFill>
+                      <a:prstDash val="solid"/>
+                      <a:round/>
+                      <a:headEnd type="none" w="med" len="med"/>
+                      <a:tailEnd type="none" w="med" len="med"/>
+                    </a:lnT>
+                    <a:lnB w="12700" cap="flat" cmpd="sng" algn="ctr">
+                      <a:solidFill>
+                        <a:schemeClr val="tx1"/>
+                      </a:solidFill>
+                      <a:prstDash val="solid"/>
+                      <a:round/>
+                      <a:headEnd type="none" w="med" len="med"/>
+                      <a:tailEnd type="none" w="med" len="med"/>
+                    </a:lnB>
+                    <a:lnTlToBr w="12700" cmpd="sng">
+                      <a:noFill/>
+                      <a:prstDash val="solid"/>
+                    </a:lnTlToBr>
+                    <a:lnBlToTr w="12700" cmpd="sng">
+                      <a:noFill/>
+                      <a:prstDash val="solid"/>
+                    </a:lnBlToTr>
+                    <a:solidFill>
+                      <a:schemeClr val="accent1">
+                        <a:lumMod val="20000"/>
+                        <a:lumOff val="80000"/>
+                      </a:schemeClr>
+                    </a:solidFill>
+                  </a:tcPr>
                 </a:tc>
                 <a:extLst>
                   <a:ext uri="{0D108BD9-81ED-4DB2-BD59-A6C34878D82A}">
@@ -7650,12 +9250,18 @@
                         </a:spcAft>
                       </a:pPr>
                       <a:r>
-                        <a:rPr lang="en-US" sz="1100">
+                        <a:rPr lang="en-US" sz="1100" dirty="0" err="1">
+                          <a:solidFill>
+                            <a:schemeClr val="tx1"/>
+                          </a:solidFill>
                           <a:effectLst/>
                         </a:rPr>
                         <a:t>total_credit_amt</a:t>
                       </a:r>
-                      <a:endParaRPr lang="en-US" sz="1100">
+                      <a:endParaRPr lang="en-US" sz="1100" dirty="0">
+                        <a:solidFill>
+                          <a:schemeClr val="tx1"/>
+                        </a:solidFill>
                         <a:effectLst/>
                         <a:latin typeface="Calibri" panose="020F0502020204030204" pitchFamily="34" charset="0"/>
                         <a:ea typeface="Calibri" panose="020F0502020204030204" pitchFamily="34" charset="0"/>
@@ -7663,7 +9269,53 @@
                       </a:endParaRPr>
                     </a:p>
                   </a:txBody>
-                  <a:tcPr marL="68580" marR="68580" marT="0" marB="0" anchor="ctr"/>
+                  <a:tcPr marL="68580" marR="68580" marT="0" marB="0" anchor="ctr">
+                    <a:lnL w="12700" cap="flat" cmpd="sng" algn="ctr">
+                      <a:solidFill>
+                        <a:schemeClr val="tx1"/>
+                      </a:solidFill>
+                      <a:prstDash val="solid"/>
+                      <a:round/>
+                      <a:headEnd type="none" w="med" len="med"/>
+                      <a:tailEnd type="none" w="med" len="med"/>
+                    </a:lnL>
+                    <a:lnR w="12700" cap="flat" cmpd="sng" algn="ctr">
+                      <a:solidFill>
+                        <a:schemeClr val="tx1"/>
+                      </a:solidFill>
+                      <a:prstDash val="solid"/>
+                      <a:round/>
+                      <a:headEnd type="none" w="med" len="med"/>
+                      <a:tailEnd type="none" w="med" len="med"/>
+                    </a:lnR>
+                    <a:lnT w="12700" cap="flat" cmpd="sng" algn="ctr">
+                      <a:solidFill>
+                        <a:schemeClr val="tx1"/>
+                      </a:solidFill>
+                      <a:prstDash val="solid"/>
+                      <a:round/>
+                      <a:headEnd type="none" w="med" len="med"/>
+                      <a:tailEnd type="none" w="med" len="med"/>
+                    </a:lnT>
+                    <a:lnB w="12700" cap="flat" cmpd="sng" algn="ctr">
+                      <a:solidFill>
+                        <a:schemeClr val="tx1"/>
+                      </a:solidFill>
+                      <a:prstDash val="sysDot"/>
+                      <a:round/>
+                      <a:headEnd type="none" w="med" len="med"/>
+                      <a:tailEnd type="none" w="med" len="med"/>
+                    </a:lnB>
+                    <a:lnTlToBr w="12700" cmpd="sng">
+                      <a:noFill/>
+                      <a:prstDash val="solid"/>
+                    </a:lnTlToBr>
+                    <a:lnBlToTr w="12700" cmpd="sng">
+                      <a:noFill/>
+                      <a:prstDash val="solid"/>
+                    </a:lnBlToTr>
+                    <a:noFill/>
+                  </a:tcPr>
                 </a:tc>
                 <a:tc>
                   <a:txBody>
@@ -7683,11 +9335,17 @@
                       </a:pPr>
                       <a:r>
                         <a:rPr lang="en-US" sz="1100">
+                          <a:solidFill>
+                            <a:schemeClr val="tx1"/>
+                          </a:solidFill>
                           <a:effectLst/>
                         </a:rPr>
                         <a:t>0.215</a:t>
                       </a:r>
                       <a:endParaRPr lang="en-US" sz="1100">
+                        <a:solidFill>
+                          <a:schemeClr val="tx1"/>
+                        </a:solidFill>
                         <a:effectLst/>
                         <a:latin typeface="Calibri" panose="020F0502020204030204" pitchFamily="34" charset="0"/>
                         <a:ea typeface="Calibri" panose="020F0502020204030204" pitchFamily="34" charset="0"/>
@@ -7695,7 +9353,53 @@
                       </a:endParaRPr>
                     </a:p>
                   </a:txBody>
-                  <a:tcPr marL="68580" marR="68580" marT="0" marB="0" anchor="ctr"/>
+                  <a:tcPr marL="68580" marR="68580" marT="0" marB="0" anchor="ctr">
+                    <a:lnL w="12700" cap="flat" cmpd="sng" algn="ctr">
+                      <a:solidFill>
+                        <a:schemeClr val="tx1"/>
+                      </a:solidFill>
+                      <a:prstDash val="solid"/>
+                      <a:round/>
+                      <a:headEnd type="none" w="med" len="med"/>
+                      <a:tailEnd type="none" w="med" len="med"/>
+                    </a:lnL>
+                    <a:lnR w="12700" cap="flat" cmpd="sng" algn="ctr">
+                      <a:solidFill>
+                        <a:schemeClr val="tx1"/>
+                      </a:solidFill>
+                      <a:prstDash val="solid"/>
+                      <a:round/>
+                      <a:headEnd type="none" w="med" len="med"/>
+                      <a:tailEnd type="none" w="med" len="med"/>
+                    </a:lnR>
+                    <a:lnT w="12700" cap="flat" cmpd="sng" algn="ctr">
+                      <a:solidFill>
+                        <a:schemeClr val="tx1"/>
+                      </a:solidFill>
+                      <a:prstDash val="solid"/>
+                      <a:round/>
+                      <a:headEnd type="none" w="med" len="med"/>
+                      <a:tailEnd type="none" w="med" len="med"/>
+                    </a:lnT>
+                    <a:lnB w="12700" cap="flat" cmpd="sng" algn="ctr">
+                      <a:solidFill>
+                        <a:schemeClr val="tx1"/>
+                      </a:solidFill>
+                      <a:prstDash val="sysDot"/>
+                      <a:round/>
+                      <a:headEnd type="none" w="med" len="med"/>
+                      <a:tailEnd type="none" w="med" len="med"/>
+                    </a:lnB>
+                    <a:lnTlToBr w="12700" cmpd="sng">
+                      <a:noFill/>
+                      <a:prstDash val="solid"/>
+                    </a:lnTlToBr>
+                    <a:lnBlToTr w="12700" cmpd="sng">
+                      <a:noFill/>
+                      <a:prstDash val="solid"/>
+                    </a:lnBlToTr>
+                    <a:noFill/>
+                  </a:tcPr>
                 </a:tc>
                 <a:extLst>
                   <a:ext uri="{0D108BD9-81ED-4DB2-BD59-A6C34878D82A}">
@@ -7721,12 +9425,18 @@
                         </a:spcAft>
                       </a:pPr>
                       <a:r>
-                        <a:rPr lang="en-US" sz="1100">
+                        <a:rPr lang="en-US" sz="1100" dirty="0" err="1">
+                          <a:solidFill>
+                            <a:schemeClr val="tx1"/>
+                          </a:solidFill>
                           <a:effectLst/>
                         </a:rPr>
                         <a:t>taxable_income_amt</a:t>
                       </a:r>
-                      <a:endParaRPr lang="en-US" sz="1100">
+                      <a:endParaRPr lang="en-US" sz="1100" dirty="0">
+                        <a:solidFill>
+                          <a:schemeClr val="tx1"/>
+                        </a:solidFill>
                         <a:effectLst/>
                         <a:latin typeface="Calibri" panose="020F0502020204030204" pitchFamily="34" charset="0"/>
                         <a:ea typeface="Calibri" panose="020F0502020204030204" pitchFamily="34" charset="0"/>
@@ -7734,7 +9444,53 @@
                       </a:endParaRPr>
                     </a:p>
                   </a:txBody>
-                  <a:tcPr marL="68580" marR="68580" marT="0" marB="0" anchor="ctr"/>
+                  <a:tcPr marL="68580" marR="68580" marT="0" marB="0" anchor="ctr">
+                    <a:lnL w="12700" cap="flat" cmpd="sng" algn="ctr">
+                      <a:solidFill>
+                        <a:schemeClr val="tx1"/>
+                      </a:solidFill>
+                      <a:prstDash val="solid"/>
+                      <a:round/>
+                      <a:headEnd type="none" w="med" len="med"/>
+                      <a:tailEnd type="none" w="med" len="med"/>
+                    </a:lnL>
+                    <a:lnR w="12700" cap="flat" cmpd="sng" algn="ctr">
+                      <a:solidFill>
+                        <a:schemeClr val="tx1"/>
+                      </a:solidFill>
+                      <a:prstDash val="solid"/>
+                      <a:round/>
+                      <a:headEnd type="none" w="med" len="med"/>
+                      <a:tailEnd type="none" w="med" len="med"/>
+                    </a:lnR>
+                    <a:lnT w="12700" cap="flat" cmpd="sng" algn="ctr">
+                      <a:solidFill>
+                        <a:schemeClr val="tx1"/>
+                      </a:solidFill>
+                      <a:prstDash val="sysDot"/>
+                      <a:round/>
+                      <a:headEnd type="none" w="med" len="med"/>
+                      <a:tailEnd type="none" w="med" len="med"/>
+                    </a:lnT>
+                    <a:lnB w="12700" cap="flat" cmpd="sng" algn="ctr">
+                      <a:solidFill>
+                        <a:schemeClr val="tx1"/>
+                      </a:solidFill>
+                      <a:prstDash val="sysDot"/>
+                      <a:round/>
+                      <a:headEnd type="none" w="med" len="med"/>
+                      <a:tailEnd type="none" w="med" len="med"/>
+                    </a:lnB>
+                    <a:lnTlToBr w="12700" cmpd="sng">
+                      <a:noFill/>
+                      <a:prstDash val="solid"/>
+                    </a:lnTlToBr>
+                    <a:lnBlToTr w="12700" cmpd="sng">
+                      <a:noFill/>
+                      <a:prstDash val="solid"/>
+                    </a:lnBlToTr>
+                    <a:noFill/>
+                  </a:tcPr>
                 </a:tc>
                 <a:tc>
                   <a:txBody>
@@ -7753,12 +9509,18 @@
                         </a:spcAft>
                       </a:pPr>
                       <a:r>
-                        <a:rPr lang="en-US" sz="1100">
+                        <a:rPr lang="en-US" sz="1100" dirty="0">
+                          <a:solidFill>
+                            <a:schemeClr val="tx1"/>
+                          </a:solidFill>
                           <a:effectLst/>
                         </a:rPr>
                         <a:t>0.292</a:t>
                       </a:r>
-                      <a:endParaRPr lang="en-US" sz="1100">
+                      <a:endParaRPr lang="en-US" sz="1100" dirty="0">
+                        <a:solidFill>
+                          <a:schemeClr val="tx1"/>
+                        </a:solidFill>
                         <a:effectLst/>
                         <a:latin typeface="Calibri" panose="020F0502020204030204" pitchFamily="34" charset="0"/>
                         <a:ea typeface="Calibri" panose="020F0502020204030204" pitchFamily="34" charset="0"/>
@@ -7766,7 +9528,53 @@
                       </a:endParaRPr>
                     </a:p>
                   </a:txBody>
-                  <a:tcPr marL="68580" marR="68580" marT="0" marB="0" anchor="ctr"/>
+                  <a:tcPr marL="68580" marR="68580" marT="0" marB="0" anchor="ctr">
+                    <a:lnL w="12700" cap="flat" cmpd="sng" algn="ctr">
+                      <a:solidFill>
+                        <a:schemeClr val="tx1"/>
+                      </a:solidFill>
+                      <a:prstDash val="solid"/>
+                      <a:round/>
+                      <a:headEnd type="none" w="med" len="med"/>
+                      <a:tailEnd type="none" w="med" len="med"/>
+                    </a:lnL>
+                    <a:lnR w="12700" cap="flat" cmpd="sng" algn="ctr">
+                      <a:solidFill>
+                        <a:schemeClr val="tx1"/>
+                      </a:solidFill>
+                      <a:prstDash val="solid"/>
+                      <a:round/>
+                      <a:headEnd type="none" w="med" len="med"/>
+                      <a:tailEnd type="none" w="med" len="med"/>
+                    </a:lnR>
+                    <a:lnT w="12700" cap="flat" cmpd="sng" algn="ctr">
+                      <a:solidFill>
+                        <a:schemeClr val="tx1"/>
+                      </a:solidFill>
+                      <a:prstDash val="sysDot"/>
+                      <a:round/>
+                      <a:headEnd type="none" w="med" len="med"/>
+                      <a:tailEnd type="none" w="med" len="med"/>
+                    </a:lnT>
+                    <a:lnB w="12700" cap="flat" cmpd="sng" algn="ctr">
+                      <a:solidFill>
+                        <a:schemeClr val="tx1"/>
+                      </a:solidFill>
+                      <a:prstDash val="sysDot"/>
+                      <a:round/>
+                      <a:headEnd type="none" w="med" len="med"/>
+                      <a:tailEnd type="none" w="med" len="med"/>
+                    </a:lnB>
+                    <a:lnTlToBr w="12700" cmpd="sng">
+                      <a:noFill/>
+                      <a:prstDash val="solid"/>
+                    </a:lnTlToBr>
+                    <a:lnBlToTr w="12700" cmpd="sng">
+                      <a:noFill/>
+                      <a:prstDash val="solid"/>
+                    </a:lnBlToTr>
+                    <a:noFill/>
+                  </a:tcPr>
                 </a:tc>
                 <a:extLst>
                   <a:ext uri="{0D108BD9-81ED-4DB2-BD59-A6C34878D82A}">
@@ -7792,12 +9600,18 @@
                         </a:spcAft>
                       </a:pPr>
                       <a:r>
-                        <a:rPr lang="en-US" sz="1100">
+                        <a:rPr lang="en-US" sz="1100" dirty="0" err="1">
+                          <a:solidFill>
+                            <a:schemeClr val="tx1"/>
+                          </a:solidFill>
                           <a:effectLst/>
                         </a:rPr>
                         <a:t>mortgageint_amt</a:t>
                       </a:r>
-                      <a:endParaRPr lang="en-US" sz="1100">
+                      <a:endParaRPr lang="en-US" sz="1100" dirty="0">
+                        <a:solidFill>
+                          <a:schemeClr val="tx1"/>
+                        </a:solidFill>
                         <a:effectLst/>
                         <a:latin typeface="Calibri" panose="020F0502020204030204" pitchFamily="34" charset="0"/>
                         <a:ea typeface="Calibri" panose="020F0502020204030204" pitchFamily="34" charset="0"/>
@@ -7805,7 +9619,53 @@
                       </a:endParaRPr>
                     </a:p>
                   </a:txBody>
-                  <a:tcPr marL="68580" marR="68580" marT="0" marB="0" anchor="ctr"/>
+                  <a:tcPr marL="68580" marR="68580" marT="0" marB="0" anchor="ctr">
+                    <a:lnL w="12700" cap="flat" cmpd="sng" algn="ctr">
+                      <a:solidFill>
+                        <a:schemeClr val="tx1"/>
+                      </a:solidFill>
+                      <a:prstDash val="solid"/>
+                      <a:round/>
+                      <a:headEnd type="none" w="med" len="med"/>
+                      <a:tailEnd type="none" w="med" len="med"/>
+                    </a:lnL>
+                    <a:lnR w="12700" cap="flat" cmpd="sng" algn="ctr">
+                      <a:solidFill>
+                        <a:schemeClr val="tx1"/>
+                      </a:solidFill>
+                      <a:prstDash val="solid"/>
+                      <a:round/>
+                      <a:headEnd type="none" w="med" len="med"/>
+                      <a:tailEnd type="none" w="med" len="med"/>
+                    </a:lnR>
+                    <a:lnT w="12700" cap="flat" cmpd="sng" algn="ctr">
+                      <a:solidFill>
+                        <a:schemeClr val="tx1"/>
+                      </a:solidFill>
+                      <a:prstDash val="sysDot"/>
+                      <a:round/>
+                      <a:headEnd type="none" w="med" len="med"/>
+                      <a:tailEnd type="none" w="med" len="med"/>
+                    </a:lnT>
+                    <a:lnB w="12700" cap="flat" cmpd="sng" algn="ctr">
+                      <a:solidFill>
+                        <a:schemeClr val="tx1"/>
+                      </a:solidFill>
+                      <a:prstDash val="sysDot"/>
+                      <a:round/>
+                      <a:headEnd type="none" w="med" len="med"/>
+                      <a:tailEnd type="none" w="med" len="med"/>
+                    </a:lnB>
+                    <a:lnTlToBr w="12700" cmpd="sng">
+                      <a:noFill/>
+                      <a:prstDash val="solid"/>
+                    </a:lnTlToBr>
+                    <a:lnBlToTr w="12700" cmpd="sng">
+                      <a:noFill/>
+                      <a:prstDash val="solid"/>
+                    </a:lnBlToTr>
+                    <a:noFill/>
+                  </a:tcPr>
                 </a:tc>
                 <a:tc>
                   <a:txBody>
@@ -7824,12 +9684,18 @@
                         </a:spcAft>
                       </a:pPr>
                       <a:r>
-                        <a:rPr lang="en-US" sz="1100">
+                        <a:rPr lang="en-US" sz="1100" dirty="0">
+                          <a:solidFill>
+                            <a:schemeClr val="tx1"/>
+                          </a:solidFill>
                           <a:effectLst/>
                         </a:rPr>
                         <a:t>0.174</a:t>
                       </a:r>
-                      <a:endParaRPr lang="en-US" sz="1100">
+                      <a:endParaRPr lang="en-US" sz="1100" dirty="0">
+                        <a:solidFill>
+                          <a:schemeClr val="tx1"/>
+                        </a:solidFill>
                         <a:effectLst/>
                         <a:latin typeface="Calibri" panose="020F0502020204030204" pitchFamily="34" charset="0"/>
                         <a:ea typeface="Calibri" panose="020F0502020204030204" pitchFamily="34" charset="0"/>
@@ -7837,7 +9703,53 @@
                       </a:endParaRPr>
                     </a:p>
                   </a:txBody>
-                  <a:tcPr marL="68580" marR="68580" marT="0" marB="0" anchor="ctr"/>
+                  <a:tcPr marL="68580" marR="68580" marT="0" marB="0" anchor="ctr">
+                    <a:lnL w="12700" cap="flat" cmpd="sng" algn="ctr">
+                      <a:solidFill>
+                        <a:schemeClr val="tx1"/>
+                      </a:solidFill>
+                      <a:prstDash val="solid"/>
+                      <a:round/>
+                      <a:headEnd type="none" w="med" len="med"/>
+                      <a:tailEnd type="none" w="med" len="med"/>
+                    </a:lnL>
+                    <a:lnR w="12700" cap="flat" cmpd="sng" algn="ctr">
+                      <a:solidFill>
+                        <a:schemeClr val="tx1"/>
+                      </a:solidFill>
+                      <a:prstDash val="solid"/>
+                      <a:round/>
+                      <a:headEnd type="none" w="med" len="med"/>
+                      <a:tailEnd type="none" w="med" len="med"/>
+                    </a:lnR>
+                    <a:lnT w="12700" cap="flat" cmpd="sng" algn="ctr">
+                      <a:solidFill>
+                        <a:schemeClr val="tx1"/>
+                      </a:solidFill>
+                      <a:prstDash val="sysDot"/>
+                      <a:round/>
+                      <a:headEnd type="none" w="med" len="med"/>
+                      <a:tailEnd type="none" w="med" len="med"/>
+                    </a:lnT>
+                    <a:lnB w="12700" cap="flat" cmpd="sng" algn="ctr">
+                      <a:solidFill>
+                        <a:schemeClr val="tx1"/>
+                      </a:solidFill>
+                      <a:prstDash val="sysDot"/>
+                      <a:round/>
+                      <a:headEnd type="none" w="med" len="med"/>
+                      <a:tailEnd type="none" w="med" len="med"/>
+                    </a:lnB>
+                    <a:lnTlToBr w="12700" cmpd="sng">
+                      <a:noFill/>
+                      <a:prstDash val="solid"/>
+                    </a:lnTlToBr>
+                    <a:lnBlToTr w="12700" cmpd="sng">
+                      <a:noFill/>
+                      <a:prstDash val="solid"/>
+                    </a:lnBlToTr>
+                    <a:noFill/>
+                  </a:tcPr>
                 </a:tc>
                 <a:extLst>
                   <a:ext uri="{0D108BD9-81ED-4DB2-BD59-A6C34878D82A}">
@@ -7864,11 +9776,17 @@
                       </a:pPr>
                       <a:r>
                         <a:rPr lang="en-US" sz="1100">
+                          <a:solidFill>
+                            <a:schemeClr val="tx1"/>
+                          </a:solidFill>
                           <a:effectLst/>
                         </a:rPr>
                         <a:t>p_mortgageint_nr</a:t>
                       </a:r>
                       <a:endParaRPr lang="en-US" sz="1100">
+                        <a:solidFill>
+                          <a:schemeClr val="tx1"/>
+                        </a:solidFill>
                         <a:effectLst/>
                         <a:latin typeface="Calibri" panose="020F0502020204030204" pitchFamily="34" charset="0"/>
                         <a:ea typeface="Calibri" panose="020F0502020204030204" pitchFamily="34" charset="0"/>
@@ -7876,7 +9794,53 @@
                       </a:endParaRPr>
                     </a:p>
                   </a:txBody>
-                  <a:tcPr marL="68580" marR="68580" marT="0" marB="0" anchor="ctr"/>
+                  <a:tcPr marL="68580" marR="68580" marT="0" marB="0" anchor="ctr">
+                    <a:lnL w="12700" cap="flat" cmpd="sng" algn="ctr">
+                      <a:solidFill>
+                        <a:schemeClr val="tx1"/>
+                      </a:solidFill>
+                      <a:prstDash val="solid"/>
+                      <a:round/>
+                      <a:headEnd type="none" w="med" len="med"/>
+                      <a:tailEnd type="none" w="med" len="med"/>
+                    </a:lnL>
+                    <a:lnR w="12700" cap="flat" cmpd="sng" algn="ctr">
+                      <a:solidFill>
+                        <a:schemeClr val="tx1"/>
+                      </a:solidFill>
+                      <a:prstDash val="solid"/>
+                      <a:round/>
+                      <a:headEnd type="none" w="med" len="med"/>
+                      <a:tailEnd type="none" w="med" len="med"/>
+                    </a:lnR>
+                    <a:lnT w="12700" cap="flat" cmpd="sng" algn="ctr">
+                      <a:solidFill>
+                        <a:schemeClr val="tx1"/>
+                      </a:solidFill>
+                      <a:prstDash val="sysDot"/>
+                      <a:round/>
+                      <a:headEnd type="none" w="med" len="med"/>
+                      <a:tailEnd type="none" w="med" len="med"/>
+                    </a:lnT>
+                    <a:lnB w="12700" cap="flat" cmpd="sng" algn="ctr">
+                      <a:solidFill>
+                        <a:schemeClr val="tx1"/>
+                      </a:solidFill>
+                      <a:prstDash val="sysDot"/>
+                      <a:round/>
+                      <a:headEnd type="none" w="med" len="med"/>
+                      <a:tailEnd type="none" w="med" len="med"/>
+                    </a:lnB>
+                    <a:lnTlToBr w="12700" cmpd="sng">
+                      <a:noFill/>
+                      <a:prstDash val="solid"/>
+                    </a:lnTlToBr>
+                    <a:lnBlToTr w="12700" cmpd="sng">
+                      <a:noFill/>
+                      <a:prstDash val="solid"/>
+                    </a:lnBlToTr>
+                    <a:noFill/>
+                  </a:tcPr>
                 </a:tc>
                 <a:tc>
                   <a:txBody>
@@ -7896,11 +9860,17 @@
                       </a:pPr>
                       <a:r>
                         <a:rPr lang="en-US" sz="1100">
+                          <a:solidFill>
+                            <a:schemeClr val="tx1"/>
+                          </a:solidFill>
                           <a:effectLst/>
                         </a:rPr>
                         <a:t>0.020</a:t>
                       </a:r>
                       <a:endParaRPr lang="en-US" sz="1100">
+                        <a:solidFill>
+                          <a:schemeClr val="tx1"/>
+                        </a:solidFill>
                         <a:effectLst/>
                         <a:latin typeface="Calibri" panose="020F0502020204030204" pitchFamily="34" charset="0"/>
                         <a:ea typeface="Calibri" panose="020F0502020204030204" pitchFamily="34" charset="0"/>
@@ -7908,7 +9878,53 @@
                       </a:endParaRPr>
                     </a:p>
                   </a:txBody>
-                  <a:tcPr marL="68580" marR="68580" marT="0" marB="0" anchor="ctr"/>
+                  <a:tcPr marL="68580" marR="68580" marT="0" marB="0" anchor="ctr">
+                    <a:lnL w="12700" cap="flat" cmpd="sng" algn="ctr">
+                      <a:solidFill>
+                        <a:schemeClr val="tx1"/>
+                      </a:solidFill>
+                      <a:prstDash val="solid"/>
+                      <a:round/>
+                      <a:headEnd type="none" w="med" len="med"/>
+                      <a:tailEnd type="none" w="med" len="med"/>
+                    </a:lnL>
+                    <a:lnR w="12700" cap="flat" cmpd="sng" algn="ctr">
+                      <a:solidFill>
+                        <a:schemeClr val="tx1"/>
+                      </a:solidFill>
+                      <a:prstDash val="solid"/>
+                      <a:round/>
+                      <a:headEnd type="none" w="med" len="med"/>
+                      <a:tailEnd type="none" w="med" len="med"/>
+                    </a:lnR>
+                    <a:lnT w="12700" cap="flat" cmpd="sng" algn="ctr">
+                      <a:solidFill>
+                        <a:schemeClr val="tx1"/>
+                      </a:solidFill>
+                      <a:prstDash val="sysDot"/>
+                      <a:round/>
+                      <a:headEnd type="none" w="med" len="med"/>
+                      <a:tailEnd type="none" w="med" len="med"/>
+                    </a:lnT>
+                    <a:lnB w="12700" cap="flat" cmpd="sng" algn="ctr">
+                      <a:solidFill>
+                        <a:schemeClr val="tx1"/>
+                      </a:solidFill>
+                      <a:prstDash val="sysDot"/>
+                      <a:round/>
+                      <a:headEnd type="none" w="med" len="med"/>
+                      <a:tailEnd type="none" w="med" len="med"/>
+                    </a:lnB>
+                    <a:lnTlToBr w="12700" cmpd="sng">
+                      <a:noFill/>
+                      <a:prstDash val="solid"/>
+                    </a:lnTlToBr>
+                    <a:lnBlToTr w="12700" cmpd="sng">
+                      <a:noFill/>
+                      <a:prstDash val="solid"/>
+                    </a:lnBlToTr>
+                    <a:noFill/>
+                  </a:tcPr>
                 </a:tc>
                 <a:extLst>
                   <a:ext uri="{0D108BD9-81ED-4DB2-BD59-A6C34878D82A}">
@@ -7935,11 +9951,17 @@
                       </a:pPr>
                       <a:r>
                         <a:rPr lang="en-US" sz="1100">
+                          <a:solidFill>
+                            <a:schemeClr val="tx1"/>
+                          </a:solidFill>
                           <a:effectLst/>
                         </a:rPr>
                         <a:t>inctax_amt</a:t>
                       </a:r>
                       <a:endParaRPr lang="en-US" sz="1100">
+                        <a:solidFill>
+                          <a:schemeClr val="tx1"/>
+                        </a:solidFill>
                         <a:effectLst/>
                         <a:latin typeface="Calibri" panose="020F0502020204030204" pitchFamily="34" charset="0"/>
                         <a:ea typeface="Calibri" panose="020F0502020204030204" pitchFamily="34" charset="0"/>
@@ -7947,7 +9969,53 @@
                       </a:endParaRPr>
                     </a:p>
                   </a:txBody>
-                  <a:tcPr marL="68580" marR="68580" marT="0" marB="0" anchor="ctr"/>
+                  <a:tcPr marL="68580" marR="68580" marT="0" marB="0" anchor="ctr">
+                    <a:lnL w="12700" cap="flat" cmpd="sng" algn="ctr">
+                      <a:solidFill>
+                        <a:schemeClr val="tx1"/>
+                      </a:solidFill>
+                      <a:prstDash val="solid"/>
+                      <a:round/>
+                      <a:headEnd type="none" w="med" len="med"/>
+                      <a:tailEnd type="none" w="med" len="med"/>
+                    </a:lnL>
+                    <a:lnR w="12700" cap="flat" cmpd="sng" algn="ctr">
+                      <a:solidFill>
+                        <a:schemeClr val="tx1"/>
+                      </a:solidFill>
+                      <a:prstDash val="solid"/>
+                      <a:round/>
+                      <a:headEnd type="none" w="med" len="med"/>
+                      <a:tailEnd type="none" w="med" len="med"/>
+                    </a:lnR>
+                    <a:lnT w="12700" cap="flat" cmpd="sng" algn="ctr">
+                      <a:solidFill>
+                        <a:schemeClr val="tx1"/>
+                      </a:solidFill>
+                      <a:prstDash val="sysDot"/>
+                      <a:round/>
+                      <a:headEnd type="none" w="med" len="med"/>
+                      <a:tailEnd type="none" w="med" len="med"/>
+                    </a:lnT>
+                    <a:lnB w="12700" cap="flat" cmpd="sng" algn="ctr">
+                      <a:solidFill>
+                        <a:schemeClr val="tx1"/>
+                      </a:solidFill>
+                      <a:prstDash val="sysDot"/>
+                      <a:round/>
+                      <a:headEnd type="none" w="med" len="med"/>
+                      <a:tailEnd type="none" w="med" len="med"/>
+                    </a:lnB>
+                    <a:lnTlToBr w="12700" cmpd="sng">
+                      <a:noFill/>
+                      <a:prstDash val="solid"/>
+                    </a:lnTlToBr>
+                    <a:lnBlToTr w="12700" cmpd="sng">
+                      <a:noFill/>
+                      <a:prstDash val="solid"/>
+                    </a:lnBlToTr>
+                    <a:noFill/>
+                  </a:tcPr>
                 </a:tc>
                 <a:tc>
                   <a:txBody>
@@ -7966,12 +10034,18 @@
                         </a:spcAft>
                       </a:pPr>
                       <a:r>
-                        <a:rPr lang="en-US" sz="1100">
+                        <a:rPr lang="en-US" sz="1100" dirty="0">
+                          <a:solidFill>
+                            <a:schemeClr val="tx1"/>
+                          </a:solidFill>
                           <a:effectLst/>
                         </a:rPr>
                         <a:t>0.292</a:t>
                       </a:r>
-                      <a:endParaRPr lang="en-US" sz="1100">
+                      <a:endParaRPr lang="en-US" sz="1100" dirty="0">
+                        <a:solidFill>
+                          <a:schemeClr val="tx1"/>
+                        </a:solidFill>
                         <a:effectLst/>
                         <a:latin typeface="Calibri" panose="020F0502020204030204" pitchFamily="34" charset="0"/>
                         <a:ea typeface="Calibri" panose="020F0502020204030204" pitchFamily="34" charset="0"/>
@@ -7979,7 +10053,53 @@
                       </a:endParaRPr>
                     </a:p>
                   </a:txBody>
-                  <a:tcPr marL="68580" marR="68580" marT="0" marB="0" anchor="ctr"/>
+                  <a:tcPr marL="68580" marR="68580" marT="0" marB="0" anchor="ctr">
+                    <a:lnL w="12700" cap="flat" cmpd="sng" algn="ctr">
+                      <a:solidFill>
+                        <a:schemeClr val="tx1"/>
+                      </a:solidFill>
+                      <a:prstDash val="solid"/>
+                      <a:round/>
+                      <a:headEnd type="none" w="med" len="med"/>
+                      <a:tailEnd type="none" w="med" len="med"/>
+                    </a:lnL>
+                    <a:lnR w="12700" cap="flat" cmpd="sng" algn="ctr">
+                      <a:solidFill>
+                        <a:schemeClr val="tx1"/>
+                      </a:solidFill>
+                      <a:prstDash val="solid"/>
+                      <a:round/>
+                      <a:headEnd type="none" w="med" len="med"/>
+                      <a:tailEnd type="none" w="med" len="med"/>
+                    </a:lnR>
+                    <a:lnT w="12700" cap="flat" cmpd="sng" algn="ctr">
+                      <a:solidFill>
+                        <a:schemeClr val="tx1"/>
+                      </a:solidFill>
+                      <a:prstDash val="sysDot"/>
+                      <a:round/>
+                      <a:headEnd type="none" w="med" len="med"/>
+                      <a:tailEnd type="none" w="med" len="med"/>
+                    </a:lnT>
+                    <a:lnB w="12700" cap="flat" cmpd="sng" algn="ctr">
+                      <a:solidFill>
+                        <a:schemeClr val="tx1"/>
+                      </a:solidFill>
+                      <a:prstDash val="sysDot"/>
+                      <a:round/>
+                      <a:headEnd type="none" w="med" len="med"/>
+                      <a:tailEnd type="none" w="med" len="med"/>
+                    </a:lnB>
+                    <a:lnTlToBr w="12700" cmpd="sng">
+                      <a:noFill/>
+                      <a:prstDash val="solid"/>
+                    </a:lnTlToBr>
+                    <a:lnBlToTr w="12700" cmpd="sng">
+                      <a:noFill/>
+                      <a:prstDash val="solid"/>
+                    </a:lnBlToTr>
+                    <a:noFill/>
+                  </a:tcPr>
                 </a:tc>
                 <a:extLst>
                   <a:ext uri="{0D108BD9-81ED-4DB2-BD59-A6C34878D82A}">
@@ -8006,11 +10126,17 @@
                       </a:pPr>
                       <a:r>
                         <a:rPr lang="en-US" sz="1100">
+                          <a:solidFill>
+                            <a:schemeClr val="tx1"/>
+                          </a:solidFill>
                           <a:effectLst/>
                         </a:rPr>
                         <a:t>p_unemploy_nr</a:t>
                       </a:r>
                       <a:endParaRPr lang="en-US" sz="1100">
+                        <a:solidFill>
+                          <a:schemeClr val="tx1"/>
+                        </a:solidFill>
                         <a:effectLst/>
                         <a:latin typeface="Calibri" panose="020F0502020204030204" pitchFamily="34" charset="0"/>
                         <a:ea typeface="Calibri" panose="020F0502020204030204" pitchFamily="34" charset="0"/>
@@ -8018,7 +10144,53 @@
                       </a:endParaRPr>
                     </a:p>
                   </a:txBody>
-                  <a:tcPr marL="68580" marR="68580" marT="0" marB="0" anchor="ctr"/>
+                  <a:tcPr marL="68580" marR="68580" marT="0" marB="0" anchor="ctr">
+                    <a:lnL w="12700" cap="flat" cmpd="sng" algn="ctr">
+                      <a:solidFill>
+                        <a:schemeClr val="tx1"/>
+                      </a:solidFill>
+                      <a:prstDash val="solid"/>
+                      <a:round/>
+                      <a:headEnd type="none" w="med" len="med"/>
+                      <a:tailEnd type="none" w="med" len="med"/>
+                    </a:lnL>
+                    <a:lnR w="12700" cap="flat" cmpd="sng" algn="ctr">
+                      <a:solidFill>
+                        <a:schemeClr val="tx1"/>
+                      </a:solidFill>
+                      <a:prstDash val="solid"/>
+                      <a:round/>
+                      <a:headEnd type="none" w="med" len="med"/>
+                      <a:tailEnd type="none" w="med" len="med"/>
+                    </a:lnR>
+                    <a:lnT w="12700" cap="flat" cmpd="sng" algn="ctr">
+                      <a:solidFill>
+                        <a:schemeClr val="tx1"/>
+                      </a:solidFill>
+                      <a:prstDash val="sysDot"/>
+                      <a:round/>
+                      <a:headEnd type="none" w="med" len="med"/>
+                      <a:tailEnd type="none" w="med" len="med"/>
+                    </a:lnT>
+                    <a:lnB w="12700" cap="flat" cmpd="sng" algn="ctr">
+                      <a:solidFill>
+                        <a:schemeClr val="tx1"/>
+                      </a:solidFill>
+                      <a:prstDash val="sysDot"/>
+                      <a:round/>
+                      <a:headEnd type="none" w="med" len="med"/>
+                      <a:tailEnd type="none" w="med" len="med"/>
+                    </a:lnB>
+                    <a:lnTlToBr w="12700" cmpd="sng">
+                      <a:noFill/>
+                      <a:prstDash val="solid"/>
+                    </a:lnTlToBr>
+                    <a:lnBlToTr w="12700" cmpd="sng">
+                      <a:noFill/>
+                      <a:prstDash val="solid"/>
+                    </a:lnBlToTr>
+                    <a:noFill/>
+                  </a:tcPr>
                 </a:tc>
                 <a:tc>
                   <a:txBody>
@@ -8037,12 +10209,18 @@
                         </a:spcAft>
                       </a:pPr>
                       <a:r>
-                        <a:rPr lang="en-US" sz="1100">
+                        <a:rPr lang="en-US" sz="1100" dirty="0">
+                          <a:solidFill>
+                            <a:schemeClr val="tx1"/>
+                          </a:solidFill>
                           <a:effectLst/>
                         </a:rPr>
                         <a:t>-0.176</a:t>
                       </a:r>
-                      <a:endParaRPr lang="en-US" sz="1100">
+                      <a:endParaRPr lang="en-US" sz="1100" dirty="0">
+                        <a:solidFill>
+                          <a:schemeClr val="tx1"/>
+                        </a:solidFill>
                         <a:effectLst/>
                         <a:latin typeface="Calibri" panose="020F0502020204030204" pitchFamily="34" charset="0"/>
                         <a:ea typeface="Calibri" panose="020F0502020204030204" pitchFamily="34" charset="0"/>
@@ -8050,7 +10228,53 @@
                       </a:endParaRPr>
                     </a:p>
                   </a:txBody>
-                  <a:tcPr marL="68580" marR="68580" marT="0" marB="0" anchor="ctr"/>
+                  <a:tcPr marL="68580" marR="68580" marT="0" marB="0" anchor="ctr">
+                    <a:lnL w="12700" cap="flat" cmpd="sng" algn="ctr">
+                      <a:solidFill>
+                        <a:schemeClr val="tx1"/>
+                      </a:solidFill>
+                      <a:prstDash val="solid"/>
+                      <a:round/>
+                      <a:headEnd type="none" w="med" len="med"/>
+                      <a:tailEnd type="none" w="med" len="med"/>
+                    </a:lnL>
+                    <a:lnR w="12700" cap="flat" cmpd="sng" algn="ctr">
+                      <a:solidFill>
+                        <a:schemeClr val="tx1"/>
+                      </a:solidFill>
+                      <a:prstDash val="solid"/>
+                      <a:round/>
+                      <a:headEnd type="none" w="med" len="med"/>
+                      <a:tailEnd type="none" w="med" len="med"/>
+                    </a:lnR>
+                    <a:lnT w="12700" cap="flat" cmpd="sng" algn="ctr">
+                      <a:solidFill>
+                        <a:schemeClr val="tx1"/>
+                      </a:solidFill>
+                      <a:prstDash val="sysDot"/>
+                      <a:round/>
+                      <a:headEnd type="none" w="med" len="med"/>
+                      <a:tailEnd type="none" w="med" len="med"/>
+                    </a:lnT>
+                    <a:lnB w="12700" cap="flat" cmpd="sng" algn="ctr">
+                      <a:solidFill>
+                        <a:schemeClr val="tx1"/>
+                      </a:solidFill>
+                      <a:prstDash val="sysDot"/>
+                      <a:round/>
+                      <a:headEnd type="none" w="med" len="med"/>
+                      <a:tailEnd type="none" w="med" len="med"/>
+                    </a:lnB>
+                    <a:lnTlToBr w="12700" cmpd="sng">
+                      <a:noFill/>
+                      <a:prstDash val="solid"/>
+                    </a:lnTlToBr>
+                    <a:lnBlToTr w="12700" cmpd="sng">
+                      <a:noFill/>
+                      <a:prstDash val="solid"/>
+                    </a:lnBlToTr>
+                    <a:noFill/>
+                  </a:tcPr>
                 </a:tc>
                 <a:extLst>
                   <a:ext uri="{0D108BD9-81ED-4DB2-BD59-A6C34878D82A}">
@@ -8077,11 +10301,17 @@
                       </a:pPr>
                       <a:r>
                         <a:rPr lang="en-US" sz="1100">
+                          <a:solidFill>
+                            <a:schemeClr val="tx1"/>
+                          </a:solidFill>
                           <a:effectLst/>
                         </a:rPr>
                         <a:t>agi_amt</a:t>
                       </a:r>
                       <a:endParaRPr lang="en-US" sz="1100">
+                        <a:solidFill>
+                          <a:schemeClr val="tx1"/>
+                        </a:solidFill>
                         <a:effectLst/>
                         <a:latin typeface="Calibri" panose="020F0502020204030204" pitchFamily="34" charset="0"/>
                         <a:ea typeface="Calibri" panose="020F0502020204030204" pitchFamily="34" charset="0"/>
@@ -8089,7 +10319,53 @@
                       </a:endParaRPr>
                     </a:p>
                   </a:txBody>
-                  <a:tcPr marL="68580" marR="68580" marT="0" marB="0" anchor="ctr"/>
+                  <a:tcPr marL="68580" marR="68580" marT="0" marB="0" anchor="ctr">
+                    <a:lnL w="12700" cap="flat" cmpd="sng" algn="ctr">
+                      <a:solidFill>
+                        <a:schemeClr val="tx1"/>
+                      </a:solidFill>
+                      <a:prstDash val="solid"/>
+                      <a:round/>
+                      <a:headEnd type="none" w="med" len="med"/>
+                      <a:tailEnd type="none" w="med" len="med"/>
+                    </a:lnL>
+                    <a:lnR w="12700" cap="flat" cmpd="sng" algn="ctr">
+                      <a:solidFill>
+                        <a:schemeClr val="tx1"/>
+                      </a:solidFill>
+                      <a:prstDash val="solid"/>
+                      <a:round/>
+                      <a:headEnd type="none" w="med" len="med"/>
+                      <a:tailEnd type="none" w="med" len="med"/>
+                    </a:lnR>
+                    <a:lnT w="12700" cap="flat" cmpd="sng" algn="ctr">
+                      <a:solidFill>
+                        <a:schemeClr val="tx1"/>
+                      </a:solidFill>
+                      <a:prstDash val="sysDot"/>
+                      <a:round/>
+                      <a:headEnd type="none" w="med" len="med"/>
+                      <a:tailEnd type="none" w="med" len="med"/>
+                    </a:lnT>
+                    <a:lnB w="12700" cap="flat" cmpd="sng" algn="ctr">
+                      <a:solidFill>
+                        <a:schemeClr val="tx1"/>
+                      </a:solidFill>
+                      <a:prstDash val="sysDot"/>
+                      <a:round/>
+                      <a:headEnd type="none" w="med" len="med"/>
+                      <a:tailEnd type="none" w="med" len="med"/>
+                    </a:lnB>
+                    <a:lnTlToBr w="12700" cmpd="sng">
+                      <a:noFill/>
+                      <a:prstDash val="solid"/>
+                    </a:lnTlToBr>
+                    <a:lnBlToTr w="12700" cmpd="sng">
+                      <a:noFill/>
+                      <a:prstDash val="solid"/>
+                    </a:lnBlToTr>
+                    <a:noFill/>
+                  </a:tcPr>
                 </a:tc>
                 <a:tc>
                   <a:txBody>
@@ -8108,12 +10384,18 @@
                         </a:spcAft>
                       </a:pPr>
                       <a:r>
-                        <a:rPr lang="en-US" sz="1100">
+                        <a:rPr lang="en-US" sz="1100" dirty="0">
+                          <a:solidFill>
+                            <a:schemeClr val="tx1"/>
+                          </a:solidFill>
                           <a:effectLst/>
                         </a:rPr>
                         <a:t>0.288</a:t>
                       </a:r>
-                      <a:endParaRPr lang="en-US" sz="1100">
+                      <a:endParaRPr lang="en-US" sz="1100" dirty="0">
+                        <a:solidFill>
+                          <a:schemeClr val="tx1"/>
+                        </a:solidFill>
                         <a:effectLst/>
                         <a:latin typeface="Calibri" panose="020F0502020204030204" pitchFamily="34" charset="0"/>
                         <a:ea typeface="Calibri" panose="020F0502020204030204" pitchFamily="34" charset="0"/>
@@ -8121,7 +10403,53 @@
                       </a:endParaRPr>
                     </a:p>
                   </a:txBody>
-                  <a:tcPr marL="68580" marR="68580" marT="0" marB="0" anchor="ctr"/>
+                  <a:tcPr marL="68580" marR="68580" marT="0" marB="0" anchor="ctr">
+                    <a:lnL w="12700" cap="flat" cmpd="sng" algn="ctr">
+                      <a:solidFill>
+                        <a:schemeClr val="tx1"/>
+                      </a:solidFill>
+                      <a:prstDash val="solid"/>
+                      <a:round/>
+                      <a:headEnd type="none" w="med" len="med"/>
+                      <a:tailEnd type="none" w="med" len="med"/>
+                    </a:lnL>
+                    <a:lnR w="12700" cap="flat" cmpd="sng" algn="ctr">
+                      <a:solidFill>
+                        <a:schemeClr val="tx1"/>
+                      </a:solidFill>
+                      <a:prstDash val="solid"/>
+                      <a:round/>
+                      <a:headEnd type="none" w="med" len="med"/>
+                      <a:tailEnd type="none" w="med" len="med"/>
+                    </a:lnR>
+                    <a:lnT w="12700" cap="flat" cmpd="sng" algn="ctr">
+                      <a:solidFill>
+                        <a:schemeClr val="tx1"/>
+                      </a:solidFill>
+                      <a:prstDash val="sysDot"/>
+                      <a:round/>
+                      <a:headEnd type="none" w="med" len="med"/>
+                      <a:tailEnd type="none" w="med" len="med"/>
+                    </a:lnT>
+                    <a:lnB w="12700" cap="flat" cmpd="sng" algn="ctr">
+                      <a:solidFill>
+                        <a:schemeClr val="tx1"/>
+                      </a:solidFill>
+                      <a:prstDash val="sysDot"/>
+                      <a:round/>
+                      <a:headEnd type="none" w="med" len="med"/>
+                      <a:tailEnd type="none" w="med" len="med"/>
+                    </a:lnB>
+                    <a:lnTlToBr w="12700" cmpd="sng">
+                      <a:noFill/>
+                      <a:prstDash val="solid"/>
+                    </a:lnTlToBr>
+                    <a:lnBlToTr w="12700" cmpd="sng">
+                      <a:noFill/>
+                      <a:prstDash val="solid"/>
+                    </a:lnBlToTr>
+                    <a:noFill/>
+                  </a:tcPr>
                 </a:tc>
                 <a:extLst>
                   <a:ext uri="{0D108BD9-81ED-4DB2-BD59-A6C34878D82A}">
@@ -8148,11 +10476,17 @@
                       </a:pPr>
                       <a:r>
                         <a:rPr lang="en-US" sz="1100">
+                          <a:solidFill>
+                            <a:schemeClr val="tx1"/>
+                          </a:solidFill>
                           <a:effectLst/>
                         </a:rPr>
                         <a:t>num_dependents</a:t>
                       </a:r>
                       <a:endParaRPr lang="en-US" sz="1100">
+                        <a:solidFill>
+                          <a:schemeClr val="tx1"/>
+                        </a:solidFill>
                         <a:effectLst/>
                         <a:latin typeface="Calibri" panose="020F0502020204030204" pitchFamily="34" charset="0"/>
                         <a:ea typeface="Calibri" panose="020F0502020204030204" pitchFamily="34" charset="0"/>
@@ -8160,7 +10494,53 @@
                       </a:endParaRPr>
                     </a:p>
                   </a:txBody>
-                  <a:tcPr marL="68580" marR="68580" marT="0" marB="0" anchor="ctr"/>
+                  <a:tcPr marL="68580" marR="68580" marT="0" marB="0" anchor="ctr">
+                    <a:lnL w="12700" cap="flat" cmpd="sng" algn="ctr">
+                      <a:solidFill>
+                        <a:schemeClr val="tx1"/>
+                      </a:solidFill>
+                      <a:prstDash val="solid"/>
+                      <a:round/>
+                      <a:headEnd type="none" w="med" len="med"/>
+                      <a:tailEnd type="none" w="med" len="med"/>
+                    </a:lnL>
+                    <a:lnR w="12700" cap="flat" cmpd="sng" algn="ctr">
+                      <a:solidFill>
+                        <a:schemeClr val="tx1"/>
+                      </a:solidFill>
+                      <a:prstDash val="solid"/>
+                      <a:round/>
+                      <a:headEnd type="none" w="med" len="med"/>
+                      <a:tailEnd type="none" w="med" len="med"/>
+                    </a:lnR>
+                    <a:lnT w="12700" cap="flat" cmpd="sng" algn="ctr">
+                      <a:solidFill>
+                        <a:schemeClr val="tx1"/>
+                      </a:solidFill>
+                      <a:prstDash val="sysDot"/>
+                      <a:round/>
+                      <a:headEnd type="none" w="med" len="med"/>
+                      <a:tailEnd type="none" w="med" len="med"/>
+                    </a:lnT>
+                    <a:lnB w="12700" cap="flat" cmpd="sng" algn="ctr">
+                      <a:solidFill>
+                        <a:schemeClr val="tx1"/>
+                      </a:solidFill>
+                      <a:prstDash val="sysDot"/>
+                      <a:round/>
+                      <a:headEnd type="none" w="med" len="med"/>
+                      <a:tailEnd type="none" w="med" len="med"/>
+                    </a:lnB>
+                    <a:lnTlToBr w="12700" cmpd="sng">
+                      <a:noFill/>
+                      <a:prstDash val="solid"/>
+                    </a:lnTlToBr>
+                    <a:lnBlToTr w="12700" cmpd="sng">
+                      <a:noFill/>
+                      <a:prstDash val="solid"/>
+                    </a:lnBlToTr>
+                    <a:noFill/>
+                  </a:tcPr>
                 </a:tc>
                 <a:tc>
                   <a:txBody>
@@ -8179,12 +10559,18 @@
                         </a:spcAft>
                       </a:pPr>
                       <a:r>
-                        <a:rPr lang="en-US" sz="1100">
+                        <a:rPr lang="en-US" sz="1100" dirty="0">
+                          <a:solidFill>
+                            <a:schemeClr val="tx1"/>
+                          </a:solidFill>
                           <a:effectLst/>
                         </a:rPr>
                         <a:t>-0.144</a:t>
                       </a:r>
-                      <a:endParaRPr lang="en-US" sz="1100">
+                      <a:endParaRPr lang="en-US" sz="1100" dirty="0">
+                        <a:solidFill>
+                          <a:schemeClr val="tx1"/>
+                        </a:solidFill>
                         <a:effectLst/>
                         <a:latin typeface="Calibri" panose="020F0502020204030204" pitchFamily="34" charset="0"/>
                         <a:ea typeface="Calibri" panose="020F0502020204030204" pitchFamily="34" charset="0"/>
@@ -8192,7 +10578,53 @@
                       </a:endParaRPr>
                     </a:p>
                   </a:txBody>
-                  <a:tcPr marL="68580" marR="68580" marT="0" marB="0" anchor="ctr"/>
+                  <a:tcPr marL="68580" marR="68580" marT="0" marB="0" anchor="ctr">
+                    <a:lnL w="12700" cap="flat" cmpd="sng" algn="ctr">
+                      <a:solidFill>
+                        <a:schemeClr val="tx1"/>
+                      </a:solidFill>
+                      <a:prstDash val="solid"/>
+                      <a:round/>
+                      <a:headEnd type="none" w="med" len="med"/>
+                      <a:tailEnd type="none" w="med" len="med"/>
+                    </a:lnL>
+                    <a:lnR w="12700" cap="flat" cmpd="sng" algn="ctr">
+                      <a:solidFill>
+                        <a:schemeClr val="tx1"/>
+                      </a:solidFill>
+                      <a:prstDash val="solid"/>
+                      <a:round/>
+                      <a:headEnd type="none" w="med" len="med"/>
+                      <a:tailEnd type="none" w="med" len="med"/>
+                    </a:lnR>
+                    <a:lnT w="12700" cap="flat" cmpd="sng" algn="ctr">
+                      <a:solidFill>
+                        <a:schemeClr val="tx1"/>
+                      </a:solidFill>
+                      <a:prstDash val="sysDot"/>
+                      <a:round/>
+                      <a:headEnd type="none" w="med" len="med"/>
+                      <a:tailEnd type="none" w="med" len="med"/>
+                    </a:lnT>
+                    <a:lnB w="12700" cap="flat" cmpd="sng" algn="ctr">
+                      <a:solidFill>
+                        <a:schemeClr val="tx1"/>
+                      </a:solidFill>
+                      <a:prstDash val="sysDot"/>
+                      <a:round/>
+                      <a:headEnd type="none" w="med" len="med"/>
+                      <a:tailEnd type="none" w="med" len="med"/>
+                    </a:lnB>
+                    <a:lnTlToBr w="12700" cmpd="sng">
+                      <a:noFill/>
+                      <a:prstDash val="solid"/>
+                    </a:lnTlToBr>
+                    <a:lnBlToTr w="12700" cmpd="sng">
+                      <a:noFill/>
+                      <a:prstDash val="solid"/>
+                    </a:lnBlToTr>
+                    <a:noFill/>
+                  </a:tcPr>
                 </a:tc>
                 <a:extLst>
                   <a:ext uri="{0D108BD9-81ED-4DB2-BD59-A6C34878D82A}">
@@ -8219,11 +10651,17 @@
                       </a:pPr>
                       <a:r>
                         <a:rPr lang="en-US" sz="1100">
+                          <a:solidFill>
+                            <a:schemeClr val="tx1"/>
+                          </a:solidFill>
                           <a:effectLst/>
                         </a:rPr>
                         <a:t>p_re_taxes_nr</a:t>
                       </a:r>
                       <a:endParaRPr lang="en-US" sz="1100">
+                        <a:solidFill>
+                          <a:schemeClr val="tx1"/>
+                        </a:solidFill>
                         <a:effectLst/>
                         <a:latin typeface="Calibri" panose="020F0502020204030204" pitchFamily="34" charset="0"/>
                         <a:ea typeface="Calibri" panose="020F0502020204030204" pitchFamily="34" charset="0"/>
@@ -8231,7 +10669,53 @@
                       </a:endParaRPr>
                     </a:p>
                   </a:txBody>
-                  <a:tcPr marL="68580" marR="68580" marT="0" marB="0" anchor="ctr"/>
+                  <a:tcPr marL="68580" marR="68580" marT="0" marB="0" anchor="ctr">
+                    <a:lnL w="12700" cap="flat" cmpd="sng" algn="ctr">
+                      <a:solidFill>
+                        <a:schemeClr val="tx1"/>
+                      </a:solidFill>
+                      <a:prstDash val="solid"/>
+                      <a:round/>
+                      <a:headEnd type="none" w="med" len="med"/>
+                      <a:tailEnd type="none" w="med" len="med"/>
+                    </a:lnL>
+                    <a:lnR w="12700" cap="flat" cmpd="sng" algn="ctr">
+                      <a:solidFill>
+                        <a:schemeClr val="tx1"/>
+                      </a:solidFill>
+                      <a:prstDash val="solid"/>
+                      <a:round/>
+                      <a:headEnd type="none" w="med" len="med"/>
+                      <a:tailEnd type="none" w="med" len="med"/>
+                    </a:lnR>
+                    <a:lnT w="12700" cap="flat" cmpd="sng" algn="ctr">
+                      <a:solidFill>
+                        <a:schemeClr val="tx1"/>
+                      </a:solidFill>
+                      <a:prstDash val="sysDot"/>
+                      <a:round/>
+                      <a:headEnd type="none" w="med" len="med"/>
+                      <a:tailEnd type="none" w="med" len="med"/>
+                    </a:lnT>
+                    <a:lnB w="12700" cap="flat" cmpd="sng" algn="ctr">
+                      <a:solidFill>
+                        <a:schemeClr val="tx1"/>
+                      </a:solidFill>
+                      <a:prstDash val="sysDot"/>
+                      <a:round/>
+                      <a:headEnd type="none" w="med" len="med"/>
+                      <a:tailEnd type="none" w="med" len="med"/>
+                    </a:lnB>
+                    <a:lnTlToBr w="12700" cmpd="sng">
+                      <a:noFill/>
+                      <a:prstDash val="solid"/>
+                    </a:lnTlToBr>
+                    <a:lnBlToTr w="12700" cmpd="sng">
+                      <a:noFill/>
+                      <a:prstDash val="solid"/>
+                    </a:lnBlToTr>
+                    <a:noFill/>
+                  </a:tcPr>
                 </a:tc>
                 <a:tc>
                   <a:txBody>
@@ -8250,12 +10734,18 @@
                         </a:spcAft>
                       </a:pPr>
                       <a:r>
-                        <a:rPr lang="en-US" sz="1100">
+                        <a:rPr lang="en-US" sz="1100" dirty="0">
+                          <a:solidFill>
+                            <a:schemeClr val="tx1"/>
+                          </a:solidFill>
                           <a:effectLst/>
                         </a:rPr>
                         <a:t>0.032</a:t>
                       </a:r>
-                      <a:endParaRPr lang="en-US" sz="1100">
+                      <a:endParaRPr lang="en-US" sz="1100" dirty="0">
+                        <a:solidFill>
+                          <a:schemeClr val="tx1"/>
+                        </a:solidFill>
                         <a:effectLst/>
                         <a:latin typeface="Calibri" panose="020F0502020204030204" pitchFamily="34" charset="0"/>
                         <a:ea typeface="Calibri" panose="020F0502020204030204" pitchFamily="34" charset="0"/>
@@ -8263,7 +10753,53 @@
                       </a:endParaRPr>
                     </a:p>
                   </a:txBody>
-                  <a:tcPr marL="68580" marR="68580" marT="0" marB="0" anchor="ctr"/>
+                  <a:tcPr marL="68580" marR="68580" marT="0" marB="0" anchor="ctr">
+                    <a:lnL w="12700" cap="flat" cmpd="sng" algn="ctr">
+                      <a:solidFill>
+                        <a:schemeClr val="tx1"/>
+                      </a:solidFill>
+                      <a:prstDash val="solid"/>
+                      <a:round/>
+                      <a:headEnd type="none" w="med" len="med"/>
+                      <a:tailEnd type="none" w="med" len="med"/>
+                    </a:lnL>
+                    <a:lnR w="12700" cap="flat" cmpd="sng" algn="ctr">
+                      <a:solidFill>
+                        <a:schemeClr val="tx1"/>
+                      </a:solidFill>
+                      <a:prstDash val="solid"/>
+                      <a:round/>
+                      <a:headEnd type="none" w="med" len="med"/>
+                      <a:tailEnd type="none" w="med" len="med"/>
+                    </a:lnR>
+                    <a:lnT w="12700" cap="flat" cmpd="sng" algn="ctr">
+                      <a:solidFill>
+                        <a:schemeClr val="tx1"/>
+                      </a:solidFill>
+                      <a:prstDash val="sysDot"/>
+                      <a:round/>
+                      <a:headEnd type="none" w="med" len="med"/>
+                      <a:tailEnd type="none" w="med" len="med"/>
+                    </a:lnT>
+                    <a:lnB w="12700" cap="flat" cmpd="sng" algn="ctr">
+                      <a:solidFill>
+                        <a:schemeClr val="tx1"/>
+                      </a:solidFill>
+                      <a:prstDash val="sysDot"/>
+                      <a:round/>
+                      <a:headEnd type="none" w="med" len="med"/>
+                      <a:tailEnd type="none" w="med" len="med"/>
+                    </a:lnB>
+                    <a:lnTlToBr w="12700" cmpd="sng">
+                      <a:noFill/>
+                      <a:prstDash val="solid"/>
+                    </a:lnTlToBr>
+                    <a:lnBlToTr w="12700" cmpd="sng">
+                      <a:noFill/>
+                      <a:prstDash val="solid"/>
+                    </a:lnBlToTr>
+                    <a:noFill/>
+                  </a:tcPr>
                 </a:tc>
                 <a:extLst>
                   <a:ext uri="{0D108BD9-81ED-4DB2-BD59-A6C34878D82A}">
@@ -8290,11 +10826,17 @@
                       </a:pPr>
                       <a:r>
                         <a:rPr lang="en-US" sz="1100">
+                          <a:solidFill>
+                            <a:schemeClr val="tx1"/>
+                          </a:solidFill>
                           <a:effectLst/>
                         </a:rPr>
                         <a:t>agi_bucket</a:t>
                       </a:r>
                       <a:endParaRPr lang="en-US" sz="1100">
+                        <a:solidFill>
+                          <a:schemeClr val="tx1"/>
+                        </a:solidFill>
                         <a:effectLst/>
                         <a:latin typeface="Calibri" panose="020F0502020204030204" pitchFamily="34" charset="0"/>
                         <a:ea typeface="Calibri" panose="020F0502020204030204" pitchFamily="34" charset="0"/>
@@ -8302,7 +10844,53 @@
                       </a:endParaRPr>
                     </a:p>
                   </a:txBody>
-                  <a:tcPr marL="68580" marR="68580" marT="0" marB="0" anchor="ctr"/>
+                  <a:tcPr marL="68580" marR="68580" marT="0" marB="0" anchor="ctr">
+                    <a:lnL w="12700" cap="flat" cmpd="sng" algn="ctr">
+                      <a:solidFill>
+                        <a:schemeClr val="tx1"/>
+                      </a:solidFill>
+                      <a:prstDash val="solid"/>
+                      <a:round/>
+                      <a:headEnd type="none" w="med" len="med"/>
+                      <a:tailEnd type="none" w="med" len="med"/>
+                    </a:lnL>
+                    <a:lnR w="12700" cap="flat" cmpd="sng" algn="ctr">
+                      <a:solidFill>
+                        <a:schemeClr val="tx1"/>
+                      </a:solidFill>
+                      <a:prstDash val="solid"/>
+                      <a:round/>
+                      <a:headEnd type="none" w="med" len="med"/>
+                      <a:tailEnd type="none" w="med" len="med"/>
+                    </a:lnR>
+                    <a:lnT w="12700" cap="flat" cmpd="sng" algn="ctr">
+                      <a:solidFill>
+                        <a:schemeClr val="tx1"/>
+                      </a:solidFill>
+                      <a:prstDash val="sysDot"/>
+                      <a:round/>
+                      <a:headEnd type="none" w="med" len="med"/>
+                      <a:tailEnd type="none" w="med" len="med"/>
+                    </a:lnT>
+                    <a:lnB w="12700" cap="flat" cmpd="sng" algn="ctr">
+                      <a:solidFill>
+                        <a:schemeClr val="tx1"/>
+                      </a:solidFill>
+                      <a:prstDash val="solid"/>
+                      <a:round/>
+                      <a:headEnd type="none" w="med" len="med"/>
+                      <a:tailEnd type="none" w="med" len="med"/>
+                    </a:lnB>
+                    <a:lnTlToBr w="12700" cmpd="sng">
+                      <a:noFill/>
+                      <a:prstDash val="solid"/>
+                    </a:lnTlToBr>
+                    <a:lnBlToTr w="12700" cmpd="sng">
+                      <a:noFill/>
+                      <a:prstDash val="solid"/>
+                    </a:lnBlToTr>
+                    <a:noFill/>
+                  </a:tcPr>
                 </a:tc>
                 <a:tc>
                   <a:txBody>
@@ -8322,11 +10910,17 @@
                       </a:pPr>
                       <a:r>
                         <a:rPr lang="en-US" sz="1100" dirty="0">
+                          <a:solidFill>
+                            <a:schemeClr val="tx1"/>
+                          </a:solidFill>
                           <a:effectLst/>
                         </a:rPr>
                         <a:t>0.219</a:t>
                       </a:r>
                       <a:endParaRPr lang="en-US" sz="1100" dirty="0">
+                        <a:solidFill>
+                          <a:schemeClr val="tx1"/>
+                        </a:solidFill>
                         <a:effectLst/>
                         <a:latin typeface="Calibri" panose="020F0502020204030204" pitchFamily="34" charset="0"/>
                         <a:ea typeface="Calibri" panose="020F0502020204030204" pitchFamily="34" charset="0"/>
@@ -8334,7 +10928,53 @@
                       </a:endParaRPr>
                     </a:p>
                   </a:txBody>
-                  <a:tcPr marL="68580" marR="68580" marT="0" marB="0" anchor="ctr"/>
+                  <a:tcPr marL="68580" marR="68580" marT="0" marB="0" anchor="ctr">
+                    <a:lnL w="12700" cap="flat" cmpd="sng" algn="ctr">
+                      <a:solidFill>
+                        <a:schemeClr val="tx1"/>
+                      </a:solidFill>
+                      <a:prstDash val="solid"/>
+                      <a:round/>
+                      <a:headEnd type="none" w="med" len="med"/>
+                      <a:tailEnd type="none" w="med" len="med"/>
+                    </a:lnL>
+                    <a:lnR w="12700" cap="flat" cmpd="sng" algn="ctr">
+                      <a:solidFill>
+                        <a:schemeClr val="tx1"/>
+                      </a:solidFill>
+                      <a:prstDash val="solid"/>
+                      <a:round/>
+                      <a:headEnd type="none" w="med" len="med"/>
+                      <a:tailEnd type="none" w="med" len="med"/>
+                    </a:lnR>
+                    <a:lnT w="12700" cap="flat" cmpd="sng" algn="ctr">
+                      <a:solidFill>
+                        <a:schemeClr val="tx1"/>
+                      </a:solidFill>
+                      <a:prstDash val="sysDot"/>
+                      <a:round/>
+                      <a:headEnd type="none" w="med" len="med"/>
+                      <a:tailEnd type="none" w="med" len="med"/>
+                    </a:lnT>
+                    <a:lnB w="12700" cap="flat" cmpd="sng" algn="ctr">
+                      <a:solidFill>
+                        <a:schemeClr val="tx1"/>
+                      </a:solidFill>
+                      <a:prstDash val="solid"/>
+                      <a:round/>
+                      <a:headEnd type="none" w="med" len="med"/>
+                      <a:tailEnd type="none" w="med" len="med"/>
+                    </a:lnB>
+                    <a:lnTlToBr w="12700" cmpd="sng">
+                      <a:noFill/>
+                      <a:prstDash val="solid"/>
+                    </a:lnTlToBr>
+                    <a:lnBlToTr w="12700" cmpd="sng">
+                      <a:noFill/>
+                      <a:prstDash val="solid"/>
+                    </a:lnBlToTr>
+                    <a:noFill/>
+                  </a:tcPr>
                 </a:tc>
                 <a:extLst>
                   <a:ext uri="{0D108BD9-81ED-4DB2-BD59-A6C34878D82A}">
@@ -8412,6 +11052,664 @@
           </a:prstGeom>
         </p:spPr>
       </p:pic>
+      <p:grpSp>
+        <p:nvGrpSpPr>
+          <p:cNvPr id="3" name="Group 2">
+            <a:extLst>
+              <a:ext uri="{FF2B5EF4-FFF2-40B4-BE49-F238E27FC236}">
+                <a16:creationId xmlns:a16="http://schemas.microsoft.com/office/drawing/2014/main" id="{786486B5-088B-EEFE-CEE2-537B73E83022}"/>
+              </a:ext>
+            </a:extLst>
+          </p:cNvPr>
+          <p:cNvGrpSpPr/>
+          <p:nvPr/>
+        </p:nvGrpSpPr>
+        <p:grpSpPr>
+          <a:xfrm>
+            <a:off x="10172512" y="546035"/>
+            <a:ext cx="1627602" cy="150318"/>
+            <a:chOff x="462455" y="1486923"/>
+            <a:chExt cx="11098924" cy="1025050"/>
+          </a:xfrm>
+        </p:grpSpPr>
+        <p:sp>
+          <p:nvSpPr>
+            <p:cNvPr id="4" name="Rectangle 3">
+              <a:extLst>
+                <a:ext uri="{FF2B5EF4-FFF2-40B4-BE49-F238E27FC236}">
+                  <a16:creationId xmlns:a16="http://schemas.microsoft.com/office/drawing/2014/main" id="{74F4280E-835B-B205-F1F2-80C47B9DEECA}"/>
+                </a:ext>
+              </a:extLst>
+            </p:cNvPr>
+            <p:cNvSpPr/>
+            <p:nvPr/>
+          </p:nvSpPr>
+          <p:spPr>
+            <a:xfrm>
+              <a:off x="462455" y="1486923"/>
+              <a:ext cx="11098924" cy="1025050"/>
+            </a:xfrm>
+            <a:prstGeom prst="rect">
+              <a:avLst/>
+            </a:prstGeom>
+            <a:noFill/>
+          </p:spPr>
+        </p:sp>
+        <p:sp>
+          <p:nvSpPr>
+            <p:cNvPr id="6" name="Freeform 5">
+              <a:extLst>
+                <a:ext uri="{FF2B5EF4-FFF2-40B4-BE49-F238E27FC236}">
+                  <a16:creationId xmlns:a16="http://schemas.microsoft.com/office/drawing/2014/main" id="{DD23885F-DE7D-EECF-844C-00D1EA9BB794}"/>
+                </a:ext>
+              </a:extLst>
+            </p:cNvPr>
+            <p:cNvSpPr/>
+            <p:nvPr/>
+          </p:nvSpPr>
+          <p:spPr>
+            <a:xfrm>
+              <a:off x="467603" y="1486923"/>
+              <a:ext cx="2996926" cy="1025050"/>
+            </a:xfrm>
+            <a:custGeom>
+              <a:avLst/>
+              <a:gdLst>
+                <a:gd name="connsiteX0" fmla="*/ 0 w 2996926"/>
+                <a:gd name="connsiteY0" fmla="*/ 0 h 1025050"/>
+                <a:gd name="connsiteX1" fmla="*/ 2484401 w 2996926"/>
+                <a:gd name="connsiteY1" fmla="*/ 0 h 1025050"/>
+                <a:gd name="connsiteX2" fmla="*/ 2996926 w 2996926"/>
+                <a:gd name="connsiteY2" fmla="*/ 512525 h 1025050"/>
+                <a:gd name="connsiteX3" fmla="*/ 2484401 w 2996926"/>
+                <a:gd name="connsiteY3" fmla="*/ 1025050 h 1025050"/>
+                <a:gd name="connsiteX4" fmla="*/ 0 w 2996926"/>
+                <a:gd name="connsiteY4" fmla="*/ 1025050 h 1025050"/>
+                <a:gd name="connsiteX5" fmla="*/ 512525 w 2996926"/>
+                <a:gd name="connsiteY5" fmla="*/ 512525 h 1025050"/>
+                <a:gd name="connsiteX6" fmla="*/ 0 w 2996926"/>
+                <a:gd name="connsiteY6" fmla="*/ 0 h 1025050"/>
+              </a:gdLst>
+              <a:ahLst/>
+              <a:cxnLst>
+                <a:cxn ang="0">
+                  <a:pos x="connsiteX0" y="connsiteY0"/>
+                </a:cxn>
+                <a:cxn ang="0">
+                  <a:pos x="connsiteX1" y="connsiteY1"/>
+                </a:cxn>
+                <a:cxn ang="0">
+                  <a:pos x="connsiteX2" y="connsiteY2"/>
+                </a:cxn>
+                <a:cxn ang="0">
+                  <a:pos x="connsiteX3" y="connsiteY3"/>
+                </a:cxn>
+                <a:cxn ang="0">
+                  <a:pos x="connsiteX4" y="connsiteY4"/>
+                </a:cxn>
+                <a:cxn ang="0">
+                  <a:pos x="connsiteX5" y="connsiteY5"/>
+                </a:cxn>
+                <a:cxn ang="0">
+                  <a:pos x="connsiteX6" y="connsiteY6"/>
+                </a:cxn>
+              </a:cxnLst>
+              <a:rect l="l" t="t" r="r" b="b"/>
+              <a:pathLst>
+                <a:path w="2996926" h="1025050">
+                  <a:moveTo>
+                    <a:pt x="0" y="0"/>
+                  </a:moveTo>
+                  <a:lnTo>
+                    <a:pt x="2484401" y="0"/>
+                  </a:lnTo>
+                  <a:lnTo>
+                    <a:pt x="2996926" y="512525"/>
+                  </a:lnTo>
+                  <a:lnTo>
+                    <a:pt x="2484401" y="1025050"/>
+                  </a:lnTo>
+                  <a:lnTo>
+                    <a:pt x="0" y="1025050"/>
+                  </a:lnTo>
+                  <a:lnTo>
+                    <a:pt x="512525" y="512525"/>
+                  </a:lnTo>
+                  <a:lnTo>
+                    <a:pt x="0" y="0"/>
+                  </a:lnTo>
+                  <a:close/>
+                </a:path>
+              </a:pathLst>
+            </a:custGeom>
+            <a:solidFill>
+              <a:schemeClr val="accent1">
+                <a:lumMod val="20000"/>
+                <a:lumOff val="80000"/>
+              </a:schemeClr>
+            </a:solidFill>
+            <a:ln>
+              <a:solidFill>
+                <a:schemeClr val="tx1"/>
+              </a:solidFill>
+            </a:ln>
+          </p:spPr>
+          <p:style>
+            <a:lnRef idx="2">
+              <a:schemeClr val="lt1">
+                <a:hueOff val="0"/>
+                <a:satOff val="0"/>
+                <a:lumOff val="0"/>
+                <a:alphaOff val="0"/>
+              </a:schemeClr>
+            </a:lnRef>
+            <a:fillRef idx="1">
+              <a:schemeClr val="accent1">
+                <a:hueOff val="0"/>
+                <a:satOff val="0"/>
+                <a:lumOff val="0"/>
+                <a:alphaOff val="0"/>
+              </a:schemeClr>
+            </a:fillRef>
+            <a:effectRef idx="0">
+              <a:schemeClr val="accent1">
+                <a:hueOff val="0"/>
+                <a:satOff val="0"/>
+                <a:lumOff val="0"/>
+                <a:alphaOff val="0"/>
+              </a:schemeClr>
+            </a:effectRef>
+            <a:fontRef idx="minor">
+              <a:schemeClr val="lt1"/>
+            </a:fontRef>
+          </p:style>
+          <p:txBody>
+            <a:bodyPr spcFirstLastPara="0" vert="horz" wrap="square" lIns="584534" tIns="24003" rIns="536528" bIns="24003" numCol="1" spcCol="1270" anchor="ctr" anchorCtr="0">
+              <a:noAutofit/>
+            </a:bodyPr>
+            <a:lstStyle/>
+            <a:p>
+              <a:pPr algn="ctr" defTabSz="800100">
+                <a:lnSpc>
+                  <a:spcPct val="90000"/>
+                </a:lnSpc>
+                <a:spcBef>
+                  <a:spcPct val="0"/>
+                </a:spcBef>
+                <a:spcAft>
+                  <a:spcPct val="35000"/>
+                </a:spcAft>
+              </a:pPr>
+              <a:endParaRPr lang="en-US" dirty="0">
+                <a:solidFill>
+                  <a:sysClr val="windowText" lastClr="000000"/>
+                </a:solidFill>
+              </a:endParaRPr>
+            </a:p>
+          </p:txBody>
+        </p:sp>
+        <p:sp>
+          <p:nvSpPr>
+            <p:cNvPr id="7" name="Freeform 6">
+              <a:extLst>
+                <a:ext uri="{FF2B5EF4-FFF2-40B4-BE49-F238E27FC236}">
+                  <a16:creationId xmlns:a16="http://schemas.microsoft.com/office/drawing/2014/main" id="{689887AA-F020-1A97-4091-753423E1A99C}"/>
+                </a:ext>
+              </a:extLst>
+            </p:cNvPr>
+            <p:cNvSpPr/>
+            <p:nvPr/>
+          </p:nvSpPr>
+          <p:spPr>
+            <a:xfrm>
+              <a:off x="3164837" y="1486923"/>
+              <a:ext cx="2996926" cy="1025050"/>
+            </a:xfrm>
+            <a:custGeom>
+              <a:avLst/>
+              <a:gdLst>
+                <a:gd name="connsiteX0" fmla="*/ 0 w 2996926"/>
+                <a:gd name="connsiteY0" fmla="*/ 0 h 1025050"/>
+                <a:gd name="connsiteX1" fmla="*/ 2484401 w 2996926"/>
+                <a:gd name="connsiteY1" fmla="*/ 0 h 1025050"/>
+                <a:gd name="connsiteX2" fmla="*/ 2996926 w 2996926"/>
+                <a:gd name="connsiteY2" fmla="*/ 512525 h 1025050"/>
+                <a:gd name="connsiteX3" fmla="*/ 2484401 w 2996926"/>
+                <a:gd name="connsiteY3" fmla="*/ 1025050 h 1025050"/>
+                <a:gd name="connsiteX4" fmla="*/ 0 w 2996926"/>
+                <a:gd name="connsiteY4" fmla="*/ 1025050 h 1025050"/>
+                <a:gd name="connsiteX5" fmla="*/ 512525 w 2996926"/>
+                <a:gd name="connsiteY5" fmla="*/ 512525 h 1025050"/>
+                <a:gd name="connsiteX6" fmla="*/ 0 w 2996926"/>
+                <a:gd name="connsiteY6" fmla="*/ 0 h 1025050"/>
+              </a:gdLst>
+              <a:ahLst/>
+              <a:cxnLst>
+                <a:cxn ang="0">
+                  <a:pos x="connsiteX0" y="connsiteY0"/>
+                </a:cxn>
+                <a:cxn ang="0">
+                  <a:pos x="connsiteX1" y="connsiteY1"/>
+                </a:cxn>
+                <a:cxn ang="0">
+                  <a:pos x="connsiteX2" y="connsiteY2"/>
+                </a:cxn>
+                <a:cxn ang="0">
+                  <a:pos x="connsiteX3" y="connsiteY3"/>
+                </a:cxn>
+                <a:cxn ang="0">
+                  <a:pos x="connsiteX4" y="connsiteY4"/>
+                </a:cxn>
+                <a:cxn ang="0">
+                  <a:pos x="connsiteX5" y="connsiteY5"/>
+                </a:cxn>
+                <a:cxn ang="0">
+                  <a:pos x="connsiteX6" y="connsiteY6"/>
+                </a:cxn>
+              </a:cxnLst>
+              <a:rect l="l" t="t" r="r" b="b"/>
+              <a:pathLst>
+                <a:path w="2996926" h="1025050">
+                  <a:moveTo>
+                    <a:pt x="0" y="0"/>
+                  </a:moveTo>
+                  <a:lnTo>
+                    <a:pt x="2484401" y="0"/>
+                  </a:lnTo>
+                  <a:lnTo>
+                    <a:pt x="2996926" y="512525"/>
+                  </a:lnTo>
+                  <a:lnTo>
+                    <a:pt x="2484401" y="1025050"/>
+                  </a:lnTo>
+                  <a:lnTo>
+                    <a:pt x="0" y="1025050"/>
+                  </a:lnTo>
+                  <a:lnTo>
+                    <a:pt x="512525" y="512525"/>
+                  </a:lnTo>
+                  <a:lnTo>
+                    <a:pt x="0" y="0"/>
+                  </a:lnTo>
+                  <a:close/>
+                </a:path>
+              </a:pathLst>
+            </a:custGeom>
+            <a:solidFill>
+              <a:schemeClr val="accent1">
+                <a:lumMod val="50000"/>
+              </a:schemeClr>
+            </a:solidFill>
+            <a:ln>
+              <a:solidFill>
+                <a:schemeClr val="tx1"/>
+              </a:solidFill>
+            </a:ln>
+          </p:spPr>
+          <p:style>
+            <a:lnRef idx="2">
+              <a:schemeClr val="lt1">
+                <a:hueOff val="0"/>
+                <a:satOff val="0"/>
+                <a:lumOff val="0"/>
+                <a:alphaOff val="0"/>
+              </a:schemeClr>
+            </a:lnRef>
+            <a:fillRef idx="1">
+              <a:schemeClr val="accent1">
+                <a:hueOff val="0"/>
+                <a:satOff val="0"/>
+                <a:lumOff val="0"/>
+                <a:alphaOff val="0"/>
+              </a:schemeClr>
+            </a:fillRef>
+            <a:effectRef idx="0">
+              <a:schemeClr val="accent1">
+                <a:hueOff val="0"/>
+                <a:satOff val="0"/>
+                <a:lumOff val="0"/>
+                <a:alphaOff val="0"/>
+              </a:schemeClr>
+            </a:effectRef>
+            <a:fontRef idx="minor">
+              <a:schemeClr val="lt1"/>
+            </a:fontRef>
+          </p:style>
+          <p:txBody>
+            <a:bodyPr spcFirstLastPara="0" vert="horz" wrap="square" lIns="584534" tIns="24003" rIns="536528" bIns="24003" numCol="1" spcCol="1270" anchor="ctr" anchorCtr="0">
+              <a:noAutofit/>
+            </a:bodyPr>
+            <a:lstStyle/>
+            <a:p>
+              <a:pPr marL="0" lvl="0" indent="0" algn="ctr" defTabSz="800100">
+                <a:lnSpc>
+                  <a:spcPct val="90000"/>
+                </a:lnSpc>
+                <a:spcBef>
+                  <a:spcPct val="0"/>
+                </a:spcBef>
+                <a:spcAft>
+                  <a:spcPct val="35000"/>
+                </a:spcAft>
+                <a:buNone/>
+              </a:pPr>
+              <a:endParaRPr lang="en-US" sz="1800" kern="1200" dirty="0">
+                <a:solidFill>
+                  <a:sysClr val="windowText" lastClr="000000"/>
+                </a:solidFill>
+              </a:endParaRPr>
+            </a:p>
+          </p:txBody>
+        </p:sp>
+        <p:sp>
+          <p:nvSpPr>
+            <p:cNvPr id="8" name="Freeform 7">
+              <a:extLst>
+                <a:ext uri="{FF2B5EF4-FFF2-40B4-BE49-F238E27FC236}">
+                  <a16:creationId xmlns:a16="http://schemas.microsoft.com/office/drawing/2014/main" id="{F849307D-067D-22D0-F1A6-1A12B3786FE2}"/>
+                </a:ext>
+              </a:extLst>
+            </p:cNvPr>
+            <p:cNvSpPr/>
+            <p:nvPr/>
+          </p:nvSpPr>
+          <p:spPr>
+            <a:xfrm>
+              <a:off x="5862070" y="1486923"/>
+              <a:ext cx="2996926" cy="1025050"/>
+            </a:xfrm>
+            <a:custGeom>
+              <a:avLst/>
+              <a:gdLst>
+                <a:gd name="connsiteX0" fmla="*/ 0 w 2996926"/>
+                <a:gd name="connsiteY0" fmla="*/ 0 h 1025050"/>
+                <a:gd name="connsiteX1" fmla="*/ 2484401 w 2996926"/>
+                <a:gd name="connsiteY1" fmla="*/ 0 h 1025050"/>
+                <a:gd name="connsiteX2" fmla="*/ 2996926 w 2996926"/>
+                <a:gd name="connsiteY2" fmla="*/ 512525 h 1025050"/>
+                <a:gd name="connsiteX3" fmla="*/ 2484401 w 2996926"/>
+                <a:gd name="connsiteY3" fmla="*/ 1025050 h 1025050"/>
+                <a:gd name="connsiteX4" fmla="*/ 0 w 2996926"/>
+                <a:gd name="connsiteY4" fmla="*/ 1025050 h 1025050"/>
+                <a:gd name="connsiteX5" fmla="*/ 512525 w 2996926"/>
+                <a:gd name="connsiteY5" fmla="*/ 512525 h 1025050"/>
+                <a:gd name="connsiteX6" fmla="*/ 0 w 2996926"/>
+                <a:gd name="connsiteY6" fmla="*/ 0 h 1025050"/>
+              </a:gdLst>
+              <a:ahLst/>
+              <a:cxnLst>
+                <a:cxn ang="0">
+                  <a:pos x="connsiteX0" y="connsiteY0"/>
+                </a:cxn>
+                <a:cxn ang="0">
+                  <a:pos x="connsiteX1" y="connsiteY1"/>
+                </a:cxn>
+                <a:cxn ang="0">
+                  <a:pos x="connsiteX2" y="connsiteY2"/>
+                </a:cxn>
+                <a:cxn ang="0">
+                  <a:pos x="connsiteX3" y="connsiteY3"/>
+                </a:cxn>
+                <a:cxn ang="0">
+                  <a:pos x="connsiteX4" y="connsiteY4"/>
+                </a:cxn>
+                <a:cxn ang="0">
+                  <a:pos x="connsiteX5" y="connsiteY5"/>
+                </a:cxn>
+                <a:cxn ang="0">
+                  <a:pos x="connsiteX6" y="connsiteY6"/>
+                </a:cxn>
+              </a:cxnLst>
+              <a:rect l="l" t="t" r="r" b="b"/>
+              <a:pathLst>
+                <a:path w="2996926" h="1025050">
+                  <a:moveTo>
+                    <a:pt x="0" y="0"/>
+                  </a:moveTo>
+                  <a:lnTo>
+                    <a:pt x="2484401" y="0"/>
+                  </a:lnTo>
+                  <a:lnTo>
+                    <a:pt x="2996926" y="512525"/>
+                  </a:lnTo>
+                  <a:lnTo>
+                    <a:pt x="2484401" y="1025050"/>
+                  </a:lnTo>
+                  <a:lnTo>
+                    <a:pt x="0" y="1025050"/>
+                  </a:lnTo>
+                  <a:lnTo>
+                    <a:pt x="512525" y="512525"/>
+                  </a:lnTo>
+                  <a:lnTo>
+                    <a:pt x="0" y="0"/>
+                  </a:lnTo>
+                  <a:close/>
+                </a:path>
+              </a:pathLst>
+            </a:custGeom>
+            <a:solidFill>
+              <a:schemeClr val="accent1">
+                <a:lumMod val="20000"/>
+                <a:lumOff val="80000"/>
+              </a:schemeClr>
+            </a:solidFill>
+            <a:ln>
+              <a:solidFill>
+                <a:schemeClr val="tx1"/>
+              </a:solidFill>
+            </a:ln>
+          </p:spPr>
+          <p:style>
+            <a:lnRef idx="2">
+              <a:schemeClr val="lt1">
+                <a:hueOff val="0"/>
+                <a:satOff val="0"/>
+                <a:lumOff val="0"/>
+                <a:alphaOff val="0"/>
+              </a:schemeClr>
+            </a:lnRef>
+            <a:fillRef idx="1">
+              <a:schemeClr val="accent1">
+                <a:hueOff val="0"/>
+                <a:satOff val="0"/>
+                <a:lumOff val="0"/>
+                <a:alphaOff val="0"/>
+              </a:schemeClr>
+            </a:fillRef>
+            <a:effectRef idx="0">
+              <a:schemeClr val="accent1">
+                <a:hueOff val="0"/>
+                <a:satOff val="0"/>
+                <a:lumOff val="0"/>
+                <a:alphaOff val="0"/>
+              </a:schemeClr>
+            </a:effectRef>
+            <a:fontRef idx="minor">
+              <a:schemeClr val="lt1"/>
+            </a:fontRef>
+          </p:style>
+          <p:txBody>
+            <a:bodyPr spcFirstLastPara="0" vert="horz" wrap="square" lIns="584534" tIns="24003" rIns="536528" bIns="24003" numCol="1" spcCol="1270" anchor="ctr" anchorCtr="0">
+              <a:noAutofit/>
+            </a:bodyPr>
+            <a:lstStyle/>
+            <a:p>
+              <a:pPr marL="0" lvl="0" indent="0" algn="ctr" defTabSz="800100">
+                <a:lnSpc>
+                  <a:spcPct val="90000"/>
+                </a:lnSpc>
+                <a:spcBef>
+                  <a:spcPct val="0"/>
+                </a:spcBef>
+                <a:spcAft>
+                  <a:spcPct val="35000"/>
+                </a:spcAft>
+                <a:buNone/>
+              </a:pPr>
+              <a:endParaRPr lang="en-US" sz="1800" kern="1200" dirty="0">
+                <a:solidFill>
+                  <a:sysClr val="windowText" lastClr="000000"/>
+                </a:solidFill>
+              </a:endParaRPr>
+            </a:p>
+          </p:txBody>
+        </p:sp>
+        <p:sp>
+          <p:nvSpPr>
+            <p:cNvPr id="9" name="Freeform 8">
+              <a:extLst>
+                <a:ext uri="{FF2B5EF4-FFF2-40B4-BE49-F238E27FC236}">
+                  <a16:creationId xmlns:a16="http://schemas.microsoft.com/office/drawing/2014/main" id="{88F46A54-3DA0-D9E7-AD2C-42960EC6D276}"/>
+                </a:ext>
+              </a:extLst>
+            </p:cNvPr>
+            <p:cNvSpPr/>
+            <p:nvPr/>
+          </p:nvSpPr>
+          <p:spPr>
+            <a:xfrm>
+              <a:off x="8559304" y="1486923"/>
+              <a:ext cx="2996926" cy="1025050"/>
+            </a:xfrm>
+            <a:custGeom>
+              <a:avLst/>
+              <a:gdLst>
+                <a:gd name="connsiteX0" fmla="*/ 0 w 2996926"/>
+                <a:gd name="connsiteY0" fmla="*/ 0 h 1025050"/>
+                <a:gd name="connsiteX1" fmla="*/ 2484401 w 2996926"/>
+                <a:gd name="connsiteY1" fmla="*/ 0 h 1025050"/>
+                <a:gd name="connsiteX2" fmla="*/ 2996926 w 2996926"/>
+                <a:gd name="connsiteY2" fmla="*/ 512525 h 1025050"/>
+                <a:gd name="connsiteX3" fmla="*/ 2484401 w 2996926"/>
+                <a:gd name="connsiteY3" fmla="*/ 1025050 h 1025050"/>
+                <a:gd name="connsiteX4" fmla="*/ 0 w 2996926"/>
+                <a:gd name="connsiteY4" fmla="*/ 1025050 h 1025050"/>
+                <a:gd name="connsiteX5" fmla="*/ 512525 w 2996926"/>
+                <a:gd name="connsiteY5" fmla="*/ 512525 h 1025050"/>
+                <a:gd name="connsiteX6" fmla="*/ 0 w 2996926"/>
+                <a:gd name="connsiteY6" fmla="*/ 0 h 1025050"/>
+              </a:gdLst>
+              <a:ahLst/>
+              <a:cxnLst>
+                <a:cxn ang="0">
+                  <a:pos x="connsiteX0" y="connsiteY0"/>
+                </a:cxn>
+                <a:cxn ang="0">
+                  <a:pos x="connsiteX1" y="connsiteY1"/>
+                </a:cxn>
+                <a:cxn ang="0">
+                  <a:pos x="connsiteX2" y="connsiteY2"/>
+                </a:cxn>
+                <a:cxn ang="0">
+                  <a:pos x="connsiteX3" y="connsiteY3"/>
+                </a:cxn>
+                <a:cxn ang="0">
+                  <a:pos x="connsiteX4" y="connsiteY4"/>
+                </a:cxn>
+                <a:cxn ang="0">
+                  <a:pos x="connsiteX5" y="connsiteY5"/>
+                </a:cxn>
+                <a:cxn ang="0">
+                  <a:pos x="connsiteX6" y="connsiteY6"/>
+                </a:cxn>
+              </a:cxnLst>
+              <a:rect l="l" t="t" r="r" b="b"/>
+              <a:pathLst>
+                <a:path w="2996926" h="1025050">
+                  <a:moveTo>
+                    <a:pt x="0" y="0"/>
+                  </a:moveTo>
+                  <a:lnTo>
+                    <a:pt x="2484401" y="0"/>
+                  </a:lnTo>
+                  <a:lnTo>
+                    <a:pt x="2996926" y="512525"/>
+                  </a:lnTo>
+                  <a:lnTo>
+                    <a:pt x="2484401" y="1025050"/>
+                  </a:lnTo>
+                  <a:lnTo>
+                    <a:pt x="0" y="1025050"/>
+                  </a:lnTo>
+                  <a:lnTo>
+                    <a:pt x="512525" y="512525"/>
+                  </a:lnTo>
+                  <a:lnTo>
+                    <a:pt x="0" y="0"/>
+                  </a:lnTo>
+                  <a:close/>
+                </a:path>
+              </a:pathLst>
+            </a:custGeom>
+            <a:solidFill>
+              <a:schemeClr val="accent1">
+                <a:lumMod val="20000"/>
+                <a:lumOff val="80000"/>
+              </a:schemeClr>
+            </a:solidFill>
+            <a:ln>
+              <a:solidFill>
+                <a:schemeClr val="tx1"/>
+              </a:solidFill>
+            </a:ln>
+          </p:spPr>
+          <p:style>
+            <a:lnRef idx="2">
+              <a:schemeClr val="lt1">
+                <a:hueOff val="0"/>
+                <a:satOff val="0"/>
+                <a:lumOff val="0"/>
+                <a:alphaOff val="0"/>
+              </a:schemeClr>
+            </a:lnRef>
+            <a:fillRef idx="1">
+              <a:schemeClr val="accent1">
+                <a:hueOff val="0"/>
+                <a:satOff val="0"/>
+                <a:lumOff val="0"/>
+                <a:alphaOff val="0"/>
+              </a:schemeClr>
+            </a:fillRef>
+            <a:effectRef idx="0">
+              <a:schemeClr val="accent1">
+                <a:hueOff val="0"/>
+                <a:satOff val="0"/>
+                <a:lumOff val="0"/>
+                <a:alphaOff val="0"/>
+              </a:schemeClr>
+            </a:effectRef>
+            <a:fontRef idx="minor">
+              <a:schemeClr val="lt1"/>
+            </a:fontRef>
+          </p:style>
+          <p:txBody>
+            <a:bodyPr spcFirstLastPara="0" vert="horz" wrap="square" lIns="584534" tIns="24003" rIns="536528" bIns="24003" numCol="1" spcCol="1270" anchor="ctr" anchorCtr="0">
+              <a:noAutofit/>
+            </a:bodyPr>
+            <a:lstStyle/>
+            <a:p>
+              <a:pPr marL="0" lvl="0" indent="0" algn="ctr" defTabSz="800100">
+                <a:lnSpc>
+                  <a:spcPct val="90000"/>
+                </a:lnSpc>
+                <a:spcBef>
+                  <a:spcPct val="0"/>
+                </a:spcBef>
+                <a:spcAft>
+                  <a:spcPct val="35000"/>
+                </a:spcAft>
+                <a:buNone/>
+              </a:pPr>
+              <a:endParaRPr lang="en-US" sz="1800" kern="1200" dirty="0">
+                <a:solidFill>
+                  <a:sysClr val="windowText" lastClr="000000"/>
+                </a:solidFill>
+              </a:endParaRPr>
+            </a:p>
+          </p:txBody>
+        </p:sp>
+      </p:grpSp>
     </p:spTree>
     <p:extLst>
       <p:ext uri="{BB962C8B-B14F-4D97-AF65-F5344CB8AC3E}">
@@ -9032,6 +12330,663 @@
           </a:p>
         </p:txBody>
       </p:sp>
+      <p:grpSp>
+        <p:nvGrpSpPr>
+          <p:cNvPr id="3" name="Group 2">
+            <a:extLst>
+              <a:ext uri="{FF2B5EF4-FFF2-40B4-BE49-F238E27FC236}">
+                <a16:creationId xmlns:a16="http://schemas.microsoft.com/office/drawing/2014/main" id="{5CDA3AED-5E29-98AF-1169-E55D2314BFE9}"/>
+              </a:ext>
+            </a:extLst>
+          </p:cNvPr>
+          <p:cNvGrpSpPr/>
+          <p:nvPr/>
+        </p:nvGrpSpPr>
+        <p:grpSpPr>
+          <a:xfrm>
+            <a:off x="10172512" y="546035"/>
+            <a:ext cx="1627602" cy="150318"/>
+            <a:chOff x="462455" y="1486923"/>
+            <a:chExt cx="11098924" cy="1025050"/>
+          </a:xfrm>
+        </p:grpSpPr>
+        <p:sp>
+          <p:nvSpPr>
+            <p:cNvPr id="6" name="Rectangle 5">
+              <a:extLst>
+                <a:ext uri="{FF2B5EF4-FFF2-40B4-BE49-F238E27FC236}">
+                  <a16:creationId xmlns:a16="http://schemas.microsoft.com/office/drawing/2014/main" id="{51AECEA9-1ADA-BE96-4DF9-B482DA874A53}"/>
+                </a:ext>
+              </a:extLst>
+            </p:cNvPr>
+            <p:cNvSpPr/>
+            <p:nvPr/>
+          </p:nvSpPr>
+          <p:spPr>
+            <a:xfrm>
+              <a:off x="462455" y="1486923"/>
+              <a:ext cx="11098924" cy="1025050"/>
+            </a:xfrm>
+            <a:prstGeom prst="rect">
+              <a:avLst/>
+            </a:prstGeom>
+            <a:noFill/>
+          </p:spPr>
+        </p:sp>
+        <p:sp>
+          <p:nvSpPr>
+            <p:cNvPr id="7" name="Freeform 6">
+              <a:extLst>
+                <a:ext uri="{FF2B5EF4-FFF2-40B4-BE49-F238E27FC236}">
+                  <a16:creationId xmlns:a16="http://schemas.microsoft.com/office/drawing/2014/main" id="{74DA60E0-23F9-CF62-E57A-55E55C7A532F}"/>
+                </a:ext>
+              </a:extLst>
+            </p:cNvPr>
+            <p:cNvSpPr/>
+            <p:nvPr/>
+          </p:nvSpPr>
+          <p:spPr>
+            <a:xfrm>
+              <a:off x="467603" y="1486923"/>
+              <a:ext cx="2996926" cy="1025050"/>
+            </a:xfrm>
+            <a:custGeom>
+              <a:avLst/>
+              <a:gdLst>
+                <a:gd name="connsiteX0" fmla="*/ 0 w 2996926"/>
+                <a:gd name="connsiteY0" fmla="*/ 0 h 1025050"/>
+                <a:gd name="connsiteX1" fmla="*/ 2484401 w 2996926"/>
+                <a:gd name="connsiteY1" fmla="*/ 0 h 1025050"/>
+                <a:gd name="connsiteX2" fmla="*/ 2996926 w 2996926"/>
+                <a:gd name="connsiteY2" fmla="*/ 512525 h 1025050"/>
+                <a:gd name="connsiteX3" fmla="*/ 2484401 w 2996926"/>
+                <a:gd name="connsiteY3" fmla="*/ 1025050 h 1025050"/>
+                <a:gd name="connsiteX4" fmla="*/ 0 w 2996926"/>
+                <a:gd name="connsiteY4" fmla="*/ 1025050 h 1025050"/>
+                <a:gd name="connsiteX5" fmla="*/ 512525 w 2996926"/>
+                <a:gd name="connsiteY5" fmla="*/ 512525 h 1025050"/>
+                <a:gd name="connsiteX6" fmla="*/ 0 w 2996926"/>
+                <a:gd name="connsiteY6" fmla="*/ 0 h 1025050"/>
+              </a:gdLst>
+              <a:ahLst/>
+              <a:cxnLst>
+                <a:cxn ang="0">
+                  <a:pos x="connsiteX0" y="connsiteY0"/>
+                </a:cxn>
+                <a:cxn ang="0">
+                  <a:pos x="connsiteX1" y="connsiteY1"/>
+                </a:cxn>
+                <a:cxn ang="0">
+                  <a:pos x="connsiteX2" y="connsiteY2"/>
+                </a:cxn>
+                <a:cxn ang="0">
+                  <a:pos x="connsiteX3" y="connsiteY3"/>
+                </a:cxn>
+                <a:cxn ang="0">
+                  <a:pos x="connsiteX4" y="connsiteY4"/>
+                </a:cxn>
+                <a:cxn ang="0">
+                  <a:pos x="connsiteX5" y="connsiteY5"/>
+                </a:cxn>
+                <a:cxn ang="0">
+                  <a:pos x="connsiteX6" y="connsiteY6"/>
+                </a:cxn>
+              </a:cxnLst>
+              <a:rect l="l" t="t" r="r" b="b"/>
+              <a:pathLst>
+                <a:path w="2996926" h="1025050">
+                  <a:moveTo>
+                    <a:pt x="0" y="0"/>
+                  </a:moveTo>
+                  <a:lnTo>
+                    <a:pt x="2484401" y="0"/>
+                  </a:lnTo>
+                  <a:lnTo>
+                    <a:pt x="2996926" y="512525"/>
+                  </a:lnTo>
+                  <a:lnTo>
+                    <a:pt x="2484401" y="1025050"/>
+                  </a:lnTo>
+                  <a:lnTo>
+                    <a:pt x="0" y="1025050"/>
+                  </a:lnTo>
+                  <a:lnTo>
+                    <a:pt x="512525" y="512525"/>
+                  </a:lnTo>
+                  <a:lnTo>
+                    <a:pt x="0" y="0"/>
+                  </a:lnTo>
+                  <a:close/>
+                </a:path>
+              </a:pathLst>
+            </a:custGeom>
+            <a:solidFill>
+              <a:schemeClr val="accent1">
+                <a:lumMod val="20000"/>
+                <a:lumOff val="80000"/>
+              </a:schemeClr>
+            </a:solidFill>
+            <a:ln>
+              <a:solidFill>
+                <a:schemeClr val="tx1"/>
+              </a:solidFill>
+            </a:ln>
+          </p:spPr>
+          <p:style>
+            <a:lnRef idx="2">
+              <a:schemeClr val="lt1">
+                <a:hueOff val="0"/>
+                <a:satOff val="0"/>
+                <a:lumOff val="0"/>
+                <a:alphaOff val="0"/>
+              </a:schemeClr>
+            </a:lnRef>
+            <a:fillRef idx="1">
+              <a:schemeClr val="accent1">
+                <a:hueOff val="0"/>
+                <a:satOff val="0"/>
+                <a:lumOff val="0"/>
+                <a:alphaOff val="0"/>
+              </a:schemeClr>
+            </a:fillRef>
+            <a:effectRef idx="0">
+              <a:schemeClr val="accent1">
+                <a:hueOff val="0"/>
+                <a:satOff val="0"/>
+                <a:lumOff val="0"/>
+                <a:alphaOff val="0"/>
+              </a:schemeClr>
+            </a:effectRef>
+            <a:fontRef idx="minor">
+              <a:schemeClr val="lt1"/>
+            </a:fontRef>
+          </p:style>
+          <p:txBody>
+            <a:bodyPr spcFirstLastPara="0" vert="horz" wrap="square" lIns="584534" tIns="24003" rIns="536528" bIns="24003" numCol="1" spcCol="1270" anchor="ctr" anchorCtr="0">
+              <a:noAutofit/>
+            </a:bodyPr>
+            <a:lstStyle/>
+            <a:p>
+              <a:pPr algn="ctr" defTabSz="800100">
+                <a:lnSpc>
+                  <a:spcPct val="90000"/>
+                </a:lnSpc>
+                <a:spcBef>
+                  <a:spcPct val="0"/>
+                </a:spcBef>
+                <a:spcAft>
+                  <a:spcPct val="35000"/>
+                </a:spcAft>
+              </a:pPr>
+              <a:endParaRPr lang="en-US" dirty="0">
+                <a:solidFill>
+                  <a:sysClr val="windowText" lastClr="000000"/>
+                </a:solidFill>
+              </a:endParaRPr>
+            </a:p>
+          </p:txBody>
+        </p:sp>
+        <p:sp>
+          <p:nvSpPr>
+            <p:cNvPr id="9" name="Freeform 8">
+              <a:extLst>
+                <a:ext uri="{FF2B5EF4-FFF2-40B4-BE49-F238E27FC236}">
+                  <a16:creationId xmlns:a16="http://schemas.microsoft.com/office/drawing/2014/main" id="{193EAF6D-0B90-5BD1-5EFA-5750BC778C91}"/>
+                </a:ext>
+              </a:extLst>
+            </p:cNvPr>
+            <p:cNvSpPr/>
+            <p:nvPr/>
+          </p:nvSpPr>
+          <p:spPr>
+            <a:xfrm>
+              <a:off x="3164837" y="1486923"/>
+              <a:ext cx="2996926" cy="1025050"/>
+            </a:xfrm>
+            <a:custGeom>
+              <a:avLst/>
+              <a:gdLst>
+                <a:gd name="connsiteX0" fmla="*/ 0 w 2996926"/>
+                <a:gd name="connsiteY0" fmla="*/ 0 h 1025050"/>
+                <a:gd name="connsiteX1" fmla="*/ 2484401 w 2996926"/>
+                <a:gd name="connsiteY1" fmla="*/ 0 h 1025050"/>
+                <a:gd name="connsiteX2" fmla="*/ 2996926 w 2996926"/>
+                <a:gd name="connsiteY2" fmla="*/ 512525 h 1025050"/>
+                <a:gd name="connsiteX3" fmla="*/ 2484401 w 2996926"/>
+                <a:gd name="connsiteY3" fmla="*/ 1025050 h 1025050"/>
+                <a:gd name="connsiteX4" fmla="*/ 0 w 2996926"/>
+                <a:gd name="connsiteY4" fmla="*/ 1025050 h 1025050"/>
+                <a:gd name="connsiteX5" fmla="*/ 512525 w 2996926"/>
+                <a:gd name="connsiteY5" fmla="*/ 512525 h 1025050"/>
+                <a:gd name="connsiteX6" fmla="*/ 0 w 2996926"/>
+                <a:gd name="connsiteY6" fmla="*/ 0 h 1025050"/>
+              </a:gdLst>
+              <a:ahLst/>
+              <a:cxnLst>
+                <a:cxn ang="0">
+                  <a:pos x="connsiteX0" y="connsiteY0"/>
+                </a:cxn>
+                <a:cxn ang="0">
+                  <a:pos x="connsiteX1" y="connsiteY1"/>
+                </a:cxn>
+                <a:cxn ang="0">
+                  <a:pos x="connsiteX2" y="connsiteY2"/>
+                </a:cxn>
+                <a:cxn ang="0">
+                  <a:pos x="connsiteX3" y="connsiteY3"/>
+                </a:cxn>
+                <a:cxn ang="0">
+                  <a:pos x="connsiteX4" y="connsiteY4"/>
+                </a:cxn>
+                <a:cxn ang="0">
+                  <a:pos x="connsiteX5" y="connsiteY5"/>
+                </a:cxn>
+                <a:cxn ang="0">
+                  <a:pos x="connsiteX6" y="connsiteY6"/>
+                </a:cxn>
+              </a:cxnLst>
+              <a:rect l="l" t="t" r="r" b="b"/>
+              <a:pathLst>
+                <a:path w="2996926" h="1025050">
+                  <a:moveTo>
+                    <a:pt x="0" y="0"/>
+                  </a:moveTo>
+                  <a:lnTo>
+                    <a:pt x="2484401" y="0"/>
+                  </a:lnTo>
+                  <a:lnTo>
+                    <a:pt x="2996926" y="512525"/>
+                  </a:lnTo>
+                  <a:lnTo>
+                    <a:pt x="2484401" y="1025050"/>
+                  </a:lnTo>
+                  <a:lnTo>
+                    <a:pt x="0" y="1025050"/>
+                  </a:lnTo>
+                  <a:lnTo>
+                    <a:pt x="512525" y="512525"/>
+                  </a:lnTo>
+                  <a:lnTo>
+                    <a:pt x="0" y="0"/>
+                  </a:lnTo>
+                  <a:close/>
+                </a:path>
+              </a:pathLst>
+            </a:custGeom>
+            <a:solidFill>
+              <a:schemeClr val="accent1">
+                <a:lumMod val="20000"/>
+                <a:lumOff val="80000"/>
+              </a:schemeClr>
+            </a:solidFill>
+            <a:ln>
+              <a:solidFill>
+                <a:schemeClr val="tx1"/>
+              </a:solidFill>
+            </a:ln>
+          </p:spPr>
+          <p:style>
+            <a:lnRef idx="2">
+              <a:schemeClr val="lt1">
+                <a:hueOff val="0"/>
+                <a:satOff val="0"/>
+                <a:lumOff val="0"/>
+                <a:alphaOff val="0"/>
+              </a:schemeClr>
+            </a:lnRef>
+            <a:fillRef idx="1">
+              <a:schemeClr val="accent1">
+                <a:hueOff val="0"/>
+                <a:satOff val="0"/>
+                <a:lumOff val="0"/>
+                <a:alphaOff val="0"/>
+              </a:schemeClr>
+            </a:fillRef>
+            <a:effectRef idx="0">
+              <a:schemeClr val="accent1">
+                <a:hueOff val="0"/>
+                <a:satOff val="0"/>
+                <a:lumOff val="0"/>
+                <a:alphaOff val="0"/>
+              </a:schemeClr>
+            </a:effectRef>
+            <a:fontRef idx="minor">
+              <a:schemeClr val="lt1"/>
+            </a:fontRef>
+          </p:style>
+          <p:txBody>
+            <a:bodyPr spcFirstLastPara="0" vert="horz" wrap="square" lIns="584534" tIns="24003" rIns="536528" bIns="24003" numCol="1" spcCol="1270" anchor="ctr" anchorCtr="0">
+              <a:noAutofit/>
+            </a:bodyPr>
+            <a:lstStyle/>
+            <a:p>
+              <a:pPr algn="ctr" defTabSz="800100">
+                <a:lnSpc>
+                  <a:spcPct val="90000"/>
+                </a:lnSpc>
+                <a:spcBef>
+                  <a:spcPct val="0"/>
+                </a:spcBef>
+                <a:spcAft>
+                  <a:spcPct val="35000"/>
+                </a:spcAft>
+              </a:pPr>
+              <a:endParaRPr lang="en-US" dirty="0">
+                <a:solidFill>
+                  <a:sysClr val="windowText" lastClr="000000"/>
+                </a:solidFill>
+              </a:endParaRPr>
+            </a:p>
+          </p:txBody>
+        </p:sp>
+        <p:sp>
+          <p:nvSpPr>
+            <p:cNvPr id="10" name="Freeform 9">
+              <a:extLst>
+                <a:ext uri="{FF2B5EF4-FFF2-40B4-BE49-F238E27FC236}">
+                  <a16:creationId xmlns:a16="http://schemas.microsoft.com/office/drawing/2014/main" id="{C347799C-F6D7-63AB-F4A5-1B90B6780F53}"/>
+                </a:ext>
+              </a:extLst>
+            </p:cNvPr>
+            <p:cNvSpPr/>
+            <p:nvPr/>
+          </p:nvSpPr>
+          <p:spPr>
+            <a:xfrm>
+              <a:off x="5862070" y="1486923"/>
+              <a:ext cx="2996926" cy="1025050"/>
+            </a:xfrm>
+            <a:custGeom>
+              <a:avLst/>
+              <a:gdLst>
+                <a:gd name="connsiteX0" fmla="*/ 0 w 2996926"/>
+                <a:gd name="connsiteY0" fmla="*/ 0 h 1025050"/>
+                <a:gd name="connsiteX1" fmla="*/ 2484401 w 2996926"/>
+                <a:gd name="connsiteY1" fmla="*/ 0 h 1025050"/>
+                <a:gd name="connsiteX2" fmla="*/ 2996926 w 2996926"/>
+                <a:gd name="connsiteY2" fmla="*/ 512525 h 1025050"/>
+                <a:gd name="connsiteX3" fmla="*/ 2484401 w 2996926"/>
+                <a:gd name="connsiteY3" fmla="*/ 1025050 h 1025050"/>
+                <a:gd name="connsiteX4" fmla="*/ 0 w 2996926"/>
+                <a:gd name="connsiteY4" fmla="*/ 1025050 h 1025050"/>
+                <a:gd name="connsiteX5" fmla="*/ 512525 w 2996926"/>
+                <a:gd name="connsiteY5" fmla="*/ 512525 h 1025050"/>
+                <a:gd name="connsiteX6" fmla="*/ 0 w 2996926"/>
+                <a:gd name="connsiteY6" fmla="*/ 0 h 1025050"/>
+              </a:gdLst>
+              <a:ahLst/>
+              <a:cxnLst>
+                <a:cxn ang="0">
+                  <a:pos x="connsiteX0" y="connsiteY0"/>
+                </a:cxn>
+                <a:cxn ang="0">
+                  <a:pos x="connsiteX1" y="connsiteY1"/>
+                </a:cxn>
+                <a:cxn ang="0">
+                  <a:pos x="connsiteX2" y="connsiteY2"/>
+                </a:cxn>
+                <a:cxn ang="0">
+                  <a:pos x="connsiteX3" y="connsiteY3"/>
+                </a:cxn>
+                <a:cxn ang="0">
+                  <a:pos x="connsiteX4" y="connsiteY4"/>
+                </a:cxn>
+                <a:cxn ang="0">
+                  <a:pos x="connsiteX5" y="connsiteY5"/>
+                </a:cxn>
+                <a:cxn ang="0">
+                  <a:pos x="connsiteX6" y="connsiteY6"/>
+                </a:cxn>
+              </a:cxnLst>
+              <a:rect l="l" t="t" r="r" b="b"/>
+              <a:pathLst>
+                <a:path w="2996926" h="1025050">
+                  <a:moveTo>
+                    <a:pt x="0" y="0"/>
+                  </a:moveTo>
+                  <a:lnTo>
+                    <a:pt x="2484401" y="0"/>
+                  </a:lnTo>
+                  <a:lnTo>
+                    <a:pt x="2996926" y="512525"/>
+                  </a:lnTo>
+                  <a:lnTo>
+                    <a:pt x="2484401" y="1025050"/>
+                  </a:lnTo>
+                  <a:lnTo>
+                    <a:pt x="0" y="1025050"/>
+                  </a:lnTo>
+                  <a:lnTo>
+                    <a:pt x="512525" y="512525"/>
+                  </a:lnTo>
+                  <a:lnTo>
+                    <a:pt x="0" y="0"/>
+                  </a:lnTo>
+                  <a:close/>
+                </a:path>
+              </a:pathLst>
+            </a:custGeom>
+            <a:solidFill>
+              <a:schemeClr val="accent1">
+                <a:lumMod val="50000"/>
+              </a:schemeClr>
+            </a:solidFill>
+            <a:ln>
+              <a:solidFill>
+                <a:schemeClr val="tx1"/>
+              </a:solidFill>
+            </a:ln>
+          </p:spPr>
+          <p:style>
+            <a:lnRef idx="2">
+              <a:schemeClr val="lt1">
+                <a:hueOff val="0"/>
+                <a:satOff val="0"/>
+                <a:lumOff val="0"/>
+                <a:alphaOff val="0"/>
+              </a:schemeClr>
+            </a:lnRef>
+            <a:fillRef idx="1">
+              <a:schemeClr val="accent1">
+                <a:hueOff val="0"/>
+                <a:satOff val="0"/>
+                <a:lumOff val="0"/>
+                <a:alphaOff val="0"/>
+              </a:schemeClr>
+            </a:fillRef>
+            <a:effectRef idx="0">
+              <a:schemeClr val="accent1">
+                <a:hueOff val="0"/>
+                <a:satOff val="0"/>
+                <a:lumOff val="0"/>
+                <a:alphaOff val="0"/>
+              </a:schemeClr>
+            </a:effectRef>
+            <a:fontRef idx="minor">
+              <a:schemeClr val="lt1"/>
+            </a:fontRef>
+          </p:style>
+          <p:txBody>
+            <a:bodyPr spcFirstLastPara="0" vert="horz" wrap="square" lIns="584534" tIns="24003" rIns="536528" bIns="24003" numCol="1" spcCol="1270" anchor="ctr" anchorCtr="0">
+              <a:noAutofit/>
+            </a:bodyPr>
+            <a:lstStyle/>
+            <a:p>
+              <a:pPr marL="0" lvl="0" indent="0" algn="ctr" defTabSz="800100">
+                <a:lnSpc>
+                  <a:spcPct val="90000"/>
+                </a:lnSpc>
+                <a:spcBef>
+                  <a:spcPct val="0"/>
+                </a:spcBef>
+                <a:spcAft>
+                  <a:spcPct val="35000"/>
+                </a:spcAft>
+                <a:buNone/>
+              </a:pPr>
+              <a:endParaRPr lang="en-US" sz="1800" kern="1200" dirty="0">
+                <a:solidFill>
+                  <a:sysClr val="windowText" lastClr="000000"/>
+                </a:solidFill>
+              </a:endParaRPr>
+            </a:p>
+          </p:txBody>
+        </p:sp>
+        <p:sp>
+          <p:nvSpPr>
+            <p:cNvPr id="11" name="Freeform 10">
+              <a:extLst>
+                <a:ext uri="{FF2B5EF4-FFF2-40B4-BE49-F238E27FC236}">
+                  <a16:creationId xmlns:a16="http://schemas.microsoft.com/office/drawing/2014/main" id="{4B69FFB7-1846-C94D-B1DF-AFE098414E09}"/>
+                </a:ext>
+              </a:extLst>
+            </p:cNvPr>
+            <p:cNvSpPr/>
+            <p:nvPr/>
+          </p:nvSpPr>
+          <p:spPr>
+            <a:xfrm>
+              <a:off x="8559304" y="1486923"/>
+              <a:ext cx="2996926" cy="1025050"/>
+            </a:xfrm>
+            <a:custGeom>
+              <a:avLst/>
+              <a:gdLst>
+                <a:gd name="connsiteX0" fmla="*/ 0 w 2996926"/>
+                <a:gd name="connsiteY0" fmla="*/ 0 h 1025050"/>
+                <a:gd name="connsiteX1" fmla="*/ 2484401 w 2996926"/>
+                <a:gd name="connsiteY1" fmla="*/ 0 h 1025050"/>
+                <a:gd name="connsiteX2" fmla="*/ 2996926 w 2996926"/>
+                <a:gd name="connsiteY2" fmla="*/ 512525 h 1025050"/>
+                <a:gd name="connsiteX3" fmla="*/ 2484401 w 2996926"/>
+                <a:gd name="connsiteY3" fmla="*/ 1025050 h 1025050"/>
+                <a:gd name="connsiteX4" fmla="*/ 0 w 2996926"/>
+                <a:gd name="connsiteY4" fmla="*/ 1025050 h 1025050"/>
+                <a:gd name="connsiteX5" fmla="*/ 512525 w 2996926"/>
+                <a:gd name="connsiteY5" fmla="*/ 512525 h 1025050"/>
+                <a:gd name="connsiteX6" fmla="*/ 0 w 2996926"/>
+                <a:gd name="connsiteY6" fmla="*/ 0 h 1025050"/>
+              </a:gdLst>
+              <a:ahLst/>
+              <a:cxnLst>
+                <a:cxn ang="0">
+                  <a:pos x="connsiteX0" y="connsiteY0"/>
+                </a:cxn>
+                <a:cxn ang="0">
+                  <a:pos x="connsiteX1" y="connsiteY1"/>
+                </a:cxn>
+                <a:cxn ang="0">
+                  <a:pos x="connsiteX2" y="connsiteY2"/>
+                </a:cxn>
+                <a:cxn ang="0">
+                  <a:pos x="connsiteX3" y="connsiteY3"/>
+                </a:cxn>
+                <a:cxn ang="0">
+                  <a:pos x="connsiteX4" y="connsiteY4"/>
+                </a:cxn>
+                <a:cxn ang="0">
+                  <a:pos x="connsiteX5" y="connsiteY5"/>
+                </a:cxn>
+                <a:cxn ang="0">
+                  <a:pos x="connsiteX6" y="connsiteY6"/>
+                </a:cxn>
+              </a:cxnLst>
+              <a:rect l="l" t="t" r="r" b="b"/>
+              <a:pathLst>
+                <a:path w="2996926" h="1025050">
+                  <a:moveTo>
+                    <a:pt x="0" y="0"/>
+                  </a:moveTo>
+                  <a:lnTo>
+                    <a:pt x="2484401" y="0"/>
+                  </a:lnTo>
+                  <a:lnTo>
+                    <a:pt x="2996926" y="512525"/>
+                  </a:lnTo>
+                  <a:lnTo>
+                    <a:pt x="2484401" y="1025050"/>
+                  </a:lnTo>
+                  <a:lnTo>
+                    <a:pt x="0" y="1025050"/>
+                  </a:lnTo>
+                  <a:lnTo>
+                    <a:pt x="512525" y="512525"/>
+                  </a:lnTo>
+                  <a:lnTo>
+                    <a:pt x="0" y="0"/>
+                  </a:lnTo>
+                  <a:close/>
+                </a:path>
+              </a:pathLst>
+            </a:custGeom>
+            <a:solidFill>
+              <a:schemeClr val="accent1">
+                <a:lumMod val="20000"/>
+                <a:lumOff val="80000"/>
+              </a:schemeClr>
+            </a:solidFill>
+            <a:ln>
+              <a:solidFill>
+                <a:schemeClr val="tx1"/>
+              </a:solidFill>
+            </a:ln>
+          </p:spPr>
+          <p:style>
+            <a:lnRef idx="2">
+              <a:schemeClr val="lt1">
+                <a:hueOff val="0"/>
+                <a:satOff val="0"/>
+                <a:lumOff val="0"/>
+                <a:alphaOff val="0"/>
+              </a:schemeClr>
+            </a:lnRef>
+            <a:fillRef idx="1">
+              <a:schemeClr val="accent1">
+                <a:hueOff val="0"/>
+                <a:satOff val="0"/>
+                <a:lumOff val="0"/>
+                <a:alphaOff val="0"/>
+              </a:schemeClr>
+            </a:fillRef>
+            <a:effectRef idx="0">
+              <a:schemeClr val="accent1">
+                <a:hueOff val="0"/>
+                <a:satOff val="0"/>
+                <a:lumOff val="0"/>
+                <a:alphaOff val="0"/>
+              </a:schemeClr>
+            </a:effectRef>
+            <a:fontRef idx="minor">
+              <a:schemeClr val="lt1"/>
+            </a:fontRef>
+          </p:style>
+          <p:txBody>
+            <a:bodyPr spcFirstLastPara="0" vert="horz" wrap="square" lIns="584534" tIns="24003" rIns="536528" bIns="24003" numCol="1" spcCol="1270" anchor="ctr" anchorCtr="0">
+              <a:noAutofit/>
+            </a:bodyPr>
+            <a:lstStyle/>
+            <a:p>
+              <a:pPr marL="0" lvl="0" indent="0" algn="ctr" defTabSz="800100">
+                <a:lnSpc>
+                  <a:spcPct val="90000"/>
+                </a:lnSpc>
+                <a:spcBef>
+                  <a:spcPct val="0"/>
+                </a:spcBef>
+                <a:spcAft>
+                  <a:spcPct val="35000"/>
+                </a:spcAft>
+                <a:buNone/>
+              </a:pPr>
+              <a:endParaRPr lang="en-US" sz="1800" kern="1200" dirty="0">
+                <a:solidFill>
+                  <a:sysClr val="windowText" lastClr="000000"/>
+                </a:solidFill>
+              </a:endParaRPr>
+            </a:p>
+          </p:txBody>
+        </p:sp>
+      </p:grpSp>
     </p:spTree>
     <p:extLst>
       <p:ext uri="{BB962C8B-B14F-4D97-AF65-F5344CB8AC3E}">
@@ -11344,25 +15299,7 @@
                 <a:ea typeface="MS Mincho" panose="02020609040205080304" pitchFamily="49" charset="-128"/>
                 <a:cs typeface="Times New Roman" panose="02020603050405020304" pitchFamily="18" charset="0"/>
               </a:rPr>
-              <a:t>Develop a model for </a:t>
-            </a:r>
-            <a:r>
-              <a:rPr lang="en-US" dirty="0" err="1">
-                <a:effectLst/>
-                <a:latin typeface="Calibri" panose="020F0502020204030204" pitchFamily="34" charset="0"/>
-                <a:ea typeface="MS Mincho" panose="02020609040205080304" pitchFamily="49" charset="-128"/>
-                <a:cs typeface="Times New Roman" panose="02020603050405020304" pitchFamily="18" charset="0"/>
-              </a:rPr>
-              <a:t>Bangaluru</a:t>
-            </a:r>
-            <a:r>
-              <a:rPr lang="en-US" dirty="0">
-                <a:effectLst/>
-                <a:latin typeface="Calibri" panose="020F0502020204030204" pitchFamily="34" charset="0"/>
-                <a:ea typeface="MS Mincho" panose="02020609040205080304" pitchFamily="49" charset="-128"/>
-                <a:cs typeface="Times New Roman" panose="02020603050405020304" pitchFamily="18" charset="0"/>
-              </a:rPr>
-              <a:t> housing that predicts price from a number of features, primarily listing-specific</a:t>
+              <a:t>Develop a model for Bengaluru housing that predicts price from a number of features, primarily listing-specific</a:t>
             </a:r>
             <a:r>
               <a:rPr lang="en-US" dirty="0">

--- a/Progress Presentation/team48progressreport.pptx
+++ b/Progress Presentation/team48progressreport.pptx
@@ -4,6 +4,9 @@
   <p:sldMasterIdLst>
     <p:sldMasterId id="2147483684" r:id="rId1"/>
   </p:sldMasterIdLst>
+  <p:notesMasterIdLst>
+    <p:notesMasterId r:id="rId20"/>
+  </p:notesMasterIdLst>
   <p:sldIdLst>
     <p:sldId id="256" r:id="rId2"/>
     <p:sldId id="257" r:id="rId3"/>
@@ -20,9 +23,9 @@
     <p:sldId id="277" r:id="rId14"/>
     <p:sldId id="269" r:id="rId15"/>
     <p:sldId id="272" r:id="rId16"/>
-    <p:sldId id="273" r:id="rId17"/>
-    <p:sldId id="274" r:id="rId18"/>
-    <p:sldId id="275" r:id="rId19"/>
+    <p:sldId id="274" r:id="rId17"/>
+    <p:sldId id="275" r:id="rId18"/>
+    <p:sldId id="278" r:id="rId19"/>
   </p:sldIdLst>
   <p:sldSz cx="12192000" cy="6858000"/>
   <p:notesSz cx="6858000" cy="9144000"/>
@@ -129,6 +132,439 @@
 </p:presentation>
 </file>
 
+<file path=ppt/notesMasters/notesMaster1.xml><?xml version="1.0" encoding="utf-8"?>
+<p:notesMaster xmlns:a="http://schemas.openxmlformats.org/drawingml/2006/main" xmlns:r="http://schemas.openxmlformats.org/officeDocument/2006/relationships" xmlns:p="http://schemas.openxmlformats.org/presentationml/2006/main">
+  <p:cSld>
+    <p:bg>
+      <p:bgRef idx="1001">
+        <a:schemeClr val="bg1"/>
+      </p:bgRef>
+    </p:bg>
+    <p:spTree>
+      <p:nvGrpSpPr>
+        <p:cNvPr id="1" name=""/>
+        <p:cNvGrpSpPr/>
+        <p:nvPr/>
+      </p:nvGrpSpPr>
+      <p:grpSpPr>
+        <a:xfrm>
+          <a:off x="0" y="0"/>
+          <a:ext cx="0" cy="0"/>
+          <a:chOff x="0" y="0"/>
+          <a:chExt cx="0" cy="0"/>
+        </a:xfrm>
+      </p:grpSpPr>
+      <p:sp>
+        <p:nvSpPr>
+          <p:cNvPr id="2" name="Header Placeholder 1"/>
+          <p:cNvSpPr>
+            <a:spLocks noGrp="1"/>
+          </p:cNvSpPr>
+          <p:nvPr>
+            <p:ph type="hdr" sz="quarter"/>
+          </p:nvPr>
+        </p:nvSpPr>
+        <p:spPr>
+          <a:xfrm>
+            <a:off x="0" y="0"/>
+            <a:ext cx="2971800" cy="458788"/>
+          </a:xfrm>
+          <a:prstGeom prst="rect">
+            <a:avLst/>
+          </a:prstGeom>
+        </p:spPr>
+        <p:txBody>
+          <a:bodyPr vert="horz" lIns="91440" tIns="45720" rIns="91440" bIns="45720" rtlCol="0"/>
+          <a:lstStyle>
+            <a:lvl1pPr algn="l">
+              <a:defRPr sz="1200"/>
+            </a:lvl1pPr>
+          </a:lstStyle>
+          <a:p>
+            <a:endParaRPr lang="en-US"/>
+          </a:p>
+        </p:txBody>
+      </p:sp>
+      <p:sp>
+        <p:nvSpPr>
+          <p:cNvPr id="3" name="Date Placeholder 2"/>
+          <p:cNvSpPr>
+            <a:spLocks noGrp="1"/>
+          </p:cNvSpPr>
+          <p:nvPr>
+            <p:ph type="dt" idx="1"/>
+          </p:nvPr>
+        </p:nvSpPr>
+        <p:spPr>
+          <a:xfrm>
+            <a:off x="3884613" y="0"/>
+            <a:ext cx="2971800" cy="458788"/>
+          </a:xfrm>
+          <a:prstGeom prst="rect">
+            <a:avLst/>
+          </a:prstGeom>
+        </p:spPr>
+        <p:txBody>
+          <a:bodyPr vert="horz" lIns="91440" tIns="45720" rIns="91440" bIns="45720" rtlCol="0"/>
+          <a:lstStyle>
+            <a:lvl1pPr algn="r">
+              <a:defRPr sz="1200"/>
+            </a:lvl1pPr>
+          </a:lstStyle>
+          <a:p>
+            <a:fld id="{D854E5A2-560F-5042-B033-2870576C7FEE}" type="datetimeFigureOut">
+              <a:rPr lang="en-US" smtClean="0"/>
+              <a:t>10/30/22</a:t>
+            </a:fld>
+            <a:endParaRPr lang="en-US"/>
+          </a:p>
+        </p:txBody>
+      </p:sp>
+      <p:sp>
+        <p:nvSpPr>
+          <p:cNvPr id="4" name="Slide Image Placeholder 3"/>
+          <p:cNvSpPr>
+            <a:spLocks noGrp="1" noRot="1" noChangeAspect="1"/>
+          </p:cNvSpPr>
+          <p:nvPr>
+            <p:ph type="sldImg" idx="2"/>
+          </p:nvPr>
+        </p:nvSpPr>
+        <p:spPr>
+          <a:xfrm>
+            <a:off x="685800" y="1143000"/>
+            <a:ext cx="5486400" cy="3086100"/>
+          </a:xfrm>
+          <a:prstGeom prst="rect">
+            <a:avLst/>
+          </a:prstGeom>
+          <a:noFill/>
+          <a:ln w="12700">
+            <a:solidFill>
+              <a:prstClr val="black"/>
+            </a:solidFill>
+          </a:ln>
+        </p:spPr>
+        <p:txBody>
+          <a:bodyPr vert="horz" lIns="91440" tIns="45720" rIns="91440" bIns="45720" rtlCol="0" anchor="ctr"/>
+          <a:lstStyle/>
+          <a:p>
+            <a:endParaRPr lang="en-US"/>
+          </a:p>
+        </p:txBody>
+      </p:sp>
+      <p:sp>
+        <p:nvSpPr>
+          <p:cNvPr id="5" name="Notes Placeholder 4"/>
+          <p:cNvSpPr>
+            <a:spLocks noGrp="1"/>
+          </p:cNvSpPr>
+          <p:nvPr>
+            <p:ph type="body" sz="quarter" idx="3"/>
+          </p:nvPr>
+        </p:nvSpPr>
+        <p:spPr>
+          <a:xfrm>
+            <a:off x="685800" y="4400550"/>
+            <a:ext cx="5486400" cy="3600450"/>
+          </a:xfrm>
+          <a:prstGeom prst="rect">
+            <a:avLst/>
+          </a:prstGeom>
+        </p:spPr>
+        <p:txBody>
+          <a:bodyPr vert="horz" lIns="91440" tIns="45720" rIns="91440" bIns="45720" rtlCol="0"/>
+          <a:lstStyle/>
+          <a:p>
+            <a:pPr lvl="0"/>
+            <a:r>
+              <a:rPr lang="en-US"/>
+              <a:t>Click to edit Master text styles</a:t>
+            </a:r>
+          </a:p>
+          <a:p>
+            <a:pPr lvl="1"/>
+            <a:r>
+              <a:rPr lang="en-US"/>
+              <a:t>Second level</a:t>
+            </a:r>
+          </a:p>
+          <a:p>
+            <a:pPr lvl="2"/>
+            <a:r>
+              <a:rPr lang="en-US"/>
+              <a:t>Third level</a:t>
+            </a:r>
+          </a:p>
+          <a:p>
+            <a:pPr lvl="3"/>
+            <a:r>
+              <a:rPr lang="en-US"/>
+              <a:t>Fourth level</a:t>
+            </a:r>
+          </a:p>
+          <a:p>
+            <a:pPr lvl="4"/>
+            <a:r>
+              <a:rPr lang="en-US"/>
+              <a:t>Fifth level</a:t>
+            </a:r>
+          </a:p>
+        </p:txBody>
+      </p:sp>
+      <p:sp>
+        <p:nvSpPr>
+          <p:cNvPr id="6" name="Footer Placeholder 5"/>
+          <p:cNvSpPr>
+            <a:spLocks noGrp="1"/>
+          </p:cNvSpPr>
+          <p:nvPr>
+            <p:ph type="ftr" sz="quarter" idx="4"/>
+          </p:nvPr>
+        </p:nvSpPr>
+        <p:spPr>
+          <a:xfrm>
+            <a:off x="0" y="8685213"/>
+            <a:ext cx="2971800" cy="458787"/>
+          </a:xfrm>
+          <a:prstGeom prst="rect">
+            <a:avLst/>
+          </a:prstGeom>
+        </p:spPr>
+        <p:txBody>
+          <a:bodyPr vert="horz" lIns="91440" tIns="45720" rIns="91440" bIns="45720" rtlCol="0" anchor="b"/>
+          <a:lstStyle>
+            <a:lvl1pPr algn="l">
+              <a:defRPr sz="1200"/>
+            </a:lvl1pPr>
+          </a:lstStyle>
+          <a:p>
+            <a:endParaRPr lang="en-US"/>
+          </a:p>
+        </p:txBody>
+      </p:sp>
+      <p:sp>
+        <p:nvSpPr>
+          <p:cNvPr id="7" name="Slide Number Placeholder 6"/>
+          <p:cNvSpPr>
+            <a:spLocks noGrp="1"/>
+          </p:cNvSpPr>
+          <p:nvPr>
+            <p:ph type="sldNum" sz="quarter" idx="5"/>
+          </p:nvPr>
+        </p:nvSpPr>
+        <p:spPr>
+          <a:xfrm>
+            <a:off x="3884613" y="8685213"/>
+            <a:ext cx="2971800" cy="458787"/>
+          </a:xfrm>
+          <a:prstGeom prst="rect">
+            <a:avLst/>
+          </a:prstGeom>
+        </p:spPr>
+        <p:txBody>
+          <a:bodyPr vert="horz" lIns="91440" tIns="45720" rIns="91440" bIns="45720" rtlCol="0" anchor="b"/>
+          <a:lstStyle>
+            <a:lvl1pPr algn="r">
+              <a:defRPr sz="1200"/>
+            </a:lvl1pPr>
+          </a:lstStyle>
+          <a:p>
+            <a:fld id="{AE3325B4-BEFF-9046-A95C-9488231697A5}" type="slidenum">
+              <a:rPr lang="en-US" smtClean="0"/>
+              <a:t>‹#›</a:t>
+            </a:fld>
+            <a:endParaRPr lang="en-US"/>
+          </a:p>
+        </p:txBody>
+      </p:sp>
+    </p:spTree>
+    <p:extLst>
+      <p:ext uri="{BB962C8B-B14F-4D97-AF65-F5344CB8AC3E}">
+        <p14:creationId xmlns:p14="http://schemas.microsoft.com/office/powerpoint/2010/main" val="3080228794"/>
+      </p:ext>
+    </p:extLst>
+  </p:cSld>
+  <p:clrMap bg1="lt1" tx1="dk1" bg2="lt2" tx2="dk2" accent1="accent1" accent2="accent2" accent3="accent3" accent4="accent4" accent5="accent5" accent6="accent6" hlink="hlink" folHlink="folHlink"/>
+  <p:notesStyle>
+    <a:lvl1pPr marL="0" algn="l" defTabSz="914400" rtl="0" eaLnBrk="1" latinLnBrk="0" hangingPunct="1">
+      <a:defRPr sz="1200" kern="1200">
+        <a:solidFill>
+          <a:schemeClr val="tx1"/>
+        </a:solidFill>
+        <a:latin typeface="+mn-lt"/>
+        <a:ea typeface="+mn-ea"/>
+        <a:cs typeface="+mn-cs"/>
+      </a:defRPr>
+    </a:lvl1pPr>
+    <a:lvl2pPr marL="457200" algn="l" defTabSz="914400" rtl="0" eaLnBrk="1" latinLnBrk="0" hangingPunct="1">
+      <a:defRPr sz="1200" kern="1200">
+        <a:solidFill>
+          <a:schemeClr val="tx1"/>
+        </a:solidFill>
+        <a:latin typeface="+mn-lt"/>
+        <a:ea typeface="+mn-ea"/>
+        <a:cs typeface="+mn-cs"/>
+      </a:defRPr>
+    </a:lvl2pPr>
+    <a:lvl3pPr marL="914400" algn="l" defTabSz="914400" rtl="0" eaLnBrk="1" latinLnBrk="0" hangingPunct="1">
+      <a:defRPr sz="1200" kern="1200">
+        <a:solidFill>
+          <a:schemeClr val="tx1"/>
+        </a:solidFill>
+        <a:latin typeface="+mn-lt"/>
+        <a:ea typeface="+mn-ea"/>
+        <a:cs typeface="+mn-cs"/>
+      </a:defRPr>
+    </a:lvl3pPr>
+    <a:lvl4pPr marL="1371600" algn="l" defTabSz="914400" rtl="0" eaLnBrk="1" latinLnBrk="0" hangingPunct="1">
+      <a:defRPr sz="1200" kern="1200">
+        <a:solidFill>
+          <a:schemeClr val="tx1"/>
+        </a:solidFill>
+        <a:latin typeface="+mn-lt"/>
+        <a:ea typeface="+mn-ea"/>
+        <a:cs typeface="+mn-cs"/>
+      </a:defRPr>
+    </a:lvl4pPr>
+    <a:lvl5pPr marL="1828800" algn="l" defTabSz="914400" rtl="0" eaLnBrk="1" latinLnBrk="0" hangingPunct="1">
+      <a:defRPr sz="1200" kern="1200">
+        <a:solidFill>
+          <a:schemeClr val="tx1"/>
+        </a:solidFill>
+        <a:latin typeface="+mn-lt"/>
+        <a:ea typeface="+mn-ea"/>
+        <a:cs typeface="+mn-cs"/>
+      </a:defRPr>
+    </a:lvl5pPr>
+    <a:lvl6pPr marL="2286000" algn="l" defTabSz="914400" rtl="0" eaLnBrk="1" latinLnBrk="0" hangingPunct="1">
+      <a:defRPr sz="1200" kern="1200">
+        <a:solidFill>
+          <a:schemeClr val="tx1"/>
+        </a:solidFill>
+        <a:latin typeface="+mn-lt"/>
+        <a:ea typeface="+mn-ea"/>
+        <a:cs typeface="+mn-cs"/>
+      </a:defRPr>
+    </a:lvl6pPr>
+    <a:lvl7pPr marL="2743200" algn="l" defTabSz="914400" rtl="0" eaLnBrk="1" latinLnBrk="0" hangingPunct="1">
+      <a:defRPr sz="1200" kern="1200">
+        <a:solidFill>
+          <a:schemeClr val="tx1"/>
+        </a:solidFill>
+        <a:latin typeface="+mn-lt"/>
+        <a:ea typeface="+mn-ea"/>
+        <a:cs typeface="+mn-cs"/>
+      </a:defRPr>
+    </a:lvl7pPr>
+    <a:lvl8pPr marL="3200400" algn="l" defTabSz="914400" rtl="0" eaLnBrk="1" latinLnBrk="0" hangingPunct="1">
+      <a:defRPr sz="1200" kern="1200">
+        <a:solidFill>
+          <a:schemeClr val="tx1"/>
+        </a:solidFill>
+        <a:latin typeface="+mn-lt"/>
+        <a:ea typeface="+mn-ea"/>
+        <a:cs typeface="+mn-cs"/>
+      </a:defRPr>
+    </a:lvl8pPr>
+    <a:lvl9pPr marL="3657600" algn="l" defTabSz="914400" rtl="0" eaLnBrk="1" latinLnBrk="0" hangingPunct="1">
+      <a:defRPr sz="1200" kern="1200">
+        <a:solidFill>
+          <a:schemeClr val="tx1"/>
+        </a:solidFill>
+        <a:latin typeface="+mn-lt"/>
+        <a:ea typeface="+mn-ea"/>
+        <a:cs typeface="+mn-cs"/>
+      </a:defRPr>
+    </a:lvl9pPr>
+  </p:notesStyle>
+</p:notesMaster>
+</file>
+
+<file path=ppt/notesSlides/notesSlide1.xml><?xml version="1.0" encoding="utf-8"?>
+<p:notes xmlns:a="http://schemas.openxmlformats.org/drawingml/2006/main" xmlns:r="http://schemas.openxmlformats.org/officeDocument/2006/relationships" xmlns:p="http://schemas.openxmlformats.org/presentationml/2006/main">
+  <p:cSld>
+    <p:spTree>
+      <p:nvGrpSpPr>
+        <p:cNvPr id="1" name=""/>
+        <p:cNvGrpSpPr/>
+        <p:nvPr/>
+      </p:nvGrpSpPr>
+      <p:grpSpPr>
+        <a:xfrm>
+          <a:off x="0" y="0"/>
+          <a:ext cx="0" cy="0"/>
+          <a:chOff x="0" y="0"/>
+          <a:chExt cx="0" cy="0"/>
+        </a:xfrm>
+      </p:grpSpPr>
+      <p:sp>
+        <p:nvSpPr>
+          <p:cNvPr id="2" name="Slide Image Placeholder 1"/>
+          <p:cNvSpPr>
+            <a:spLocks noGrp="1" noRot="1" noChangeAspect="1"/>
+          </p:cNvSpPr>
+          <p:nvPr>
+            <p:ph type="sldImg"/>
+          </p:nvPr>
+        </p:nvSpPr>
+        <p:spPr/>
+      </p:sp>
+      <p:sp>
+        <p:nvSpPr>
+          <p:cNvPr id="3" name="Notes Placeholder 2"/>
+          <p:cNvSpPr>
+            <a:spLocks noGrp="1"/>
+          </p:cNvSpPr>
+          <p:nvPr>
+            <p:ph type="body" idx="1"/>
+          </p:nvPr>
+        </p:nvSpPr>
+        <p:spPr/>
+        <p:txBody>
+          <a:bodyPr/>
+          <a:lstStyle/>
+          <a:p>
+            <a:endParaRPr lang="en-US" dirty="0"/>
+          </a:p>
+        </p:txBody>
+      </p:sp>
+      <p:sp>
+        <p:nvSpPr>
+          <p:cNvPr id="4" name="Slide Number Placeholder 3"/>
+          <p:cNvSpPr>
+            <a:spLocks noGrp="1"/>
+          </p:cNvSpPr>
+          <p:nvPr>
+            <p:ph type="sldNum" sz="quarter" idx="5"/>
+          </p:nvPr>
+        </p:nvSpPr>
+        <p:spPr/>
+        <p:txBody>
+          <a:bodyPr/>
+          <a:lstStyle/>
+          <a:p>
+            <a:fld id="{AE3325B4-BEFF-9046-A95C-9488231697A5}" type="slidenum">
+              <a:rPr lang="en-US" smtClean="0"/>
+              <a:t>2</a:t>
+            </a:fld>
+            <a:endParaRPr lang="en-US"/>
+          </a:p>
+        </p:txBody>
+      </p:sp>
+    </p:spTree>
+    <p:extLst>
+      <p:ext uri="{BB962C8B-B14F-4D97-AF65-F5344CB8AC3E}">
+        <p14:creationId xmlns:p14="http://schemas.microsoft.com/office/powerpoint/2010/main" val="2738424694"/>
+      </p:ext>
+    </p:extLst>
+  </p:cSld>
+  <p:clrMapOvr>
+    <a:masterClrMapping/>
+  </p:clrMapOvr>
+</p:notes>
+</file>
+
 <file path=ppt/slideLayouts/slideLayout1.xml><?xml version="1.0" encoding="utf-8"?>
 <p:sldLayout xmlns:a="http://schemas.openxmlformats.org/drawingml/2006/main" xmlns:r="http://schemas.openxmlformats.org/officeDocument/2006/relationships" xmlns:p="http://schemas.openxmlformats.org/presentationml/2006/main" type="title" preserve="1">
   <p:cSld name="Title Slide">
@@ -276,7 +712,7 @@
           <a:p>
             <a:fld id="{9893EBB2-0F16-174A-81ED-0C7E96A52E91}" type="datetimeFigureOut">
               <a:rPr lang="en-US" smtClean="0"/>
-              <a:t>10/29/22</a:t>
+              <a:t>10/30/22</a:t>
             </a:fld>
             <a:endParaRPr lang="en-US"/>
           </a:p>
@@ -474,7 +910,7 @@
           <a:p>
             <a:fld id="{9893EBB2-0F16-174A-81ED-0C7E96A52E91}" type="datetimeFigureOut">
               <a:rPr lang="en-US" smtClean="0"/>
-              <a:t>10/29/22</a:t>
+              <a:t>10/30/22</a:t>
             </a:fld>
             <a:endParaRPr lang="en-US"/>
           </a:p>
@@ -682,7 +1118,7 @@
           <a:p>
             <a:fld id="{9893EBB2-0F16-174A-81ED-0C7E96A52E91}" type="datetimeFigureOut">
               <a:rPr lang="en-US" smtClean="0"/>
-              <a:t>10/29/22</a:t>
+              <a:t>10/30/22</a:t>
             </a:fld>
             <a:endParaRPr lang="en-US"/>
           </a:p>
@@ -935,7 +1371,7 @@
           <a:p>
             <a:fld id="{9893EBB2-0F16-174A-81ED-0C7E96A52E91}" type="datetimeFigureOut">
               <a:rPr lang="en-US" smtClean="0"/>
-              <a:t>10/29/22</a:t>
+              <a:t>10/30/22</a:t>
             </a:fld>
             <a:endParaRPr lang="en-US"/>
           </a:p>
@@ -1210,7 +1646,7 @@
           <a:p>
             <a:fld id="{9893EBB2-0F16-174A-81ED-0C7E96A52E91}" type="datetimeFigureOut">
               <a:rPr lang="en-US" smtClean="0"/>
-              <a:t>10/29/22</a:t>
+              <a:t>10/30/22</a:t>
             </a:fld>
             <a:endParaRPr lang="en-US"/>
           </a:p>
@@ -1530,7 +1966,7 @@
           <a:p>
             <a:fld id="{9893EBB2-0F16-174A-81ED-0C7E96A52E91}" type="datetimeFigureOut">
               <a:rPr lang="en-US" smtClean="0"/>
-              <a:t>10/29/22</a:t>
+              <a:t>10/30/22</a:t>
             </a:fld>
             <a:endParaRPr lang="en-US"/>
           </a:p>
@@ -1942,7 +2378,7 @@
           <a:p>
             <a:fld id="{9893EBB2-0F16-174A-81ED-0C7E96A52E91}" type="datetimeFigureOut">
               <a:rPr lang="en-US" smtClean="0"/>
-              <a:t>10/29/22</a:t>
+              <a:t>10/30/22</a:t>
             </a:fld>
             <a:endParaRPr lang="en-US"/>
           </a:p>
@@ -2083,7 +2519,7 @@
           <a:p>
             <a:fld id="{9893EBB2-0F16-174A-81ED-0C7E96A52E91}" type="datetimeFigureOut">
               <a:rPr lang="en-US" smtClean="0"/>
-              <a:t>10/29/22</a:t>
+              <a:t>10/30/22</a:t>
             </a:fld>
             <a:endParaRPr lang="en-US"/>
           </a:p>
@@ -2196,7 +2632,7 @@
           <a:p>
             <a:fld id="{9893EBB2-0F16-174A-81ED-0C7E96A52E91}" type="datetimeFigureOut">
               <a:rPr lang="en-US" smtClean="0"/>
-              <a:t>10/29/22</a:t>
+              <a:t>10/30/22</a:t>
             </a:fld>
             <a:endParaRPr lang="en-US"/>
           </a:p>
@@ -2507,7 +2943,7 @@
           <a:p>
             <a:fld id="{9893EBB2-0F16-174A-81ED-0C7E96A52E91}" type="datetimeFigureOut">
               <a:rPr lang="en-US" smtClean="0"/>
-              <a:t>10/29/22</a:t>
+              <a:t>10/30/22</a:t>
             </a:fld>
             <a:endParaRPr lang="en-US"/>
           </a:p>
@@ -2795,7 +3231,7 @@
           <a:p>
             <a:fld id="{9893EBB2-0F16-174A-81ED-0C7E96A52E91}" type="datetimeFigureOut">
               <a:rPr lang="en-US" smtClean="0"/>
-              <a:t>10/29/22</a:t>
+              <a:t>10/30/22</a:t>
             </a:fld>
             <a:endParaRPr lang="en-US"/>
           </a:p>
@@ -3036,7 +3472,7 @@
           <a:p>
             <a:fld id="{9893EBB2-0F16-174A-81ED-0C7E96A52E91}" type="datetimeFigureOut">
               <a:rPr lang="en-US" smtClean="0"/>
-              <a:t>10/29/22</a:t>
+              <a:t>10/30/22</a:t>
             </a:fld>
             <a:endParaRPr lang="en-US"/>
           </a:p>
@@ -3631,6 +4067,36 @@
           <a:chExt cx="0" cy="0"/>
         </a:xfrm>
       </p:grpSpPr>
+      <p:pic>
+        <p:nvPicPr>
+          <p:cNvPr id="6" name="Picture 5" descr="A picture containing timeline&#10;&#10;Description automatically generated">
+            <a:extLst>
+              <a:ext uri="{FF2B5EF4-FFF2-40B4-BE49-F238E27FC236}">
+                <a16:creationId xmlns:a16="http://schemas.microsoft.com/office/drawing/2014/main" id="{39C9E376-18BF-679F-1720-44B6656F8649}"/>
+              </a:ext>
+            </a:extLst>
+          </p:cNvPr>
+          <p:cNvPicPr>
+            <a:picLocks noChangeAspect="1"/>
+          </p:cNvPicPr>
+          <p:nvPr/>
+        </p:nvPicPr>
+        <p:blipFill>
+          <a:blip r:embed="rId2"/>
+          <a:stretch>
+            <a:fillRect/>
+          </a:stretch>
+        </p:blipFill>
+        <p:spPr>
+          <a:xfrm>
+            <a:off x="1285100" y="2058666"/>
+            <a:ext cx="9564127" cy="3615274"/>
+          </a:xfrm>
+          <a:prstGeom prst="rect">
+            <a:avLst/>
+          </a:prstGeom>
+        </p:spPr>
+      </p:pic>
       <p:sp>
         <p:nvSpPr>
           <p:cNvPr id="2" name="Title 1">
@@ -3661,35 +4127,6 @@
           </a:p>
         </p:txBody>
       </p:sp>
-      <p:pic>
-        <p:nvPicPr>
-          <p:cNvPr id="9" name="Picture 8">
-            <a:extLst>
-              <a:ext uri="{FF2B5EF4-FFF2-40B4-BE49-F238E27FC236}">
-                <a16:creationId xmlns:a16="http://schemas.microsoft.com/office/drawing/2014/main" id="{FC954E38-8E91-5F10-6F90-2341CDA9647D}"/>
-              </a:ext>
-            </a:extLst>
-          </p:cNvPr>
-          <p:cNvPicPr>
-            <a:picLocks noChangeAspect="1"/>
-          </p:cNvPicPr>
-          <p:nvPr/>
-        </p:nvPicPr>
-        <p:blipFill rotWithShape="1">
-          <a:blip r:embed="rId2"/>
-          <a:srcRect b="23664"/>
-          <a:stretch/>
-        </p:blipFill>
-        <p:spPr>
-          <a:xfrm>
-            <a:off x="1110927" y="2178175"/>
-            <a:ext cx="9970145" cy="3547578"/>
-          </a:xfrm>
-          <a:prstGeom prst="rect">
-            <a:avLst/>
-          </a:prstGeom>
-        </p:spPr>
-      </p:pic>
       <p:cxnSp>
         <p:nvCxnSpPr>
           <p:cNvPr id="11" name="Straight Connector 10">
@@ -3869,7 +4306,7 @@
           <a:p>
             <a:r>
               <a:rPr lang="en-US" dirty="0"/>
-              <a:t>We’re on track to have modeling complete in two weeks, allowing an additional week to iterate as-needed and develop our final report.</a:t>
+              <a:t>We’re on track to have modeling complete in two weeks, allowing an additional week to iterate as-needed and develop our final report</a:t>
             </a:r>
           </a:p>
         </p:txBody>
@@ -4112,7 +4549,7 @@
         <p:spPr>
           <a:xfrm>
             <a:off x="967946" y="2807170"/>
-            <a:ext cx="3484606" cy="3046988"/>
+            <a:ext cx="3484606" cy="3954929"/>
           </a:xfrm>
           <a:prstGeom prst="rect">
             <a:avLst/>
@@ -4173,7 +4610,7 @@
             </a:pPr>
             <a:r>
               <a:rPr lang="en-US" dirty="0"/>
-              <a:t>Removed duplicate rows</a:t>
+              <a:t>Removed duplicate rows from real estate data</a:t>
             </a:r>
           </a:p>
           <a:p>
@@ -4200,6 +4637,19 @@
             <a:r>
               <a:rPr lang="en-US" dirty="0"/>
               <a:t>Aggregated income tax data</a:t>
+            </a:r>
+          </a:p>
+          <a:p>
+            <a:pPr marL="285750" indent="-285750">
+              <a:spcAft>
+                <a:spcPts val="600"/>
+              </a:spcAft>
+              <a:buFont typeface="Arial" panose="020B0604020202020204" pitchFamily="34" charset="0"/>
+              <a:buChar char="•"/>
+            </a:pPr>
+            <a:r>
+              <a:rPr lang="en-US" dirty="0"/>
+              <a:t>Joined the real estate and income tax datasets</a:t>
             </a:r>
           </a:p>
           <a:p>
@@ -7867,7 +8317,7 @@
         <p:spPr>
           <a:xfrm>
             <a:off x="967946" y="2792628"/>
-            <a:ext cx="3484606" cy="3016210"/>
+            <a:ext cx="3484606" cy="2739211"/>
           </a:xfrm>
           <a:prstGeom prst="rect">
             <a:avLst/>
@@ -7880,12 +8330,12 @@
           </a:bodyPr>
           <a:lstStyle/>
           <a:p>
-            <a:pPr marL="285750" indent="-285750">
+            <a:pPr marL="342900" indent="-342900">
               <a:spcAft>
                 <a:spcPts val="600"/>
               </a:spcAft>
-              <a:buFont typeface="Arial" panose="020B0604020202020204" pitchFamily="34" charset="0"/>
-              <a:buChar char="•"/>
+              <a:buFont typeface="+mj-lt"/>
+              <a:buAutoNum type="arabicPeriod"/>
             </a:pPr>
             <a:r>
               <a:rPr lang="en-US" dirty="0"/>
@@ -7893,12 +8343,12 @@
             </a:r>
           </a:p>
           <a:p>
-            <a:pPr marL="285750" indent="-285750">
+            <a:pPr marL="342900" indent="-342900">
               <a:spcAft>
                 <a:spcPts val="600"/>
               </a:spcAft>
-              <a:buFont typeface="Arial" panose="020B0604020202020204" pitchFamily="34" charset="0"/>
-              <a:buChar char="•"/>
+              <a:buFont typeface="+mj-lt"/>
+              <a:buAutoNum type="arabicPeriod"/>
             </a:pPr>
             <a:r>
               <a:rPr lang="en-US" dirty="0">
@@ -7915,7 +8365,25 @@
                 <a:ea typeface="MS Mincho" panose="02020609040205080304" pitchFamily="49" charset="-128"/>
                 <a:cs typeface="Times New Roman" panose="02020603050405020304" pitchFamily="18" charset="0"/>
               </a:rPr>
-              <a:t>nvestigated the relationship between the features and the DV using </a:t>
+              <a:t>nvestigated feature/DV </a:t>
+            </a:r>
+            <a:r>
+              <a:rPr lang="en-US" sz="1800" dirty="0" err="1">
+                <a:effectLst/>
+                <a:latin typeface="Calibri" panose="020F0502020204030204" pitchFamily="34" charset="0"/>
+                <a:ea typeface="MS Mincho" panose="02020609040205080304" pitchFamily="49" charset="-128"/>
+                <a:cs typeface="Times New Roman" panose="02020603050405020304" pitchFamily="18" charset="0"/>
+              </a:rPr>
+              <a:t>relatioships</a:t>
+            </a:r>
+            <a:r>
+              <a:rPr lang="en-US" sz="1800" dirty="0">
+                <a:effectLst/>
+                <a:latin typeface="Calibri" panose="020F0502020204030204" pitchFamily="34" charset="0"/>
+                <a:ea typeface="MS Mincho" panose="02020609040205080304" pitchFamily="49" charset="-128"/>
+                <a:cs typeface="Times New Roman" panose="02020603050405020304" pitchFamily="18" charset="0"/>
+              </a:rPr>
+              <a:t> using </a:t>
             </a:r>
             <a:r>
               <a:rPr lang="en-US" sz="1800" dirty="0" err="1">
@@ -7933,16 +8401,16 @@
                 <a:ea typeface="MS Mincho" panose="02020609040205080304" pitchFamily="49" charset="-128"/>
                 <a:cs typeface="Times New Roman" panose="02020603050405020304" pitchFamily="18" charset="0"/>
               </a:rPr>
-              <a:t> and correlation plots</a:t>
-            </a:r>
-          </a:p>
-          <a:p>
-            <a:pPr marL="285750" indent="-285750">
+              <a:t> and correlation</a:t>
+            </a:r>
+          </a:p>
+          <a:p>
+            <a:pPr marL="342900" indent="-342900">
               <a:spcAft>
                 <a:spcPts val="600"/>
               </a:spcAft>
-              <a:buFont typeface="Arial" panose="020B0604020202020204" pitchFamily="34" charset="0"/>
-              <a:buChar char="•"/>
+              <a:buFont typeface="+mj-lt"/>
+              <a:buAutoNum type="arabicPeriod"/>
             </a:pPr>
             <a:r>
               <a:rPr lang="en-US" dirty="0">
@@ -7986,7 +8454,7 @@
         <p:spPr>
           <a:xfrm>
             <a:off x="4790303" y="2483708"/>
-            <a:ext cx="6911546" cy="308920"/>
+            <a:ext cx="4180702" cy="308920"/>
           </a:xfrm>
           <a:prstGeom prst="rect">
             <a:avLst/>
@@ -8051,8 +8519,8 @@
         </p:nvSpPr>
         <p:spPr>
           <a:xfrm>
-            <a:off x="4790303" y="3127545"/>
-            <a:ext cx="7010400" cy="1908215"/>
+            <a:off x="4790303" y="2792628"/>
+            <a:ext cx="4370173" cy="2739211"/>
           </a:xfrm>
           <a:prstGeom prst="rect">
             <a:avLst/>
@@ -8087,7 +8555,7 @@
             </a:pPr>
             <a:r>
               <a:rPr lang="en-US" dirty="0"/>
-              <a:t>Investigate of correlation between price and income tax features reveals limited linear signal</a:t>
+              <a:t>Investigation of correlation between price and income tax features reveals limited linear signal</a:t>
             </a:r>
           </a:p>
           <a:p>
@@ -8105,7 +8573,7 @@
                 <a:ea typeface="MS Mincho" panose="02020609040205080304" pitchFamily="49" charset="-128"/>
                 <a:cs typeface="Times New Roman" panose="02020603050405020304" pitchFamily="18" charset="0"/>
               </a:rPr>
-              <a:t>Evaluation of multicollinearity showed many places with correlation between predictors, particularly in the income tax dataset</a:t>
+              <a:t>Evaluation of multicollinearity showed many places with correlation between predictors</a:t>
             </a:r>
             <a:endParaRPr lang="en-US" sz="1800" dirty="0">
               <a:effectLst/>
@@ -8774,6 +9242,184 @@
           </p:txBody>
         </p:sp>
       </p:grpSp>
+      <p:pic>
+        <p:nvPicPr>
+          <p:cNvPr id="15" name="Picture 14" descr="Chart&#10;&#10;Description automatically generated">
+            <a:extLst>
+              <a:ext uri="{FF2B5EF4-FFF2-40B4-BE49-F238E27FC236}">
+                <a16:creationId xmlns:a16="http://schemas.microsoft.com/office/drawing/2014/main" id="{BB2DAAF2-9291-3CAA-5BE2-FE1FB684364A}"/>
+              </a:ext>
+            </a:extLst>
+          </p:cNvPr>
+          <p:cNvPicPr>
+            <a:picLocks noChangeAspect="1"/>
+          </p:cNvPicPr>
+          <p:nvPr/>
+        </p:nvPicPr>
+        <p:blipFill>
+          <a:blip r:embed="rId2">
+            <a:extLst>
+              <a:ext uri="{28A0092B-C50C-407E-A947-70E740481C1C}">
+                <a14:useLocalDpi xmlns:a14="http://schemas.microsoft.com/office/drawing/2010/main" val="0"/>
+              </a:ext>
+            </a:extLst>
+          </a:blip>
+          <a:stretch>
+            <a:fillRect/>
+          </a:stretch>
+        </p:blipFill>
+        <p:spPr>
+          <a:xfrm>
+            <a:off x="9344997" y="3114250"/>
+            <a:ext cx="2535507" cy="2095966"/>
+          </a:xfrm>
+          <a:prstGeom prst="rect">
+            <a:avLst/>
+          </a:prstGeom>
+        </p:spPr>
+      </p:pic>
+      <p:sp>
+        <p:nvSpPr>
+          <p:cNvPr id="21" name="TextBox 20">
+            <a:extLst>
+              <a:ext uri="{FF2B5EF4-FFF2-40B4-BE49-F238E27FC236}">
+                <a16:creationId xmlns:a16="http://schemas.microsoft.com/office/drawing/2014/main" id="{A643C742-31A7-A89E-3DBD-2B3DA79B62BB}"/>
+              </a:ext>
+            </a:extLst>
+          </p:cNvPr>
+          <p:cNvSpPr txBox="1"/>
+          <p:nvPr/>
+        </p:nvSpPr>
+        <p:spPr>
+          <a:xfrm>
+            <a:off x="598459" y="5840758"/>
+            <a:ext cx="10585622" cy="907941"/>
+          </a:xfrm>
+          <a:prstGeom prst="rect">
+            <a:avLst/>
+          </a:prstGeom>
+          <a:noFill/>
+        </p:spPr>
+        <p:txBody>
+          <a:bodyPr wrap="square">
+            <a:spAutoFit/>
+          </a:bodyPr>
+          <a:lstStyle/>
+          <a:p>
+            <a:pPr marL="466725" indent="-466725">
+              <a:spcAft>
+                <a:spcPts val="300"/>
+              </a:spcAft>
+              <a:buFont typeface="Arial" panose="020B0604020202020204" pitchFamily="34" charset="0"/>
+              <a:buChar char="•"/>
+            </a:pPr>
+            <a:r>
+              <a:rPr lang="en-US" sz="1600" dirty="0"/>
+              <a:t>Real estate features are expected to provide the most signal to the model</a:t>
+            </a:r>
+          </a:p>
+          <a:p>
+            <a:pPr marL="466725" indent="-466725">
+              <a:spcAft>
+                <a:spcPts val="300"/>
+              </a:spcAft>
+              <a:buFont typeface="Arial" panose="020B0604020202020204" pitchFamily="34" charset="0"/>
+              <a:buChar char="•"/>
+            </a:pPr>
+            <a:r>
+              <a:rPr lang="en-US" sz="1600" dirty="0">
+                <a:latin typeface="Calibri" panose="020F0502020204030204" pitchFamily="34" charset="0"/>
+                <a:ea typeface="MS Mincho" panose="02020609040205080304" pitchFamily="49" charset="-128"/>
+                <a:cs typeface="Times New Roman" panose="02020603050405020304" pitchFamily="18" charset="0"/>
+              </a:rPr>
+              <a:t>T</a:t>
+            </a:r>
+            <a:r>
+              <a:rPr lang="en-US" sz="1600" dirty="0">
+                <a:effectLst/>
+                <a:latin typeface="Calibri" panose="020F0502020204030204" pitchFamily="34" charset="0"/>
+                <a:ea typeface="MS Mincho" panose="02020609040205080304" pitchFamily="49" charset="-128"/>
+                <a:cs typeface="Times New Roman" panose="02020603050405020304" pitchFamily="18" charset="0"/>
+              </a:rPr>
+              <a:t>ax </a:t>
+            </a:r>
+            <a:r>
+              <a:rPr lang="en-US" sz="1600" dirty="0"/>
+              <a:t>features related to affluency have the most potential to provide signal to the model</a:t>
+            </a:r>
+          </a:p>
+          <a:p>
+            <a:pPr marL="466725" indent="-466725">
+              <a:spcAft>
+                <a:spcPts val="300"/>
+              </a:spcAft>
+              <a:buFont typeface="Arial" panose="020B0604020202020204" pitchFamily="34" charset="0"/>
+              <a:buChar char="•"/>
+            </a:pPr>
+            <a:r>
+              <a:rPr lang="en-US" sz="1600" dirty="0"/>
+              <a:t>Tree-based models will likely far outperform linear models</a:t>
+            </a:r>
+          </a:p>
+        </p:txBody>
+      </p:sp>
+      <p:sp>
+        <p:nvSpPr>
+          <p:cNvPr id="22" name="Rectangle 21">
+            <a:extLst>
+              <a:ext uri="{FF2B5EF4-FFF2-40B4-BE49-F238E27FC236}">
+                <a16:creationId xmlns:a16="http://schemas.microsoft.com/office/drawing/2014/main" id="{75E80232-73A5-BFEA-2729-805389AC2A5C}"/>
+              </a:ext>
+            </a:extLst>
+          </p:cNvPr>
+          <p:cNvSpPr/>
+          <p:nvPr/>
+        </p:nvSpPr>
+        <p:spPr>
+          <a:xfrm>
+            <a:off x="0" y="5535958"/>
+            <a:ext cx="12192000" cy="304800"/>
+          </a:xfrm>
+          <a:prstGeom prst="rect">
+            <a:avLst/>
+          </a:prstGeom>
+          <a:solidFill>
+            <a:schemeClr val="tx2">
+              <a:lumMod val="60000"/>
+              <a:lumOff val="40000"/>
+            </a:schemeClr>
+          </a:solidFill>
+          <a:ln>
+            <a:noFill/>
+          </a:ln>
+        </p:spPr>
+        <p:style>
+          <a:lnRef idx="2">
+            <a:schemeClr val="accent1">
+              <a:shade val="50000"/>
+            </a:schemeClr>
+          </a:lnRef>
+          <a:fillRef idx="1">
+            <a:schemeClr val="accent1"/>
+          </a:fillRef>
+          <a:effectRef idx="0">
+            <a:schemeClr val="accent1"/>
+          </a:effectRef>
+          <a:fontRef idx="minor">
+            <a:schemeClr val="lt1"/>
+          </a:fontRef>
+        </p:style>
+        <p:txBody>
+          <a:bodyPr rtlCol="0" anchor="ctr"/>
+          <a:lstStyle/>
+          <a:p>
+            <a:r>
+              <a:rPr lang="en-US" dirty="0"/>
+              <a:t>INITIAL HYPOTHESES</a:t>
+            </a:r>
+          </a:p>
+        </p:txBody>
+      </p:sp>
     </p:spTree>
     <p:extLst>
       <p:ext uri="{BB962C8B-B14F-4D97-AF65-F5344CB8AC3E}">
@@ -8788,7 +9434,7 @@
 </file>
 
 <file path=ppt/slides/slide13.xml><?xml version="1.0" encoding="utf-8"?>
-<p:sld xmlns:a="http://schemas.openxmlformats.org/drawingml/2006/main" xmlns:r="http://schemas.openxmlformats.org/officeDocument/2006/relationships" xmlns:p="http://schemas.openxmlformats.org/presentationml/2006/main">
+<p:sld xmlns:a="http://schemas.openxmlformats.org/drawingml/2006/main" xmlns:r="http://schemas.openxmlformats.org/officeDocument/2006/relationships" xmlns:p="http://schemas.openxmlformats.org/presentationml/2006/main" show="0">
   <p:cSld>
     <p:spTree>
       <p:nvGrpSpPr>
@@ -8942,7 +9588,7 @@
                 <a:ea typeface="MS Mincho" panose="02020609040205080304" pitchFamily="49" charset="-128"/>
                 <a:cs typeface="Times New Roman" panose="02020603050405020304" pitchFamily="18" charset="0"/>
               </a:rPr>
-              <a:t>Investigate of correlation between price and income tax features reveals limited linear signal</a:t>
+              <a:t>Investigation of correlation between price and income tax features reveals limited linear signal</a:t>
             </a:r>
           </a:p>
         </p:txBody>
@@ -11898,7 +12544,7 @@
         <p:spPr>
           <a:xfrm>
             <a:off x="967946" y="3113903"/>
-            <a:ext cx="3484606" cy="1908215"/>
+            <a:ext cx="3484606" cy="1277273"/>
           </a:xfrm>
           <a:prstGeom prst="rect">
             <a:avLst/>
@@ -11960,38 +12606,6 @@
                 <a:cs typeface="Times New Roman" panose="02020603050405020304" pitchFamily="18" charset="0"/>
               </a:rPr>
               <a:t>eveloped a rough R framework for modeling</a:t>
-            </a:r>
-          </a:p>
-          <a:p>
-            <a:pPr marL="285750" indent="-285750">
-              <a:spcAft>
-                <a:spcPts val="600"/>
-              </a:spcAft>
-              <a:buFont typeface="Arial" panose="020B0604020202020204" pitchFamily="34" charset="0"/>
-              <a:buChar char="•"/>
-            </a:pPr>
-            <a:r>
-              <a:rPr lang="en-US" dirty="0">
-                <a:latin typeface="Calibri" panose="020F0502020204030204" pitchFamily="34" charset="0"/>
-                <a:ea typeface="MS Mincho" panose="02020609040205080304" pitchFamily="49" charset="-128"/>
-                <a:cs typeface="Times New Roman" panose="02020603050405020304" pitchFamily="18" charset="0"/>
-              </a:rPr>
-              <a:t>Trained initial</a:t>
-            </a:r>
-            <a:r>
-              <a:rPr lang="en-US" sz="1800" dirty="0">
-                <a:effectLst/>
-                <a:latin typeface="Calibri" panose="020F0502020204030204" pitchFamily="34" charset="0"/>
-                <a:ea typeface="MS Mincho" panose="02020609040205080304" pitchFamily="49" charset="-128"/>
-                <a:cs typeface="Times New Roman" panose="02020603050405020304" pitchFamily="18" charset="0"/>
-              </a:rPr>
-              <a:t> linear models as a point of reference</a:t>
-            </a:r>
-            <a:r>
-              <a:rPr lang="en-US" dirty="0">
-                <a:effectLst/>
-              </a:rPr>
-              <a:t> </a:t>
             </a:r>
             <a:endParaRPr lang="en-US" dirty="0"/>
           </a:p>
@@ -13361,7 +13975,7 @@
           <p:cNvPr id="2" name="Title 1">
             <a:extLst>
               <a:ext uri="{FF2B5EF4-FFF2-40B4-BE49-F238E27FC236}">
-                <a16:creationId xmlns:a16="http://schemas.microsoft.com/office/drawing/2014/main" id="{3A176D75-DC64-614F-9953-6D0B12CED564}"/>
+                <a16:creationId xmlns:a16="http://schemas.microsoft.com/office/drawing/2014/main" id="{75589658-D6F5-087A-BEB2-6340F1A65F93}"/>
               </a:ext>
             </a:extLst>
           </p:cNvPr>
@@ -13374,24 +13988,22 @@
         </p:nvSpPr>
         <p:spPr/>
         <p:txBody>
-          <a:bodyPr>
-            <a:normAutofit fontScale="90000"/>
-          </a:bodyPr>
+          <a:bodyPr/>
           <a:lstStyle/>
           <a:p>
             <a:r>
               <a:rPr lang="en-US" dirty="0"/>
-              <a:t>Initial Hypotheses</a:t>
+              <a:t>Next Steps</a:t>
             </a:r>
           </a:p>
         </p:txBody>
       </p:sp>
       <p:sp>
         <p:nvSpPr>
-          <p:cNvPr id="3" name="Content Placeholder 2">
+          <p:cNvPr id="3" name="Text Placeholder 2">
             <a:extLst>
               <a:ext uri="{FF2B5EF4-FFF2-40B4-BE49-F238E27FC236}">
-                <a16:creationId xmlns:a16="http://schemas.microsoft.com/office/drawing/2014/main" id="{1502AB30-D7ED-2114-8FCE-E4F5314021A1}"/>
+                <a16:creationId xmlns:a16="http://schemas.microsoft.com/office/drawing/2014/main" id="{D6F34192-6511-BC66-707F-DCB93BB09424}"/>
               </a:ext>
             </a:extLst>
           </p:cNvPr>
@@ -13399,311 +14011,22 @@
             <a:spLocks noGrp="1"/>
           </p:cNvSpPr>
           <p:nvPr>
-            <p:ph idx="1"/>
+            <p:ph type="body" idx="1"/>
           </p:nvPr>
         </p:nvSpPr>
         <p:spPr/>
         <p:txBody>
-          <a:bodyPr>
-            <a:normAutofit/>
-          </a:bodyPr>
+          <a:bodyPr/>
           <a:lstStyle/>
           <a:p>
-            <a:pPr marL="0" indent="0">
-              <a:buNone/>
-            </a:pPr>
-            <a:r>
-              <a:rPr lang="en-US" sz="2000" dirty="0"/>
-              <a:t>The team has a few hypotheses that we plan to test as we develop and evaluate our models.</a:t>
-            </a:r>
-          </a:p>
-          <a:p>
-            <a:pPr marL="0" indent="0">
-              <a:buNone/>
-            </a:pPr>
-            <a:endParaRPr lang="en-US" sz="2000" dirty="0"/>
-          </a:p>
-          <a:p>
-            <a:pPr marL="0" indent="0">
-              <a:buNone/>
-            </a:pPr>
-            <a:endParaRPr lang="en-US" sz="2000" dirty="0"/>
-          </a:p>
-          <a:p>
-            <a:pPr marL="466725" indent="-466725">
-              <a:spcAft>
-                <a:spcPts val="1800"/>
-              </a:spcAft>
-            </a:pPr>
-            <a:r>
-              <a:rPr lang="en-US" sz="2000" dirty="0"/>
-              <a:t>Real estate features are expected to provide the most signal to the model</a:t>
-            </a:r>
-          </a:p>
-          <a:p>
-            <a:pPr marL="466725" indent="-466725">
-              <a:spcAft>
-                <a:spcPts val="1800"/>
-              </a:spcAft>
-            </a:pPr>
-            <a:r>
-              <a:rPr lang="en-US" sz="2000" dirty="0">
-                <a:latin typeface="Calibri" panose="020F0502020204030204" pitchFamily="34" charset="0"/>
-                <a:ea typeface="MS Mincho" panose="02020609040205080304" pitchFamily="49" charset="-128"/>
-                <a:cs typeface="Times New Roman" panose="02020603050405020304" pitchFamily="18" charset="0"/>
-              </a:rPr>
-              <a:t>T</a:t>
-            </a:r>
-            <a:r>
-              <a:rPr lang="en-US" sz="2000" dirty="0">
-                <a:effectLst/>
-                <a:latin typeface="Calibri" panose="020F0502020204030204" pitchFamily="34" charset="0"/>
-                <a:ea typeface="MS Mincho" panose="02020609040205080304" pitchFamily="49" charset="-128"/>
-                <a:cs typeface="Times New Roman" panose="02020603050405020304" pitchFamily="18" charset="0"/>
-              </a:rPr>
-              <a:t>ax features related to affluency (AGI, taxable income amounts) have the most potential to provide signal to the model</a:t>
-            </a:r>
-          </a:p>
-          <a:p>
-            <a:pPr marL="466725" indent="-466725">
-              <a:spcAft>
-                <a:spcPts val="1800"/>
-              </a:spcAft>
-            </a:pPr>
-            <a:r>
-              <a:rPr lang="en-US" sz="2000" dirty="0">
-                <a:latin typeface="Calibri" panose="020F0502020204030204" pitchFamily="34" charset="0"/>
-                <a:ea typeface="MS Mincho" panose="02020609040205080304" pitchFamily="49" charset="-128"/>
-                <a:cs typeface="Times New Roman" panose="02020603050405020304" pitchFamily="18" charset="0"/>
-              </a:rPr>
-              <a:t>T</a:t>
-            </a:r>
-            <a:r>
-              <a:rPr lang="en-US" sz="2000" dirty="0">
-                <a:effectLst/>
-                <a:latin typeface="Calibri" panose="020F0502020204030204" pitchFamily="34" charset="0"/>
-                <a:ea typeface="MS Mincho" panose="02020609040205080304" pitchFamily="49" charset="-128"/>
-                <a:cs typeface="Times New Roman" panose="02020603050405020304" pitchFamily="18" charset="0"/>
-              </a:rPr>
-              <a:t>ree-based models will likely far outperform linear models due to their ability to pick up nonlinear signal and predictor interactions without explicit interaction terms</a:t>
-            </a:r>
-            <a:r>
-              <a:rPr lang="en-US" sz="2000" dirty="0">
-                <a:effectLst/>
-              </a:rPr>
-              <a:t> </a:t>
-            </a:r>
-            <a:endParaRPr lang="en-US" sz="2000" dirty="0"/>
-          </a:p>
-        </p:txBody>
-      </p:sp>
-      <p:sp>
-        <p:nvSpPr>
-          <p:cNvPr id="4" name="TextBox 3">
-            <a:extLst>
-              <a:ext uri="{FF2B5EF4-FFF2-40B4-BE49-F238E27FC236}">
-                <a16:creationId xmlns:a16="http://schemas.microsoft.com/office/drawing/2014/main" id="{B3B0A8F1-DF0B-4CA8-7887-D75024593553}"/>
-              </a:ext>
-            </a:extLst>
-          </p:cNvPr>
-          <p:cNvSpPr txBox="1"/>
-          <p:nvPr/>
-        </p:nvSpPr>
-        <p:spPr>
-          <a:xfrm>
-            <a:off x="4067503" y="1418897"/>
-            <a:ext cx="184731" cy="369332"/>
-          </a:xfrm>
-          <a:prstGeom prst="rect">
-            <a:avLst/>
-          </a:prstGeom>
-          <a:noFill/>
-        </p:spPr>
-        <p:txBody>
-          <a:bodyPr wrap="none" rtlCol="0">
-            <a:spAutoFit/>
-          </a:bodyPr>
-          <a:lstStyle/>
-          <a:p>
-            <a:endParaRPr lang="en-US" dirty="0"/>
-          </a:p>
-        </p:txBody>
-      </p:sp>
-      <p:sp>
-        <p:nvSpPr>
-          <p:cNvPr id="5" name="Oval 4">
-            <a:extLst>
-              <a:ext uri="{FF2B5EF4-FFF2-40B4-BE49-F238E27FC236}">
-                <a16:creationId xmlns:a16="http://schemas.microsoft.com/office/drawing/2014/main" id="{73EB8225-46FA-84EA-B27F-59AE8283BD4C}"/>
-              </a:ext>
-            </a:extLst>
-          </p:cNvPr>
-          <p:cNvSpPr/>
-          <p:nvPr/>
-        </p:nvSpPr>
-        <p:spPr>
-          <a:xfrm>
-            <a:off x="838200" y="3067664"/>
-            <a:ext cx="280219" cy="280219"/>
-          </a:xfrm>
-          <a:prstGeom prst="ellipse">
-            <a:avLst/>
-          </a:prstGeom>
-          <a:solidFill>
-            <a:schemeClr val="accent1">
-              <a:lumMod val="50000"/>
-            </a:schemeClr>
-          </a:solidFill>
-          <a:ln>
-            <a:noFill/>
-          </a:ln>
-        </p:spPr>
-        <p:style>
-          <a:lnRef idx="2">
-            <a:schemeClr val="accent1">
-              <a:shade val="50000"/>
-            </a:schemeClr>
-          </a:lnRef>
-          <a:fillRef idx="1">
-            <a:schemeClr val="accent1"/>
-          </a:fillRef>
-          <a:effectRef idx="0">
-            <a:schemeClr val="accent1"/>
-          </a:effectRef>
-          <a:fontRef idx="minor">
-            <a:schemeClr val="lt1"/>
-          </a:fontRef>
-        </p:style>
-        <p:txBody>
-          <a:bodyPr rtlCol="0" anchor="ctr"/>
-          <a:lstStyle/>
-          <a:p>
-            <a:pPr algn="ctr"/>
-            <a:r>
-              <a:rPr lang="en-US" sz="1600" dirty="0"/>
-              <a:t>1</a:t>
-            </a:r>
-          </a:p>
-        </p:txBody>
-      </p:sp>
-      <p:sp>
-        <p:nvSpPr>
-          <p:cNvPr id="8" name="Oval 7">
-            <a:extLst>
-              <a:ext uri="{FF2B5EF4-FFF2-40B4-BE49-F238E27FC236}">
-                <a16:creationId xmlns:a16="http://schemas.microsoft.com/office/drawing/2014/main" id="{AEA5EC39-95E8-DFB2-8DC5-04B563AA89AA}"/>
-              </a:ext>
-            </a:extLst>
-          </p:cNvPr>
-          <p:cNvSpPr/>
-          <p:nvPr/>
-        </p:nvSpPr>
-        <p:spPr>
-          <a:xfrm>
-            <a:off x="838200" y="3677264"/>
-            <a:ext cx="280219" cy="280219"/>
-          </a:xfrm>
-          <a:prstGeom prst="ellipse">
-            <a:avLst/>
-          </a:prstGeom>
-          <a:solidFill>
-            <a:schemeClr val="accent1">
-              <a:lumMod val="50000"/>
-            </a:schemeClr>
-          </a:solidFill>
-          <a:ln>
-            <a:noFill/>
-          </a:ln>
-        </p:spPr>
-        <p:style>
-          <a:lnRef idx="2">
-            <a:schemeClr val="accent1">
-              <a:shade val="50000"/>
-            </a:schemeClr>
-          </a:lnRef>
-          <a:fillRef idx="1">
-            <a:schemeClr val="accent1"/>
-          </a:fillRef>
-          <a:effectRef idx="0">
-            <a:schemeClr val="accent1"/>
-          </a:effectRef>
-          <a:fontRef idx="minor">
-            <a:schemeClr val="lt1"/>
-          </a:fontRef>
-        </p:style>
-        <p:txBody>
-          <a:bodyPr rtlCol="0" anchor="ctr"/>
-          <a:lstStyle/>
-          <a:p>
-            <a:pPr algn="ctr"/>
-            <a:r>
-              <a:rPr lang="en-US" sz="1600" dirty="0"/>
-              <a:t>2</a:t>
-            </a:r>
-          </a:p>
-        </p:txBody>
-      </p:sp>
-      <p:sp>
-        <p:nvSpPr>
-          <p:cNvPr id="9" name="Oval 8">
-            <a:extLst>
-              <a:ext uri="{FF2B5EF4-FFF2-40B4-BE49-F238E27FC236}">
-                <a16:creationId xmlns:a16="http://schemas.microsoft.com/office/drawing/2014/main" id="{34B65964-ED33-8DFB-04BA-22B5C69C4670}"/>
-              </a:ext>
-            </a:extLst>
-          </p:cNvPr>
-          <p:cNvSpPr/>
-          <p:nvPr/>
-        </p:nvSpPr>
-        <p:spPr>
-          <a:xfrm>
-            <a:off x="838200" y="4606415"/>
-            <a:ext cx="280219" cy="280219"/>
-          </a:xfrm>
-          <a:prstGeom prst="ellipse">
-            <a:avLst/>
-          </a:prstGeom>
-          <a:solidFill>
-            <a:schemeClr val="accent1">
-              <a:lumMod val="50000"/>
-            </a:schemeClr>
-          </a:solidFill>
-          <a:ln>
-            <a:noFill/>
-          </a:ln>
-        </p:spPr>
-        <p:style>
-          <a:lnRef idx="2">
-            <a:schemeClr val="accent1">
-              <a:shade val="50000"/>
-            </a:schemeClr>
-          </a:lnRef>
-          <a:fillRef idx="1">
-            <a:schemeClr val="accent1"/>
-          </a:fillRef>
-          <a:effectRef idx="0">
-            <a:schemeClr val="accent1"/>
-          </a:effectRef>
-          <a:fontRef idx="minor">
-            <a:schemeClr val="lt1"/>
-          </a:fontRef>
-        </p:style>
-        <p:txBody>
-          <a:bodyPr rtlCol="0" anchor="ctr"/>
-          <a:lstStyle/>
-          <a:p>
-            <a:pPr algn="ctr"/>
-            <a:r>
-              <a:rPr lang="en-US" sz="1600" dirty="0"/>
-              <a:t>3</a:t>
-            </a:r>
+            <a:endParaRPr lang="en-US"/>
           </a:p>
         </p:txBody>
       </p:sp>
     </p:spTree>
     <p:extLst>
       <p:ext uri="{BB962C8B-B14F-4D97-AF65-F5344CB8AC3E}">
-        <p14:creationId xmlns:p14="http://schemas.microsoft.com/office/powerpoint/2010/main" val="3334957126"/>
+        <p14:creationId xmlns:p14="http://schemas.microsoft.com/office/powerpoint/2010/main" val="805341651"/>
       </p:ext>
     </p:extLst>
   </p:cSld>
@@ -13735,7 +14058,7 @@
           <p:cNvPr id="2" name="Title 1">
             <a:extLst>
               <a:ext uri="{FF2B5EF4-FFF2-40B4-BE49-F238E27FC236}">
-                <a16:creationId xmlns:a16="http://schemas.microsoft.com/office/drawing/2014/main" id="{75589658-D6F5-087A-BEB2-6340F1A65F93}"/>
+                <a16:creationId xmlns:a16="http://schemas.microsoft.com/office/drawing/2014/main" id="{3A176D75-DC64-614F-9953-6D0B12CED564}"/>
               </a:ext>
             </a:extLst>
           </p:cNvPr>
@@ -13748,7 +14071,9 @@
         </p:nvSpPr>
         <p:spPr/>
         <p:txBody>
-          <a:bodyPr/>
+          <a:bodyPr>
+            <a:normAutofit fontScale="90000"/>
+          </a:bodyPr>
           <a:lstStyle/>
           <a:p>
             <a:r>
@@ -13760,10 +14085,10 @@
       </p:sp>
       <p:sp>
         <p:nvSpPr>
-          <p:cNvPr id="3" name="Text Placeholder 2">
+          <p:cNvPr id="3" name="Content Placeholder 2">
             <a:extLst>
               <a:ext uri="{FF2B5EF4-FFF2-40B4-BE49-F238E27FC236}">
-                <a16:creationId xmlns:a16="http://schemas.microsoft.com/office/drawing/2014/main" id="{D6F34192-6511-BC66-707F-DCB93BB09424}"/>
+                <a16:creationId xmlns:a16="http://schemas.microsoft.com/office/drawing/2014/main" id="{1502AB30-D7ED-2114-8FCE-E4F5314021A1}"/>
               </a:ext>
             </a:extLst>
           </p:cNvPr>
@@ -13771,22 +14096,134 @@
             <a:spLocks noGrp="1"/>
           </p:cNvSpPr>
           <p:nvPr>
-            <p:ph type="body" idx="1"/>
+            <p:ph idx="1"/>
           </p:nvPr>
         </p:nvSpPr>
-        <p:spPr/>
+        <p:spPr>
+          <a:xfrm>
+            <a:off x="838200" y="1825624"/>
+            <a:ext cx="10515600" cy="4896451"/>
+          </a:xfrm>
+        </p:spPr>
         <p:txBody>
-          <a:bodyPr/>
+          <a:bodyPr>
+            <a:normAutofit/>
+          </a:bodyPr>
           <a:lstStyle/>
           <a:p>
-            <a:endParaRPr lang="en-US"/>
+            <a:r>
+              <a:rPr lang="en-US" sz="2400" dirty="0"/>
+              <a:t>Finish EDA</a:t>
+            </a:r>
+          </a:p>
+          <a:p>
+            <a:pPr lvl="1"/>
+            <a:r>
+              <a:rPr lang="en-US" sz="2000" dirty="0"/>
+              <a:t>Make final decision on null values</a:t>
+            </a:r>
+          </a:p>
+          <a:p>
+            <a:pPr lvl="1">
+              <a:spcAft>
+                <a:spcPts val="1200"/>
+              </a:spcAft>
+            </a:pPr>
+            <a:r>
+              <a:rPr lang="en-US" sz="2000" dirty="0"/>
+              <a:t>Rerun analysis with real estate features</a:t>
+            </a:r>
+            <a:endParaRPr lang="en-US" sz="2400" dirty="0"/>
+          </a:p>
+          <a:p>
+            <a:r>
+              <a:rPr lang="en-US" sz="2400" dirty="0"/>
+              <a:t>Complete model development and selection</a:t>
+            </a:r>
+          </a:p>
+          <a:p>
+            <a:pPr lvl="1"/>
+            <a:r>
+              <a:rPr lang="en-US" sz="2000" dirty="0"/>
+              <a:t>Build out PCA and tree-based model code</a:t>
+            </a:r>
+          </a:p>
+          <a:p>
+            <a:pPr lvl="1"/>
+            <a:r>
+              <a:rPr lang="en-US" sz="2000" dirty="0"/>
+              <a:t>Run models, compare performance, and select the best</a:t>
+            </a:r>
+          </a:p>
+          <a:p>
+            <a:pPr lvl="1">
+              <a:spcAft>
+                <a:spcPts val="1200"/>
+              </a:spcAft>
+            </a:pPr>
+            <a:r>
+              <a:rPr lang="en-US" sz="2000" dirty="0"/>
+              <a:t>Run a final version of the best model type without income tax features</a:t>
+            </a:r>
+          </a:p>
+          <a:p>
+            <a:r>
+              <a:rPr lang="en-US" sz="2400" dirty="0"/>
+              <a:t>Evaluate outputs</a:t>
+            </a:r>
+          </a:p>
+          <a:p>
+            <a:pPr lvl="1"/>
+            <a:r>
+              <a:rPr lang="en-US" sz="2000" dirty="0"/>
+              <a:t>Examine performance of all models to understand overall predictive power</a:t>
+            </a:r>
+          </a:p>
+          <a:p>
+            <a:pPr lvl="1"/>
+            <a:r>
+              <a:rPr lang="en-US" sz="2000" dirty="0"/>
+              <a:t>Compare performance of model with and without income tax features to understand their additive predictive power</a:t>
+            </a:r>
+          </a:p>
+        </p:txBody>
+      </p:sp>
+      <p:sp>
+        <p:nvSpPr>
+          <p:cNvPr id="4" name="TextBox 3">
+            <a:extLst>
+              <a:ext uri="{FF2B5EF4-FFF2-40B4-BE49-F238E27FC236}">
+                <a16:creationId xmlns:a16="http://schemas.microsoft.com/office/drawing/2014/main" id="{B3B0A8F1-DF0B-4CA8-7887-D75024593553}"/>
+              </a:ext>
+            </a:extLst>
+          </p:cNvPr>
+          <p:cNvSpPr txBox="1"/>
+          <p:nvPr/>
+        </p:nvSpPr>
+        <p:spPr>
+          <a:xfrm>
+            <a:off x="4067503" y="1418897"/>
+            <a:ext cx="184731" cy="369332"/>
+          </a:xfrm>
+          <a:prstGeom prst="rect">
+            <a:avLst/>
+          </a:prstGeom>
+          <a:noFill/>
+        </p:spPr>
+        <p:txBody>
+          <a:bodyPr wrap="none" rtlCol="0">
+            <a:spAutoFit/>
+          </a:bodyPr>
+          <a:lstStyle/>
+          <a:p>
+            <a:endParaRPr lang="en-US" dirty="0"/>
           </a:p>
         </p:txBody>
       </p:sp>
     </p:spTree>
     <p:extLst>
       <p:ext uri="{BB962C8B-B14F-4D97-AF65-F5344CB8AC3E}">
-        <p14:creationId xmlns:p14="http://schemas.microsoft.com/office/powerpoint/2010/main" val="805341651"/>
+        <p14:creationId xmlns:p14="http://schemas.microsoft.com/office/powerpoint/2010/main" val="3876265857"/>
       </p:ext>
     </p:extLst>
   </p:cSld>
@@ -13838,17 +14275,17 @@
           <a:p>
             <a:r>
               <a:rPr lang="en-US" dirty="0"/>
-              <a:t>Next Steps</a:t>
+              <a:t>Literature Citations</a:t>
             </a:r>
           </a:p>
         </p:txBody>
       </p:sp>
       <p:sp>
         <p:nvSpPr>
-          <p:cNvPr id="3" name="Content Placeholder 2">
+          <p:cNvPr id="10" name="Content Placeholder 9">
             <a:extLst>
               <a:ext uri="{FF2B5EF4-FFF2-40B4-BE49-F238E27FC236}">
-                <a16:creationId xmlns:a16="http://schemas.microsoft.com/office/drawing/2014/main" id="{1502AB30-D7ED-2114-8FCE-E4F5314021A1}"/>
+                <a16:creationId xmlns:a16="http://schemas.microsoft.com/office/drawing/2014/main" id="{0C4DD2D7-D629-7801-E63B-0C8BD882FA28}"/>
               </a:ext>
             </a:extLst>
           </p:cNvPr>
@@ -13859,122 +14296,223 @@
             <p:ph idx="1"/>
           </p:nvPr>
         </p:nvSpPr>
-        <p:spPr>
-          <a:xfrm>
-            <a:off x="838200" y="1825624"/>
-            <a:ext cx="10515600" cy="4896451"/>
-          </a:xfrm>
-        </p:spPr>
+        <p:spPr/>
         <p:txBody>
-          <a:bodyPr>
-            <a:normAutofit/>
-          </a:bodyPr>
+          <a:bodyPr/>
           <a:lstStyle/>
           <a:p>
-            <a:r>
-              <a:rPr lang="en-US" sz="2400" dirty="0"/>
-              <a:t>Finish EDA</a:t>
-            </a:r>
-          </a:p>
-          <a:p>
-            <a:pPr lvl="1"/>
-            <a:r>
-              <a:rPr lang="en-US" sz="2000" dirty="0"/>
-              <a:t>Make final decision on null values</a:t>
-            </a:r>
-          </a:p>
-          <a:p>
-            <a:pPr lvl="1">
-              <a:spcAft>
-                <a:spcPts val="1200"/>
-              </a:spcAft>
+            <a:pPr marL="0" marR="0" indent="0">
+              <a:lnSpc>
+                <a:spcPct val="107000"/>
+              </a:lnSpc>
+              <a:spcBef>
+                <a:spcPts val="0"/>
+              </a:spcBef>
+              <a:buNone/>
             </a:pPr>
             <a:r>
-              <a:rPr lang="en-US" sz="2000" dirty="0"/>
-              <a:t>Rerun analysis with real estate features</a:t>
-            </a:r>
-            <a:endParaRPr lang="en-US" sz="2400" dirty="0"/>
-          </a:p>
-          <a:p>
-            <a:r>
-              <a:rPr lang="en-US" sz="2400" dirty="0"/>
-              <a:t>Complete model development and selection</a:t>
-            </a:r>
-          </a:p>
-          <a:p>
-            <a:pPr lvl="1"/>
-            <a:r>
-              <a:rPr lang="en-US" sz="2000" dirty="0"/>
-              <a:t>Build out PCA and tree-based model code</a:t>
-            </a:r>
-          </a:p>
-          <a:p>
-            <a:pPr lvl="1"/>
-            <a:r>
-              <a:rPr lang="en-US" sz="2000" dirty="0"/>
-              <a:t>Run models, compare performance, and select the best</a:t>
-            </a:r>
-          </a:p>
-          <a:p>
-            <a:pPr lvl="1">
-              <a:spcAft>
-                <a:spcPts val="1200"/>
-              </a:spcAft>
+              <a:rPr lang="en-US" sz="2800" dirty="0">
+                <a:effectLst/>
+                <a:latin typeface="Calibri" panose="020F0502020204030204" pitchFamily="34" charset="0"/>
+                <a:ea typeface="MS Mincho" panose="02020609040205080304" pitchFamily="49" charset="-128"/>
+                <a:cs typeface="Times New Roman" panose="02020603050405020304" pitchFamily="18" charset="0"/>
+              </a:rPr>
+              <a:t>[1] “Machine Learning based Predicting House Prices using Regression Techniques”; J </a:t>
+            </a:r>
+            <a:r>
+              <a:rPr lang="en-US" sz="2800" dirty="0" err="1">
+                <a:effectLst/>
+                <a:latin typeface="Calibri" panose="020F0502020204030204" pitchFamily="34" charset="0"/>
+                <a:ea typeface="MS Mincho" panose="02020609040205080304" pitchFamily="49" charset="-128"/>
+                <a:cs typeface="Times New Roman" panose="02020603050405020304" pitchFamily="18" charset="0"/>
+              </a:rPr>
+              <a:t>Manasa</a:t>
+            </a:r>
+            <a:r>
+              <a:rPr lang="en-US" sz="2800" dirty="0">
+                <a:effectLst/>
+                <a:latin typeface="Calibri" panose="020F0502020204030204" pitchFamily="34" charset="0"/>
+                <a:ea typeface="MS Mincho" panose="02020609040205080304" pitchFamily="49" charset="-128"/>
+                <a:cs typeface="Times New Roman" panose="02020603050405020304" pitchFamily="18" charset="0"/>
+              </a:rPr>
+              <a:t>, Radha </a:t>
+            </a:r>
+            <a:r>
+              <a:rPr lang="en-US" sz="2800" dirty="0" err="1">
+                <a:effectLst/>
+                <a:latin typeface="Calibri" panose="020F0502020204030204" pitchFamily="34" charset="0"/>
+                <a:ea typeface="MS Mincho" panose="02020609040205080304" pitchFamily="49" charset="-128"/>
+                <a:cs typeface="Times New Roman" panose="02020603050405020304" pitchFamily="18" charset="0"/>
+              </a:rPr>
+              <a:t>Guota</a:t>
+            </a:r>
+            <a:r>
+              <a:rPr lang="en-US" sz="2800" dirty="0">
+                <a:effectLst/>
+                <a:latin typeface="Calibri" panose="020F0502020204030204" pitchFamily="34" charset="0"/>
+                <a:ea typeface="MS Mincho" panose="02020609040205080304" pitchFamily="49" charset="-128"/>
+                <a:cs typeface="Times New Roman" panose="02020603050405020304" pitchFamily="18" charset="0"/>
+              </a:rPr>
+              <a:t>, N S </a:t>
+            </a:r>
+            <a:r>
+              <a:rPr lang="en-US" sz="2800" dirty="0" err="1">
+                <a:effectLst/>
+                <a:latin typeface="Calibri" panose="020F0502020204030204" pitchFamily="34" charset="0"/>
+                <a:ea typeface="MS Mincho" panose="02020609040205080304" pitchFamily="49" charset="-128"/>
+                <a:cs typeface="Times New Roman" panose="02020603050405020304" pitchFamily="18" charset="0"/>
+              </a:rPr>
+              <a:t>Narahari</a:t>
+            </a:r>
+            <a:r>
+              <a:rPr lang="en-US" sz="2800" dirty="0">
+                <a:effectLst/>
+                <a:latin typeface="Calibri" panose="020F0502020204030204" pitchFamily="34" charset="0"/>
+                <a:ea typeface="MS Mincho" panose="02020609040205080304" pitchFamily="49" charset="-128"/>
+                <a:cs typeface="Times New Roman" panose="02020603050405020304" pitchFamily="18" charset="0"/>
+              </a:rPr>
+              <a:t>; https://</a:t>
+            </a:r>
+            <a:r>
+              <a:rPr lang="en-US" sz="2800" dirty="0" err="1">
+                <a:effectLst/>
+                <a:latin typeface="Calibri" panose="020F0502020204030204" pitchFamily="34" charset="0"/>
+                <a:ea typeface="MS Mincho" panose="02020609040205080304" pitchFamily="49" charset="-128"/>
+                <a:cs typeface="Times New Roman" panose="02020603050405020304" pitchFamily="18" charset="0"/>
+              </a:rPr>
+              <a:t>ieeexplore.ieee.org</a:t>
+            </a:r>
+            <a:r>
+              <a:rPr lang="en-US" sz="2800" dirty="0">
+                <a:effectLst/>
+                <a:latin typeface="Calibri" panose="020F0502020204030204" pitchFamily="34" charset="0"/>
+                <a:ea typeface="MS Mincho" panose="02020609040205080304" pitchFamily="49" charset="-128"/>
+                <a:cs typeface="Times New Roman" panose="02020603050405020304" pitchFamily="18" charset="0"/>
+              </a:rPr>
+              <a:t>/abstract/document/9074952</a:t>
+            </a:r>
+            <a:endParaRPr lang="en-US" sz="2800" dirty="0">
+              <a:effectLst/>
+              <a:latin typeface="Calibri" panose="020F0502020204030204" pitchFamily="34" charset="0"/>
+              <a:ea typeface="Calibri" panose="020F0502020204030204" pitchFamily="34" charset="0"/>
+              <a:cs typeface="Times New Roman" panose="02020603050405020304" pitchFamily="18" charset="0"/>
+            </a:endParaRPr>
+          </a:p>
+          <a:p>
+            <a:pPr marL="0" marR="0" indent="0">
+              <a:lnSpc>
+                <a:spcPct val="107000"/>
+              </a:lnSpc>
+              <a:spcBef>
+                <a:spcPts val="0"/>
+              </a:spcBef>
+              <a:buNone/>
             </a:pPr>
-            <a:r>
-              <a:rPr lang="en-US" sz="2000" dirty="0"/>
-              <a:t>Run a final version of the best model type without income tax features</a:t>
-            </a:r>
-          </a:p>
-          <a:p>
-            <a:r>
-              <a:rPr lang="en-US" sz="2400" dirty="0"/>
-              <a:t>Evaluate outputs</a:t>
-            </a:r>
-          </a:p>
-          <a:p>
-            <a:pPr lvl="1"/>
-            <a:r>
-              <a:rPr lang="en-US" sz="2000" dirty="0"/>
-              <a:t>Examine performance of all models to understand overall predictive power</a:t>
-            </a:r>
-          </a:p>
-          <a:p>
-            <a:pPr lvl="1"/>
-            <a:r>
-              <a:rPr lang="en-US" sz="2000" dirty="0"/>
-              <a:t>Compare performance of model with and without income tax features to understand their additive predictive power</a:t>
-            </a:r>
-          </a:p>
-        </p:txBody>
-      </p:sp>
-      <p:sp>
-        <p:nvSpPr>
-          <p:cNvPr id="4" name="TextBox 3">
-            <a:extLst>
-              <a:ext uri="{FF2B5EF4-FFF2-40B4-BE49-F238E27FC236}">
-                <a16:creationId xmlns:a16="http://schemas.microsoft.com/office/drawing/2014/main" id="{B3B0A8F1-DF0B-4CA8-7887-D75024593553}"/>
-              </a:ext>
-            </a:extLst>
-          </p:cNvPr>
-          <p:cNvSpPr txBox="1"/>
-          <p:nvPr/>
-        </p:nvSpPr>
-        <p:spPr>
-          <a:xfrm>
-            <a:off x="4067503" y="1418897"/>
-            <a:ext cx="184731" cy="369332"/>
-          </a:xfrm>
-          <a:prstGeom prst="rect">
-            <a:avLst/>
-          </a:prstGeom>
-          <a:noFill/>
-        </p:spPr>
-        <p:txBody>
-          <a:bodyPr wrap="none" rtlCol="0">
-            <a:spAutoFit/>
-          </a:bodyPr>
-          <a:lstStyle/>
+            <a:endParaRPr lang="en-US" sz="2800" dirty="0">
+              <a:effectLst/>
+              <a:latin typeface="Calibri" panose="020F0502020204030204" pitchFamily="34" charset="0"/>
+              <a:ea typeface="MS Mincho" panose="02020609040205080304" pitchFamily="49" charset="-128"/>
+              <a:cs typeface="Times New Roman" panose="02020603050405020304" pitchFamily="18" charset="0"/>
+            </a:endParaRPr>
+          </a:p>
+          <a:p>
+            <a:pPr marL="0" marR="0" indent="0">
+              <a:lnSpc>
+                <a:spcPct val="107000"/>
+              </a:lnSpc>
+              <a:spcBef>
+                <a:spcPts val="0"/>
+              </a:spcBef>
+              <a:buNone/>
+            </a:pPr>
+            <a:r>
+              <a:rPr lang="en-US" sz="2800" dirty="0">
+                <a:effectLst/>
+                <a:latin typeface="Calibri" panose="020F0502020204030204" pitchFamily="34" charset="0"/>
+                <a:ea typeface="MS Mincho" panose="02020609040205080304" pitchFamily="49" charset="-128"/>
+                <a:cs typeface="Times New Roman" panose="02020603050405020304" pitchFamily="18" charset="0"/>
+              </a:rPr>
+              <a:t>[2] “Predicting House Prices with Spatial Dependence: A Comparison of Alternative Methods”; Steven Bourassa, Eva </a:t>
+            </a:r>
+            <a:r>
+              <a:rPr lang="en-US" sz="2800" dirty="0" err="1">
+                <a:effectLst/>
+                <a:latin typeface="Calibri" panose="020F0502020204030204" pitchFamily="34" charset="0"/>
+                <a:ea typeface="MS Mincho" panose="02020609040205080304" pitchFamily="49" charset="-128"/>
+                <a:cs typeface="Times New Roman" panose="02020603050405020304" pitchFamily="18" charset="0"/>
+              </a:rPr>
+              <a:t>Cantoni</a:t>
+            </a:r>
+            <a:r>
+              <a:rPr lang="en-US" sz="2800" dirty="0">
+                <a:effectLst/>
+                <a:latin typeface="Calibri" panose="020F0502020204030204" pitchFamily="34" charset="0"/>
+                <a:ea typeface="MS Mincho" panose="02020609040205080304" pitchFamily="49" charset="-128"/>
+                <a:cs typeface="Times New Roman" panose="02020603050405020304" pitchFamily="18" charset="0"/>
+              </a:rPr>
+              <a:t>, &amp; Martin </a:t>
+            </a:r>
+            <a:r>
+              <a:rPr lang="en-US" sz="2800" dirty="0" err="1">
+                <a:effectLst/>
+                <a:latin typeface="Calibri" panose="020F0502020204030204" pitchFamily="34" charset="0"/>
+                <a:ea typeface="MS Mincho" panose="02020609040205080304" pitchFamily="49" charset="-128"/>
+                <a:cs typeface="Times New Roman" panose="02020603050405020304" pitchFamily="18" charset="0"/>
+              </a:rPr>
+              <a:t>Hoesli</a:t>
+            </a:r>
+            <a:r>
+              <a:rPr lang="en-US" sz="2800" dirty="0">
+                <a:effectLst/>
+                <a:latin typeface="Calibri" panose="020F0502020204030204" pitchFamily="34" charset="0"/>
+                <a:ea typeface="MS Mincho" panose="02020609040205080304" pitchFamily="49" charset="-128"/>
+                <a:cs typeface="Times New Roman" panose="02020603050405020304" pitchFamily="18" charset="0"/>
+              </a:rPr>
+              <a:t>; https://</a:t>
+            </a:r>
+            <a:r>
+              <a:rPr lang="en-US" sz="2800" dirty="0" err="1">
+                <a:effectLst/>
+                <a:latin typeface="Calibri" panose="020F0502020204030204" pitchFamily="34" charset="0"/>
+                <a:ea typeface="MS Mincho" panose="02020609040205080304" pitchFamily="49" charset="-128"/>
+                <a:cs typeface="Times New Roman" panose="02020603050405020304" pitchFamily="18" charset="0"/>
+              </a:rPr>
+              <a:t>www.tandfonline.com</a:t>
+            </a:r>
+            <a:r>
+              <a:rPr lang="en-US" sz="2800" dirty="0">
+                <a:effectLst/>
+                <a:latin typeface="Calibri" panose="020F0502020204030204" pitchFamily="34" charset="0"/>
+                <a:ea typeface="MS Mincho" panose="02020609040205080304" pitchFamily="49" charset="-128"/>
+                <a:cs typeface="Times New Roman" panose="02020603050405020304" pitchFamily="18" charset="0"/>
+              </a:rPr>
+              <a:t>/</a:t>
+            </a:r>
+            <a:r>
+              <a:rPr lang="en-US" sz="2800" dirty="0" err="1">
+                <a:effectLst/>
+                <a:latin typeface="Calibri" panose="020F0502020204030204" pitchFamily="34" charset="0"/>
+                <a:ea typeface="MS Mincho" panose="02020609040205080304" pitchFamily="49" charset="-128"/>
+                <a:cs typeface="Times New Roman" panose="02020603050405020304" pitchFamily="18" charset="0"/>
+              </a:rPr>
+              <a:t>doi</a:t>
+            </a:r>
+            <a:r>
+              <a:rPr lang="en-US" sz="2800" dirty="0">
+                <a:effectLst/>
+                <a:latin typeface="Calibri" panose="020F0502020204030204" pitchFamily="34" charset="0"/>
+                <a:ea typeface="MS Mincho" panose="02020609040205080304" pitchFamily="49" charset="-128"/>
+                <a:cs typeface="Times New Roman" panose="02020603050405020304" pitchFamily="18" charset="0"/>
+              </a:rPr>
+              <a:t>/abs/10.1080/10835547.2010.12091276</a:t>
+            </a:r>
+            <a:endParaRPr lang="en-US" sz="2800" dirty="0">
+              <a:effectLst/>
+              <a:latin typeface="Calibri" panose="020F0502020204030204" pitchFamily="34" charset="0"/>
+              <a:ea typeface="Calibri" panose="020F0502020204030204" pitchFamily="34" charset="0"/>
+              <a:cs typeface="Times New Roman" panose="02020603050405020304" pitchFamily="18" charset="0"/>
+            </a:endParaRPr>
+          </a:p>
           <a:p>
             <a:endParaRPr lang="en-US" dirty="0"/>
           </a:p>
@@ -13983,7 +14521,7 @@
     </p:spTree>
     <p:extLst>
       <p:ext uri="{BB962C8B-B14F-4D97-AF65-F5344CB8AC3E}">
-        <p14:creationId xmlns:p14="http://schemas.microsoft.com/office/powerpoint/2010/main" val="3876265857"/>
+        <p14:creationId xmlns:p14="http://schemas.microsoft.com/office/powerpoint/2010/main" val="352101308"/>
       </p:ext>
     </p:extLst>
   </p:cSld>
@@ -14277,7 +14815,7 @@
         </p:nvSpPr>
         <p:spPr>
           <a:xfrm>
-            <a:off x="838200" y="4599016"/>
+            <a:off x="838200" y="4195360"/>
             <a:ext cx="10515600" cy="1375379"/>
           </a:xfrm>
           <a:prstGeom prst="rect">
@@ -14559,7 +15097,7 @@
         </p:nvSpPr>
         <p:spPr>
           <a:xfrm>
-            <a:off x="0" y="4172609"/>
+            <a:off x="0" y="3768953"/>
             <a:ext cx="12192000" cy="304800"/>
           </a:xfrm>
           <a:prstGeom prst="rect">
@@ -14602,6 +15140,267 @@
           </a:p>
         </p:txBody>
       </p:sp>
+      <p:sp>
+        <p:nvSpPr>
+          <p:cNvPr id="7" name="Rectangle 6">
+            <a:extLst>
+              <a:ext uri="{FF2B5EF4-FFF2-40B4-BE49-F238E27FC236}">
+                <a16:creationId xmlns:a16="http://schemas.microsoft.com/office/drawing/2014/main" id="{A786503D-1A74-BC11-CDA2-F6372C9C710B}"/>
+              </a:ext>
+            </a:extLst>
+          </p:cNvPr>
+          <p:cNvSpPr/>
+          <p:nvPr/>
+        </p:nvSpPr>
+        <p:spPr>
+          <a:xfrm>
+            <a:off x="0" y="5764499"/>
+            <a:ext cx="12192000" cy="304800"/>
+          </a:xfrm>
+          <a:prstGeom prst="rect">
+            <a:avLst/>
+          </a:prstGeom>
+          <a:solidFill>
+            <a:schemeClr val="tx2">
+              <a:lumMod val="60000"/>
+              <a:lumOff val="40000"/>
+            </a:schemeClr>
+          </a:solidFill>
+          <a:ln>
+            <a:noFill/>
+          </a:ln>
+        </p:spPr>
+        <p:style>
+          <a:lnRef idx="2">
+            <a:schemeClr val="accent1">
+              <a:shade val="50000"/>
+            </a:schemeClr>
+          </a:lnRef>
+          <a:fillRef idx="1">
+            <a:schemeClr val="accent1"/>
+          </a:fillRef>
+          <a:effectRef idx="0">
+            <a:schemeClr val="accent1"/>
+          </a:effectRef>
+          <a:fontRef idx="minor">
+            <a:schemeClr val="lt1"/>
+          </a:fontRef>
+        </p:style>
+        <p:txBody>
+          <a:bodyPr rtlCol="0" anchor="ctr"/>
+          <a:lstStyle/>
+          <a:p>
+            <a:r>
+              <a:rPr lang="en-US" dirty="0"/>
+              <a:t>LITERATURE SURVEY</a:t>
+            </a:r>
+          </a:p>
+        </p:txBody>
+      </p:sp>
+      <p:sp>
+        <p:nvSpPr>
+          <p:cNvPr id="8" name="Content Placeholder 2">
+            <a:extLst>
+              <a:ext uri="{FF2B5EF4-FFF2-40B4-BE49-F238E27FC236}">
+                <a16:creationId xmlns:a16="http://schemas.microsoft.com/office/drawing/2014/main" id="{880CB66E-48B2-7627-761C-ACFA78D8EF6F}"/>
+              </a:ext>
+            </a:extLst>
+          </p:cNvPr>
+          <p:cNvSpPr txBox="1">
+            <a:spLocks/>
+          </p:cNvSpPr>
+          <p:nvPr/>
+        </p:nvSpPr>
+        <p:spPr>
+          <a:xfrm>
+            <a:off x="838200" y="6125253"/>
+            <a:ext cx="10515600" cy="658605"/>
+          </a:xfrm>
+          <a:prstGeom prst="rect">
+            <a:avLst/>
+          </a:prstGeom>
+        </p:spPr>
+        <p:txBody>
+          <a:bodyPr vert="horz" lIns="91440" tIns="45720" rIns="91440" bIns="45720" rtlCol="0">
+            <a:normAutofit/>
+          </a:bodyPr>
+          <a:lstStyle>
+            <a:lvl1pPr marL="228600" indent="-228600" algn="l" defTabSz="914400" rtl="0" eaLnBrk="1" latinLnBrk="0" hangingPunct="1">
+              <a:lnSpc>
+                <a:spcPct val="90000"/>
+              </a:lnSpc>
+              <a:spcBef>
+                <a:spcPts val="1000"/>
+              </a:spcBef>
+              <a:buFont typeface="Arial" panose="020B0604020202020204" pitchFamily="34" charset="0"/>
+              <a:buChar char="•"/>
+              <a:defRPr sz="2800" kern="1200">
+                <a:solidFill>
+                  <a:schemeClr val="tx1"/>
+                </a:solidFill>
+                <a:latin typeface="+mn-lt"/>
+                <a:ea typeface="+mn-ea"/>
+                <a:cs typeface="+mn-cs"/>
+              </a:defRPr>
+            </a:lvl1pPr>
+            <a:lvl2pPr marL="685800" indent="-228600" algn="l" defTabSz="914400" rtl="0" eaLnBrk="1" latinLnBrk="0" hangingPunct="1">
+              <a:lnSpc>
+                <a:spcPct val="90000"/>
+              </a:lnSpc>
+              <a:spcBef>
+                <a:spcPts val="500"/>
+              </a:spcBef>
+              <a:buFont typeface="Arial" panose="020B0604020202020204" pitchFamily="34" charset="0"/>
+              <a:buChar char="•"/>
+              <a:defRPr sz="2400" kern="1200">
+                <a:solidFill>
+                  <a:schemeClr val="tx1"/>
+                </a:solidFill>
+                <a:latin typeface="+mn-lt"/>
+                <a:ea typeface="+mn-ea"/>
+                <a:cs typeface="+mn-cs"/>
+              </a:defRPr>
+            </a:lvl2pPr>
+            <a:lvl3pPr marL="1143000" indent="-228600" algn="l" defTabSz="914400" rtl="0" eaLnBrk="1" latinLnBrk="0" hangingPunct="1">
+              <a:lnSpc>
+                <a:spcPct val="90000"/>
+              </a:lnSpc>
+              <a:spcBef>
+                <a:spcPts val="500"/>
+              </a:spcBef>
+              <a:buFont typeface="Arial" panose="020B0604020202020204" pitchFamily="34" charset="0"/>
+              <a:buChar char="•"/>
+              <a:defRPr sz="2000" kern="1200">
+                <a:solidFill>
+                  <a:schemeClr val="tx1"/>
+                </a:solidFill>
+                <a:latin typeface="+mn-lt"/>
+                <a:ea typeface="+mn-ea"/>
+                <a:cs typeface="+mn-cs"/>
+              </a:defRPr>
+            </a:lvl3pPr>
+            <a:lvl4pPr marL="1600200" indent="-228600" algn="l" defTabSz="914400" rtl="0" eaLnBrk="1" latinLnBrk="0" hangingPunct="1">
+              <a:lnSpc>
+                <a:spcPct val="90000"/>
+              </a:lnSpc>
+              <a:spcBef>
+                <a:spcPts val="500"/>
+              </a:spcBef>
+              <a:buFont typeface="Arial" panose="020B0604020202020204" pitchFamily="34" charset="0"/>
+              <a:buChar char="•"/>
+              <a:defRPr sz="1800" kern="1200">
+                <a:solidFill>
+                  <a:schemeClr val="tx1"/>
+                </a:solidFill>
+                <a:latin typeface="+mn-lt"/>
+                <a:ea typeface="+mn-ea"/>
+                <a:cs typeface="+mn-cs"/>
+              </a:defRPr>
+            </a:lvl4pPr>
+            <a:lvl5pPr marL="2057400" indent="-228600" algn="l" defTabSz="914400" rtl="0" eaLnBrk="1" latinLnBrk="0" hangingPunct="1">
+              <a:lnSpc>
+                <a:spcPct val="90000"/>
+              </a:lnSpc>
+              <a:spcBef>
+                <a:spcPts val="500"/>
+              </a:spcBef>
+              <a:buFont typeface="Arial" panose="020B0604020202020204" pitchFamily="34" charset="0"/>
+              <a:buChar char="•"/>
+              <a:defRPr sz="1800" kern="1200">
+                <a:solidFill>
+                  <a:schemeClr val="tx1"/>
+                </a:solidFill>
+                <a:latin typeface="+mn-lt"/>
+                <a:ea typeface="+mn-ea"/>
+                <a:cs typeface="+mn-cs"/>
+              </a:defRPr>
+            </a:lvl5pPr>
+            <a:lvl6pPr marL="2514600" indent="-228600" algn="l" defTabSz="914400" rtl="0" eaLnBrk="1" latinLnBrk="0" hangingPunct="1">
+              <a:lnSpc>
+                <a:spcPct val="90000"/>
+              </a:lnSpc>
+              <a:spcBef>
+                <a:spcPts val="500"/>
+              </a:spcBef>
+              <a:buFont typeface="Arial" panose="020B0604020202020204" pitchFamily="34" charset="0"/>
+              <a:buChar char="•"/>
+              <a:defRPr sz="1800" kern="1200">
+                <a:solidFill>
+                  <a:schemeClr val="tx1"/>
+                </a:solidFill>
+                <a:latin typeface="+mn-lt"/>
+                <a:ea typeface="+mn-ea"/>
+                <a:cs typeface="+mn-cs"/>
+              </a:defRPr>
+            </a:lvl6pPr>
+            <a:lvl7pPr marL="2971800" indent="-228600" algn="l" defTabSz="914400" rtl="0" eaLnBrk="1" latinLnBrk="0" hangingPunct="1">
+              <a:lnSpc>
+                <a:spcPct val="90000"/>
+              </a:lnSpc>
+              <a:spcBef>
+                <a:spcPts val="500"/>
+              </a:spcBef>
+              <a:buFont typeface="Arial" panose="020B0604020202020204" pitchFamily="34" charset="0"/>
+              <a:buChar char="•"/>
+              <a:defRPr sz="1800" kern="1200">
+                <a:solidFill>
+                  <a:schemeClr val="tx1"/>
+                </a:solidFill>
+                <a:latin typeface="+mn-lt"/>
+                <a:ea typeface="+mn-ea"/>
+                <a:cs typeface="+mn-cs"/>
+              </a:defRPr>
+            </a:lvl7pPr>
+            <a:lvl8pPr marL="3429000" indent="-228600" algn="l" defTabSz="914400" rtl="0" eaLnBrk="1" latinLnBrk="0" hangingPunct="1">
+              <a:lnSpc>
+                <a:spcPct val="90000"/>
+              </a:lnSpc>
+              <a:spcBef>
+                <a:spcPts val="500"/>
+              </a:spcBef>
+              <a:buFont typeface="Arial" panose="020B0604020202020204" pitchFamily="34" charset="0"/>
+              <a:buChar char="•"/>
+              <a:defRPr sz="1800" kern="1200">
+                <a:solidFill>
+                  <a:schemeClr val="tx1"/>
+                </a:solidFill>
+                <a:latin typeface="+mn-lt"/>
+                <a:ea typeface="+mn-ea"/>
+                <a:cs typeface="+mn-cs"/>
+              </a:defRPr>
+            </a:lvl8pPr>
+            <a:lvl9pPr marL="3886200" indent="-228600" algn="l" defTabSz="914400" rtl="0" eaLnBrk="1" latinLnBrk="0" hangingPunct="1">
+              <a:lnSpc>
+                <a:spcPct val="90000"/>
+              </a:lnSpc>
+              <a:spcBef>
+                <a:spcPts val="500"/>
+              </a:spcBef>
+              <a:buFont typeface="Arial" panose="020B0604020202020204" pitchFamily="34" charset="0"/>
+              <a:buChar char="•"/>
+              <a:defRPr sz="1800" kern="1200">
+                <a:solidFill>
+                  <a:schemeClr val="tx1"/>
+                </a:solidFill>
+                <a:latin typeface="+mn-lt"/>
+                <a:ea typeface="+mn-ea"/>
+                <a:cs typeface="+mn-cs"/>
+              </a:defRPr>
+            </a:lvl9pPr>
+          </a:lstStyle>
+          <a:p>
+            <a:pPr marL="0" indent="0">
+              <a:buFont typeface="Arial" panose="020B0604020202020204" pitchFamily="34" charset="0"/>
+              <a:buNone/>
+            </a:pPr>
+            <a:r>
+              <a:rPr lang="en-US" sz="2000"/>
+              <a:t>Existing attempts to incorporate zip code or location primarily focus on directly encoding the spatial data, but don’t account for affluency or income tax features</a:t>
+            </a:r>
+            <a:endParaRPr lang="en-US" sz="2000" dirty="0"/>
+          </a:p>
+        </p:txBody>
+      </p:sp>
     </p:spTree>
     <p:extLst>
       <p:ext uri="{BB962C8B-B14F-4D97-AF65-F5344CB8AC3E}">
@@ -14616,7 +15415,7 @@
 </file>
 
 <file path=ppt/slides/slide5.xml><?xml version="1.0" encoding="utf-8"?>
-<p:sld xmlns:a="http://schemas.openxmlformats.org/drawingml/2006/main" xmlns:r="http://schemas.openxmlformats.org/officeDocument/2006/relationships" xmlns:p="http://schemas.openxmlformats.org/presentationml/2006/main">
+<p:sld xmlns:a="http://schemas.openxmlformats.org/drawingml/2006/main" xmlns:r="http://schemas.openxmlformats.org/officeDocument/2006/relationships" xmlns:p="http://schemas.openxmlformats.org/presentationml/2006/main" show="0">
   <p:cSld>
     <p:spTree>
       <p:nvGrpSpPr>
@@ -15171,7 +15970,7 @@
 </file>
 
 <file path=ppt/slides/slide6.xml><?xml version="1.0" encoding="utf-8"?>
-<p:sld xmlns:a="http://schemas.openxmlformats.org/drawingml/2006/main" xmlns:r="http://schemas.openxmlformats.org/officeDocument/2006/relationships" xmlns:p="http://schemas.openxmlformats.org/presentationml/2006/main">
+<p:sld xmlns:a="http://schemas.openxmlformats.org/drawingml/2006/main" xmlns:r="http://schemas.openxmlformats.org/officeDocument/2006/relationships" xmlns:p="http://schemas.openxmlformats.org/presentationml/2006/main" show="0">
   <p:cSld>
     <p:spTree>
       <p:nvGrpSpPr>
@@ -17307,7 +18106,7 @@
           <a:p>
             <a:r>
               <a:rPr lang="en-US" dirty="0"/>
-              <a:t>Progress to Date</a:t>
+              <a:t>3 - Progress to Date</a:t>
             </a:r>
           </a:p>
         </p:txBody>
@@ -17643,4 +18442,299 @@
     </a:ext>
   </a:extLst>
 </a:theme>
+</file>
+
+<file path=ppt/theme/theme2.xml><?xml version="1.0" encoding="utf-8"?>
+<a:theme xmlns:a="http://schemas.openxmlformats.org/drawingml/2006/main" name="Office Theme">
+  <a:themeElements>
+    <a:clrScheme name="Office">
+      <a:dk1>
+        <a:sysClr val="windowText" lastClr="000000"/>
+      </a:dk1>
+      <a:lt1>
+        <a:sysClr val="window" lastClr="FFFFFF"/>
+      </a:lt1>
+      <a:dk2>
+        <a:srgbClr val="44546A"/>
+      </a:dk2>
+      <a:lt2>
+        <a:srgbClr val="E7E6E6"/>
+      </a:lt2>
+      <a:accent1>
+        <a:srgbClr val="4472C4"/>
+      </a:accent1>
+      <a:accent2>
+        <a:srgbClr val="ED7D31"/>
+      </a:accent2>
+      <a:accent3>
+        <a:srgbClr val="A5A5A5"/>
+      </a:accent3>
+      <a:accent4>
+        <a:srgbClr val="FFC000"/>
+      </a:accent4>
+      <a:accent5>
+        <a:srgbClr val="5B9BD5"/>
+      </a:accent5>
+      <a:accent6>
+        <a:srgbClr val="70AD47"/>
+      </a:accent6>
+      <a:hlink>
+        <a:srgbClr val="0563C1"/>
+      </a:hlink>
+      <a:folHlink>
+        <a:srgbClr val="954F72"/>
+      </a:folHlink>
+    </a:clrScheme>
+    <a:fontScheme name="Office">
+      <a:majorFont>
+        <a:latin typeface="Calibri Light" panose="020F0302020204030204"/>
+        <a:ea typeface=""/>
+        <a:cs typeface=""/>
+        <a:font script="Jpan" typeface="游ゴシック Light"/>
+        <a:font script="Hang" typeface="맑은 고딕"/>
+        <a:font script="Hans" typeface="等线 Light"/>
+        <a:font script="Hant" typeface="新細明體"/>
+        <a:font script="Arab" typeface="Times New Roman"/>
+        <a:font script="Hebr" typeface="Times New Roman"/>
+        <a:font script="Thai" typeface="Angsana New"/>
+        <a:font script="Ethi" typeface="Nyala"/>
+        <a:font script="Beng" typeface="Vrinda"/>
+        <a:font script="Gujr" typeface="Shruti"/>
+        <a:font script="Khmr" typeface="MoolBoran"/>
+        <a:font script="Knda" typeface="Tunga"/>
+        <a:font script="Guru" typeface="Raavi"/>
+        <a:font script="Cans" typeface="Euphemia"/>
+        <a:font script="Cher" typeface="Plantagenet Cherokee"/>
+        <a:font script="Yiii" typeface="Microsoft Yi Baiti"/>
+        <a:font script="Tibt" typeface="Microsoft Himalaya"/>
+        <a:font script="Thaa" typeface="MV Boli"/>
+        <a:font script="Deva" typeface="Mangal"/>
+        <a:font script="Telu" typeface="Gautami"/>
+        <a:font script="Taml" typeface="Latha"/>
+        <a:font script="Syrc" typeface="Estrangelo Edessa"/>
+        <a:font script="Orya" typeface="Kalinga"/>
+        <a:font script="Mlym" typeface="Kartika"/>
+        <a:font script="Laoo" typeface="DokChampa"/>
+        <a:font script="Sinh" typeface="Iskoola Pota"/>
+        <a:font script="Mong" typeface="Mongolian Baiti"/>
+        <a:font script="Viet" typeface="Times New Roman"/>
+        <a:font script="Uigh" typeface="Microsoft Uighur"/>
+        <a:font script="Geor" typeface="Sylfaen"/>
+        <a:font script="Armn" typeface="Arial"/>
+        <a:font script="Bugi" typeface="Leelawadee UI"/>
+        <a:font script="Bopo" typeface="Microsoft JhengHei"/>
+        <a:font script="Java" typeface="Javanese Text"/>
+        <a:font script="Lisu" typeface="Segoe UI"/>
+        <a:font script="Mymr" typeface="Myanmar Text"/>
+        <a:font script="Nkoo" typeface="Ebrima"/>
+        <a:font script="Olck" typeface="Nirmala UI"/>
+        <a:font script="Osma" typeface="Ebrima"/>
+        <a:font script="Phag" typeface="Phagspa"/>
+        <a:font script="Syrn" typeface="Estrangelo Edessa"/>
+        <a:font script="Syrj" typeface="Estrangelo Edessa"/>
+        <a:font script="Syre" typeface="Estrangelo Edessa"/>
+        <a:font script="Sora" typeface="Nirmala UI"/>
+        <a:font script="Tale" typeface="Microsoft Tai Le"/>
+        <a:font script="Talu" typeface="Microsoft New Tai Lue"/>
+        <a:font script="Tfng" typeface="Ebrima"/>
+      </a:majorFont>
+      <a:minorFont>
+        <a:latin typeface="Calibri" panose="020F0502020204030204"/>
+        <a:ea typeface=""/>
+        <a:cs typeface=""/>
+        <a:font script="Jpan" typeface="游ゴシック"/>
+        <a:font script="Hang" typeface="맑은 고딕"/>
+        <a:font script="Hans" typeface="等线"/>
+        <a:font script="Hant" typeface="新細明體"/>
+        <a:font script="Arab" typeface="Arial"/>
+        <a:font script="Hebr" typeface="Arial"/>
+        <a:font script="Thai" typeface="Cordia New"/>
+        <a:font script="Ethi" typeface="Nyala"/>
+        <a:font script="Beng" typeface="Vrinda"/>
+        <a:font script="Gujr" typeface="Shruti"/>
+        <a:font script="Khmr" typeface="DaunPenh"/>
+        <a:font script="Knda" typeface="Tunga"/>
+        <a:font script="Guru" typeface="Raavi"/>
+        <a:font script="Cans" typeface="Euphemia"/>
+        <a:font script="Cher" typeface="Plantagenet Cherokee"/>
+        <a:font script="Yiii" typeface="Microsoft Yi Baiti"/>
+        <a:font script="Tibt" typeface="Microsoft Himalaya"/>
+        <a:font script="Thaa" typeface="MV Boli"/>
+        <a:font script="Deva" typeface="Mangal"/>
+        <a:font script="Telu" typeface="Gautami"/>
+        <a:font script="Taml" typeface="Latha"/>
+        <a:font script="Syrc" typeface="Estrangelo Edessa"/>
+        <a:font script="Orya" typeface="Kalinga"/>
+        <a:font script="Mlym" typeface="Kartika"/>
+        <a:font script="Laoo" typeface="DokChampa"/>
+        <a:font script="Sinh" typeface="Iskoola Pota"/>
+        <a:font script="Mong" typeface="Mongolian Baiti"/>
+        <a:font script="Viet" typeface="Arial"/>
+        <a:font script="Uigh" typeface="Microsoft Uighur"/>
+        <a:font script="Geor" typeface="Sylfaen"/>
+        <a:font script="Armn" typeface="Arial"/>
+        <a:font script="Bugi" typeface="Leelawadee UI"/>
+        <a:font script="Bopo" typeface="Microsoft JhengHei"/>
+        <a:font script="Java" typeface="Javanese Text"/>
+        <a:font script="Lisu" typeface="Segoe UI"/>
+        <a:font script="Mymr" typeface="Myanmar Text"/>
+        <a:font script="Nkoo" typeface="Ebrima"/>
+        <a:font script="Olck" typeface="Nirmala UI"/>
+        <a:font script="Osma" typeface="Ebrima"/>
+        <a:font script="Phag" typeface="Phagspa"/>
+        <a:font script="Syrn" typeface="Estrangelo Edessa"/>
+        <a:font script="Syrj" typeface="Estrangelo Edessa"/>
+        <a:font script="Syre" typeface="Estrangelo Edessa"/>
+        <a:font script="Sora" typeface="Nirmala UI"/>
+        <a:font script="Tale" typeface="Microsoft Tai Le"/>
+        <a:font script="Talu" typeface="Microsoft New Tai Lue"/>
+        <a:font script="Tfng" typeface="Ebrima"/>
+      </a:minorFont>
+    </a:fontScheme>
+    <a:fmtScheme name="Office">
+      <a:fillStyleLst>
+        <a:solidFill>
+          <a:schemeClr val="phClr"/>
+        </a:solidFill>
+        <a:gradFill rotWithShape="1">
+          <a:gsLst>
+            <a:gs pos="0">
+              <a:schemeClr val="phClr">
+                <a:lumMod val="110000"/>
+                <a:satMod val="105000"/>
+                <a:tint val="67000"/>
+              </a:schemeClr>
+            </a:gs>
+            <a:gs pos="50000">
+              <a:schemeClr val="phClr">
+                <a:lumMod val="105000"/>
+                <a:satMod val="103000"/>
+                <a:tint val="73000"/>
+              </a:schemeClr>
+            </a:gs>
+            <a:gs pos="100000">
+              <a:schemeClr val="phClr">
+                <a:lumMod val="105000"/>
+                <a:satMod val="109000"/>
+                <a:tint val="81000"/>
+              </a:schemeClr>
+            </a:gs>
+          </a:gsLst>
+          <a:lin ang="5400000" scaled="0"/>
+        </a:gradFill>
+        <a:gradFill rotWithShape="1">
+          <a:gsLst>
+            <a:gs pos="0">
+              <a:schemeClr val="phClr">
+                <a:satMod val="103000"/>
+                <a:lumMod val="102000"/>
+                <a:tint val="94000"/>
+              </a:schemeClr>
+            </a:gs>
+            <a:gs pos="50000">
+              <a:schemeClr val="phClr">
+                <a:satMod val="110000"/>
+                <a:lumMod val="100000"/>
+                <a:shade val="100000"/>
+              </a:schemeClr>
+            </a:gs>
+            <a:gs pos="100000">
+              <a:schemeClr val="phClr">
+                <a:lumMod val="99000"/>
+                <a:satMod val="120000"/>
+                <a:shade val="78000"/>
+              </a:schemeClr>
+            </a:gs>
+          </a:gsLst>
+          <a:lin ang="5400000" scaled="0"/>
+        </a:gradFill>
+      </a:fillStyleLst>
+      <a:lnStyleLst>
+        <a:ln w="6350" cap="flat" cmpd="sng" algn="ctr">
+          <a:solidFill>
+            <a:schemeClr val="phClr"/>
+          </a:solidFill>
+          <a:prstDash val="solid"/>
+          <a:miter lim="800000"/>
+        </a:ln>
+        <a:ln w="12700" cap="flat" cmpd="sng" algn="ctr">
+          <a:solidFill>
+            <a:schemeClr val="phClr"/>
+          </a:solidFill>
+          <a:prstDash val="solid"/>
+          <a:miter lim="800000"/>
+        </a:ln>
+        <a:ln w="19050" cap="flat" cmpd="sng" algn="ctr">
+          <a:solidFill>
+            <a:schemeClr val="phClr"/>
+          </a:solidFill>
+          <a:prstDash val="solid"/>
+          <a:miter lim="800000"/>
+        </a:ln>
+      </a:lnStyleLst>
+      <a:effectStyleLst>
+        <a:effectStyle>
+          <a:effectLst/>
+        </a:effectStyle>
+        <a:effectStyle>
+          <a:effectLst/>
+        </a:effectStyle>
+        <a:effectStyle>
+          <a:effectLst>
+            <a:outerShdw blurRad="57150" dist="19050" dir="5400000" algn="ctr" rotWithShape="0">
+              <a:srgbClr val="000000">
+                <a:alpha val="63000"/>
+              </a:srgbClr>
+            </a:outerShdw>
+          </a:effectLst>
+        </a:effectStyle>
+      </a:effectStyleLst>
+      <a:bgFillStyleLst>
+        <a:solidFill>
+          <a:schemeClr val="phClr"/>
+        </a:solidFill>
+        <a:solidFill>
+          <a:schemeClr val="phClr">
+            <a:tint val="95000"/>
+            <a:satMod val="170000"/>
+          </a:schemeClr>
+        </a:solidFill>
+        <a:gradFill rotWithShape="1">
+          <a:gsLst>
+            <a:gs pos="0">
+              <a:schemeClr val="phClr">
+                <a:tint val="93000"/>
+                <a:satMod val="150000"/>
+                <a:shade val="98000"/>
+                <a:lumMod val="102000"/>
+              </a:schemeClr>
+            </a:gs>
+            <a:gs pos="50000">
+              <a:schemeClr val="phClr">
+                <a:tint val="98000"/>
+                <a:satMod val="130000"/>
+                <a:shade val="90000"/>
+                <a:lumMod val="103000"/>
+              </a:schemeClr>
+            </a:gs>
+            <a:gs pos="100000">
+              <a:schemeClr val="phClr">
+                <a:shade val="63000"/>
+                <a:satMod val="120000"/>
+              </a:schemeClr>
+            </a:gs>
+          </a:gsLst>
+          <a:lin ang="5400000" scaled="0"/>
+        </a:gradFill>
+      </a:bgFillStyleLst>
+    </a:fmtScheme>
+  </a:themeElements>
+  <a:objectDefaults/>
+  <a:extraClrSchemeLst/>
+  <a:extLst>
+    <a:ext uri="{05A4C25C-085E-4340-85A3-A5531E510DB2}">
+      <thm15:themeFamily xmlns:thm15="http://schemas.microsoft.com/office/thememl/2012/main" name="Office Theme" id="{62F939B6-93AF-4DB8-9C6B-D6C7DFDC589F}" vid="{4A3C46E8-61CC-4603-A589-7422A47A8E4A}"/>
+    </a:ext>
+  </a:extLst>
+</a:theme>
 </file>